--- a/Zwischenpräsentation.pptx
+++ b/Zwischenpräsentation.pptx
@@ -8,7 +8,7 @@
     <p:sldMasterId id="2147483693" r:id="rId4"/>
   </p:sldMasterIdLst>
   <p:notesMasterIdLst>
-    <p:notesMasterId r:id="rId13"/>
+    <p:notesMasterId r:id="rId18"/>
   </p:notesMasterIdLst>
   <p:sldIdLst>
     <p:sldId id="256" r:id="rId5"/>
@@ -18,7 +18,12 @@
     <p:sldId id="260" r:id="rId9"/>
     <p:sldId id="263" r:id="rId10"/>
     <p:sldId id="264" r:id="rId11"/>
-    <p:sldId id="262" r:id="rId12"/>
+    <p:sldId id="266" r:id="rId12"/>
+    <p:sldId id="267" r:id="rId13"/>
+    <p:sldId id="265" r:id="rId14"/>
+    <p:sldId id="268" r:id="rId15"/>
+    <p:sldId id="269" r:id="rId16"/>
+    <p:sldId id="262" r:id="rId17"/>
   </p:sldIdLst>
   <p:sldSz cx="12192000" cy="6858000"/>
   <p:notesSz cx="6858000" cy="9144000"/>
@@ -268,7 +273,7 @@
           <a:p>
             <a:fld id="{028B6593-098D-4382-9647-35487FA190B4}" type="datetimeFigureOut">
               <a:rPr lang="de-DE" smtClean="0"/>
-              <a:t>04.12.2025</a:t>
+              <a:t>07.12.2025</a:t>
             </a:fld>
             <a:endParaRPr lang="de-DE"/>
           </a:p>
@@ -617,7 +622,7 @@
             <a:fld id="{BFBAF385-7378-4A32-85D2-65025305A3A0}" type="datetime4">
               <a:rPr lang="de-DE" smtClean="0"/>
               <a:pPr/>
-              <a:t>4. Dezember 2025</a:t>
+              <a:t>7. Dezember 2025</a:t>
             </a:fld>
             <a:endParaRPr lang="de-DE" dirty="0"/>
           </a:p>
@@ -1152,7 +1157,7 @@
             <a:fld id="{E4612975-D8C2-4BA9-A85C-A39EEEE43493}" type="datetime4">
               <a:rPr lang="de-DE" smtClean="0"/>
               <a:pPr/>
-              <a:t>4. Dezember 2025</a:t>
+              <a:t>7. Dezember 2025</a:t>
             </a:fld>
             <a:endParaRPr lang="de-DE" dirty="0"/>
           </a:p>
@@ -1660,7 +1665,7 @@
             <a:fld id="{BFBAF385-7378-4A32-85D2-65025305A3A0}" type="datetime4">
               <a:rPr lang="de-DE" smtClean="0"/>
               <a:pPr/>
-              <a:t>4. Dezember 2025</a:t>
+              <a:t>7. Dezember 2025</a:t>
             </a:fld>
             <a:endParaRPr lang="de-DE" dirty="0"/>
           </a:p>
@@ -2195,7 +2200,7 @@
             <a:fld id="{E4612975-D8C2-4BA9-A85C-A39EEEE43493}" type="datetime4">
               <a:rPr lang="de-DE" smtClean="0"/>
               <a:pPr/>
-              <a:t>4. Dezember 2025</a:t>
+              <a:t>7. Dezember 2025</a:t>
             </a:fld>
             <a:endParaRPr lang="de-DE" dirty="0"/>
           </a:p>
@@ -2918,7 +2923,7 @@
             <a:fld id="{E4612975-D8C2-4BA9-A85C-A39EEEE43493}" type="datetime4">
               <a:rPr lang="de-DE" smtClean="0"/>
               <a:pPr/>
-              <a:t>4. Dezember 2025</a:t>
+              <a:t>7. Dezember 2025</a:t>
             </a:fld>
             <a:endParaRPr lang="de-DE" dirty="0"/>
           </a:p>
@@ -3413,7 +3418,7 @@
             <a:fld id="{BFBAF385-7378-4A32-85D2-65025305A3A0}" type="datetime4">
               <a:rPr lang="de-DE" smtClean="0"/>
               <a:pPr/>
-              <a:t>4. Dezember 2025</a:t>
+              <a:t>7. Dezember 2025</a:t>
             </a:fld>
             <a:endParaRPr lang="de-DE" dirty="0"/>
           </a:p>
@@ -3948,7 +3953,7 @@
             <a:fld id="{E4612975-D8C2-4BA9-A85C-A39EEEE43493}" type="datetime4">
               <a:rPr lang="de-DE" smtClean="0"/>
               <a:pPr/>
-              <a:t>4. Dezember 2025</a:t>
+              <a:t>7. Dezember 2025</a:t>
             </a:fld>
             <a:endParaRPr lang="de-DE" dirty="0"/>
           </a:p>
@@ -4443,7 +4448,7 @@
             <a:fld id="{BFBAF385-7378-4A32-85D2-65025305A3A0}" type="datetime4">
               <a:rPr lang="de-DE" smtClean="0"/>
               <a:pPr/>
-              <a:t>4. Dezember 2025</a:t>
+              <a:t>7. Dezember 2025</a:t>
             </a:fld>
             <a:endParaRPr lang="de-DE" dirty="0"/>
           </a:p>
@@ -7693,7 +7698,7 @@
             <a:fld id="{BFBAF385-7378-4A32-85D2-65025305A3A0}" type="datetime4">
               <a:rPr lang="de-DE" smtClean="0"/>
               <a:pPr/>
-              <a:t>4. Dezember 2025</a:t>
+              <a:t>7. Dezember 2025</a:t>
             </a:fld>
             <a:endParaRPr lang="de-DE" dirty="0"/>
           </a:p>
@@ -7827,6 +7832,1264 @@
     <p:extLst>
       <p:ext uri="{BB962C8B-B14F-4D97-AF65-F5344CB8AC3E}">
         <p14:creationId xmlns:p14="http://schemas.microsoft.com/office/powerpoint/2010/main" val="1344562607"/>
+      </p:ext>
+    </p:extLst>
+  </p:cSld>
+  <p:clrMapOvr>
+    <a:masterClrMapping/>
+  </p:clrMapOvr>
+</p:sld>
+</file>
+
+<file path=ppt/slides/slide10.xml><?xml version="1.0" encoding="utf-8"?>
+<p:sld xmlns:a="http://schemas.openxmlformats.org/drawingml/2006/main" xmlns:r="http://schemas.openxmlformats.org/officeDocument/2006/relationships" xmlns:p="http://schemas.openxmlformats.org/presentationml/2006/main">
+  <p:cSld>
+    <p:spTree>
+      <p:nvGrpSpPr>
+        <p:cNvPr id="1" name="">
+          <a:extLst>
+            <a:ext uri="{FF2B5EF4-FFF2-40B4-BE49-F238E27FC236}">
+              <a16:creationId xmlns:a16="http://schemas.microsoft.com/office/drawing/2014/main" id="{85AD054F-5114-7560-A8EB-31721C46010F}"/>
+            </a:ext>
+          </a:extLst>
+        </p:cNvPr>
+        <p:cNvGrpSpPr/>
+        <p:nvPr/>
+      </p:nvGrpSpPr>
+      <p:grpSpPr>
+        <a:xfrm>
+          <a:off x="0" y="0"/>
+          <a:ext cx="0" cy="0"/>
+          <a:chOff x="0" y="0"/>
+          <a:chExt cx="0" cy="0"/>
+        </a:xfrm>
+      </p:grpSpPr>
+      <p:sp>
+        <p:nvSpPr>
+          <p:cNvPr id="2" name="Titel 1">
+            <a:extLst>
+              <a:ext uri="{FF2B5EF4-FFF2-40B4-BE49-F238E27FC236}">
+                <a16:creationId xmlns:a16="http://schemas.microsoft.com/office/drawing/2014/main" id="{01986A89-3942-E98D-D6A9-AA7443CC70E2}"/>
+              </a:ext>
+            </a:extLst>
+          </p:cNvPr>
+          <p:cNvSpPr>
+            <a:spLocks noGrp="1"/>
+          </p:cNvSpPr>
+          <p:nvPr>
+            <p:ph type="title"/>
+          </p:nvPr>
+        </p:nvSpPr>
+        <p:spPr/>
+        <p:txBody>
+          <a:bodyPr/>
+          <a:lstStyle/>
+          <a:p>
+            <a:pPr marL="514350" indent="-514350">
+              <a:buFont typeface="+mj-lt"/>
+              <a:buAutoNum type="arabicPeriod" startAt="3"/>
+            </a:pPr>
+            <a:r>
+              <a:rPr lang="de-DE" dirty="0"/>
+              <a:t>Simulink-Modell der Regelstrecke</a:t>
+            </a:r>
+          </a:p>
+        </p:txBody>
+      </p:sp>
+      <mc:AlternateContent xmlns:mc="http://schemas.openxmlformats.org/markup-compatibility/2006">
+        <mc:Choice xmlns:a14="http://schemas.microsoft.com/office/drawing/2010/main" Requires="a14">
+          <p:sp>
+            <p:nvSpPr>
+              <p:cNvPr id="3" name="Inhaltsplatzhalter 2">
+                <a:extLst>
+                  <a:ext uri="{FF2B5EF4-FFF2-40B4-BE49-F238E27FC236}">
+                    <a16:creationId xmlns:a16="http://schemas.microsoft.com/office/drawing/2014/main" id="{91447967-627B-6054-1655-E5994606025F}"/>
+                  </a:ext>
+                </a:extLst>
+              </p:cNvPr>
+              <p:cNvSpPr>
+                <a:spLocks noGrp="1"/>
+              </p:cNvSpPr>
+              <p:nvPr>
+                <p:ph idx="1"/>
+              </p:nvPr>
+            </p:nvSpPr>
+            <p:spPr/>
+            <p:txBody>
+              <a:bodyPr anchor="t"/>
+              <a:lstStyle/>
+              <a:p>
+                <a:pPr>
+                  <a:buNone/>
+                </a:pPr>
+                <a:r>
+                  <a:rPr lang="de-DE" b="1" dirty="0"/>
+                  <a:t>Simulation des zeitlichen Verlaufs der Zustandsgrößen für </a:t>
+                </a:r>
+                <a14:m>
+                  <m:oMath xmlns:m="http://schemas.openxmlformats.org/officeDocument/2006/math">
+                    <m:sSub>
+                      <m:sSubPr>
+                        <m:ctrlPr>
+                          <a:rPr lang="de-DE" b="1" i="1">
+                            <a:latin typeface="Cambria Math" panose="02040503050406030204" pitchFamily="18" charset="0"/>
+                          </a:rPr>
+                        </m:ctrlPr>
+                      </m:sSubPr>
+                      <m:e>
+                        <m:acc>
+                          <m:accPr>
+                            <m:chr m:val="̅"/>
+                            <m:ctrlPr>
+                              <a:rPr lang="de-DE" b="1" i="1">
+                                <a:latin typeface="Cambria Math" panose="02040503050406030204" pitchFamily="18" charset="0"/>
+                              </a:rPr>
+                            </m:ctrlPr>
+                          </m:accPr>
+                          <m:e>
+                            <m:r>
+                              <a:rPr lang="de-DE" b="1" i="1">
+                                <a:latin typeface="Cambria Math" panose="02040503050406030204" pitchFamily="18" charset="0"/>
+                              </a:rPr>
+                              <m:t>𝑰</m:t>
+                            </m:r>
+                          </m:e>
+                        </m:acc>
+                      </m:e>
+                      <m:sub>
+                        <m:r>
+                          <a:rPr lang="de-DE" b="1" i="1">
+                            <a:latin typeface="Cambria Math" panose="02040503050406030204" pitchFamily="18" charset="0"/>
+                          </a:rPr>
+                          <m:t>𝟎</m:t>
+                        </m:r>
+                      </m:sub>
+                    </m:sSub>
+                    <m:r>
+                      <a:rPr lang="de-DE" b="1" i="1" smtClean="0">
+                        <a:latin typeface="Cambria Math" panose="02040503050406030204" pitchFamily="18" charset="0"/>
+                      </a:rPr>
+                      <m:t>=</m:t>
+                    </m:r>
+                    <m:r>
+                      <a:rPr lang="de-DE" b="1" i="1" smtClean="0">
+                        <a:latin typeface="Cambria Math" panose="02040503050406030204" pitchFamily="18" charset="0"/>
+                      </a:rPr>
+                      <m:t>𝟒</m:t>
+                    </m:r>
+                    <m:r>
+                      <a:rPr lang="de-DE" b="1" i="1" smtClean="0">
+                        <a:latin typeface="Cambria Math" panose="02040503050406030204" pitchFamily="18" charset="0"/>
+                      </a:rPr>
+                      <m:t> </m:t>
+                    </m:r>
+                    <m:r>
+                      <a:rPr lang="de-DE" b="1" i="1" smtClean="0">
+                        <a:latin typeface="Cambria Math" panose="02040503050406030204" pitchFamily="18" charset="0"/>
+                      </a:rPr>
+                      <m:t>𝒎𝑨</m:t>
+                    </m:r>
+                    <m:r>
+                      <a:rPr lang="de-DE" b="1" i="1" smtClean="0">
+                        <a:latin typeface="Cambria Math" panose="02040503050406030204" pitchFamily="18" charset="0"/>
+                      </a:rPr>
+                      <m:t> &gt;</m:t>
+                    </m:r>
+                    <m:sSub>
+                      <m:sSubPr>
+                        <m:ctrlPr>
+                          <a:rPr lang="de-DE" b="1" i="1">
+                            <a:latin typeface="Cambria Math" panose="02040503050406030204" pitchFamily="18" charset="0"/>
+                          </a:rPr>
+                        </m:ctrlPr>
+                      </m:sSubPr>
+                      <m:e>
+                        <m:acc>
+                          <m:accPr>
+                            <m:chr m:val="̅"/>
+                            <m:ctrlPr>
+                              <a:rPr lang="de-DE" b="1" i="1">
+                                <a:latin typeface="Cambria Math" panose="02040503050406030204" pitchFamily="18" charset="0"/>
+                              </a:rPr>
+                            </m:ctrlPr>
+                          </m:accPr>
+                          <m:e>
+                            <m:r>
+                              <a:rPr lang="de-DE" b="1" i="1">
+                                <a:latin typeface="Cambria Math" panose="02040503050406030204" pitchFamily="18" charset="0"/>
+                              </a:rPr>
+                              <m:t>𝑰</m:t>
+                            </m:r>
+                          </m:e>
+                        </m:acc>
+                      </m:e>
+                      <m:sub>
+                        <m:r>
+                          <a:rPr lang="de-DE" b="1" i="1">
+                            <a:latin typeface="Cambria Math" panose="02040503050406030204" pitchFamily="18" charset="0"/>
+                          </a:rPr>
+                          <m:t>𝟎</m:t>
+                        </m:r>
+                        <m:r>
+                          <a:rPr lang="de-DE" b="1" i="1">
+                            <a:latin typeface="Cambria Math" panose="02040503050406030204" pitchFamily="18" charset="0"/>
+                          </a:rPr>
+                          <m:t>,</m:t>
+                        </m:r>
+                        <m:r>
+                          <a:rPr lang="de-DE" b="1" i="1">
+                            <a:latin typeface="Cambria Math" panose="02040503050406030204" pitchFamily="18" charset="0"/>
+                          </a:rPr>
+                          <m:t>𝒌𝒓𝒊𝒕</m:t>
+                        </m:r>
+                      </m:sub>
+                    </m:sSub>
+                  </m:oMath>
+                </a14:m>
+                <a:endParaRPr lang="de-DE" b="1" i="1" dirty="0"/>
+              </a:p>
+            </p:txBody>
+          </p:sp>
+        </mc:Choice>
+        <mc:Fallback>
+          <p:sp>
+            <p:nvSpPr>
+              <p:cNvPr id="3" name="Inhaltsplatzhalter 2">
+                <a:extLst>
+                  <a:ext uri="{FF2B5EF4-FFF2-40B4-BE49-F238E27FC236}">
+                    <a16:creationId xmlns:a16="http://schemas.microsoft.com/office/drawing/2014/main" id="{91447967-627B-6054-1655-E5994606025F}"/>
+                  </a:ext>
+                </a:extLst>
+              </p:cNvPr>
+              <p:cNvSpPr>
+                <a:spLocks noGrp="1" noRot="1" noChangeAspect="1" noMove="1" noResize="1" noEditPoints="1" noAdjustHandles="1" noChangeArrowheads="1" noChangeShapeType="1" noTextEdit="1"/>
+              </p:cNvSpPr>
+              <p:nvPr>
+                <p:ph idx="1"/>
+              </p:nvPr>
+            </p:nvSpPr>
+            <p:spPr>
+              <a:blipFill>
+                <a:blip r:embed="rId2"/>
+                <a:stretch>
+                  <a:fillRect l="-1474" t="-1299"/>
+                </a:stretch>
+              </a:blipFill>
+            </p:spPr>
+            <p:txBody>
+              <a:bodyPr/>
+              <a:lstStyle/>
+              <a:p>
+                <a:r>
+                  <a:rPr lang="de-DE">
+                    <a:noFill/>
+                  </a:rPr>
+                  <a:t> </a:t>
+                </a:r>
+              </a:p>
+            </p:txBody>
+          </p:sp>
+        </mc:Fallback>
+      </mc:AlternateContent>
+      <p:sp>
+        <p:nvSpPr>
+          <p:cNvPr id="4" name="Fußzeilenplatzhalter 3">
+            <a:extLst>
+              <a:ext uri="{FF2B5EF4-FFF2-40B4-BE49-F238E27FC236}">
+                <a16:creationId xmlns:a16="http://schemas.microsoft.com/office/drawing/2014/main" id="{2ACA0057-9436-9A4E-F45B-59116793B4DF}"/>
+              </a:ext>
+            </a:extLst>
+          </p:cNvPr>
+          <p:cNvSpPr>
+            <a:spLocks noGrp="1"/>
+          </p:cNvSpPr>
+          <p:nvPr>
+            <p:ph type="ftr" sz="quarter" idx="11"/>
+          </p:nvPr>
+        </p:nvSpPr>
+        <p:spPr/>
+        <p:txBody>
+          <a:bodyPr/>
+          <a:lstStyle/>
+          <a:p>
+            <a:r>
+              <a:rPr lang="de-DE"/>
+              <a:t>Lennart und Richard Mende, 25EIM-AT, E144 Regelungstheorie, Prof. Dr.-Ing. Hendrik Richter</a:t>
+            </a:r>
+            <a:endParaRPr lang="de-DE" dirty="0"/>
+          </a:p>
+        </p:txBody>
+      </p:sp>
+      <p:sp>
+        <p:nvSpPr>
+          <p:cNvPr id="5" name="Foliennummernplatzhalter 4">
+            <a:extLst>
+              <a:ext uri="{FF2B5EF4-FFF2-40B4-BE49-F238E27FC236}">
+                <a16:creationId xmlns:a16="http://schemas.microsoft.com/office/drawing/2014/main" id="{CC45B8F3-E7F9-3614-78D9-94308EEFC298}"/>
+              </a:ext>
+            </a:extLst>
+          </p:cNvPr>
+          <p:cNvSpPr>
+            <a:spLocks noGrp="1"/>
+          </p:cNvSpPr>
+          <p:nvPr>
+            <p:ph type="sldNum" sz="quarter" idx="12"/>
+          </p:nvPr>
+        </p:nvSpPr>
+        <p:spPr/>
+        <p:txBody>
+          <a:bodyPr/>
+          <a:lstStyle/>
+          <a:p>
+            <a:fld id="{5DDB454C-C8BB-450C-A446-EA3D813FE484}" type="slidenum">
+              <a:rPr lang="de-DE" smtClean="0"/>
+              <a:t>10</a:t>
+            </a:fld>
+            <a:endParaRPr lang="de-DE"/>
+          </a:p>
+        </p:txBody>
+      </p:sp>
+      <p:pic>
+        <p:nvPicPr>
+          <p:cNvPr id="7" name="Grafik 6" descr="Ein Bild, das Screenshot enthält.&#10;&#10;KI-generierte Inhalte können fehlerhaft sein.">
+            <a:extLst>
+              <a:ext uri="{FF2B5EF4-FFF2-40B4-BE49-F238E27FC236}">
+                <a16:creationId xmlns:a16="http://schemas.microsoft.com/office/drawing/2014/main" id="{B6DB5FE4-BF9B-0BC8-0136-A1EE505CDF84}"/>
+              </a:ext>
+            </a:extLst>
+          </p:cNvPr>
+          <p:cNvPicPr>
+            <a:picLocks noChangeAspect="1"/>
+          </p:cNvPicPr>
+          <p:nvPr/>
+        </p:nvPicPr>
+        <p:blipFill>
+          <a:blip r:embed="rId3">
+            <a:extLst>
+              <a:ext uri="{28A0092B-C50C-407E-A947-70E740481C1C}">
+                <a14:useLocalDpi xmlns:a14="http://schemas.microsoft.com/office/drawing/2010/main" val="0"/>
+              </a:ext>
+            </a:extLst>
+          </a:blip>
+          <a:stretch>
+            <a:fillRect/>
+          </a:stretch>
+        </p:blipFill>
+        <p:spPr>
+          <a:xfrm>
+            <a:off x="1378800" y="1954800"/>
+            <a:ext cx="7310159" cy="3960000"/>
+          </a:xfrm>
+          <a:prstGeom prst="rect">
+            <a:avLst/>
+          </a:prstGeom>
+        </p:spPr>
+      </p:pic>
+    </p:spTree>
+    <p:extLst>
+      <p:ext uri="{BB962C8B-B14F-4D97-AF65-F5344CB8AC3E}">
+        <p14:creationId xmlns:p14="http://schemas.microsoft.com/office/powerpoint/2010/main" val="1821834717"/>
+      </p:ext>
+    </p:extLst>
+  </p:cSld>
+  <p:clrMapOvr>
+    <a:masterClrMapping/>
+  </p:clrMapOvr>
+</p:sld>
+</file>
+
+<file path=ppt/slides/slide11.xml><?xml version="1.0" encoding="utf-8"?>
+<p:sld xmlns:a="http://schemas.openxmlformats.org/drawingml/2006/main" xmlns:r="http://schemas.openxmlformats.org/officeDocument/2006/relationships" xmlns:p="http://schemas.openxmlformats.org/presentationml/2006/main">
+  <p:cSld>
+    <p:spTree>
+      <p:nvGrpSpPr>
+        <p:cNvPr id="1" name="">
+          <a:extLst>
+            <a:ext uri="{FF2B5EF4-FFF2-40B4-BE49-F238E27FC236}">
+              <a16:creationId xmlns:a16="http://schemas.microsoft.com/office/drawing/2014/main" id="{773A46B5-F07E-65F2-E0AE-9EED579895D9}"/>
+            </a:ext>
+          </a:extLst>
+        </p:cNvPr>
+        <p:cNvGrpSpPr/>
+        <p:nvPr/>
+      </p:nvGrpSpPr>
+      <p:grpSpPr>
+        <a:xfrm>
+          <a:off x="0" y="0"/>
+          <a:ext cx="0" cy="0"/>
+          <a:chOff x="0" y="0"/>
+          <a:chExt cx="0" cy="0"/>
+        </a:xfrm>
+      </p:grpSpPr>
+      <p:sp>
+        <p:nvSpPr>
+          <p:cNvPr id="2" name="Titel 1">
+            <a:extLst>
+              <a:ext uri="{FF2B5EF4-FFF2-40B4-BE49-F238E27FC236}">
+                <a16:creationId xmlns:a16="http://schemas.microsoft.com/office/drawing/2014/main" id="{105181F3-EAFA-F2C6-5DBD-382CFBB4DF49}"/>
+              </a:ext>
+            </a:extLst>
+          </p:cNvPr>
+          <p:cNvSpPr>
+            <a:spLocks noGrp="1"/>
+          </p:cNvSpPr>
+          <p:nvPr>
+            <p:ph type="title"/>
+          </p:nvPr>
+        </p:nvSpPr>
+        <p:spPr/>
+        <p:txBody>
+          <a:bodyPr/>
+          <a:lstStyle/>
+          <a:p>
+            <a:pPr marL="514350" indent="-514350">
+              <a:buFont typeface="+mj-lt"/>
+              <a:buAutoNum type="arabicPeriod" startAt="3"/>
+            </a:pPr>
+            <a:r>
+              <a:rPr lang="de-DE" dirty="0"/>
+              <a:t>Simulink-Modell der Regelstrecke</a:t>
+            </a:r>
+          </a:p>
+        </p:txBody>
+      </p:sp>
+      <mc:AlternateContent xmlns:mc="http://schemas.openxmlformats.org/markup-compatibility/2006">
+        <mc:Choice xmlns:a14="http://schemas.microsoft.com/office/drawing/2010/main" Requires="a14">
+          <p:sp>
+            <p:nvSpPr>
+              <p:cNvPr id="3" name="Inhaltsplatzhalter 2">
+                <a:extLst>
+                  <a:ext uri="{FF2B5EF4-FFF2-40B4-BE49-F238E27FC236}">
+                    <a16:creationId xmlns:a16="http://schemas.microsoft.com/office/drawing/2014/main" id="{C8A088DC-F44D-CFFB-7092-19D64F0DAB1D}"/>
+                  </a:ext>
+                </a:extLst>
+              </p:cNvPr>
+              <p:cNvSpPr>
+                <a:spLocks noGrp="1"/>
+              </p:cNvSpPr>
+              <p:nvPr>
+                <p:ph idx="1"/>
+              </p:nvPr>
+            </p:nvSpPr>
+            <p:spPr/>
+            <p:txBody>
+              <a:bodyPr anchor="t"/>
+              <a:lstStyle/>
+              <a:p>
+                <a:pPr>
+                  <a:buNone/>
+                </a:pPr>
+                <a:r>
+                  <a:rPr lang="de-DE" b="1" dirty="0"/>
+                  <a:t>Simulation des zeitlichen Verlaufs der Zustandsgrößen für </a:t>
+                </a:r>
+                <a14:m>
+                  <m:oMath xmlns:m="http://schemas.openxmlformats.org/officeDocument/2006/math">
+                    <m:sSub>
+                      <m:sSubPr>
+                        <m:ctrlPr>
+                          <a:rPr lang="de-DE" b="1" i="1">
+                            <a:latin typeface="Cambria Math" panose="02040503050406030204" pitchFamily="18" charset="0"/>
+                          </a:rPr>
+                        </m:ctrlPr>
+                      </m:sSubPr>
+                      <m:e>
+                        <m:acc>
+                          <m:accPr>
+                            <m:chr m:val="̅"/>
+                            <m:ctrlPr>
+                              <a:rPr lang="de-DE" b="1" i="1">
+                                <a:latin typeface="Cambria Math" panose="02040503050406030204" pitchFamily="18" charset="0"/>
+                              </a:rPr>
+                            </m:ctrlPr>
+                          </m:accPr>
+                          <m:e>
+                            <m:r>
+                              <a:rPr lang="de-DE" b="1" i="1">
+                                <a:latin typeface="Cambria Math" panose="02040503050406030204" pitchFamily="18" charset="0"/>
+                              </a:rPr>
+                              <m:t>𝑰</m:t>
+                            </m:r>
+                          </m:e>
+                        </m:acc>
+                      </m:e>
+                      <m:sub>
+                        <m:r>
+                          <a:rPr lang="de-DE" b="1" i="1">
+                            <a:latin typeface="Cambria Math" panose="02040503050406030204" pitchFamily="18" charset="0"/>
+                          </a:rPr>
+                          <m:t>𝟎</m:t>
+                        </m:r>
+                      </m:sub>
+                    </m:sSub>
+                    <m:r>
+                      <a:rPr lang="de-DE" b="1" i="1" smtClean="0">
+                        <a:latin typeface="Cambria Math" panose="02040503050406030204" pitchFamily="18" charset="0"/>
+                      </a:rPr>
+                      <m:t>=</m:t>
+                    </m:r>
+                    <m:r>
+                      <a:rPr lang="de-DE" b="1" i="1" smtClean="0">
+                        <a:latin typeface="Cambria Math" panose="02040503050406030204" pitchFamily="18" charset="0"/>
+                      </a:rPr>
+                      <m:t>𝟒</m:t>
+                    </m:r>
+                    <m:r>
+                      <a:rPr lang="de-DE" b="1" i="1" smtClean="0">
+                        <a:latin typeface="Cambria Math" panose="02040503050406030204" pitchFamily="18" charset="0"/>
+                      </a:rPr>
+                      <m:t> </m:t>
+                    </m:r>
+                    <m:r>
+                      <a:rPr lang="de-DE" b="1" i="1" smtClean="0">
+                        <a:latin typeface="Cambria Math" panose="02040503050406030204" pitchFamily="18" charset="0"/>
+                      </a:rPr>
+                      <m:t>𝒎𝑨</m:t>
+                    </m:r>
+                    <m:r>
+                      <a:rPr lang="de-DE" b="1" i="1" smtClean="0">
+                        <a:latin typeface="Cambria Math" panose="02040503050406030204" pitchFamily="18" charset="0"/>
+                      </a:rPr>
+                      <m:t> &gt;</m:t>
+                    </m:r>
+                    <m:sSub>
+                      <m:sSubPr>
+                        <m:ctrlPr>
+                          <a:rPr lang="de-DE" b="1" i="1">
+                            <a:latin typeface="Cambria Math" panose="02040503050406030204" pitchFamily="18" charset="0"/>
+                          </a:rPr>
+                        </m:ctrlPr>
+                      </m:sSubPr>
+                      <m:e>
+                        <m:acc>
+                          <m:accPr>
+                            <m:chr m:val="̅"/>
+                            <m:ctrlPr>
+                              <a:rPr lang="de-DE" b="1" i="1">
+                                <a:latin typeface="Cambria Math" panose="02040503050406030204" pitchFamily="18" charset="0"/>
+                              </a:rPr>
+                            </m:ctrlPr>
+                          </m:accPr>
+                          <m:e>
+                            <m:r>
+                              <a:rPr lang="de-DE" b="1" i="1">
+                                <a:latin typeface="Cambria Math" panose="02040503050406030204" pitchFamily="18" charset="0"/>
+                              </a:rPr>
+                              <m:t>𝑰</m:t>
+                            </m:r>
+                          </m:e>
+                        </m:acc>
+                      </m:e>
+                      <m:sub>
+                        <m:r>
+                          <a:rPr lang="de-DE" b="1" i="1">
+                            <a:latin typeface="Cambria Math" panose="02040503050406030204" pitchFamily="18" charset="0"/>
+                          </a:rPr>
+                          <m:t>𝟎</m:t>
+                        </m:r>
+                        <m:r>
+                          <a:rPr lang="de-DE" b="1" i="1">
+                            <a:latin typeface="Cambria Math" panose="02040503050406030204" pitchFamily="18" charset="0"/>
+                          </a:rPr>
+                          <m:t>,</m:t>
+                        </m:r>
+                        <m:r>
+                          <a:rPr lang="de-DE" b="1" i="1">
+                            <a:latin typeface="Cambria Math" panose="02040503050406030204" pitchFamily="18" charset="0"/>
+                          </a:rPr>
+                          <m:t>𝒌𝒓𝒊𝒕</m:t>
+                        </m:r>
+                      </m:sub>
+                    </m:sSub>
+                  </m:oMath>
+                </a14:m>
+                <a:endParaRPr lang="de-DE" b="1" i="1" dirty="0"/>
+              </a:p>
+            </p:txBody>
+          </p:sp>
+        </mc:Choice>
+        <mc:Fallback>
+          <p:sp>
+            <p:nvSpPr>
+              <p:cNvPr id="3" name="Inhaltsplatzhalter 2">
+                <a:extLst>
+                  <a:ext uri="{FF2B5EF4-FFF2-40B4-BE49-F238E27FC236}">
+                    <a16:creationId xmlns:a16="http://schemas.microsoft.com/office/drawing/2014/main" id="{C8A088DC-F44D-CFFB-7092-19D64F0DAB1D}"/>
+                  </a:ext>
+                </a:extLst>
+              </p:cNvPr>
+              <p:cNvSpPr>
+                <a:spLocks noGrp="1" noRot="1" noChangeAspect="1" noMove="1" noResize="1" noEditPoints="1" noAdjustHandles="1" noChangeArrowheads="1" noChangeShapeType="1" noTextEdit="1"/>
+              </p:cNvSpPr>
+              <p:nvPr>
+                <p:ph idx="1"/>
+              </p:nvPr>
+            </p:nvSpPr>
+            <p:spPr>
+              <a:blipFill>
+                <a:blip r:embed="rId2"/>
+                <a:stretch>
+                  <a:fillRect l="-1474" t="-1299"/>
+                </a:stretch>
+              </a:blipFill>
+            </p:spPr>
+            <p:txBody>
+              <a:bodyPr/>
+              <a:lstStyle/>
+              <a:p>
+                <a:r>
+                  <a:rPr lang="de-DE">
+                    <a:noFill/>
+                  </a:rPr>
+                  <a:t> </a:t>
+                </a:r>
+              </a:p>
+            </p:txBody>
+          </p:sp>
+        </mc:Fallback>
+      </mc:AlternateContent>
+      <p:sp>
+        <p:nvSpPr>
+          <p:cNvPr id="4" name="Fußzeilenplatzhalter 3">
+            <a:extLst>
+              <a:ext uri="{FF2B5EF4-FFF2-40B4-BE49-F238E27FC236}">
+                <a16:creationId xmlns:a16="http://schemas.microsoft.com/office/drawing/2014/main" id="{DC19A79F-7140-EB78-A46B-4518BA8E9C0F}"/>
+              </a:ext>
+            </a:extLst>
+          </p:cNvPr>
+          <p:cNvSpPr>
+            <a:spLocks noGrp="1"/>
+          </p:cNvSpPr>
+          <p:nvPr>
+            <p:ph type="ftr" sz="quarter" idx="11"/>
+          </p:nvPr>
+        </p:nvSpPr>
+        <p:spPr/>
+        <p:txBody>
+          <a:bodyPr/>
+          <a:lstStyle/>
+          <a:p>
+            <a:r>
+              <a:rPr lang="de-DE"/>
+              <a:t>Lennart und Richard Mende, 25EIM-AT, E144 Regelungstheorie, Prof. Dr.-Ing. Hendrik Richter</a:t>
+            </a:r>
+            <a:endParaRPr lang="de-DE" dirty="0"/>
+          </a:p>
+        </p:txBody>
+      </p:sp>
+      <p:sp>
+        <p:nvSpPr>
+          <p:cNvPr id="5" name="Foliennummernplatzhalter 4">
+            <a:extLst>
+              <a:ext uri="{FF2B5EF4-FFF2-40B4-BE49-F238E27FC236}">
+                <a16:creationId xmlns:a16="http://schemas.microsoft.com/office/drawing/2014/main" id="{5A4B6A7C-B8E3-9CDF-8A01-95B003385FA4}"/>
+              </a:ext>
+            </a:extLst>
+          </p:cNvPr>
+          <p:cNvSpPr>
+            <a:spLocks noGrp="1"/>
+          </p:cNvSpPr>
+          <p:nvPr>
+            <p:ph type="sldNum" sz="quarter" idx="12"/>
+          </p:nvPr>
+        </p:nvSpPr>
+        <p:spPr/>
+        <p:txBody>
+          <a:bodyPr/>
+          <a:lstStyle/>
+          <a:p>
+            <a:fld id="{5DDB454C-C8BB-450C-A446-EA3D813FE484}" type="slidenum">
+              <a:rPr lang="de-DE" smtClean="0"/>
+              <a:t>11</a:t>
+            </a:fld>
+            <a:endParaRPr lang="de-DE"/>
+          </a:p>
+        </p:txBody>
+      </p:sp>
+      <p:pic>
+        <p:nvPicPr>
+          <p:cNvPr id="7" name="Grafik 6" descr="Ein Bild, das Screenshot enthält.&#10;&#10;KI-generierte Inhalte können fehlerhaft sein.">
+            <a:extLst>
+              <a:ext uri="{FF2B5EF4-FFF2-40B4-BE49-F238E27FC236}">
+                <a16:creationId xmlns:a16="http://schemas.microsoft.com/office/drawing/2014/main" id="{1260D79D-4784-0EAF-BAAD-BD1691728B6B}"/>
+              </a:ext>
+            </a:extLst>
+          </p:cNvPr>
+          <p:cNvPicPr>
+            <a:picLocks noChangeAspect="1"/>
+          </p:cNvPicPr>
+          <p:nvPr/>
+        </p:nvPicPr>
+        <p:blipFill>
+          <a:blip r:embed="rId3">
+            <a:extLst>
+              <a:ext uri="{28A0092B-C50C-407E-A947-70E740481C1C}">
+                <a14:useLocalDpi xmlns:a14="http://schemas.microsoft.com/office/drawing/2010/main" val="0"/>
+              </a:ext>
+            </a:extLst>
+          </a:blip>
+          <a:stretch>
+            <a:fillRect/>
+          </a:stretch>
+        </p:blipFill>
+        <p:spPr>
+          <a:xfrm>
+            <a:off x="1378800" y="1954800"/>
+            <a:ext cx="7357679" cy="3960000"/>
+          </a:xfrm>
+          <a:prstGeom prst="rect">
+            <a:avLst/>
+          </a:prstGeom>
+        </p:spPr>
+      </p:pic>
+    </p:spTree>
+    <p:extLst>
+      <p:ext uri="{BB962C8B-B14F-4D97-AF65-F5344CB8AC3E}">
+        <p14:creationId xmlns:p14="http://schemas.microsoft.com/office/powerpoint/2010/main" val="4098389767"/>
+      </p:ext>
+    </p:extLst>
+  </p:cSld>
+  <p:clrMapOvr>
+    <a:masterClrMapping/>
+  </p:clrMapOvr>
+</p:sld>
+</file>
+
+<file path=ppt/slides/slide12.xml><?xml version="1.0" encoding="utf-8"?>
+<p:sld xmlns:a="http://schemas.openxmlformats.org/drawingml/2006/main" xmlns:r="http://schemas.openxmlformats.org/officeDocument/2006/relationships" xmlns:p="http://schemas.openxmlformats.org/presentationml/2006/main">
+  <p:cSld>
+    <p:spTree>
+      <p:nvGrpSpPr>
+        <p:cNvPr id="1" name="">
+          <a:extLst>
+            <a:ext uri="{FF2B5EF4-FFF2-40B4-BE49-F238E27FC236}">
+              <a16:creationId xmlns:a16="http://schemas.microsoft.com/office/drawing/2014/main" id="{AB71FB45-0E5F-87B4-2AAB-576D905BDAE3}"/>
+            </a:ext>
+          </a:extLst>
+        </p:cNvPr>
+        <p:cNvGrpSpPr/>
+        <p:nvPr/>
+      </p:nvGrpSpPr>
+      <p:grpSpPr>
+        <a:xfrm>
+          <a:off x="0" y="0"/>
+          <a:ext cx="0" cy="0"/>
+          <a:chOff x="0" y="0"/>
+          <a:chExt cx="0" cy="0"/>
+        </a:xfrm>
+      </p:grpSpPr>
+      <p:sp>
+        <p:nvSpPr>
+          <p:cNvPr id="2" name="Titel 1">
+            <a:extLst>
+              <a:ext uri="{FF2B5EF4-FFF2-40B4-BE49-F238E27FC236}">
+                <a16:creationId xmlns:a16="http://schemas.microsoft.com/office/drawing/2014/main" id="{E512C620-46C5-8F4C-7F69-C01C8235112B}"/>
+              </a:ext>
+            </a:extLst>
+          </p:cNvPr>
+          <p:cNvSpPr>
+            <a:spLocks noGrp="1"/>
+          </p:cNvSpPr>
+          <p:nvPr>
+            <p:ph type="title"/>
+          </p:nvPr>
+        </p:nvSpPr>
+        <p:spPr/>
+        <p:txBody>
+          <a:bodyPr/>
+          <a:lstStyle/>
+          <a:p>
+            <a:pPr marL="514350" indent="-514350">
+              <a:buFont typeface="+mj-lt"/>
+              <a:buAutoNum type="arabicPeriod" startAt="3"/>
+            </a:pPr>
+            <a:r>
+              <a:rPr lang="de-DE" dirty="0"/>
+              <a:t>Simulink-Modell der Regelstrecke</a:t>
+            </a:r>
+          </a:p>
+        </p:txBody>
+      </p:sp>
+      <mc:AlternateContent xmlns:mc="http://schemas.openxmlformats.org/markup-compatibility/2006">
+        <mc:Choice xmlns:a14="http://schemas.microsoft.com/office/drawing/2010/main" Requires="a14">
+          <p:sp>
+            <p:nvSpPr>
+              <p:cNvPr id="3" name="Inhaltsplatzhalter 2">
+                <a:extLst>
+                  <a:ext uri="{FF2B5EF4-FFF2-40B4-BE49-F238E27FC236}">
+                    <a16:creationId xmlns:a16="http://schemas.microsoft.com/office/drawing/2014/main" id="{2C05AFCA-B28A-20CC-5F73-D7676AAF64BF}"/>
+                  </a:ext>
+                </a:extLst>
+              </p:cNvPr>
+              <p:cNvSpPr>
+                <a:spLocks noGrp="1"/>
+              </p:cNvSpPr>
+              <p:nvPr>
+                <p:ph idx="1"/>
+              </p:nvPr>
+            </p:nvSpPr>
+            <p:spPr/>
+            <p:txBody>
+              <a:bodyPr anchor="t"/>
+              <a:lstStyle/>
+              <a:p>
+                <a:pPr>
+                  <a:buNone/>
+                </a:pPr>
+                <a:r>
+                  <a:rPr lang="de-DE" b="1" dirty="0"/>
+                  <a:t>Simulation des zeitlichen Verlaufs der Zustandsgrößen für </a:t>
+                </a:r>
+                <a14:m>
+                  <m:oMath xmlns:m="http://schemas.openxmlformats.org/officeDocument/2006/math">
+                    <m:sSub>
+                      <m:sSubPr>
+                        <m:ctrlPr>
+                          <a:rPr lang="de-DE" b="1" i="1">
+                            <a:latin typeface="Cambria Math" panose="02040503050406030204" pitchFamily="18" charset="0"/>
+                          </a:rPr>
+                        </m:ctrlPr>
+                      </m:sSubPr>
+                      <m:e>
+                        <m:acc>
+                          <m:accPr>
+                            <m:chr m:val="̅"/>
+                            <m:ctrlPr>
+                              <a:rPr lang="de-DE" b="1" i="1">
+                                <a:latin typeface="Cambria Math" panose="02040503050406030204" pitchFamily="18" charset="0"/>
+                              </a:rPr>
+                            </m:ctrlPr>
+                          </m:accPr>
+                          <m:e>
+                            <m:r>
+                              <a:rPr lang="de-DE" b="1" i="1">
+                                <a:latin typeface="Cambria Math" panose="02040503050406030204" pitchFamily="18" charset="0"/>
+                              </a:rPr>
+                              <m:t>𝑰</m:t>
+                            </m:r>
+                          </m:e>
+                        </m:acc>
+                      </m:e>
+                      <m:sub>
+                        <m:r>
+                          <a:rPr lang="de-DE" b="1" i="1">
+                            <a:latin typeface="Cambria Math" panose="02040503050406030204" pitchFamily="18" charset="0"/>
+                          </a:rPr>
+                          <m:t>𝟎</m:t>
+                        </m:r>
+                      </m:sub>
+                    </m:sSub>
+                    <m:r>
+                      <a:rPr lang="de-DE" b="1" i="1" smtClean="0">
+                        <a:latin typeface="Cambria Math" panose="02040503050406030204" pitchFamily="18" charset="0"/>
+                      </a:rPr>
+                      <m:t>=</m:t>
+                    </m:r>
+                    <m:r>
+                      <a:rPr lang="de-DE" b="1" i="1" smtClean="0">
+                        <a:latin typeface="Cambria Math" panose="02040503050406030204" pitchFamily="18" charset="0"/>
+                      </a:rPr>
+                      <m:t>𝟒</m:t>
+                    </m:r>
+                    <m:r>
+                      <a:rPr lang="de-DE" b="1" i="1" smtClean="0">
+                        <a:latin typeface="Cambria Math" panose="02040503050406030204" pitchFamily="18" charset="0"/>
+                      </a:rPr>
+                      <m:t> </m:t>
+                    </m:r>
+                    <m:r>
+                      <a:rPr lang="de-DE" b="1" i="1" smtClean="0">
+                        <a:latin typeface="Cambria Math" panose="02040503050406030204" pitchFamily="18" charset="0"/>
+                      </a:rPr>
+                      <m:t>𝒎𝑨</m:t>
+                    </m:r>
+                    <m:r>
+                      <a:rPr lang="de-DE" b="1" i="1" smtClean="0">
+                        <a:latin typeface="Cambria Math" panose="02040503050406030204" pitchFamily="18" charset="0"/>
+                      </a:rPr>
+                      <m:t> &gt;</m:t>
+                    </m:r>
+                    <m:sSub>
+                      <m:sSubPr>
+                        <m:ctrlPr>
+                          <a:rPr lang="de-DE" b="1" i="1">
+                            <a:latin typeface="Cambria Math" panose="02040503050406030204" pitchFamily="18" charset="0"/>
+                          </a:rPr>
+                        </m:ctrlPr>
+                      </m:sSubPr>
+                      <m:e>
+                        <m:acc>
+                          <m:accPr>
+                            <m:chr m:val="̅"/>
+                            <m:ctrlPr>
+                              <a:rPr lang="de-DE" b="1" i="1">
+                                <a:latin typeface="Cambria Math" panose="02040503050406030204" pitchFamily="18" charset="0"/>
+                              </a:rPr>
+                            </m:ctrlPr>
+                          </m:accPr>
+                          <m:e>
+                            <m:r>
+                              <a:rPr lang="de-DE" b="1" i="1">
+                                <a:latin typeface="Cambria Math" panose="02040503050406030204" pitchFamily="18" charset="0"/>
+                              </a:rPr>
+                              <m:t>𝑰</m:t>
+                            </m:r>
+                          </m:e>
+                        </m:acc>
+                      </m:e>
+                      <m:sub>
+                        <m:r>
+                          <a:rPr lang="de-DE" b="1" i="1">
+                            <a:latin typeface="Cambria Math" panose="02040503050406030204" pitchFamily="18" charset="0"/>
+                          </a:rPr>
+                          <m:t>𝟎</m:t>
+                        </m:r>
+                        <m:r>
+                          <a:rPr lang="de-DE" b="1" i="1">
+                            <a:latin typeface="Cambria Math" panose="02040503050406030204" pitchFamily="18" charset="0"/>
+                          </a:rPr>
+                          <m:t>,</m:t>
+                        </m:r>
+                        <m:r>
+                          <a:rPr lang="de-DE" b="1" i="1">
+                            <a:latin typeface="Cambria Math" panose="02040503050406030204" pitchFamily="18" charset="0"/>
+                          </a:rPr>
+                          <m:t>𝒌𝒓𝒊𝒕</m:t>
+                        </m:r>
+                      </m:sub>
+                    </m:sSub>
+                  </m:oMath>
+                </a14:m>
+                <a:endParaRPr lang="de-DE" b="1" i="1" dirty="0"/>
+              </a:p>
+            </p:txBody>
+          </p:sp>
+        </mc:Choice>
+        <mc:Fallback>
+          <p:sp>
+            <p:nvSpPr>
+              <p:cNvPr id="3" name="Inhaltsplatzhalter 2">
+                <a:extLst>
+                  <a:ext uri="{FF2B5EF4-FFF2-40B4-BE49-F238E27FC236}">
+                    <a16:creationId xmlns:a16="http://schemas.microsoft.com/office/drawing/2014/main" id="{2C05AFCA-B28A-20CC-5F73-D7676AAF64BF}"/>
+                  </a:ext>
+                </a:extLst>
+              </p:cNvPr>
+              <p:cNvSpPr>
+                <a:spLocks noGrp="1" noRot="1" noChangeAspect="1" noMove="1" noResize="1" noEditPoints="1" noAdjustHandles="1" noChangeArrowheads="1" noChangeShapeType="1" noTextEdit="1"/>
+              </p:cNvSpPr>
+              <p:nvPr>
+                <p:ph idx="1"/>
+              </p:nvPr>
+            </p:nvSpPr>
+            <p:spPr>
+              <a:blipFill>
+                <a:blip r:embed="rId2"/>
+                <a:stretch>
+                  <a:fillRect l="-1474" t="-1299"/>
+                </a:stretch>
+              </a:blipFill>
+            </p:spPr>
+            <p:txBody>
+              <a:bodyPr/>
+              <a:lstStyle/>
+              <a:p>
+                <a:r>
+                  <a:rPr lang="de-DE">
+                    <a:noFill/>
+                  </a:rPr>
+                  <a:t> </a:t>
+                </a:r>
+              </a:p>
+            </p:txBody>
+          </p:sp>
+        </mc:Fallback>
+      </mc:AlternateContent>
+      <p:sp>
+        <p:nvSpPr>
+          <p:cNvPr id="4" name="Fußzeilenplatzhalter 3">
+            <a:extLst>
+              <a:ext uri="{FF2B5EF4-FFF2-40B4-BE49-F238E27FC236}">
+                <a16:creationId xmlns:a16="http://schemas.microsoft.com/office/drawing/2014/main" id="{3666528D-5C03-69A1-9222-E1047CA95203}"/>
+              </a:ext>
+            </a:extLst>
+          </p:cNvPr>
+          <p:cNvSpPr>
+            <a:spLocks noGrp="1"/>
+          </p:cNvSpPr>
+          <p:nvPr>
+            <p:ph type="ftr" sz="quarter" idx="11"/>
+          </p:nvPr>
+        </p:nvSpPr>
+        <p:spPr/>
+        <p:txBody>
+          <a:bodyPr/>
+          <a:lstStyle/>
+          <a:p>
+            <a:r>
+              <a:rPr lang="de-DE"/>
+              <a:t>Lennart und Richard Mende, 25EIM-AT, E144 Regelungstheorie, Prof. Dr.-Ing. Hendrik Richter</a:t>
+            </a:r>
+            <a:endParaRPr lang="de-DE" dirty="0"/>
+          </a:p>
+        </p:txBody>
+      </p:sp>
+      <p:sp>
+        <p:nvSpPr>
+          <p:cNvPr id="5" name="Foliennummernplatzhalter 4">
+            <a:extLst>
+              <a:ext uri="{FF2B5EF4-FFF2-40B4-BE49-F238E27FC236}">
+                <a16:creationId xmlns:a16="http://schemas.microsoft.com/office/drawing/2014/main" id="{45F2D558-AC1A-1782-84E5-95ED661DD239}"/>
+              </a:ext>
+            </a:extLst>
+          </p:cNvPr>
+          <p:cNvSpPr>
+            <a:spLocks noGrp="1"/>
+          </p:cNvSpPr>
+          <p:nvPr>
+            <p:ph type="sldNum" sz="quarter" idx="12"/>
+          </p:nvPr>
+        </p:nvSpPr>
+        <p:spPr/>
+        <p:txBody>
+          <a:bodyPr/>
+          <a:lstStyle/>
+          <a:p>
+            <a:fld id="{5DDB454C-C8BB-450C-A446-EA3D813FE484}" type="slidenum">
+              <a:rPr lang="de-DE" smtClean="0"/>
+              <a:t>12</a:t>
+            </a:fld>
+            <a:endParaRPr lang="de-DE"/>
+          </a:p>
+        </p:txBody>
+      </p:sp>
+      <p:pic>
+        <p:nvPicPr>
+          <p:cNvPr id="7" name="Grafik 6" descr="Ein Bild, das Screenshot, Halskette, Kette enthält.&#10;&#10;KI-generierte Inhalte können fehlerhaft sein.">
+            <a:extLst>
+              <a:ext uri="{FF2B5EF4-FFF2-40B4-BE49-F238E27FC236}">
+                <a16:creationId xmlns:a16="http://schemas.microsoft.com/office/drawing/2014/main" id="{D9F42B7D-F57A-5B74-8F43-B708C4056061}"/>
+              </a:ext>
+            </a:extLst>
+          </p:cNvPr>
+          <p:cNvPicPr>
+            <a:picLocks noChangeAspect="1"/>
+          </p:cNvPicPr>
+          <p:nvPr/>
+        </p:nvPicPr>
+        <p:blipFill>
+          <a:blip r:embed="rId3">
+            <a:extLst>
+              <a:ext uri="{28A0092B-C50C-407E-A947-70E740481C1C}">
+                <a14:useLocalDpi xmlns:a14="http://schemas.microsoft.com/office/drawing/2010/main" val="0"/>
+              </a:ext>
+            </a:extLst>
+          </a:blip>
+          <a:stretch>
+            <a:fillRect/>
+          </a:stretch>
+        </p:blipFill>
+        <p:spPr>
+          <a:xfrm>
+            <a:off x="1378800" y="1954800"/>
+            <a:ext cx="7297789" cy="3960000"/>
+          </a:xfrm>
+          <a:prstGeom prst="rect">
+            <a:avLst/>
+          </a:prstGeom>
+        </p:spPr>
+      </p:pic>
+    </p:spTree>
+    <p:extLst>
+      <p:ext uri="{BB962C8B-B14F-4D97-AF65-F5344CB8AC3E}">
+        <p14:creationId xmlns:p14="http://schemas.microsoft.com/office/powerpoint/2010/main" val="2282468729"/>
+      </p:ext>
+    </p:extLst>
+  </p:cSld>
+  <p:clrMapOvr>
+    <a:masterClrMapping/>
+  </p:clrMapOvr>
+</p:sld>
+</file>
+
+<file path=ppt/slides/slide13.xml><?xml version="1.0" encoding="utf-8"?>
+<p:sld xmlns:a="http://schemas.openxmlformats.org/drawingml/2006/main" xmlns:r="http://schemas.openxmlformats.org/officeDocument/2006/relationships" xmlns:p="http://schemas.openxmlformats.org/presentationml/2006/main">
+  <p:cSld>
+    <p:spTree>
+      <p:nvGrpSpPr>
+        <p:cNvPr id="1" name="">
+          <a:extLst>
+            <a:ext uri="{FF2B5EF4-FFF2-40B4-BE49-F238E27FC236}">
+              <a16:creationId xmlns:a16="http://schemas.microsoft.com/office/drawing/2014/main" id="{6F41EB03-263E-7C33-3417-B8D82B3CC0BE}"/>
+            </a:ext>
+          </a:extLst>
+        </p:cNvPr>
+        <p:cNvGrpSpPr/>
+        <p:nvPr/>
+      </p:nvGrpSpPr>
+      <p:grpSpPr>
+        <a:xfrm>
+          <a:off x="0" y="0"/>
+          <a:ext cx="0" cy="0"/>
+          <a:chOff x="0" y="0"/>
+          <a:chExt cx="0" cy="0"/>
+        </a:xfrm>
+      </p:grpSpPr>
+      <p:sp>
+        <p:nvSpPr>
+          <p:cNvPr id="2" name="Titel 1">
+            <a:extLst>
+              <a:ext uri="{FF2B5EF4-FFF2-40B4-BE49-F238E27FC236}">
+                <a16:creationId xmlns:a16="http://schemas.microsoft.com/office/drawing/2014/main" id="{2846EA00-9B2D-9112-7A63-3E46732BF57D}"/>
+              </a:ext>
+            </a:extLst>
+          </p:cNvPr>
+          <p:cNvSpPr>
+            <a:spLocks noGrp="1"/>
+          </p:cNvSpPr>
+          <p:nvPr>
+            <p:ph type="title"/>
+          </p:nvPr>
+        </p:nvSpPr>
+        <p:spPr/>
+        <p:txBody>
+          <a:bodyPr/>
+          <a:lstStyle/>
+          <a:p>
+            <a:pPr marL="514350" indent="-514350">
+              <a:buFont typeface="+mj-lt"/>
+              <a:buAutoNum type="arabicPeriod" startAt="4"/>
+            </a:pPr>
+            <a:r>
+              <a:rPr lang="de-DE" dirty="0"/>
+              <a:t>Ausblick</a:t>
+            </a:r>
+          </a:p>
+        </p:txBody>
+      </p:sp>
+      <p:sp>
+        <p:nvSpPr>
+          <p:cNvPr id="3" name="Inhaltsplatzhalter 2">
+            <a:extLst>
+              <a:ext uri="{FF2B5EF4-FFF2-40B4-BE49-F238E27FC236}">
+                <a16:creationId xmlns:a16="http://schemas.microsoft.com/office/drawing/2014/main" id="{63026CC1-EDA2-FD67-2D19-03256610B233}"/>
+              </a:ext>
+            </a:extLst>
+          </p:cNvPr>
+          <p:cNvSpPr>
+            <a:spLocks noGrp="1"/>
+          </p:cNvSpPr>
+          <p:nvPr>
+            <p:ph idx="1"/>
+          </p:nvPr>
+        </p:nvSpPr>
+        <p:spPr/>
+        <p:txBody>
+          <a:bodyPr/>
+          <a:lstStyle/>
+          <a:p>
+            <a:pPr marL="342900" indent="-342900">
+              <a:spcAft>
+                <a:spcPts val="1800"/>
+              </a:spcAft>
+            </a:pPr>
+            <a:r>
+              <a:rPr lang="de-DE" sz="2400" dirty="0"/>
+              <a:t>Reglerentwurf anhand zwei verschiedener nichtlinearer Regelungskonzepte</a:t>
+            </a:r>
+          </a:p>
+          <a:p>
+            <a:pPr marL="342900" indent="-342900">
+              <a:spcAft>
+                <a:spcPts val="1800"/>
+              </a:spcAft>
+            </a:pPr>
+            <a:r>
+              <a:rPr lang="de-DE" sz="2400" dirty="0"/>
+              <a:t>Beurteilung des entstehenden dynamischen Verhaltens</a:t>
+            </a:r>
+          </a:p>
+          <a:p>
+            <a:pPr marL="342900" indent="-342900">
+              <a:spcAft>
+                <a:spcPts val="1800"/>
+              </a:spcAft>
+            </a:pPr>
+            <a:endParaRPr lang="de-DE" sz="2400" dirty="0"/>
+          </a:p>
+          <a:p>
+            <a:pPr>
+              <a:spcAft>
+                <a:spcPts val="1800"/>
+              </a:spcAft>
+              <a:buNone/>
+            </a:pPr>
+            <a:endParaRPr lang="de-DE" sz="2400" dirty="0"/>
+          </a:p>
+        </p:txBody>
+      </p:sp>
+      <p:sp>
+        <p:nvSpPr>
+          <p:cNvPr id="4" name="Fußzeilenplatzhalter 3">
+            <a:extLst>
+              <a:ext uri="{FF2B5EF4-FFF2-40B4-BE49-F238E27FC236}">
+                <a16:creationId xmlns:a16="http://schemas.microsoft.com/office/drawing/2014/main" id="{419583D8-4C4E-EAA9-8303-5013908D5596}"/>
+              </a:ext>
+            </a:extLst>
+          </p:cNvPr>
+          <p:cNvSpPr>
+            <a:spLocks noGrp="1"/>
+          </p:cNvSpPr>
+          <p:nvPr>
+            <p:ph type="ftr" sz="quarter" idx="11"/>
+          </p:nvPr>
+        </p:nvSpPr>
+        <p:spPr/>
+        <p:txBody>
+          <a:bodyPr/>
+          <a:lstStyle/>
+          <a:p>
+            <a:r>
+              <a:rPr lang="de-DE"/>
+              <a:t>Lennart und Richard Mende, 25EIM-AT, E144 Regelungstheorie, Prof. Dr.-Ing. Hendrik Richter</a:t>
+            </a:r>
+            <a:endParaRPr lang="de-DE" dirty="0"/>
+          </a:p>
+        </p:txBody>
+      </p:sp>
+      <p:sp>
+        <p:nvSpPr>
+          <p:cNvPr id="5" name="Foliennummernplatzhalter 4">
+            <a:extLst>
+              <a:ext uri="{FF2B5EF4-FFF2-40B4-BE49-F238E27FC236}">
+                <a16:creationId xmlns:a16="http://schemas.microsoft.com/office/drawing/2014/main" id="{CBCD4AC4-4BB1-2D50-4A36-18E2B5BDDABD}"/>
+              </a:ext>
+            </a:extLst>
+          </p:cNvPr>
+          <p:cNvSpPr>
+            <a:spLocks noGrp="1"/>
+          </p:cNvSpPr>
+          <p:nvPr>
+            <p:ph type="sldNum" sz="quarter" idx="12"/>
+          </p:nvPr>
+        </p:nvSpPr>
+        <p:spPr/>
+        <p:txBody>
+          <a:bodyPr/>
+          <a:lstStyle/>
+          <a:p>
+            <a:fld id="{5DDB454C-C8BB-450C-A446-EA3D813FE484}" type="slidenum">
+              <a:rPr lang="de-DE" smtClean="0"/>
+              <a:t>13</a:t>
+            </a:fld>
+            <a:endParaRPr lang="de-DE"/>
+          </a:p>
+        </p:txBody>
+      </p:sp>
+    </p:spTree>
+    <p:extLst>
+      <p:ext uri="{BB962C8B-B14F-4D97-AF65-F5344CB8AC3E}">
+        <p14:creationId xmlns:p14="http://schemas.microsoft.com/office/powerpoint/2010/main" val="968484416"/>
       </p:ext>
     </p:extLst>
   </p:cSld>
@@ -8725,8 +9988,8 @@
           </p:txBody>
         </p:sp>
       </p:grpSp>
-      <mc:AlternateContent xmlns:mc="http://schemas.openxmlformats.org/markup-compatibility/2006">
-        <mc:Choice xmlns:a14="http://schemas.microsoft.com/office/drawing/2010/main" Requires="a14">
+      <mc:AlternateContent xmlns:mc="http://schemas.openxmlformats.org/markup-compatibility/2006" xmlns:a14="http://schemas.microsoft.com/office/drawing/2010/main">
+        <mc:Choice Requires="a14">
           <p:sp>
             <p:nvSpPr>
               <p:cNvPr id="23" name="Inhaltsplatzhalter 2">
@@ -9747,7 +11010,7 @@
             </p:txBody>
           </p:sp>
         </mc:Choice>
-        <mc:Fallback>
+        <mc:Fallback xmlns="">
           <p:sp>
             <p:nvSpPr>
               <p:cNvPr id="23" name="Inhaltsplatzhalter 2">
@@ -9828,8 +11091,8 @@
           </a:p>
         </p:txBody>
       </p:sp>
-      <mc:AlternateContent xmlns:mc="http://schemas.openxmlformats.org/markup-compatibility/2006">
-        <mc:Choice xmlns:a14="http://schemas.microsoft.com/office/drawing/2010/main" Requires="a14">
+      <mc:AlternateContent xmlns:mc="http://schemas.openxmlformats.org/markup-compatibility/2006" xmlns:a14="http://schemas.microsoft.com/office/drawing/2010/main">
+        <mc:Choice Requires="a14">
           <p:sp>
             <p:nvSpPr>
               <p:cNvPr id="25" name="Inhaltsplatzhalter 2">
@@ -10465,13 +11728,7 @@
                         <a:rPr lang="de-DE" i="1">
                           <a:latin typeface="Cambria Math" panose="02040503050406030204" pitchFamily="18" charset="0"/>
                         </a:rPr>
-                        <m:t>=1</m:t>
-                      </m:r>
-                      <m:r>
-                        <a:rPr lang="de-DE" i="1">
-                          <a:latin typeface="Cambria Math" panose="02040503050406030204" pitchFamily="18" charset="0"/>
-                        </a:rPr>
-                        <m:t>00 </m:t>
+                        <m:t>=100 </m:t>
                       </m:r>
                       <m:r>
                         <a:rPr lang="de-DE" i="1">
@@ -10487,7 +11744,7 @@
             </p:txBody>
           </p:sp>
         </mc:Choice>
-        <mc:Fallback>
+        <mc:Fallback xmlns="">
           <p:sp>
             <p:nvSpPr>
               <p:cNvPr id="25" name="Inhaltsplatzhalter 2">
@@ -10652,8 +11909,8 @@
           </a:p>
         </p:txBody>
       </p:sp>
-      <mc:AlternateContent xmlns:mc="http://schemas.openxmlformats.org/markup-compatibility/2006">
-        <mc:Choice xmlns:a14="http://schemas.microsoft.com/office/drawing/2010/main" Requires="a14">
+      <mc:AlternateContent xmlns:mc="http://schemas.openxmlformats.org/markup-compatibility/2006" xmlns:a14="http://schemas.microsoft.com/office/drawing/2010/main">
+        <mc:Choice Requires="a14">
           <p:sp>
             <p:nvSpPr>
               <p:cNvPr id="7" name="Textfeld 6">
@@ -11546,7 +12803,7 @@
             </p:txBody>
           </p:sp>
         </mc:Choice>
-        <mc:Fallback>
+        <mc:Fallback xmlns="">
           <p:sp>
             <p:nvSpPr>
               <p:cNvPr id="7" name="Textfeld 6">
@@ -11611,8 +12868,8 @@
             <a:chExt cx="6081622" cy="1544846"/>
           </a:xfrm>
         </p:grpSpPr>
-        <mc:AlternateContent xmlns:mc="http://schemas.openxmlformats.org/markup-compatibility/2006">
-          <mc:Choice xmlns:a14="http://schemas.microsoft.com/office/drawing/2010/main" Requires="a14">
+        <mc:AlternateContent xmlns:mc="http://schemas.openxmlformats.org/markup-compatibility/2006" xmlns:a14="http://schemas.microsoft.com/office/drawing/2010/main">
+          <mc:Choice Requires="a14">
             <p:sp>
               <p:nvSpPr>
                 <p:cNvPr id="10" name="Textfeld 9">
@@ -11744,13 +13001,7 @@
                           <a:rPr lang="de-DE" sz="2000" b="0" i="1" smtClean="0">
                             <a:latin typeface="Cambria Math" panose="02040503050406030204" pitchFamily="18" charset="0"/>
                           </a:rPr>
-                          <m:t>           </m:t>
-                        </m:r>
-                        <m:r>
-                          <a:rPr lang="de-DE" sz="2000" b="0" i="1" smtClean="0">
-                            <a:latin typeface="Cambria Math" panose="02040503050406030204" pitchFamily="18" charset="0"/>
-                          </a:rPr>
-                          <m:t>=</m:t>
+                          <m:t>           =</m:t>
                         </m:r>
                         <m:d>
                           <m:dPr>
@@ -12006,7 +13257,7 @@
               </p:txBody>
             </p:sp>
           </mc:Choice>
-          <mc:Fallback>
+          <mc:Fallback xmlns="">
             <p:sp>
               <p:nvSpPr>
                 <p:cNvPr id="10" name="Textfeld 9">
@@ -12051,8 +13302,8 @@
             </p:sp>
           </mc:Fallback>
         </mc:AlternateContent>
-        <mc:AlternateContent xmlns:mc="http://schemas.openxmlformats.org/markup-compatibility/2006">
-          <mc:Choice xmlns:a14="http://schemas.microsoft.com/office/drawing/2010/main" Requires="a14">
+        <mc:AlternateContent xmlns:mc="http://schemas.openxmlformats.org/markup-compatibility/2006" xmlns:a14="http://schemas.microsoft.com/office/drawing/2010/main">
+          <mc:Choice Requires="a14">
             <p:sp>
               <p:nvSpPr>
                 <p:cNvPr id="9" name="Textfeld 8">
@@ -12081,6 +13332,7 @@
                 </a:bodyPr>
                 <a:lstStyle/>
                 <a:p>
+                  <a:pPr/>
                   <a14:m>
                     <m:oMathPara xmlns:m="http://schemas.openxmlformats.org/officeDocument/2006/math">
                       <m:oMathParaPr>
@@ -12125,7 +13377,7 @@
               </p:txBody>
             </p:sp>
           </mc:Choice>
-          <mc:Fallback>
+          <mc:Fallback xmlns="">
             <p:sp>
               <p:nvSpPr>
                 <p:cNvPr id="9" name="Textfeld 8">
@@ -12311,8 +13563,8 @@
             <a:chExt cx="9237502" cy="3427084"/>
           </a:xfrm>
         </p:grpSpPr>
-        <mc:AlternateContent xmlns:mc="http://schemas.openxmlformats.org/markup-compatibility/2006">
-          <mc:Choice xmlns:a14="http://schemas.microsoft.com/office/drawing/2010/main" Requires="a14">
+        <mc:AlternateContent xmlns:mc="http://schemas.openxmlformats.org/markup-compatibility/2006" xmlns:a14="http://schemas.microsoft.com/office/drawing/2010/main">
+          <mc:Choice Requires="a14">
             <p:sp>
               <p:nvSpPr>
                 <p:cNvPr id="15" name="Textfeld 14">
@@ -12623,13 +13875,7 @@
                             <a:rPr lang="de-DE" sz="2000" i="1">
                               <a:latin typeface="Cambria Math" panose="02040503050406030204" pitchFamily="18" charset="0"/>
                             </a:rPr>
-                            <m:t>0</m:t>
-                          </m:r>
-                          <m:r>
-                            <a:rPr lang="de-DE" sz="2000" i="1">
-                              <a:latin typeface="Cambria Math" panose="02040503050406030204" pitchFamily="18" charset="0"/>
-                            </a:rPr>
-                            <m:t>,</m:t>
+                            <m:t>0,</m:t>
                           </m:r>
                           <m:r>
                             <a:rPr lang="de-DE" sz="2000" i="1">
@@ -12807,7 +14053,7 @@
               </p:txBody>
             </p:sp>
           </mc:Choice>
-          <mc:Fallback>
+          <mc:Fallback xmlns="">
             <p:sp>
               <p:nvSpPr>
                 <p:cNvPr id="15" name="Textfeld 14">
@@ -12852,8 +14098,8 @@
             </p:sp>
           </mc:Fallback>
         </mc:AlternateContent>
-        <mc:AlternateContent xmlns:mc="http://schemas.openxmlformats.org/markup-compatibility/2006">
-          <mc:Choice xmlns:a14="http://schemas.microsoft.com/office/drawing/2010/main" Requires="a14">
+        <mc:AlternateContent xmlns:mc="http://schemas.openxmlformats.org/markup-compatibility/2006" xmlns:a14="http://schemas.microsoft.com/office/drawing/2010/main">
+          <mc:Choice Requires="a14">
             <p:sp>
               <p:nvSpPr>
                 <p:cNvPr id="16" name="Textfeld 15">
@@ -12887,6 +14133,7 @@
                 </a:bodyPr>
                 <a:lstStyle/>
                 <a:p>
+                  <a:pPr/>
                   <a14:m>
                     <m:oMathPara xmlns:m="http://schemas.openxmlformats.org/officeDocument/2006/math">
                       <m:oMathParaPr>
@@ -12926,13 +14173,7 @@
                               <a:rPr lang="de-DE" sz="2000" i="1">
                                 <a:latin typeface="Cambria Math" panose="02040503050406030204" pitchFamily="18" charset="0"/>
                               </a:rPr>
-                              <m:t>0</m:t>
-                            </m:r>
-                            <m:r>
-                              <a:rPr lang="de-DE" sz="2000" i="1">
-                                <a:latin typeface="Cambria Math" panose="02040503050406030204" pitchFamily="18" charset="0"/>
-                              </a:rPr>
-                              <m:t>,</m:t>
+                              <m:t>0,</m:t>
                             </m:r>
                             <m:r>
                               <a:rPr lang="de-DE" sz="2000" i="1">
@@ -12962,7 +14203,7 @@
               </p:txBody>
             </p:sp>
           </mc:Choice>
-          <mc:Fallback>
+          <mc:Fallback xmlns="">
             <p:sp>
               <p:nvSpPr>
                 <p:cNvPr id="16" name="Textfeld 15">
@@ -13012,8 +14253,8 @@
             </p:sp>
           </mc:Fallback>
         </mc:AlternateContent>
-        <mc:AlternateContent xmlns:mc="http://schemas.openxmlformats.org/markup-compatibility/2006">
-          <mc:Choice xmlns:a14="http://schemas.microsoft.com/office/drawing/2010/main" Requires="a14">
+        <mc:AlternateContent xmlns:mc="http://schemas.openxmlformats.org/markup-compatibility/2006" xmlns:a14="http://schemas.microsoft.com/office/drawing/2010/main">
+          <mc:Choice Requires="a14">
             <p:sp>
               <p:nvSpPr>
                 <p:cNvPr id="6" name="Textfeld 5">
@@ -13129,7 +14370,7 @@
               </p:txBody>
             </p:sp>
           </mc:Choice>
-          <mc:Fallback>
+          <mc:Fallback xmlns="">
             <p:sp>
               <p:nvSpPr>
                 <p:cNvPr id="6" name="Textfeld 5">
@@ -13457,31 +14698,201 @@
           </a:p>
         </p:txBody>
       </p:sp>
-      <p:sp>
-        <p:nvSpPr>
-          <p:cNvPr id="3" name="Inhaltsplatzhalter 2">
-            <a:extLst>
-              <a:ext uri="{FF2B5EF4-FFF2-40B4-BE49-F238E27FC236}">
-                <a16:creationId xmlns:a16="http://schemas.microsoft.com/office/drawing/2014/main" id="{E010ABB2-3058-5A52-024C-54D6FF97B5D8}"/>
-              </a:ext>
-            </a:extLst>
-          </p:cNvPr>
-          <p:cNvSpPr>
-            <a:spLocks noGrp="1"/>
-          </p:cNvSpPr>
-          <p:nvPr>
-            <p:ph idx="1"/>
-          </p:nvPr>
-        </p:nvSpPr>
-        <p:spPr/>
-        <p:txBody>
-          <a:bodyPr/>
-          <a:lstStyle/>
-          <a:p>
-            <a:endParaRPr lang="de-DE"/>
-          </a:p>
-        </p:txBody>
-      </p:sp>
+      <mc:AlternateContent xmlns:mc="http://schemas.openxmlformats.org/markup-compatibility/2006">
+        <mc:Choice xmlns:a14="http://schemas.microsoft.com/office/drawing/2010/main" Requires="a14">
+          <p:sp>
+            <p:nvSpPr>
+              <p:cNvPr id="3" name="Inhaltsplatzhalter 2">
+                <a:extLst>
+                  <a:ext uri="{FF2B5EF4-FFF2-40B4-BE49-F238E27FC236}">
+                    <a16:creationId xmlns:a16="http://schemas.microsoft.com/office/drawing/2014/main" id="{E010ABB2-3058-5A52-024C-54D6FF97B5D8}"/>
+                  </a:ext>
+                </a:extLst>
+              </p:cNvPr>
+              <p:cNvSpPr>
+                <a:spLocks noGrp="1"/>
+              </p:cNvSpPr>
+              <p:nvPr>
+                <p:ph idx="1"/>
+              </p:nvPr>
+            </p:nvSpPr>
+            <p:spPr/>
+            <p:txBody>
+              <a:bodyPr anchor="t"/>
+              <a:lstStyle/>
+              <a:p>
+                <a:pPr>
+                  <a:buNone/>
+                </a:pPr>
+                <a:r>
+                  <a:rPr lang="de-DE" b="1" dirty="0"/>
+                  <a:t>Simulation des zeitlichen Verlaufs der Zustandsgrößen für </a:t>
+                </a:r>
+                <a14:m>
+                  <m:oMath xmlns:m="http://schemas.openxmlformats.org/officeDocument/2006/math">
+                    <m:sSub>
+                      <m:sSubPr>
+                        <m:ctrlPr>
+                          <a:rPr lang="de-DE" b="1" i="1">
+                            <a:latin typeface="Cambria Math" panose="02040503050406030204" pitchFamily="18" charset="0"/>
+                          </a:rPr>
+                        </m:ctrlPr>
+                      </m:sSubPr>
+                      <m:e>
+                        <m:acc>
+                          <m:accPr>
+                            <m:chr m:val="̅"/>
+                            <m:ctrlPr>
+                              <a:rPr lang="de-DE" b="1" i="1">
+                                <a:latin typeface="Cambria Math" panose="02040503050406030204" pitchFamily="18" charset="0"/>
+                              </a:rPr>
+                            </m:ctrlPr>
+                          </m:accPr>
+                          <m:e>
+                            <m:r>
+                              <a:rPr lang="de-DE" b="1" i="1">
+                                <a:latin typeface="Cambria Math" panose="02040503050406030204" pitchFamily="18" charset="0"/>
+                              </a:rPr>
+                              <m:t>𝑰</m:t>
+                            </m:r>
+                          </m:e>
+                        </m:acc>
+                      </m:e>
+                      <m:sub>
+                        <m:r>
+                          <a:rPr lang="de-DE" b="1" i="1">
+                            <a:latin typeface="Cambria Math" panose="02040503050406030204" pitchFamily="18" charset="0"/>
+                          </a:rPr>
+                          <m:t>𝟎</m:t>
+                        </m:r>
+                      </m:sub>
+                    </m:sSub>
+                    <m:r>
+                      <a:rPr lang="de-DE" b="1" i="1" smtClean="0">
+                        <a:latin typeface="Cambria Math" panose="02040503050406030204" pitchFamily="18" charset="0"/>
+                      </a:rPr>
+                      <m:t>=</m:t>
+                    </m:r>
+                    <m:r>
+                      <a:rPr lang="de-DE" b="1" i="1" smtClean="0">
+                        <a:latin typeface="Cambria Math" panose="02040503050406030204" pitchFamily="18" charset="0"/>
+                      </a:rPr>
+                      <m:t>𝟐</m:t>
+                    </m:r>
+                    <m:r>
+                      <a:rPr lang="de-DE" b="1" i="1" smtClean="0">
+                        <a:latin typeface="Cambria Math" panose="02040503050406030204" pitchFamily="18" charset="0"/>
+                      </a:rPr>
+                      <m:t> </m:t>
+                    </m:r>
+                    <m:r>
+                      <a:rPr lang="de-DE" b="1" i="1" smtClean="0">
+                        <a:latin typeface="Cambria Math" panose="02040503050406030204" pitchFamily="18" charset="0"/>
+                      </a:rPr>
+                      <m:t>𝒎𝑨</m:t>
+                    </m:r>
+                    <m:r>
+                      <a:rPr lang="de-DE" b="1" i="1" smtClean="0">
+                        <a:latin typeface="Cambria Math" panose="02040503050406030204" pitchFamily="18" charset="0"/>
+                      </a:rPr>
+                      <m:t> &lt;</m:t>
+                    </m:r>
+                    <m:sSub>
+                      <m:sSubPr>
+                        <m:ctrlPr>
+                          <a:rPr lang="de-DE" b="1" i="1">
+                            <a:latin typeface="Cambria Math" panose="02040503050406030204" pitchFamily="18" charset="0"/>
+                          </a:rPr>
+                        </m:ctrlPr>
+                      </m:sSubPr>
+                      <m:e>
+                        <m:acc>
+                          <m:accPr>
+                            <m:chr m:val="̅"/>
+                            <m:ctrlPr>
+                              <a:rPr lang="de-DE" b="1" i="1">
+                                <a:latin typeface="Cambria Math" panose="02040503050406030204" pitchFamily="18" charset="0"/>
+                              </a:rPr>
+                            </m:ctrlPr>
+                          </m:accPr>
+                          <m:e>
+                            <m:r>
+                              <a:rPr lang="de-DE" b="1" i="1">
+                                <a:latin typeface="Cambria Math" panose="02040503050406030204" pitchFamily="18" charset="0"/>
+                              </a:rPr>
+                              <m:t>𝑰</m:t>
+                            </m:r>
+                          </m:e>
+                        </m:acc>
+                      </m:e>
+                      <m:sub>
+                        <m:r>
+                          <a:rPr lang="de-DE" b="1" i="1">
+                            <a:latin typeface="Cambria Math" panose="02040503050406030204" pitchFamily="18" charset="0"/>
+                          </a:rPr>
+                          <m:t>𝟎</m:t>
+                        </m:r>
+                        <m:r>
+                          <a:rPr lang="de-DE" b="1" i="1">
+                            <a:latin typeface="Cambria Math" panose="02040503050406030204" pitchFamily="18" charset="0"/>
+                          </a:rPr>
+                          <m:t>,</m:t>
+                        </m:r>
+                        <m:r>
+                          <a:rPr lang="de-DE" b="1" i="1">
+                            <a:latin typeface="Cambria Math" panose="02040503050406030204" pitchFamily="18" charset="0"/>
+                          </a:rPr>
+                          <m:t>𝒌𝒓𝒊𝒕</m:t>
+                        </m:r>
+                      </m:sub>
+                    </m:sSub>
+                  </m:oMath>
+                </a14:m>
+                <a:endParaRPr lang="de-DE" b="1" i="1" dirty="0"/>
+              </a:p>
+            </p:txBody>
+          </p:sp>
+        </mc:Choice>
+        <mc:Fallback>
+          <p:sp>
+            <p:nvSpPr>
+              <p:cNvPr id="3" name="Inhaltsplatzhalter 2">
+                <a:extLst>
+                  <a:ext uri="{FF2B5EF4-FFF2-40B4-BE49-F238E27FC236}">
+                    <a16:creationId xmlns:a16="http://schemas.microsoft.com/office/drawing/2014/main" id="{E010ABB2-3058-5A52-024C-54D6FF97B5D8}"/>
+                  </a:ext>
+                </a:extLst>
+              </p:cNvPr>
+              <p:cNvSpPr>
+                <a:spLocks noGrp="1" noRot="1" noChangeAspect="1" noMove="1" noResize="1" noEditPoints="1" noAdjustHandles="1" noChangeArrowheads="1" noChangeShapeType="1" noTextEdit="1"/>
+              </p:cNvSpPr>
+              <p:nvPr>
+                <p:ph idx="1"/>
+              </p:nvPr>
+            </p:nvSpPr>
+            <p:spPr>
+              <a:blipFill>
+                <a:blip r:embed="rId2"/>
+                <a:stretch>
+                  <a:fillRect l="-1474" t="-1299"/>
+                </a:stretch>
+              </a:blipFill>
+            </p:spPr>
+            <p:txBody>
+              <a:bodyPr/>
+              <a:lstStyle/>
+              <a:p>
+                <a:r>
+                  <a:rPr lang="de-DE">
+                    <a:noFill/>
+                  </a:rPr>
+                  <a:t> </a:t>
+                </a:r>
+              </a:p>
+            </p:txBody>
+          </p:sp>
+        </mc:Fallback>
+      </mc:AlternateContent>
       <p:sp>
         <p:nvSpPr>
           <p:cNvPr id="4" name="Fußzeilenplatzhalter 3">
@@ -13540,6 +14951,209 @@
           </a:p>
         </p:txBody>
       </p:sp>
+      <p:pic>
+        <p:nvPicPr>
+          <p:cNvPr id="19" name="Grafik 18" descr="Ein Bild, das Screenshot, Reihe enthält.&#10;&#10;KI-generierte Inhalte können fehlerhaft sein.">
+            <a:extLst>
+              <a:ext uri="{FF2B5EF4-FFF2-40B4-BE49-F238E27FC236}">
+                <a16:creationId xmlns:a16="http://schemas.microsoft.com/office/drawing/2014/main" id="{9FC57842-BB36-19FC-2CB5-52AE2240D146}"/>
+              </a:ext>
+            </a:extLst>
+          </p:cNvPr>
+          <p:cNvPicPr>
+            <a:picLocks noChangeAspect="1"/>
+          </p:cNvPicPr>
+          <p:nvPr/>
+        </p:nvPicPr>
+        <p:blipFill>
+          <a:blip r:embed="rId3">
+            <a:extLst>
+              <a:ext uri="{28A0092B-C50C-407E-A947-70E740481C1C}">
+                <a14:useLocalDpi xmlns:a14="http://schemas.microsoft.com/office/drawing/2010/main" val="0"/>
+              </a:ext>
+            </a:extLst>
+          </a:blip>
+          <a:stretch>
+            <a:fillRect/>
+          </a:stretch>
+        </p:blipFill>
+        <p:spPr>
+          <a:xfrm>
+            <a:off x="1379524" y="1953382"/>
+            <a:ext cx="7286400" cy="3960000"/>
+          </a:xfrm>
+          <a:prstGeom prst="rect">
+            <a:avLst/>
+          </a:prstGeom>
+        </p:spPr>
+      </p:pic>
+      <mc:AlternateContent xmlns:mc="http://schemas.openxmlformats.org/markup-compatibility/2006">
+        <mc:Choice xmlns:a14="http://schemas.microsoft.com/office/drawing/2010/main" Requires="a14">
+          <p:sp>
+            <p:nvSpPr>
+              <p:cNvPr id="20" name="Textfeld 19">
+                <a:extLst>
+                  <a:ext uri="{FF2B5EF4-FFF2-40B4-BE49-F238E27FC236}">
+                    <a16:creationId xmlns:a16="http://schemas.microsoft.com/office/drawing/2014/main" id="{F955721B-6BA5-D4AF-7EF4-F0729C4400E9}"/>
+                  </a:ext>
+                </a:extLst>
+              </p:cNvPr>
+              <p:cNvSpPr txBox="1"/>
+              <p:nvPr/>
+            </p:nvSpPr>
+            <p:spPr>
+              <a:xfrm>
+                <a:off x="8746649" y="2615121"/>
+                <a:ext cx="1644259" cy="400110"/>
+              </a:xfrm>
+              <a:prstGeom prst="rect">
+                <a:avLst/>
+              </a:prstGeom>
+              <a:noFill/>
+              <a:ln>
+                <a:solidFill>
+                  <a:schemeClr val="tx1"/>
+                </a:solidFill>
+              </a:ln>
+            </p:spPr>
+            <p:txBody>
+              <a:bodyPr wrap="square" rtlCol="0">
+                <a:spAutoFit/>
+              </a:bodyPr>
+              <a:lstStyle/>
+              <a:p>
+                <a:pPr/>
+                <a14:m>
+                  <m:oMathPara xmlns:m="http://schemas.openxmlformats.org/officeDocument/2006/math">
+                    <m:oMathParaPr>
+                      <m:jc m:val="centerGroup"/>
+                    </m:oMathParaPr>
+                    <m:oMath xmlns:m="http://schemas.openxmlformats.org/officeDocument/2006/math">
+                      <m:sSub>
+                        <m:sSubPr>
+                          <m:ctrlPr>
+                            <a:rPr lang="de-DE" sz="2000" b="0" i="1" smtClean="0">
+                              <a:latin typeface="Cambria Math" panose="02040503050406030204" pitchFamily="18" charset="0"/>
+                            </a:rPr>
+                          </m:ctrlPr>
+                        </m:sSubPr>
+                        <m:e>
+                          <m:acc>
+                            <m:accPr>
+                              <m:chr m:val="̅"/>
+                              <m:ctrlPr>
+                                <a:rPr lang="de-DE" sz="2000" b="0" i="1" smtClean="0">
+                                  <a:latin typeface="Cambria Math" panose="02040503050406030204" pitchFamily="18" charset="0"/>
+                                </a:rPr>
+                              </m:ctrlPr>
+                            </m:accPr>
+                            <m:e>
+                              <m:r>
+                                <a:rPr lang="de-DE" sz="2000" b="0" i="1" smtClean="0">
+                                  <a:latin typeface="Cambria Math" panose="02040503050406030204" pitchFamily="18" charset="0"/>
+                                </a:rPr>
+                                <m:t>𝑈</m:t>
+                              </m:r>
+                            </m:e>
+                          </m:acc>
+                        </m:e>
+                        <m:sub>
+                          <m:r>
+                            <a:rPr lang="de-DE" sz="2000" b="0" i="1" smtClean="0">
+                              <a:latin typeface="Cambria Math" panose="02040503050406030204" pitchFamily="18" charset="0"/>
+                            </a:rPr>
+                            <m:t>1</m:t>
+                          </m:r>
+                        </m:sub>
+                      </m:sSub>
+                      <m:r>
+                        <a:rPr lang="de-DE" sz="2000" b="0" i="1" smtClean="0">
+                          <a:latin typeface="Cambria Math" panose="02040503050406030204" pitchFamily="18" charset="0"/>
+                        </a:rPr>
+                        <m:t>=</m:t>
+                      </m:r>
+                      <m:r>
+                        <a:rPr lang="de-DE" sz="2000" b="0" i="1" smtClean="0">
+                          <a:latin typeface="Cambria Math" panose="02040503050406030204" pitchFamily="18" charset="0"/>
+                        </a:rPr>
+                        <m:t>1</m:t>
+                      </m:r>
+                      <m:r>
+                        <a:rPr lang="de-DE" sz="2000" i="1" smtClean="0">
+                          <a:latin typeface="Cambria Math" panose="02040503050406030204" pitchFamily="18" charset="0"/>
+                        </a:rPr>
+                        <m:t>0</m:t>
+                      </m:r>
+                      <m:r>
+                        <a:rPr lang="de-DE" sz="2000" b="0" i="1" smtClean="0">
+                          <a:latin typeface="Cambria Math" panose="02040503050406030204" pitchFamily="18" charset="0"/>
+                        </a:rPr>
+                        <m:t>.31 </m:t>
+                      </m:r>
+                      <m:r>
+                        <a:rPr lang="de-DE" sz="2000" b="0" i="1" smtClean="0">
+                          <a:latin typeface="Cambria Math" panose="02040503050406030204" pitchFamily="18" charset="0"/>
+                        </a:rPr>
+                        <m:t>𝑉</m:t>
+                      </m:r>
+                    </m:oMath>
+                  </m:oMathPara>
+                </a14:m>
+                <a:endParaRPr lang="de-DE" sz="2000" i="1" dirty="0"/>
+              </a:p>
+            </p:txBody>
+          </p:sp>
+        </mc:Choice>
+        <mc:Fallback>
+          <p:sp>
+            <p:nvSpPr>
+              <p:cNvPr id="20" name="Textfeld 19">
+                <a:extLst>
+                  <a:ext uri="{FF2B5EF4-FFF2-40B4-BE49-F238E27FC236}">
+                    <a16:creationId xmlns:a16="http://schemas.microsoft.com/office/drawing/2014/main" id="{F955721B-6BA5-D4AF-7EF4-F0729C4400E9}"/>
+                  </a:ext>
+                </a:extLst>
+              </p:cNvPr>
+              <p:cNvSpPr txBox="1">
+                <a:spLocks noRot="1" noChangeAspect="1" noMove="1" noResize="1" noEditPoints="1" noAdjustHandles="1" noChangeArrowheads="1" noChangeShapeType="1" noTextEdit="1"/>
+              </p:cNvSpPr>
+              <p:nvPr/>
+            </p:nvSpPr>
+            <p:spPr>
+              <a:xfrm>
+                <a:off x="8746649" y="2615121"/>
+                <a:ext cx="1644259" cy="400110"/>
+              </a:xfrm>
+              <a:prstGeom prst="rect">
+                <a:avLst/>
+              </a:prstGeom>
+              <a:blipFill>
+                <a:blip r:embed="rId4"/>
+                <a:stretch>
+                  <a:fillRect/>
+                </a:stretch>
+              </a:blipFill>
+              <a:ln>
+                <a:solidFill>
+                  <a:schemeClr val="tx1"/>
+                </a:solidFill>
+              </a:ln>
+            </p:spPr>
+            <p:txBody>
+              <a:bodyPr/>
+              <a:lstStyle/>
+              <a:p>
+                <a:r>
+                  <a:rPr lang="de-DE">
+                    <a:noFill/>
+                  </a:rPr>
+                  <a:t> </a:t>
+                </a:r>
+              </a:p>
+            </p:txBody>
+          </p:sp>
+        </mc:Fallback>
+      </mc:AlternateContent>
     </p:spTree>
     <p:extLst>
       <p:ext uri="{BB962C8B-B14F-4D97-AF65-F5344CB8AC3E}">
@@ -13561,7 +15175,7 @@
         <p:cNvPr id="1" name="">
           <a:extLst>
             <a:ext uri="{FF2B5EF4-FFF2-40B4-BE49-F238E27FC236}">
-              <a16:creationId xmlns:a16="http://schemas.microsoft.com/office/drawing/2014/main" id="{6F41EB03-263E-7C33-3417-B8D82B3CC0BE}"/>
+              <a16:creationId xmlns:a16="http://schemas.microsoft.com/office/drawing/2014/main" id="{82CD4B29-11BD-6FAA-2D62-1BF0079FCA8F}"/>
             </a:ext>
           </a:extLst>
         </p:cNvPr>
@@ -13581,7 +15195,7 @@
           <p:cNvPr id="2" name="Titel 1">
             <a:extLst>
               <a:ext uri="{FF2B5EF4-FFF2-40B4-BE49-F238E27FC236}">
-                <a16:creationId xmlns:a16="http://schemas.microsoft.com/office/drawing/2014/main" id="{2846EA00-9B2D-9112-7A63-3E46732BF57D}"/>
+                <a16:creationId xmlns:a16="http://schemas.microsoft.com/office/drawing/2014/main" id="{4C65B9D5-4254-043D-97D2-39167D1F94D8}"/>
               </a:ext>
             </a:extLst>
           </p:cNvPr>
@@ -13599,82 +15213,216 @@
           <a:p>
             <a:pPr marL="514350" indent="-514350">
               <a:buFont typeface="+mj-lt"/>
-              <a:buAutoNum type="arabicPeriod" startAt="4"/>
+              <a:buAutoNum type="arabicPeriod" startAt="3"/>
             </a:pPr>
             <a:r>
               <a:rPr lang="de-DE" dirty="0"/>
-              <a:t>Ausblick</a:t>
+              <a:t>Simulink-Modell der Regelstrecke</a:t>
             </a:r>
           </a:p>
         </p:txBody>
       </p:sp>
-      <p:sp>
-        <p:nvSpPr>
-          <p:cNvPr id="3" name="Inhaltsplatzhalter 2">
-            <a:extLst>
-              <a:ext uri="{FF2B5EF4-FFF2-40B4-BE49-F238E27FC236}">
-                <a16:creationId xmlns:a16="http://schemas.microsoft.com/office/drawing/2014/main" id="{63026CC1-EDA2-FD67-2D19-03256610B233}"/>
-              </a:ext>
-            </a:extLst>
-          </p:cNvPr>
-          <p:cNvSpPr>
-            <a:spLocks noGrp="1"/>
-          </p:cNvSpPr>
-          <p:nvPr>
-            <p:ph idx="1"/>
-          </p:nvPr>
-        </p:nvSpPr>
-        <p:spPr/>
-        <p:txBody>
-          <a:bodyPr/>
-          <a:lstStyle/>
-          <a:p>
-            <a:pPr marL="342900" indent="-342900">
-              <a:spcAft>
-                <a:spcPts val="1800"/>
-              </a:spcAft>
-            </a:pPr>
-            <a:r>
-              <a:rPr lang="de-DE" sz="2400" dirty="0"/>
-              <a:t>Reglerentwurf anhand zwei verschiedener nichtlinearer Regelungskonzepte</a:t>
-            </a:r>
-          </a:p>
-          <a:p>
-            <a:pPr marL="342900" indent="-342900">
-              <a:spcAft>
-                <a:spcPts val="1800"/>
-              </a:spcAft>
-            </a:pPr>
-            <a:r>
-              <a:rPr lang="de-DE" sz="2400" dirty="0"/>
-              <a:t>Beurteilung des entstehenden dynamischen Verhaltens</a:t>
-            </a:r>
-          </a:p>
-          <a:p>
-            <a:pPr marL="342900" indent="-342900">
-              <a:spcAft>
-                <a:spcPts val="1800"/>
-              </a:spcAft>
-            </a:pPr>
-            <a:endParaRPr lang="de-DE" sz="2400" dirty="0"/>
-          </a:p>
-          <a:p>
-            <a:pPr>
-              <a:spcAft>
-                <a:spcPts val="1800"/>
-              </a:spcAft>
-              <a:buNone/>
-            </a:pPr>
-            <a:endParaRPr lang="de-DE" sz="2400" dirty="0"/>
-          </a:p>
-        </p:txBody>
-      </p:sp>
+      <mc:AlternateContent xmlns:mc="http://schemas.openxmlformats.org/markup-compatibility/2006">
+        <mc:Choice xmlns:a14="http://schemas.microsoft.com/office/drawing/2010/main" Requires="a14">
+          <p:sp>
+            <p:nvSpPr>
+              <p:cNvPr id="3" name="Inhaltsplatzhalter 2">
+                <a:extLst>
+                  <a:ext uri="{FF2B5EF4-FFF2-40B4-BE49-F238E27FC236}">
+                    <a16:creationId xmlns:a16="http://schemas.microsoft.com/office/drawing/2014/main" id="{6B90ECAF-EF9E-1BE2-7FF9-02948F9D3B0C}"/>
+                  </a:ext>
+                </a:extLst>
+              </p:cNvPr>
+              <p:cNvSpPr>
+                <a:spLocks noGrp="1"/>
+              </p:cNvSpPr>
+              <p:nvPr>
+                <p:ph idx="1"/>
+              </p:nvPr>
+            </p:nvSpPr>
+            <p:spPr/>
+            <p:txBody>
+              <a:bodyPr anchor="t"/>
+              <a:lstStyle/>
+              <a:p>
+                <a:pPr>
+                  <a:buNone/>
+                </a:pPr>
+                <a:r>
+                  <a:rPr lang="de-DE" b="1" dirty="0"/>
+                  <a:t>Simulation des zeitlichen Verlaufs der Zustandsgrößen für </a:t>
+                </a:r>
+                <a14:m>
+                  <m:oMath xmlns:m="http://schemas.openxmlformats.org/officeDocument/2006/math">
+                    <m:sSub>
+                      <m:sSubPr>
+                        <m:ctrlPr>
+                          <a:rPr lang="de-DE" b="1" i="1">
+                            <a:latin typeface="Cambria Math" panose="02040503050406030204" pitchFamily="18" charset="0"/>
+                          </a:rPr>
+                        </m:ctrlPr>
+                      </m:sSubPr>
+                      <m:e>
+                        <m:acc>
+                          <m:accPr>
+                            <m:chr m:val="̅"/>
+                            <m:ctrlPr>
+                              <a:rPr lang="de-DE" b="1" i="1">
+                                <a:latin typeface="Cambria Math" panose="02040503050406030204" pitchFamily="18" charset="0"/>
+                              </a:rPr>
+                            </m:ctrlPr>
+                          </m:accPr>
+                          <m:e>
+                            <m:r>
+                              <a:rPr lang="de-DE" b="1" i="1">
+                                <a:latin typeface="Cambria Math" panose="02040503050406030204" pitchFamily="18" charset="0"/>
+                              </a:rPr>
+                              <m:t>𝑰</m:t>
+                            </m:r>
+                          </m:e>
+                        </m:acc>
+                      </m:e>
+                      <m:sub>
+                        <m:r>
+                          <a:rPr lang="de-DE" b="1" i="1">
+                            <a:latin typeface="Cambria Math" panose="02040503050406030204" pitchFamily="18" charset="0"/>
+                          </a:rPr>
+                          <m:t>𝟎</m:t>
+                        </m:r>
+                      </m:sub>
+                    </m:sSub>
+                    <m:r>
+                      <a:rPr lang="de-DE" b="1" i="1" smtClean="0">
+                        <a:latin typeface="Cambria Math" panose="02040503050406030204" pitchFamily="18" charset="0"/>
+                      </a:rPr>
+                      <m:t>=</m:t>
+                    </m:r>
+                    <m:r>
+                      <a:rPr lang="de-DE" b="1" i="1" smtClean="0">
+                        <a:latin typeface="Cambria Math" panose="02040503050406030204" pitchFamily="18" charset="0"/>
+                      </a:rPr>
+                      <m:t>𝟐</m:t>
+                    </m:r>
+                    <m:r>
+                      <a:rPr lang="de-DE" b="1" i="1" smtClean="0">
+                        <a:latin typeface="Cambria Math" panose="02040503050406030204" pitchFamily="18" charset="0"/>
+                      </a:rPr>
+                      <m:t> </m:t>
+                    </m:r>
+                    <m:r>
+                      <a:rPr lang="de-DE" b="1" i="1" smtClean="0">
+                        <a:latin typeface="Cambria Math" panose="02040503050406030204" pitchFamily="18" charset="0"/>
+                      </a:rPr>
+                      <m:t>𝒎𝑨</m:t>
+                    </m:r>
+                    <m:r>
+                      <a:rPr lang="de-DE" b="1" i="1" smtClean="0">
+                        <a:latin typeface="Cambria Math" panose="02040503050406030204" pitchFamily="18" charset="0"/>
+                      </a:rPr>
+                      <m:t> &lt;</m:t>
+                    </m:r>
+                    <m:sSub>
+                      <m:sSubPr>
+                        <m:ctrlPr>
+                          <a:rPr lang="de-DE" b="1" i="1">
+                            <a:latin typeface="Cambria Math" panose="02040503050406030204" pitchFamily="18" charset="0"/>
+                          </a:rPr>
+                        </m:ctrlPr>
+                      </m:sSubPr>
+                      <m:e>
+                        <m:acc>
+                          <m:accPr>
+                            <m:chr m:val="̅"/>
+                            <m:ctrlPr>
+                              <a:rPr lang="de-DE" b="1" i="1">
+                                <a:latin typeface="Cambria Math" panose="02040503050406030204" pitchFamily="18" charset="0"/>
+                              </a:rPr>
+                            </m:ctrlPr>
+                          </m:accPr>
+                          <m:e>
+                            <m:r>
+                              <a:rPr lang="de-DE" b="1" i="1">
+                                <a:latin typeface="Cambria Math" panose="02040503050406030204" pitchFamily="18" charset="0"/>
+                              </a:rPr>
+                              <m:t>𝑰</m:t>
+                            </m:r>
+                          </m:e>
+                        </m:acc>
+                      </m:e>
+                      <m:sub>
+                        <m:r>
+                          <a:rPr lang="de-DE" b="1" i="1">
+                            <a:latin typeface="Cambria Math" panose="02040503050406030204" pitchFamily="18" charset="0"/>
+                          </a:rPr>
+                          <m:t>𝟎</m:t>
+                        </m:r>
+                        <m:r>
+                          <a:rPr lang="de-DE" b="1" i="1">
+                            <a:latin typeface="Cambria Math" panose="02040503050406030204" pitchFamily="18" charset="0"/>
+                          </a:rPr>
+                          <m:t>,</m:t>
+                        </m:r>
+                        <m:r>
+                          <a:rPr lang="de-DE" b="1" i="1">
+                            <a:latin typeface="Cambria Math" panose="02040503050406030204" pitchFamily="18" charset="0"/>
+                          </a:rPr>
+                          <m:t>𝒌𝒓𝒊𝒕</m:t>
+                        </m:r>
+                      </m:sub>
+                    </m:sSub>
+                  </m:oMath>
+                </a14:m>
+                <a:endParaRPr lang="de-DE" b="1" i="1" dirty="0"/>
+              </a:p>
+            </p:txBody>
+          </p:sp>
+        </mc:Choice>
+        <mc:Fallback>
+          <p:sp>
+            <p:nvSpPr>
+              <p:cNvPr id="3" name="Inhaltsplatzhalter 2">
+                <a:extLst>
+                  <a:ext uri="{FF2B5EF4-FFF2-40B4-BE49-F238E27FC236}">
+                    <a16:creationId xmlns:a16="http://schemas.microsoft.com/office/drawing/2014/main" id="{6B90ECAF-EF9E-1BE2-7FF9-02948F9D3B0C}"/>
+                  </a:ext>
+                </a:extLst>
+              </p:cNvPr>
+              <p:cNvSpPr>
+                <a:spLocks noGrp="1" noRot="1" noChangeAspect="1" noMove="1" noResize="1" noEditPoints="1" noAdjustHandles="1" noChangeArrowheads="1" noChangeShapeType="1" noTextEdit="1"/>
+              </p:cNvSpPr>
+              <p:nvPr>
+                <p:ph idx="1"/>
+              </p:nvPr>
+            </p:nvSpPr>
+            <p:spPr>
+              <a:blipFill>
+                <a:blip r:embed="rId2"/>
+                <a:stretch>
+                  <a:fillRect l="-1474" t="-1299"/>
+                </a:stretch>
+              </a:blipFill>
+            </p:spPr>
+            <p:txBody>
+              <a:bodyPr/>
+              <a:lstStyle/>
+              <a:p>
+                <a:r>
+                  <a:rPr lang="de-DE">
+                    <a:noFill/>
+                  </a:rPr>
+                  <a:t> </a:t>
+                </a:r>
+              </a:p>
+            </p:txBody>
+          </p:sp>
+        </mc:Fallback>
+      </mc:AlternateContent>
       <p:sp>
         <p:nvSpPr>
           <p:cNvPr id="4" name="Fußzeilenplatzhalter 3">
             <a:extLst>
               <a:ext uri="{FF2B5EF4-FFF2-40B4-BE49-F238E27FC236}">
-                <a16:creationId xmlns:a16="http://schemas.microsoft.com/office/drawing/2014/main" id="{419583D8-4C4E-EAA9-8303-5013908D5596}"/>
+                <a16:creationId xmlns:a16="http://schemas.microsoft.com/office/drawing/2014/main" id="{89ECF4D0-C173-B14A-5963-FA2EDE30C1C1}"/>
               </a:ext>
             </a:extLst>
           </p:cNvPr>
@@ -13703,7 +15451,7 @@
           <p:cNvPr id="5" name="Foliennummernplatzhalter 4">
             <a:extLst>
               <a:ext uri="{FF2B5EF4-FFF2-40B4-BE49-F238E27FC236}">
-                <a16:creationId xmlns:a16="http://schemas.microsoft.com/office/drawing/2014/main" id="{CBCD4AC4-4BB1-2D50-4A36-18E2B5BDDABD}"/>
+                <a16:creationId xmlns:a16="http://schemas.microsoft.com/office/drawing/2014/main" id="{D5AD5DFF-0BE4-D3A9-CEFC-2AA51FA20BC8}"/>
               </a:ext>
             </a:extLst>
           </p:cNvPr>
@@ -13727,10 +15475,768 @@
           </a:p>
         </p:txBody>
       </p:sp>
+      <p:pic>
+        <p:nvPicPr>
+          <p:cNvPr id="7" name="Grafik 6" descr="Ein Bild, das Screenshot, Display enthält.&#10;&#10;KI-generierte Inhalte können fehlerhaft sein.">
+            <a:extLst>
+              <a:ext uri="{FF2B5EF4-FFF2-40B4-BE49-F238E27FC236}">
+                <a16:creationId xmlns:a16="http://schemas.microsoft.com/office/drawing/2014/main" id="{CCA91063-7B87-7B42-D235-3E655765EBCE}"/>
+              </a:ext>
+            </a:extLst>
+          </p:cNvPr>
+          <p:cNvPicPr>
+            <a:picLocks noChangeAspect="1"/>
+          </p:cNvPicPr>
+          <p:nvPr/>
+        </p:nvPicPr>
+        <p:blipFill>
+          <a:blip r:embed="rId3">
+            <a:extLst>
+              <a:ext uri="{28A0092B-C50C-407E-A947-70E740481C1C}">
+                <a14:useLocalDpi xmlns:a14="http://schemas.microsoft.com/office/drawing/2010/main" val="0"/>
+              </a:ext>
+            </a:extLst>
+          </a:blip>
+          <a:stretch>
+            <a:fillRect/>
+          </a:stretch>
+        </p:blipFill>
+        <p:spPr>
+          <a:xfrm>
+            <a:off x="1378800" y="1954799"/>
+            <a:ext cx="7323359" cy="3960000"/>
+          </a:xfrm>
+          <a:prstGeom prst="rect">
+            <a:avLst/>
+          </a:prstGeom>
+        </p:spPr>
+      </p:pic>
+      <mc:AlternateContent xmlns:mc="http://schemas.openxmlformats.org/markup-compatibility/2006">
+        <mc:Choice xmlns:a14="http://schemas.microsoft.com/office/drawing/2010/main" Requires="a14">
+          <p:sp>
+            <p:nvSpPr>
+              <p:cNvPr id="8" name="Textfeld 7">
+                <a:extLst>
+                  <a:ext uri="{FF2B5EF4-FFF2-40B4-BE49-F238E27FC236}">
+                    <a16:creationId xmlns:a16="http://schemas.microsoft.com/office/drawing/2014/main" id="{BEDD7761-134F-F628-FF91-3702934BE667}"/>
+                  </a:ext>
+                </a:extLst>
+              </p:cNvPr>
+              <p:cNvSpPr txBox="1"/>
+              <p:nvPr/>
+            </p:nvSpPr>
+            <p:spPr>
+              <a:xfrm>
+                <a:off x="8802068" y="5312139"/>
+                <a:ext cx="1579606" cy="400110"/>
+              </a:xfrm>
+              <a:prstGeom prst="rect">
+                <a:avLst/>
+              </a:prstGeom>
+              <a:noFill/>
+              <a:ln>
+                <a:solidFill>
+                  <a:schemeClr val="tx1"/>
+                </a:solidFill>
+              </a:ln>
+            </p:spPr>
+            <p:txBody>
+              <a:bodyPr wrap="square" rtlCol="0">
+                <a:spAutoFit/>
+              </a:bodyPr>
+              <a:lstStyle/>
+              <a:p>
+                <a:pPr/>
+                <a14:m>
+                  <m:oMathPara xmlns:m="http://schemas.openxmlformats.org/officeDocument/2006/math">
+                    <m:oMathParaPr>
+                      <m:jc m:val="centerGroup"/>
+                    </m:oMathParaPr>
+                    <m:oMath xmlns:m="http://schemas.openxmlformats.org/officeDocument/2006/math">
+                      <m:sSub>
+                        <m:sSubPr>
+                          <m:ctrlPr>
+                            <a:rPr lang="de-DE" sz="2000" b="0" i="1" smtClean="0">
+                              <a:latin typeface="Cambria Math" panose="02040503050406030204" pitchFamily="18" charset="0"/>
+                            </a:rPr>
+                          </m:ctrlPr>
+                        </m:sSubPr>
+                        <m:e>
+                          <m:acc>
+                            <m:accPr>
+                              <m:chr m:val="̅"/>
+                              <m:ctrlPr>
+                                <a:rPr lang="de-DE" sz="2000" b="0" i="1" smtClean="0">
+                                  <a:latin typeface="Cambria Math" panose="02040503050406030204" pitchFamily="18" charset="0"/>
+                                </a:rPr>
+                              </m:ctrlPr>
+                            </m:accPr>
+                            <m:e>
+                              <m:r>
+                                <a:rPr lang="de-DE" sz="2000" b="0" i="1" smtClean="0">
+                                  <a:latin typeface="Cambria Math" panose="02040503050406030204" pitchFamily="18" charset="0"/>
+                                </a:rPr>
+                                <m:t>𝑈</m:t>
+                              </m:r>
+                            </m:e>
+                          </m:acc>
+                        </m:e>
+                        <m:sub>
+                          <m:r>
+                            <a:rPr lang="de-DE" sz="2000" b="0" i="1" smtClean="0">
+                              <a:latin typeface="Cambria Math" panose="02040503050406030204" pitchFamily="18" charset="0"/>
+                            </a:rPr>
+                            <m:t>2</m:t>
+                          </m:r>
+                        </m:sub>
+                      </m:sSub>
+                      <m:r>
+                        <a:rPr lang="de-DE" sz="2000" b="0" i="1" smtClean="0">
+                          <a:latin typeface="Cambria Math" panose="02040503050406030204" pitchFamily="18" charset="0"/>
+                        </a:rPr>
+                        <m:t>=</m:t>
+                      </m:r>
+                      <m:r>
+                        <a:rPr lang="de-DE" sz="2000" b="0" i="1" smtClean="0">
+                          <a:latin typeface="Cambria Math" panose="02040503050406030204" pitchFamily="18" charset="0"/>
+                        </a:rPr>
+                        <m:t>-</m:t>
+                      </m:r>
+                      <m:r>
+                        <a:rPr lang="de-DE" sz="2000" i="1" smtClean="0">
+                          <a:latin typeface="Cambria Math" panose="02040503050406030204" pitchFamily="18" charset="0"/>
+                        </a:rPr>
+                        <m:t>0</m:t>
+                      </m:r>
+                      <m:r>
+                        <a:rPr lang="de-DE" sz="2000" b="0" i="1" smtClean="0">
+                          <a:latin typeface="Cambria Math" panose="02040503050406030204" pitchFamily="18" charset="0"/>
+                        </a:rPr>
+                        <m:t>.31 </m:t>
+                      </m:r>
+                      <m:r>
+                        <a:rPr lang="de-DE" sz="2000" b="0" i="1" smtClean="0">
+                          <a:latin typeface="Cambria Math" panose="02040503050406030204" pitchFamily="18" charset="0"/>
+                        </a:rPr>
+                        <m:t>𝑉</m:t>
+                      </m:r>
+                    </m:oMath>
+                  </m:oMathPara>
+                </a14:m>
+                <a:endParaRPr lang="de-DE" sz="2000" i="1" dirty="0"/>
+              </a:p>
+            </p:txBody>
+          </p:sp>
+        </mc:Choice>
+        <mc:Fallback>
+          <p:sp>
+            <p:nvSpPr>
+              <p:cNvPr id="8" name="Textfeld 7">
+                <a:extLst>
+                  <a:ext uri="{FF2B5EF4-FFF2-40B4-BE49-F238E27FC236}">
+                    <a16:creationId xmlns:a16="http://schemas.microsoft.com/office/drawing/2014/main" id="{BEDD7761-134F-F628-FF91-3702934BE667}"/>
+                  </a:ext>
+                </a:extLst>
+              </p:cNvPr>
+              <p:cNvSpPr txBox="1">
+                <a:spLocks noRot="1" noChangeAspect="1" noMove="1" noResize="1" noEditPoints="1" noAdjustHandles="1" noChangeArrowheads="1" noChangeShapeType="1" noTextEdit="1"/>
+              </p:cNvSpPr>
+              <p:nvPr/>
+            </p:nvSpPr>
+            <p:spPr>
+              <a:xfrm>
+                <a:off x="8802068" y="5312139"/>
+                <a:ext cx="1579606" cy="400110"/>
+              </a:xfrm>
+              <a:prstGeom prst="rect">
+                <a:avLst/>
+              </a:prstGeom>
+              <a:blipFill>
+                <a:blip r:embed="rId4"/>
+                <a:stretch>
+                  <a:fillRect b="-1471"/>
+                </a:stretch>
+              </a:blipFill>
+              <a:ln>
+                <a:solidFill>
+                  <a:schemeClr val="tx1"/>
+                </a:solidFill>
+              </a:ln>
+            </p:spPr>
+            <p:txBody>
+              <a:bodyPr/>
+              <a:lstStyle/>
+              <a:p>
+                <a:r>
+                  <a:rPr lang="de-DE">
+                    <a:noFill/>
+                  </a:rPr>
+                  <a:t> </a:t>
+                </a:r>
+              </a:p>
+            </p:txBody>
+          </p:sp>
+        </mc:Fallback>
+      </mc:AlternateContent>
     </p:spTree>
     <p:extLst>
       <p:ext uri="{BB962C8B-B14F-4D97-AF65-F5344CB8AC3E}">
-        <p14:creationId xmlns:p14="http://schemas.microsoft.com/office/powerpoint/2010/main" val="968484416"/>
+        <p14:creationId xmlns:p14="http://schemas.microsoft.com/office/powerpoint/2010/main" val="1697238197"/>
+      </p:ext>
+    </p:extLst>
+  </p:cSld>
+  <p:clrMapOvr>
+    <a:masterClrMapping/>
+  </p:clrMapOvr>
+</p:sld>
+</file>
+
+<file path=ppt/slides/slide9.xml><?xml version="1.0" encoding="utf-8"?>
+<p:sld xmlns:a="http://schemas.openxmlformats.org/drawingml/2006/main" xmlns:r="http://schemas.openxmlformats.org/officeDocument/2006/relationships" xmlns:p="http://schemas.openxmlformats.org/presentationml/2006/main">
+  <p:cSld>
+    <p:spTree>
+      <p:nvGrpSpPr>
+        <p:cNvPr id="1" name="">
+          <a:extLst>
+            <a:ext uri="{FF2B5EF4-FFF2-40B4-BE49-F238E27FC236}">
+              <a16:creationId xmlns:a16="http://schemas.microsoft.com/office/drawing/2014/main" id="{3159B8EE-82D0-3471-9F73-A430DFDA853F}"/>
+            </a:ext>
+          </a:extLst>
+        </p:cNvPr>
+        <p:cNvGrpSpPr/>
+        <p:nvPr/>
+      </p:nvGrpSpPr>
+      <p:grpSpPr>
+        <a:xfrm>
+          <a:off x="0" y="0"/>
+          <a:ext cx="0" cy="0"/>
+          <a:chOff x="0" y="0"/>
+          <a:chExt cx="0" cy="0"/>
+        </a:xfrm>
+      </p:grpSpPr>
+      <p:sp>
+        <p:nvSpPr>
+          <p:cNvPr id="2" name="Titel 1">
+            <a:extLst>
+              <a:ext uri="{FF2B5EF4-FFF2-40B4-BE49-F238E27FC236}">
+                <a16:creationId xmlns:a16="http://schemas.microsoft.com/office/drawing/2014/main" id="{0CDCD44A-5346-C7D2-7EF1-CA3C405AF7D8}"/>
+              </a:ext>
+            </a:extLst>
+          </p:cNvPr>
+          <p:cNvSpPr>
+            <a:spLocks noGrp="1"/>
+          </p:cNvSpPr>
+          <p:nvPr>
+            <p:ph type="title"/>
+          </p:nvPr>
+        </p:nvSpPr>
+        <p:spPr/>
+        <p:txBody>
+          <a:bodyPr/>
+          <a:lstStyle/>
+          <a:p>
+            <a:pPr marL="514350" indent="-514350">
+              <a:buFont typeface="+mj-lt"/>
+              <a:buAutoNum type="arabicPeriod" startAt="3"/>
+            </a:pPr>
+            <a:r>
+              <a:rPr lang="de-DE" dirty="0"/>
+              <a:t>Simulink-Modell der Regelstrecke</a:t>
+            </a:r>
+          </a:p>
+        </p:txBody>
+      </p:sp>
+      <mc:AlternateContent xmlns:mc="http://schemas.openxmlformats.org/markup-compatibility/2006">
+        <mc:Choice xmlns:a14="http://schemas.microsoft.com/office/drawing/2010/main" Requires="a14">
+          <p:sp>
+            <p:nvSpPr>
+              <p:cNvPr id="3" name="Inhaltsplatzhalter 2">
+                <a:extLst>
+                  <a:ext uri="{FF2B5EF4-FFF2-40B4-BE49-F238E27FC236}">
+                    <a16:creationId xmlns:a16="http://schemas.microsoft.com/office/drawing/2014/main" id="{717675F1-C335-703B-0F17-28E20DCB8488}"/>
+                  </a:ext>
+                </a:extLst>
+              </p:cNvPr>
+              <p:cNvSpPr>
+                <a:spLocks noGrp="1"/>
+              </p:cNvSpPr>
+              <p:nvPr>
+                <p:ph idx="1"/>
+              </p:nvPr>
+            </p:nvSpPr>
+            <p:spPr/>
+            <p:txBody>
+              <a:bodyPr anchor="t"/>
+              <a:lstStyle/>
+              <a:p>
+                <a:pPr>
+                  <a:buNone/>
+                </a:pPr>
+                <a:r>
+                  <a:rPr lang="de-DE" b="1" dirty="0"/>
+                  <a:t>Simulation des zeitlichen Verlaufs der Zustandsgrößen für </a:t>
+                </a:r>
+                <a14:m>
+                  <m:oMath xmlns:m="http://schemas.openxmlformats.org/officeDocument/2006/math">
+                    <m:sSub>
+                      <m:sSubPr>
+                        <m:ctrlPr>
+                          <a:rPr lang="de-DE" b="1" i="1">
+                            <a:latin typeface="Cambria Math" panose="02040503050406030204" pitchFamily="18" charset="0"/>
+                          </a:rPr>
+                        </m:ctrlPr>
+                      </m:sSubPr>
+                      <m:e>
+                        <m:acc>
+                          <m:accPr>
+                            <m:chr m:val="̅"/>
+                            <m:ctrlPr>
+                              <a:rPr lang="de-DE" b="1" i="1">
+                                <a:latin typeface="Cambria Math" panose="02040503050406030204" pitchFamily="18" charset="0"/>
+                              </a:rPr>
+                            </m:ctrlPr>
+                          </m:accPr>
+                          <m:e>
+                            <m:r>
+                              <a:rPr lang="de-DE" b="1" i="1">
+                                <a:latin typeface="Cambria Math" panose="02040503050406030204" pitchFamily="18" charset="0"/>
+                              </a:rPr>
+                              <m:t>𝑰</m:t>
+                            </m:r>
+                          </m:e>
+                        </m:acc>
+                      </m:e>
+                      <m:sub>
+                        <m:r>
+                          <a:rPr lang="de-DE" b="1" i="1">
+                            <a:latin typeface="Cambria Math" panose="02040503050406030204" pitchFamily="18" charset="0"/>
+                          </a:rPr>
+                          <m:t>𝟎</m:t>
+                        </m:r>
+                      </m:sub>
+                    </m:sSub>
+                    <m:r>
+                      <a:rPr lang="de-DE" b="1" i="1" smtClean="0">
+                        <a:latin typeface="Cambria Math" panose="02040503050406030204" pitchFamily="18" charset="0"/>
+                      </a:rPr>
+                      <m:t>=</m:t>
+                    </m:r>
+                    <m:r>
+                      <a:rPr lang="de-DE" b="1" i="1" smtClean="0">
+                        <a:latin typeface="Cambria Math" panose="02040503050406030204" pitchFamily="18" charset="0"/>
+                      </a:rPr>
+                      <m:t>𝟐</m:t>
+                    </m:r>
+                    <m:r>
+                      <a:rPr lang="de-DE" b="1" i="1" smtClean="0">
+                        <a:latin typeface="Cambria Math" panose="02040503050406030204" pitchFamily="18" charset="0"/>
+                      </a:rPr>
+                      <m:t> </m:t>
+                    </m:r>
+                    <m:r>
+                      <a:rPr lang="de-DE" b="1" i="1" smtClean="0">
+                        <a:latin typeface="Cambria Math" panose="02040503050406030204" pitchFamily="18" charset="0"/>
+                      </a:rPr>
+                      <m:t>𝒎𝑨</m:t>
+                    </m:r>
+                    <m:r>
+                      <a:rPr lang="de-DE" b="1" i="1" smtClean="0">
+                        <a:latin typeface="Cambria Math" panose="02040503050406030204" pitchFamily="18" charset="0"/>
+                      </a:rPr>
+                      <m:t> &lt;</m:t>
+                    </m:r>
+                    <m:sSub>
+                      <m:sSubPr>
+                        <m:ctrlPr>
+                          <a:rPr lang="de-DE" b="1" i="1">
+                            <a:latin typeface="Cambria Math" panose="02040503050406030204" pitchFamily="18" charset="0"/>
+                          </a:rPr>
+                        </m:ctrlPr>
+                      </m:sSubPr>
+                      <m:e>
+                        <m:acc>
+                          <m:accPr>
+                            <m:chr m:val="̅"/>
+                            <m:ctrlPr>
+                              <a:rPr lang="de-DE" b="1" i="1">
+                                <a:latin typeface="Cambria Math" panose="02040503050406030204" pitchFamily="18" charset="0"/>
+                              </a:rPr>
+                            </m:ctrlPr>
+                          </m:accPr>
+                          <m:e>
+                            <m:r>
+                              <a:rPr lang="de-DE" b="1" i="1">
+                                <a:latin typeface="Cambria Math" panose="02040503050406030204" pitchFamily="18" charset="0"/>
+                              </a:rPr>
+                              <m:t>𝑰</m:t>
+                            </m:r>
+                          </m:e>
+                        </m:acc>
+                      </m:e>
+                      <m:sub>
+                        <m:r>
+                          <a:rPr lang="de-DE" b="1" i="1">
+                            <a:latin typeface="Cambria Math" panose="02040503050406030204" pitchFamily="18" charset="0"/>
+                          </a:rPr>
+                          <m:t>𝟎</m:t>
+                        </m:r>
+                        <m:r>
+                          <a:rPr lang="de-DE" b="1" i="1">
+                            <a:latin typeface="Cambria Math" panose="02040503050406030204" pitchFamily="18" charset="0"/>
+                          </a:rPr>
+                          <m:t>,</m:t>
+                        </m:r>
+                        <m:r>
+                          <a:rPr lang="de-DE" b="1" i="1">
+                            <a:latin typeface="Cambria Math" panose="02040503050406030204" pitchFamily="18" charset="0"/>
+                          </a:rPr>
+                          <m:t>𝒌𝒓𝒊𝒕</m:t>
+                        </m:r>
+                      </m:sub>
+                    </m:sSub>
+                  </m:oMath>
+                </a14:m>
+                <a:endParaRPr lang="de-DE" b="1" i="1" dirty="0"/>
+              </a:p>
+            </p:txBody>
+          </p:sp>
+        </mc:Choice>
+        <mc:Fallback>
+          <p:sp>
+            <p:nvSpPr>
+              <p:cNvPr id="3" name="Inhaltsplatzhalter 2">
+                <a:extLst>
+                  <a:ext uri="{FF2B5EF4-FFF2-40B4-BE49-F238E27FC236}">
+                    <a16:creationId xmlns:a16="http://schemas.microsoft.com/office/drawing/2014/main" id="{717675F1-C335-703B-0F17-28E20DCB8488}"/>
+                  </a:ext>
+                </a:extLst>
+              </p:cNvPr>
+              <p:cNvSpPr>
+                <a:spLocks noGrp="1" noRot="1" noChangeAspect="1" noMove="1" noResize="1" noEditPoints="1" noAdjustHandles="1" noChangeArrowheads="1" noChangeShapeType="1" noTextEdit="1"/>
+              </p:cNvSpPr>
+              <p:nvPr>
+                <p:ph idx="1"/>
+              </p:nvPr>
+            </p:nvSpPr>
+            <p:spPr>
+              <a:blipFill>
+                <a:blip r:embed="rId2"/>
+                <a:stretch>
+                  <a:fillRect l="-1474" t="-1299"/>
+                </a:stretch>
+              </a:blipFill>
+            </p:spPr>
+            <p:txBody>
+              <a:bodyPr/>
+              <a:lstStyle/>
+              <a:p>
+                <a:r>
+                  <a:rPr lang="de-DE">
+                    <a:noFill/>
+                  </a:rPr>
+                  <a:t> </a:t>
+                </a:r>
+              </a:p>
+            </p:txBody>
+          </p:sp>
+        </mc:Fallback>
+      </mc:AlternateContent>
+      <p:sp>
+        <p:nvSpPr>
+          <p:cNvPr id="4" name="Fußzeilenplatzhalter 3">
+            <a:extLst>
+              <a:ext uri="{FF2B5EF4-FFF2-40B4-BE49-F238E27FC236}">
+                <a16:creationId xmlns:a16="http://schemas.microsoft.com/office/drawing/2014/main" id="{E403D064-97A4-9F05-9BAB-621447C90BC5}"/>
+              </a:ext>
+            </a:extLst>
+          </p:cNvPr>
+          <p:cNvSpPr>
+            <a:spLocks noGrp="1"/>
+          </p:cNvSpPr>
+          <p:nvPr>
+            <p:ph type="ftr" sz="quarter" idx="11"/>
+          </p:nvPr>
+        </p:nvSpPr>
+        <p:spPr/>
+        <p:txBody>
+          <a:bodyPr/>
+          <a:lstStyle/>
+          <a:p>
+            <a:r>
+              <a:rPr lang="de-DE"/>
+              <a:t>Lennart und Richard Mende, 25EIM-AT, E144 Regelungstheorie, Prof. Dr.-Ing. Hendrik Richter</a:t>
+            </a:r>
+            <a:endParaRPr lang="de-DE" dirty="0"/>
+          </a:p>
+        </p:txBody>
+      </p:sp>
+      <p:sp>
+        <p:nvSpPr>
+          <p:cNvPr id="5" name="Foliennummernplatzhalter 4">
+            <a:extLst>
+              <a:ext uri="{FF2B5EF4-FFF2-40B4-BE49-F238E27FC236}">
+                <a16:creationId xmlns:a16="http://schemas.microsoft.com/office/drawing/2014/main" id="{4FC490BE-981F-10D9-5A44-61FD9B410C35}"/>
+              </a:ext>
+            </a:extLst>
+          </p:cNvPr>
+          <p:cNvSpPr>
+            <a:spLocks noGrp="1"/>
+          </p:cNvSpPr>
+          <p:nvPr>
+            <p:ph type="sldNum" sz="quarter" idx="12"/>
+          </p:nvPr>
+        </p:nvSpPr>
+        <p:spPr/>
+        <p:txBody>
+          <a:bodyPr/>
+          <a:lstStyle/>
+          <a:p>
+            <a:fld id="{5DDB454C-C8BB-450C-A446-EA3D813FE484}" type="slidenum">
+              <a:rPr lang="de-DE" smtClean="0"/>
+              <a:t>9</a:t>
+            </a:fld>
+            <a:endParaRPr lang="de-DE"/>
+          </a:p>
+        </p:txBody>
+      </p:sp>
+      <p:pic>
+        <p:nvPicPr>
+          <p:cNvPr id="7" name="Grafik 6" descr="Ein Bild, das Screenshot, Text enthält.&#10;&#10;KI-generierte Inhalte können fehlerhaft sein.">
+            <a:extLst>
+              <a:ext uri="{FF2B5EF4-FFF2-40B4-BE49-F238E27FC236}">
+                <a16:creationId xmlns:a16="http://schemas.microsoft.com/office/drawing/2014/main" id="{C9B50277-CCDC-10C9-6C2C-712E91A36F1B}"/>
+              </a:ext>
+            </a:extLst>
+          </p:cNvPr>
+          <p:cNvPicPr>
+            <a:picLocks noChangeAspect="1"/>
+          </p:cNvPicPr>
+          <p:nvPr/>
+        </p:nvPicPr>
+        <p:blipFill>
+          <a:blip r:embed="rId3">
+            <a:extLst>
+              <a:ext uri="{28A0092B-C50C-407E-A947-70E740481C1C}">
+                <a14:useLocalDpi xmlns:a14="http://schemas.microsoft.com/office/drawing/2010/main" val="0"/>
+              </a:ext>
+            </a:extLst>
+          </a:blip>
+          <a:stretch>
+            <a:fillRect/>
+          </a:stretch>
+        </p:blipFill>
+        <p:spPr>
+          <a:xfrm>
+            <a:off x="1378799" y="1954800"/>
+            <a:ext cx="7143529" cy="3960000"/>
+          </a:xfrm>
+          <a:prstGeom prst="rect">
+            <a:avLst/>
+          </a:prstGeom>
+        </p:spPr>
+      </p:pic>
+      <mc:AlternateContent xmlns:mc="http://schemas.openxmlformats.org/markup-compatibility/2006">
+        <mc:Choice xmlns:a14="http://schemas.microsoft.com/office/drawing/2010/main" Requires="a14">
+          <p:sp>
+            <p:nvSpPr>
+              <p:cNvPr id="8" name="Textfeld 7">
+                <a:extLst>
+                  <a:ext uri="{FF2B5EF4-FFF2-40B4-BE49-F238E27FC236}">
+                    <a16:creationId xmlns:a16="http://schemas.microsoft.com/office/drawing/2014/main" id="{7887D28C-591A-F09F-A19F-242CDC980E46}"/>
+                  </a:ext>
+                </a:extLst>
+              </p:cNvPr>
+              <p:cNvSpPr txBox="1"/>
+              <p:nvPr/>
+            </p:nvSpPr>
+            <p:spPr>
+              <a:xfrm>
+                <a:off x="8654285" y="4582466"/>
+                <a:ext cx="1856697" cy="400110"/>
+              </a:xfrm>
+              <a:prstGeom prst="rect">
+                <a:avLst/>
+              </a:prstGeom>
+              <a:noFill/>
+              <a:ln>
+                <a:solidFill>
+                  <a:schemeClr val="tx1"/>
+                </a:solidFill>
+              </a:ln>
+            </p:spPr>
+            <p:txBody>
+              <a:bodyPr wrap="square" rtlCol="0">
+                <a:spAutoFit/>
+              </a:bodyPr>
+              <a:lstStyle/>
+              <a:p>
+                <a:pPr/>
+                <a14:m>
+                  <m:oMathPara xmlns:m="http://schemas.openxmlformats.org/officeDocument/2006/math">
+                    <m:oMathParaPr>
+                      <m:jc m:val="centerGroup"/>
+                    </m:oMathParaPr>
+                    <m:oMath xmlns:m="http://schemas.openxmlformats.org/officeDocument/2006/math">
+                      <m:sSub>
+                        <m:sSubPr>
+                          <m:ctrlPr>
+                            <a:rPr lang="de-DE" sz="2000" i="1">
+                              <a:latin typeface="Cambria Math" panose="02040503050406030204" pitchFamily="18" charset="0"/>
+                            </a:rPr>
+                          </m:ctrlPr>
+                        </m:sSubPr>
+                        <m:e>
+                          <m:acc>
+                            <m:accPr>
+                              <m:chr m:val="̅"/>
+                              <m:ctrlPr>
+                                <a:rPr lang="de-DE" sz="2000" i="1">
+                                  <a:latin typeface="Cambria Math" panose="02040503050406030204" pitchFamily="18" charset="0"/>
+                                </a:rPr>
+                              </m:ctrlPr>
+                            </m:accPr>
+                            <m:e>
+                              <m:r>
+                                <a:rPr lang="de-DE" sz="2000" i="1">
+                                  <a:latin typeface="Cambria Math" panose="02040503050406030204" pitchFamily="18" charset="0"/>
+                                </a:rPr>
+                                <m:t>𝐼</m:t>
+                              </m:r>
+                            </m:e>
+                          </m:acc>
+                        </m:e>
+                        <m:sub>
+                          <m:r>
+                            <a:rPr lang="de-DE" sz="2000" b="0" i="1" smtClean="0">
+                              <a:latin typeface="Cambria Math" panose="02040503050406030204" pitchFamily="18" charset="0"/>
+                            </a:rPr>
+                            <m:t>𝐿</m:t>
+                          </m:r>
+                        </m:sub>
+                      </m:sSub>
+                      <m:r>
+                        <a:rPr lang="de-DE" sz="2000" b="0" i="1" smtClean="0">
+                          <a:latin typeface="Cambria Math" panose="02040503050406030204" pitchFamily="18" charset="0"/>
+                        </a:rPr>
+                        <m:t>=</m:t>
+                      </m:r>
+                      <m:sSub>
+                        <m:sSubPr>
+                          <m:ctrlPr>
+                            <a:rPr lang="de-DE" sz="2000" i="1">
+                              <a:latin typeface="Cambria Math" panose="02040503050406030204" pitchFamily="18" charset="0"/>
+                            </a:rPr>
+                          </m:ctrlPr>
+                        </m:sSubPr>
+                        <m:e>
+                          <m:acc>
+                            <m:accPr>
+                              <m:chr m:val="̅"/>
+                              <m:ctrlPr>
+                                <a:rPr lang="de-DE" sz="2000" i="1">
+                                  <a:latin typeface="Cambria Math" panose="02040503050406030204" pitchFamily="18" charset="0"/>
+                                </a:rPr>
+                              </m:ctrlPr>
+                            </m:accPr>
+                            <m:e>
+                              <m:r>
+                                <a:rPr lang="de-DE" sz="2000" i="1">
+                                  <a:latin typeface="Cambria Math" panose="02040503050406030204" pitchFamily="18" charset="0"/>
+                                </a:rPr>
+                                <m:t>𝐼</m:t>
+                              </m:r>
+                            </m:e>
+                          </m:acc>
+                        </m:e>
+                        <m:sub>
+                          <m:r>
+                            <a:rPr lang="de-DE" sz="2000" b="0" i="1" smtClean="0">
+                              <a:latin typeface="Cambria Math" panose="02040503050406030204" pitchFamily="18" charset="0"/>
+                            </a:rPr>
+                            <m:t>0</m:t>
+                          </m:r>
+                        </m:sub>
+                      </m:sSub>
+                      <m:r>
+                        <a:rPr lang="de-DE" sz="2000" b="0" i="1" smtClean="0">
+                          <a:latin typeface="Cambria Math" panose="02040503050406030204" pitchFamily="18" charset="0"/>
+                        </a:rPr>
+                        <m:t>=</m:t>
+                      </m:r>
+                      <m:r>
+                        <a:rPr lang="de-DE" sz="2000" b="0" i="1" smtClean="0">
+                          <a:latin typeface="Cambria Math" panose="02040503050406030204" pitchFamily="18" charset="0"/>
+                        </a:rPr>
+                        <m:t>2 </m:t>
+                      </m:r>
+                      <m:r>
+                        <a:rPr lang="de-DE" sz="2000" b="0" i="1" smtClean="0">
+                          <a:latin typeface="Cambria Math" panose="02040503050406030204" pitchFamily="18" charset="0"/>
+                        </a:rPr>
+                        <m:t>𝑚𝐴</m:t>
+                      </m:r>
+                    </m:oMath>
+                  </m:oMathPara>
+                </a14:m>
+                <a:endParaRPr lang="de-DE" sz="2000" i="1" dirty="0"/>
+              </a:p>
+            </p:txBody>
+          </p:sp>
+        </mc:Choice>
+        <mc:Fallback>
+          <p:sp>
+            <p:nvSpPr>
+              <p:cNvPr id="8" name="Textfeld 7">
+                <a:extLst>
+                  <a:ext uri="{FF2B5EF4-FFF2-40B4-BE49-F238E27FC236}">
+                    <a16:creationId xmlns:a16="http://schemas.microsoft.com/office/drawing/2014/main" id="{7887D28C-591A-F09F-A19F-242CDC980E46}"/>
+                  </a:ext>
+                </a:extLst>
+              </p:cNvPr>
+              <p:cNvSpPr txBox="1">
+                <a:spLocks noRot="1" noChangeAspect="1" noMove="1" noResize="1" noEditPoints="1" noAdjustHandles="1" noChangeArrowheads="1" noChangeShapeType="1" noTextEdit="1"/>
+              </p:cNvSpPr>
+              <p:nvPr/>
+            </p:nvSpPr>
+            <p:spPr>
+              <a:xfrm>
+                <a:off x="8654285" y="4582466"/>
+                <a:ext cx="1856697" cy="400110"/>
+              </a:xfrm>
+              <a:prstGeom prst="rect">
+                <a:avLst/>
+              </a:prstGeom>
+              <a:blipFill>
+                <a:blip r:embed="rId4"/>
+                <a:stretch>
+                  <a:fillRect b="-1493"/>
+                </a:stretch>
+              </a:blipFill>
+              <a:ln>
+                <a:solidFill>
+                  <a:schemeClr val="tx1"/>
+                </a:solidFill>
+              </a:ln>
+            </p:spPr>
+            <p:txBody>
+              <a:bodyPr/>
+              <a:lstStyle/>
+              <a:p>
+                <a:r>
+                  <a:rPr lang="de-DE">
+                    <a:noFill/>
+                  </a:rPr>
+                  <a:t> </a:t>
+                </a:r>
+              </a:p>
+            </p:txBody>
+          </p:sp>
+        </mc:Fallback>
+      </mc:AlternateContent>
+    </p:spTree>
+    <p:extLst>
+      <p:ext uri="{BB962C8B-B14F-4D97-AF65-F5344CB8AC3E}">
+        <p14:creationId xmlns:p14="http://schemas.microsoft.com/office/powerpoint/2010/main" val="412918684"/>
       </p:ext>
     </p:extLst>
   </p:cSld>

--- a/Zwischenpräsentation.pptx
+++ b/Zwischenpräsentation.pptx
@@ -273,7 +273,7 @@
           <a:p>
             <a:fld id="{028B6593-098D-4382-9647-35487FA190B4}" type="datetimeFigureOut">
               <a:rPr lang="de-DE" smtClean="0"/>
-              <a:t>07.12.2025</a:t>
+              <a:t>09.12.2025</a:t>
             </a:fld>
             <a:endParaRPr lang="de-DE"/>
           </a:p>
@@ -622,7 +622,7 @@
             <a:fld id="{BFBAF385-7378-4A32-85D2-65025305A3A0}" type="datetime4">
               <a:rPr lang="de-DE" smtClean="0"/>
               <a:pPr/>
-              <a:t>7. Dezember 2025</a:t>
+              <a:t>9. Dezember 2025</a:t>
             </a:fld>
             <a:endParaRPr lang="de-DE" dirty="0"/>
           </a:p>
@@ -1157,7 +1157,7 @@
             <a:fld id="{E4612975-D8C2-4BA9-A85C-A39EEEE43493}" type="datetime4">
               <a:rPr lang="de-DE" smtClean="0"/>
               <a:pPr/>
-              <a:t>7. Dezember 2025</a:t>
+              <a:t>9. Dezember 2025</a:t>
             </a:fld>
             <a:endParaRPr lang="de-DE" dirty="0"/>
           </a:p>
@@ -1665,7 +1665,7 @@
             <a:fld id="{BFBAF385-7378-4A32-85D2-65025305A3A0}" type="datetime4">
               <a:rPr lang="de-DE" smtClean="0"/>
               <a:pPr/>
-              <a:t>7. Dezember 2025</a:t>
+              <a:t>9. Dezember 2025</a:t>
             </a:fld>
             <a:endParaRPr lang="de-DE" dirty="0"/>
           </a:p>
@@ -2200,7 +2200,7 @@
             <a:fld id="{E4612975-D8C2-4BA9-A85C-A39EEEE43493}" type="datetime4">
               <a:rPr lang="de-DE" smtClean="0"/>
               <a:pPr/>
-              <a:t>7. Dezember 2025</a:t>
+              <a:t>9. Dezember 2025</a:t>
             </a:fld>
             <a:endParaRPr lang="de-DE" dirty="0"/>
           </a:p>
@@ -2923,7 +2923,7 @@
             <a:fld id="{E4612975-D8C2-4BA9-A85C-A39EEEE43493}" type="datetime4">
               <a:rPr lang="de-DE" smtClean="0"/>
               <a:pPr/>
-              <a:t>7. Dezember 2025</a:t>
+              <a:t>9. Dezember 2025</a:t>
             </a:fld>
             <a:endParaRPr lang="de-DE" dirty="0"/>
           </a:p>
@@ -3418,7 +3418,7 @@
             <a:fld id="{BFBAF385-7378-4A32-85D2-65025305A3A0}" type="datetime4">
               <a:rPr lang="de-DE" smtClean="0"/>
               <a:pPr/>
-              <a:t>7. Dezember 2025</a:t>
+              <a:t>9. Dezember 2025</a:t>
             </a:fld>
             <a:endParaRPr lang="de-DE" dirty="0"/>
           </a:p>
@@ -3953,7 +3953,7 @@
             <a:fld id="{E4612975-D8C2-4BA9-A85C-A39EEEE43493}" type="datetime4">
               <a:rPr lang="de-DE" smtClean="0"/>
               <a:pPr/>
-              <a:t>7. Dezember 2025</a:t>
+              <a:t>9. Dezember 2025</a:t>
             </a:fld>
             <a:endParaRPr lang="de-DE" dirty="0"/>
           </a:p>
@@ -4448,7 +4448,7 @@
             <a:fld id="{BFBAF385-7378-4A32-85D2-65025305A3A0}" type="datetime4">
               <a:rPr lang="de-DE" smtClean="0"/>
               <a:pPr/>
-              <a:t>7. Dezember 2025</a:t>
+              <a:t>9. Dezember 2025</a:t>
             </a:fld>
             <a:endParaRPr lang="de-DE" dirty="0"/>
           </a:p>
@@ -7698,7 +7698,7 @@
             <a:fld id="{BFBAF385-7378-4A32-85D2-65025305A3A0}" type="datetime4">
               <a:rPr lang="de-DE" smtClean="0"/>
               <a:pPr/>
-              <a:t>7. Dezember 2025</a:t>
+              <a:t>9. Dezember 2025</a:t>
             </a:fld>
             <a:endParaRPr lang="de-DE" dirty="0"/>
           </a:p>
@@ -7914,7 +7914,12 @@
                 <p:ph idx="1"/>
               </p:nvPr>
             </p:nvSpPr>
-            <p:spPr/>
+            <p:spPr>
+              <a:xfrm>
+                <a:off x="3737399" y="1498914"/>
+                <a:ext cx="4717200" cy="4555844"/>
+              </a:xfrm>
+            </p:spPr>
             <p:txBody>
               <a:bodyPr anchor="t"/>
               <a:lstStyle/>
@@ -7924,7 +7929,46 @@
                 </a:pPr>
                 <a:r>
                   <a:rPr lang="de-DE" b="1" dirty="0"/>
-                  <a:t>Simulation des zeitlichen Verlaufs der Zustandsgrößen für </a:t>
+                  <a:t>Zeitlicher Verlauf von </a:t>
+                </a:r>
+                <a14:m>
+                  <m:oMath xmlns:m="http://schemas.openxmlformats.org/officeDocument/2006/math">
+                    <m:sSub>
+                      <m:sSubPr>
+                        <m:ctrlPr>
+                          <a:rPr lang="de-DE" b="1" i="1">
+                            <a:latin typeface="Cambria Math" panose="02040503050406030204" pitchFamily="18" charset="0"/>
+                          </a:rPr>
+                        </m:ctrlPr>
+                      </m:sSubPr>
+                      <m:e>
+                        <m:r>
+                          <a:rPr lang="de-DE" b="1" i="1">
+                            <a:latin typeface="Cambria Math" panose="02040503050406030204" pitchFamily="18" charset="0"/>
+                          </a:rPr>
+                          <m:t>𝑼</m:t>
+                        </m:r>
+                      </m:e>
+                      <m:sub>
+                        <m:r>
+                          <a:rPr lang="de-DE" b="1" i="1">
+                            <a:latin typeface="Cambria Math" panose="02040503050406030204" pitchFamily="18" charset="0"/>
+                          </a:rPr>
+                          <m:t>𝟏</m:t>
+                        </m:r>
+                      </m:sub>
+                    </m:sSub>
+                    <m:r>
+                      <a:rPr lang="de-DE" b="1" i="1">
+                        <a:latin typeface="Cambria Math" panose="02040503050406030204" pitchFamily="18" charset="0"/>
+                      </a:rPr>
+                      <m:t> </m:t>
+                    </m:r>
+                  </m:oMath>
+                </a14:m>
+                <a:r>
+                  <a:rPr lang="de-DE" b="1" dirty="0"/>
+                  <a:t>für </a:t>
                 </a:r>
                 <a14:m>
                   <m:oMath xmlns:m="http://schemas.openxmlformats.org/officeDocument/2006/math">
@@ -7969,31 +8013,7 @@
                       <a:rPr lang="de-DE" b="1" i="1" smtClean="0">
                         <a:latin typeface="Cambria Math" panose="02040503050406030204" pitchFamily="18" charset="0"/>
                       </a:rPr>
-                      <m:t>=</m:t>
-                    </m:r>
-                    <m:r>
-                      <a:rPr lang="de-DE" b="1" i="1" smtClean="0">
-                        <a:latin typeface="Cambria Math" panose="02040503050406030204" pitchFamily="18" charset="0"/>
-                      </a:rPr>
-                      <m:t>𝟒</m:t>
-                    </m:r>
-                    <m:r>
-                      <a:rPr lang="de-DE" b="1" i="1" smtClean="0">
-                        <a:latin typeface="Cambria Math" panose="02040503050406030204" pitchFamily="18" charset="0"/>
-                      </a:rPr>
-                      <m:t> </m:t>
-                    </m:r>
-                    <m:r>
-                      <a:rPr lang="de-DE" b="1" i="1" smtClean="0">
-                        <a:latin typeface="Cambria Math" panose="02040503050406030204" pitchFamily="18" charset="0"/>
-                      </a:rPr>
-                      <m:t>𝒎𝑨</m:t>
-                    </m:r>
-                    <m:r>
-                      <a:rPr lang="de-DE" b="1" i="1" smtClean="0">
-                        <a:latin typeface="Cambria Math" panose="02040503050406030204" pitchFamily="18" charset="0"/>
-                      </a:rPr>
-                      <m:t> &gt;</m:t>
+                      <m:t>&gt;</m:t>
                     </m:r>
                     <m:sSub>
                       <m:sSubPr>
@@ -8069,10 +8089,14 @@
               </p:nvPr>
             </p:nvSpPr>
             <p:spPr>
+              <a:xfrm>
+                <a:off x="3737399" y="1498914"/>
+                <a:ext cx="4717200" cy="4555844"/>
+              </a:xfrm>
               <a:blipFill>
                 <a:blip r:embed="rId2"/>
                 <a:stretch>
-                  <a:fillRect l="-1474" t="-1299"/>
+                  <a:fillRect l="-3230" t="-1339"/>
                 </a:stretch>
               </a:blipFill>
             </p:spPr>
@@ -8151,10 +8175,10 @@
       </p:sp>
       <p:pic>
         <p:nvPicPr>
-          <p:cNvPr id="7" name="Grafik 6" descr="Ein Bild, das Screenshot enthält.&#10;&#10;KI-generierte Inhalte können fehlerhaft sein.">
+          <p:cNvPr id="8" name="Grafik 7">
             <a:extLst>
               <a:ext uri="{FF2B5EF4-FFF2-40B4-BE49-F238E27FC236}">
-                <a16:creationId xmlns:a16="http://schemas.microsoft.com/office/drawing/2014/main" id="{B6DB5FE4-BF9B-0BC8-0136-A1EE505CDF84}"/>
+                <a16:creationId xmlns:a16="http://schemas.microsoft.com/office/drawing/2014/main" id="{F21CA743-C2D4-9A17-8F09-B209992896F8}"/>
               </a:ext>
             </a:extLst>
           </p:cNvPr>
@@ -8177,14 +8201,328 @@
         </p:blipFill>
         <p:spPr>
           <a:xfrm>
-            <a:off x="1378800" y="1954800"/>
-            <a:ext cx="7310159" cy="3960000"/>
+            <a:off x="448573" y="2479086"/>
+            <a:ext cx="5316480" cy="2880000"/>
           </a:xfrm>
           <a:prstGeom prst="rect">
             <a:avLst/>
           </a:prstGeom>
         </p:spPr>
       </p:pic>
+      <p:pic>
+        <p:nvPicPr>
+          <p:cNvPr id="10" name="Grafik 9" descr="Ein Bild, das Screenshot, Reihe enthält.&#10;&#10;KI-generierte Inhalte können fehlerhaft sein.">
+            <a:extLst>
+              <a:ext uri="{FF2B5EF4-FFF2-40B4-BE49-F238E27FC236}">
+                <a16:creationId xmlns:a16="http://schemas.microsoft.com/office/drawing/2014/main" id="{D284A13B-5C35-C2F2-78DE-E13AFE79E99A}"/>
+              </a:ext>
+            </a:extLst>
+          </p:cNvPr>
+          <p:cNvPicPr>
+            <a:picLocks noChangeAspect="1"/>
+          </p:cNvPicPr>
+          <p:nvPr/>
+        </p:nvPicPr>
+        <p:blipFill>
+          <a:blip r:embed="rId4">
+            <a:extLst>
+              <a:ext uri="{28A0092B-C50C-407E-A947-70E740481C1C}">
+                <a14:useLocalDpi xmlns:a14="http://schemas.microsoft.com/office/drawing/2010/main" val="0"/>
+              </a:ext>
+            </a:extLst>
+          </a:blip>
+          <a:stretch>
+            <a:fillRect/>
+          </a:stretch>
+        </p:blipFill>
+        <p:spPr>
+          <a:xfrm>
+            <a:off x="6426948" y="2479086"/>
+            <a:ext cx="5219054" cy="2880000"/>
+          </a:xfrm>
+          <a:prstGeom prst="rect">
+            <a:avLst/>
+          </a:prstGeom>
+        </p:spPr>
+      </p:pic>
+      <mc:AlternateContent xmlns:mc="http://schemas.openxmlformats.org/markup-compatibility/2006">
+        <mc:Choice xmlns:a14="http://schemas.microsoft.com/office/drawing/2010/main" Requires="a14">
+          <p:sp>
+            <p:nvSpPr>
+              <p:cNvPr id="12" name="Textfeld 11">
+                <a:extLst>
+                  <a:ext uri="{FF2B5EF4-FFF2-40B4-BE49-F238E27FC236}">
+                    <a16:creationId xmlns:a16="http://schemas.microsoft.com/office/drawing/2014/main" id="{4555EA9C-8907-D6E1-2F88-C25E93018865}"/>
+                  </a:ext>
+                </a:extLst>
+              </p:cNvPr>
+              <p:cNvSpPr txBox="1"/>
+              <p:nvPr/>
+            </p:nvSpPr>
+            <p:spPr>
+              <a:xfrm>
+                <a:off x="2439344" y="1928630"/>
+                <a:ext cx="1334937" cy="400110"/>
+              </a:xfrm>
+              <a:prstGeom prst="rect">
+                <a:avLst/>
+              </a:prstGeom>
+              <a:noFill/>
+            </p:spPr>
+            <p:txBody>
+              <a:bodyPr wrap="square">
+                <a:spAutoFit/>
+              </a:bodyPr>
+              <a:lstStyle/>
+              <a:p>
+                <a:pPr/>
+                <a14:m>
+                  <m:oMathPara xmlns:m="http://schemas.openxmlformats.org/officeDocument/2006/math">
+                    <m:oMathParaPr>
+                      <m:jc m:val="centerGroup"/>
+                    </m:oMathParaPr>
+                    <m:oMath xmlns:m="http://schemas.openxmlformats.org/officeDocument/2006/math">
+                      <m:sSub>
+                        <m:sSubPr>
+                          <m:ctrlPr>
+                            <a:rPr lang="de-DE" sz="2000" i="1" smtClean="0">
+                              <a:latin typeface="Cambria Math" panose="02040503050406030204" pitchFamily="18" charset="0"/>
+                            </a:rPr>
+                          </m:ctrlPr>
+                        </m:sSubPr>
+                        <m:e>
+                          <m:acc>
+                            <m:accPr>
+                              <m:chr m:val="̅"/>
+                              <m:ctrlPr>
+                                <a:rPr lang="de-DE" sz="2000" i="1">
+                                  <a:latin typeface="Cambria Math" panose="02040503050406030204" pitchFamily="18" charset="0"/>
+                                </a:rPr>
+                              </m:ctrlPr>
+                            </m:accPr>
+                            <m:e>
+                              <m:r>
+                                <a:rPr lang="de-DE" sz="2000" b="0" i="1">
+                                  <a:latin typeface="Cambria Math" panose="02040503050406030204" pitchFamily="18" charset="0"/>
+                                </a:rPr>
+                                <m:t>𝐼</m:t>
+                              </m:r>
+                            </m:e>
+                          </m:acc>
+                        </m:e>
+                        <m:sub>
+                          <m:r>
+                            <a:rPr lang="de-DE" sz="2000" b="0" i="1">
+                              <a:latin typeface="Cambria Math" panose="02040503050406030204" pitchFamily="18" charset="0"/>
+                            </a:rPr>
+                            <m:t>0</m:t>
+                          </m:r>
+                        </m:sub>
+                      </m:sSub>
+                      <m:r>
+                        <a:rPr lang="de-DE" sz="2000" b="0" i="1" smtClean="0">
+                          <a:latin typeface="Cambria Math" panose="02040503050406030204" pitchFamily="18" charset="0"/>
+                        </a:rPr>
+                        <m:t>=3 </m:t>
+                      </m:r>
+                      <m:r>
+                        <a:rPr lang="de-DE" sz="2000" b="0" i="1" smtClean="0">
+                          <a:latin typeface="Cambria Math" panose="02040503050406030204" pitchFamily="18" charset="0"/>
+                        </a:rPr>
+                        <m:t>𝑚𝐴</m:t>
+                      </m:r>
+                    </m:oMath>
+                  </m:oMathPara>
+                </a14:m>
+                <a:endParaRPr lang="de-DE" sz="2000" i="1" dirty="0"/>
+              </a:p>
+            </p:txBody>
+          </p:sp>
+        </mc:Choice>
+        <mc:Fallback>
+          <p:sp>
+            <p:nvSpPr>
+              <p:cNvPr id="12" name="Textfeld 11">
+                <a:extLst>
+                  <a:ext uri="{FF2B5EF4-FFF2-40B4-BE49-F238E27FC236}">
+                    <a16:creationId xmlns:a16="http://schemas.microsoft.com/office/drawing/2014/main" id="{4555EA9C-8907-D6E1-2F88-C25E93018865}"/>
+                  </a:ext>
+                </a:extLst>
+              </p:cNvPr>
+              <p:cNvSpPr txBox="1">
+                <a:spLocks noRot="1" noChangeAspect="1" noMove="1" noResize="1" noEditPoints="1" noAdjustHandles="1" noChangeArrowheads="1" noChangeShapeType="1" noTextEdit="1"/>
+              </p:cNvSpPr>
+              <p:nvPr/>
+            </p:nvSpPr>
+            <p:spPr>
+              <a:xfrm>
+                <a:off x="2439344" y="1928630"/>
+                <a:ext cx="1334937" cy="400110"/>
+              </a:xfrm>
+              <a:prstGeom prst="rect">
+                <a:avLst/>
+              </a:prstGeom>
+              <a:blipFill>
+                <a:blip r:embed="rId5"/>
+                <a:stretch>
+                  <a:fillRect b="-3030"/>
+                </a:stretch>
+              </a:blipFill>
+            </p:spPr>
+            <p:txBody>
+              <a:bodyPr/>
+              <a:lstStyle/>
+              <a:p>
+                <a:r>
+                  <a:rPr lang="de-DE">
+                    <a:noFill/>
+                  </a:rPr>
+                  <a:t> </a:t>
+                </a:r>
+              </a:p>
+            </p:txBody>
+          </p:sp>
+        </mc:Fallback>
+      </mc:AlternateContent>
+      <mc:AlternateContent xmlns:mc="http://schemas.openxmlformats.org/markup-compatibility/2006">
+        <mc:Choice xmlns:a14="http://schemas.microsoft.com/office/drawing/2010/main" Requires="a14">
+          <p:sp>
+            <p:nvSpPr>
+              <p:cNvPr id="13" name="Textfeld 12">
+                <a:extLst>
+                  <a:ext uri="{FF2B5EF4-FFF2-40B4-BE49-F238E27FC236}">
+                    <a16:creationId xmlns:a16="http://schemas.microsoft.com/office/drawing/2014/main" id="{1396771C-0DC3-4A92-F856-286088827086}"/>
+                  </a:ext>
+                </a:extLst>
+              </p:cNvPr>
+              <p:cNvSpPr txBox="1"/>
+              <p:nvPr/>
+            </p:nvSpPr>
+            <p:spPr>
+              <a:xfrm>
+                <a:off x="8369006" y="1928630"/>
+                <a:ext cx="1334937" cy="400110"/>
+              </a:xfrm>
+              <a:prstGeom prst="rect">
+                <a:avLst/>
+              </a:prstGeom>
+              <a:noFill/>
+            </p:spPr>
+            <p:txBody>
+              <a:bodyPr wrap="square">
+                <a:spAutoFit/>
+              </a:bodyPr>
+              <a:lstStyle/>
+              <a:p>
+                <a:pPr/>
+                <a14:m>
+                  <m:oMathPara xmlns:m="http://schemas.openxmlformats.org/officeDocument/2006/math">
+                    <m:oMathParaPr>
+                      <m:jc m:val="centerGroup"/>
+                    </m:oMathParaPr>
+                    <m:oMath xmlns:m="http://schemas.openxmlformats.org/officeDocument/2006/math">
+                      <m:sSub>
+                        <m:sSubPr>
+                          <m:ctrlPr>
+                            <a:rPr lang="de-DE" sz="2000" i="1" smtClean="0">
+                              <a:latin typeface="Cambria Math" panose="02040503050406030204" pitchFamily="18" charset="0"/>
+                            </a:rPr>
+                          </m:ctrlPr>
+                        </m:sSubPr>
+                        <m:e>
+                          <m:acc>
+                            <m:accPr>
+                              <m:chr m:val="̅"/>
+                              <m:ctrlPr>
+                                <a:rPr lang="de-DE" sz="2000" i="1">
+                                  <a:latin typeface="Cambria Math" panose="02040503050406030204" pitchFamily="18" charset="0"/>
+                                </a:rPr>
+                              </m:ctrlPr>
+                            </m:accPr>
+                            <m:e>
+                              <m:r>
+                                <a:rPr lang="de-DE" sz="2000" b="0" i="1">
+                                  <a:latin typeface="Cambria Math" panose="02040503050406030204" pitchFamily="18" charset="0"/>
+                                </a:rPr>
+                                <m:t>𝐼</m:t>
+                              </m:r>
+                            </m:e>
+                          </m:acc>
+                        </m:e>
+                        <m:sub>
+                          <m:r>
+                            <a:rPr lang="de-DE" sz="2000" b="0" i="1">
+                              <a:latin typeface="Cambria Math" panose="02040503050406030204" pitchFamily="18" charset="0"/>
+                            </a:rPr>
+                            <m:t>0</m:t>
+                          </m:r>
+                        </m:sub>
+                      </m:sSub>
+                      <m:r>
+                        <a:rPr lang="de-DE" sz="2000" b="0" i="1" smtClean="0">
+                          <a:latin typeface="Cambria Math" panose="02040503050406030204" pitchFamily="18" charset="0"/>
+                        </a:rPr>
+                        <m:t>=6 </m:t>
+                      </m:r>
+                      <m:r>
+                        <a:rPr lang="de-DE" sz="2000" b="0" i="1" smtClean="0">
+                          <a:latin typeface="Cambria Math" panose="02040503050406030204" pitchFamily="18" charset="0"/>
+                        </a:rPr>
+                        <m:t>𝑚𝐴</m:t>
+                      </m:r>
+                    </m:oMath>
+                  </m:oMathPara>
+                </a14:m>
+                <a:endParaRPr lang="de-DE" sz="2000" i="1" dirty="0"/>
+              </a:p>
+            </p:txBody>
+          </p:sp>
+        </mc:Choice>
+        <mc:Fallback>
+          <p:sp>
+            <p:nvSpPr>
+              <p:cNvPr id="13" name="Textfeld 12">
+                <a:extLst>
+                  <a:ext uri="{FF2B5EF4-FFF2-40B4-BE49-F238E27FC236}">
+                    <a16:creationId xmlns:a16="http://schemas.microsoft.com/office/drawing/2014/main" id="{1396771C-0DC3-4A92-F856-286088827086}"/>
+                  </a:ext>
+                </a:extLst>
+              </p:cNvPr>
+              <p:cNvSpPr txBox="1">
+                <a:spLocks noRot="1" noChangeAspect="1" noMove="1" noResize="1" noEditPoints="1" noAdjustHandles="1" noChangeArrowheads="1" noChangeShapeType="1" noTextEdit="1"/>
+              </p:cNvSpPr>
+              <p:nvPr/>
+            </p:nvSpPr>
+            <p:spPr>
+              <a:xfrm>
+                <a:off x="8369006" y="1928630"/>
+                <a:ext cx="1334937" cy="400110"/>
+              </a:xfrm>
+              <a:prstGeom prst="rect">
+                <a:avLst/>
+              </a:prstGeom>
+              <a:blipFill>
+                <a:blip r:embed="rId6"/>
+                <a:stretch>
+                  <a:fillRect b="-3030"/>
+                </a:stretch>
+              </a:blipFill>
+            </p:spPr>
+            <p:txBody>
+              <a:bodyPr/>
+              <a:lstStyle/>
+              <a:p>
+                <a:r>
+                  <a:rPr lang="de-DE">
+                    <a:noFill/>
+                  </a:rPr>
+                  <a:t> </a:t>
+                </a:r>
+              </a:p>
+            </p:txBody>
+          </p:sp>
+        </mc:Fallback>
+      </mc:AlternateContent>
     </p:spTree>
     <p:extLst>
       <p:ext uri="{BB962C8B-B14F-4D97-AF65-F5344CB8AC3E}">
@@ -8253,14 +8591,72 @@
           </a:p>
         </p:txBody>
       </p:sp>
+      <p:sp>
+        <p:nvSpPr>
+          <p:cNvPr id="4" name="Fußzeilenplatzhalter 3">
+            <a:extLst>
+              <a:ext uri="{FF2B5EF4-FFF2-40B4-BE49-F238E27FC236}">
+                <a16:creationId xmlns:a16="http://schemas.microsoft.com/office/drawing/2014/main" id="{DC19A79F-7140-EB78-A46B-4518BA8E9C0F}"/>
+              </a:ext>
+            </a:extLst>
+          </p:cNvPr>
+          <p:cNvSpPr>
+            <a:spLocks noGrp="1"/>
+          </p:cNvSpPr>
+          <p:nvPr>
+            <p:ph type="ftr" sz="quarter" idx="11"/>
+          </p:nvPr>
+        </p:nvSpPr>
+        <p:spPr/>
+        <p:txBody>
+          <a:bodyPr/>
+          <a:lstStyle/>
+          <a:p>
+            <a:r>
+              <a:rPr lang="de-DE"/>
+              <a:t>Lennart und Richard Mende, 25EIM-AT, E144 Regelungstheorie, Prof. Dr.-Ing. Hendrik Richter</a:t>
+            </a:r>
+            <a:endParaRPr lang="de-DE" dirty="0"/>
+          </a:p>
+        </p:txBody>
+      </p:sp>
+      <p:sp>
+        <p:nvSpPr>
+          <p:cNvPr id="5" name="Foliennummernplatzhalter 4">
+            <a:extLst>
+              <a:ext uri="{FF2B5EF4-FFF2-40B4-BE49-F238E27FC236}">
+                <a16:creationId xmlns:a16="http://schemas.microsoft.com/office/drawing/2014/main" id="{5A4B6A7C-B8E3-9CDF-8A01-95B003385FA4}"/>
+              </a:ext>
+            </a:extLst>
+          </p:cNvPr>
+          <p:cNvSpPr>
+            <a:spLocks noGrp="1"/>
+          </p:cNvSpPr>
+          <p:nvPr>
+            <p:ph type="sldNum" sz="quarter" idx="12"/>
+          </p:nvPr>
+        </p:nvSpPr>
+        <p:spPr/>
+        <p:txBody>
+          <a:bodyPr/>
+          <a:lstStyle/>
+          <a:p>
+            <a:fld id="{5DDB454C-C8BB-450C-A446-EA3D813FE484}" type="slidenum">
+              <a:rPr lang="de-DE" smtClean="0"/>
+              <a:t>11</a:t>
+            </a:fld>
+            <a:endParaRPr lang="de-DE"/>
+          </a:p>
+        </p:txBody>
+      </p:sp>
       <mc:AlternateContent xmlns:mc="http://schemas.openxmlformats.org/markup-compatibility/2006">
         <mc:Choice xmlns:a14="http://schemas.microsoft.com/office/drawing/2010/main" Requires="a14">
           <p:sp>
             <p:nvSpPr>
-              <p:cNvPr id="3" name="Inhaltsplatzhalter 2">
+              <p:cNvPr id="9" name="Inhaltsplatzhalter 2">
                 <a:extLst>
                   <a:ext uri="{FF2B5EF4-FFF2-40B4-BE49-F238E27FC236}">
-                    <a16:creationId xmlns:a16="http://schemas.microsoft.com/office/drawing/2014/main" id="{C8A088DC-F44D-CFFB-7092-19D64F0DAB1D}"/>
+                    <a16:creationId xmlns:a16="http://schemas.microsoft.com/office/drawing/2014/main" id="{EEBF649D-A9C8-3731-CCFF-A47C586DCB28}"/>
                   </a:ext>
                 </a:extLst>
               </p:cNvPr>
@@ -8271,7 +8667,12 @@
                 <p:ph idx="1"/>
               </p:nvPr>
             </p:nvSpPr>
-            <p:spPr/>
+            <p:spPr>
+              <a:xfrm>
+                <a:off x="3737399" y="1498914"/>
+                <a:ext cx="4717200" cy="4555844"/>
+              </a:xfrm>
+            </p:spPr>
             <p:txBody>
               <a:bodyPr anchor="t"/>
               <a:lstStyle/>
@@ -8281,7 +8682,46 @@
                 </a:pPr>
                 <a:r>
                   <a:rPr lang="de-DE" b="1" dirty="0"/>
-                  <a:t>Simulation des zeitlichen Verlaufs der Zustandsgrößen für </a:t>
+                  <a:t>Zeitlicher Verlauf von </a:t>
+                </a:r>
+                <a14:m>
+                  <m:oMath xmlns:m="http://schemas.openxmlformats.org/officeDocument/2006/math">
+                    <m:sSub>
+                      <m:sSubPr>
+                        <m:ctrlPr>
+                          <a:rPr lang="de-DE" b="1" i="1">
+                            <a:latin typeface="Cambria Math" panose="02040503050406030204" pitchFamily="18" charset="0"/>
+                          </a:rPr>
+                        </m:ctrlPr>
+                      </m:sSubPr>
+                      <m:e>
+                        <m:r>
+                          <a:rPr lang="de-DE" b="1" i="1">
+                            <a:latin typeface="Cambria Math" panose="02040503050406030204" pitchFamily="18" charset="0"/>
+                          </a:rPr>
+                          <m:t>𝑼</m:t>
+                        </m:r>
+                      </m:e>
+                      <m:sub>
+                        <m:r>
+                          <a:rPr lang="de-DE" b="1" i="1" smtClean="0">
+                            <a:latin typeface="Cambria Math" panose="02040503050406030204" pitchFamily="18" charset="0"/>
+                          </a:rPr>
+                          <m:t>𝟐</m:t>
+                        </m:r>
+                      </m:sub>
+                    </m:sSub>
+                    <m:r>
+                      <a:rPr lang="de-DE" b="1" i="1">
+                        <a:latin typeface="Cambria Math" panose="02040503050406030204" pitchFamily="18" charset="0"/>
+                      </a:rPr>
+                      <m:t> </m:t>
+                    </m:r>
+                  </m:oMath>
+                </a14:m>
+                <a:r>
+                  <a:rPr lang="de-DE" b="1" dirty="0"/>
+                  <a:t>für </a:t>
                 </a:r>
                 <a14:m>
                   <m:oMath xmlns:m="http://schemas.openxmlformats.org/officeDocument/2006/math">
@@ -8326,31 +8766,7 @@
                       <a:rPr lang="de-DE" b="1" i="1" smtClean="0">
                         <a:latin typeface="Cambria Math" panose="02040503050406030204" pitchFamily="18" charset="0"/>
                       </a:rPr>
-                      <m:t>=</m:t>
-                    </m:r>
-                    <m:r>
-                      <a:rPr lang="de-DE" b="1" i="1" smtClean="0">
-                        <a:latin typeface="Cambria Math" panose="02040503050406030204" pitchFamily="18" charset="0"/>
-                      </a:rPr>
-                      <m:t>𝟒</m:t>
-                    </m:r>
-                    <m:r>
-                      <a:rPr lang="de-DE" b="1" i="1" smtClean="0">
-                        <a:latin typeface="Cambria Math" panose="02040503050406030204" pitchFamily="18" charset="0"/>
-                      </a:rPr>
-                      <m:t> </m:t>
-                    </m:r>
-                    <m:r>
-                      <a:rPr lang="de-DE" b="1" i="1" smtClean="0">
-                        <a:latin typeface="Cambria Math" panose="02040503050406030204" pitchFamily="18" charset="0"/>
-                      </a:rPr>
-                      <m:t>𝒎𝑨</m:t>
-                    </m:r>
-                    <m:r>
-                      <a:rPr lang="de-DE" b="1" i="1" smtClean="0">
-                        <a:latin typeface="Cambria Math" panose="02040503050406030204" pitchFamily="18" charset="0"/>
-                      </a:rPr>
-                      <m:t> &gt;</m:t>
+                      <m:t>&gt;</m:t>
                     </m:r>
                     <m:sSub>
                       <m:sSubPr>
@@ -8411,10 +8827,10 @@
         <mc:Fallback>
           <p:sp>
             <p:nvSpPr>
-              <p:cNvPr id="3" name="Inhaltsplatzhalter 2">
+              <p:cNvPr id="9" name="Inhaltsplatzhalter 2">
                 <a:extLst>
                   <a:ext uri="{FF2B5EF4-FFF2-40B4-BE49-F238E27FC236}">
-                    <a16:creationId xmlns:a16="http://schemas.microsoft.com/office/drawing/2014/main" id="{C8A088DC-F44D-CFFB-7092-19D64F0DAB1D}"/>
+                    <a16:creationId xmlns:a16="http://schemas.microsoft.com/office/drawing/2014/main" id="{EEBF649D-A9C8-3731-CCFF-A47C586DCB28}"/>
                   </a:ext>
                 </a:extLst>
               </p:cNvPr>
@@ -8426,10 +8842,14 @@
               </p:nvPr>
             </p:nvSpPr>
             <p:spPr>
+              <a:xfrm>
+                <a:off x="3737399" y="1498914"/>
+                <a:ext cx="4717200" cy="4555844"/>
+              </a:xfrm>
               <a:blipFill>
                 <a:blip r:embed="rId2"/>
                 <a:stretch>
-                  <a:fillRect l="-1474" t="-1299"/>
+                  <a:fillRect l="-3230" t="-1339"/>
                 </a:stretch>
               </a:blipFill>
             </p:spPr>
@@ -8448,70 +8868,290 @@
           </p:sp>
         </mc:Fallback>
       </mc:AlternateContent>
-      <p:sp>
-        <p:nvSpPr>
-          <p:cNvPr id="4" name="Fußzeilenplatzhalter 3">
+      <mc:AlternateContent xmlns:mc="http://schemas.openxmlformats.org/markup-compatibility/2006">
+        <mc:Choice xmlns:a14="http://schemas.microsoft.com/office/drawing/2010/main" Requires="a14">
+          <p:sp>
+            <p:nvSpPr>
+              <p:cNvPr id="10" name="Textfeld 9">
+                <a:extLst>
+                  <a:ext uri="{FF2B5EF4-FFF2-40B4-BE49-F238E27FC236}">
+                    <a16:creationId xmlns:a16="http://schemas.microsoft.com/office/drawing/2014/main" id="{57764635-1F28-521A-72A1-66B3EA342017}"/>
+                  </a:ext>
+                </a:extLst>
+              </p:cNvPr>
+              <p:cNvSpPr txBox="1"/>
+              <p:nvPr/>
+            </p:nvSpPr>
+            <p:spPr>
+              <a:xfrm>
+                <a:off x="2439344" y="1928630"/>
+                <a:ext cx="1334937" cy="400110"/>
+              </a:xfrm>
+              <a:prstGeom prst="rect">
+                <a:avLst/>
+              </a:prstGeom>
+              <a:noFill/>
+            </p:spPr>
+            <p:txBody>
+              <a:bodyPr wrap="square">
+                <a:spAutoFit/>
+              </a:bodyPr>
+              <a:lstStyle/>
+              <a:p>
+                <a:pPr/>
+                <a14:m>
+                  <m:oMathPara xmlns:m="http://schemas.openxmlformats.org/officeDocument/2006/math">
+                    <m:oMathParaPr>
+                      <m:jc m:val="centerGroup"/>
+                    </m:oMathParaPr>
+                    <m:oMath xmlns:m="http://schemas.openxmlformats.org/officeDocument/2006/math">
+                      <m:sSub>
+                        <m:sSubPr>
+                          <m:ctrlPr>
+                            <a:rPr lang="de-DE" sz="2000" i="1" smtClean="0">
+                              <a:latin typeface="Cambria Math" panose="02040503050406030204" pitchFamily="18" charset="0"/>
+                            </a:rPr>
+                          </m:ctrlPr>
+                        </m:sSubPr>
+                        <m:e>
+                          <m:acc>
+                            <m:accPr>
+                              <m:chr m:val="̅"/>
+                              <m:ctrlPr>
+                                <a:rPr lang="de-DE" sz="2000" i="1">
+                                  <a:latin typeface="Cambria Math" panose="02040503050406030204" pitchFamily="18" charset="0"/>
+                                </a:rPr>
+                              </m:ctrlPr>
+                            </m:accPr>
+                            <m:e>
+                              <m:r>
+                                <a:rPr lang="de-DE" sz="2000" b="0" i="1">
+                                  <a:latin typeface="Cambria Math" panose="02040503050406030204" pitchFamily="18" charset="0"/>
+                                </a:rPr>
+                                <m:t>𝐼</m:t>
+                              </m:r>
+                            </m:e>
+                          </m:acc>
+                        </m:e>
+                        <m:sub>
+                          <m:r>
+                            <a:rPr lang="de-DE" sz="2000" b="0" i="1">
+                              <a:latin typeface="Cambria Math" panose="02040503050406030204" pitchFamily="18" charset="0"/>
+                            </a:rPr>
+                            <m:t>0</m:t>
+                          </m:r>
+                        </m:sub>
+                      </m:sSub>
+                      <m:r>
+                        <a:rPr lang="de-DE" sz="2000" b="0" i="1" smtClean="0">
+                          <a:latin typeface="Cambria Math" panose="02040503050406030204" pitchFamily="18" charset="0"/>
+                        </a:rPr>
+                        <m:t>=3 </m:t>
+                      </m:r>
+                      <m:r>
+                        <a:rPr lang="de-DE" sz="2000" b="0" i="1" smtClean="0">
+                          <a:latin typeface="Cambria Math" panose="02040503050406030204" pitchFamily="18" charset="0"/>
+                        </a:rPr>
+                        <m:t>𝑚𝐴</m:t>
+                      </m:r>
+                    </m:oMath>
+                  </m:oMathPara>
+                </a14:m>
+                <a:endParaRPr lang="de-DE" sz="2000" i="1" dirty="0"/>
+              </a:p>
+            </p:txBody>
+          </p:sp>
+        </mc:Choice>
+        <mc:Fallback>
+          <p:sp>
+            <p:nvSpPr>
+              <p:cNvPr id="10" name="Textfeld 9">
+                <a:extLst>
+                  <a:ext uri="{FF2B5EF4-FFF2-40B4-BE49-F238E27FC236}">
+                    <a16:creationId xmlns:a16="http://schemas.microsoft.com/office/drawing/2014/main" id="{57764635-1F28-521A-72A1-66B3EA342017}"/>
+                  </a:ext>
+                </a:extLst>
+              </p:cNvPr>
+              <p:cNvSpPr txBox="1">
+                <a:spLocks noRot="1" noChangeAspect="1" noMove="1" noResize="1" noEditPoints="1" noAdjustHandles="1" noChangeArrowheads="1" noChangeShapeType="1" noTextEdit="1"/>
+              </p:cNvSpPr>
+              <p:nvPr/>
+            </p:nvSpPr>
+            <p:spPr>
+              <a:xfrm>
+                <a:off x="2439344" y="1928630"/>
+                <a:ext cx="1334937" cy="400110"/>
+              </a:xfrm>
+              <a:prstGeom prst="rect">
+                <a:avLst/>
+              </a:prstGeom>
+              <a:blipFill>
+                <a:blip r:embed="rId3"/>
+                <a:stretch>
+                  <a:fillRect b="-3030"/>
+                </a:stretch>
+              </a:blipFill>
+            </p:spPr>
+            <p:txBody>
+              <a:bodyPr/>
+              <a:lstStyle/>
+              <a:p>
+                <a:r>
+                  <a:rPr lang="de-DE">
+                    <a:noFill/>
+                  </a:rPr>
+                  <a:t> </a:t>
+                </a:r>
+              </a:p>
+            </p:txBody>
+          </p:sp>
+        </mc:Fallback>
+      </mc:AlternateContent>
+      <mc:AlternateContent xmlns:mc="http://schemas.openxmlformats.org/markup-compatibility/2006">
+        <mc:Choice xmlns:a14="http://schemas.microsoft.com/office/drawing/2010/main" Requires="a14">
+          <p:sp>
+            <p:nvSpPr>
+              <p:cNvPr id="11" name="Textfeld 10">
+                <a:extLst>
+                  <a:ext uri="{FF2B5EF4-FFF2-40B4-BE49-F238E27FC236}">
+                    <a16:creationId xmlns:a16="http://schemas.microsoft.com/office/drawing/2014/main" id="{313446BE-D007-105E-2EB4-5997ED57AAD5}"/>
+                  </a:ext>
+                </a:extLst>
+              </p:cNvPr>
+              <p:cNvSpPr txBox="1"/>
+              <p:nvPr/>
+            </p:nvSpPr>
+            <p:spPr>
+              <a:xfrm>
+                <a:off x="8369006" y="1928630"/>
+                <a:ext cx="1334937" cy="400110"/>
+              </a:xfrm>
+              <a:prstGeom prst="rect">
+                <a:avLst/>
+              </a:prstGeom>
+              <a:noFill/>
+            </p:spPr>
+            <p:txBody>
+              <a:bodyPr wrap="square">
+                <a:spAutoFit/>
+              </a:bodyPr>
+              <a:lstStyle/>
+              <a:p>
+                <a:pPr/>
+                <a14:m>
+                  <m:oMathPara xmlns:m="http://schemas.openxmlformats.org/officeDocument/2006/math">
+                    <m:oMathParaPr>
+                      <m:jc m:val="centerGroup"/>
+                    </m:oMathParaPr>
+                    <m:oMath xmlns:m="http://schemas.openxmlformats.org/officeDocument/2006/math">
+                      <m:sSub>
+                        <m:sSubPr>
+                          <m:ctrlPr>
+                            <a:rPr lang="de-DE" sz="2000" i="1" smtClean="0">
+                              <a:latin typeface="Cambria Math" panose="02040503050406030204" pitchFamily="18" charset="0"/>
+                            </a:rPr>
+                          </m:ctrlPr>
+                        </m:sSubPr>
+                        <m:e>
+                          <m:acc>
+                            <m:accPr>
+                              <m:chr m:val="̅"/>
+                              <m:ctrlPr>
+                                <a:rPr lang="de-DE" sz="2000" i="1">
+                                  <a:latin typeface="Cambria Math" panose="02040503050406030204" pitchFamily="18" charset="0"/>
+                                </a:rPr>
+                              </m:ctrlPr>
+                            </m:accPr>
+                            <m:e>
+                              <m:r>
+                                <a:rPr lang="de-DE" sz="2000" b="0" i="1">
+                                  <a:latin typeface="Cambria Math" panose="02040503050406030204" pitchFamily="18" charset="0"/>
+                                </a:rPr>
+                                <m:t>𝐼</m:t>
+                              </m:r>
+                            </m:e>
+                          </m:acc>
+                        </m:e>
+                        <m:sub>
+                          <m:r>
+                            <a:rPr lang="de-DE" sz="2000" b="0" i="1">
+                              <a:latin typeface="Cambria Math" panose="02040503050406030204" pitchFamily="18" charset="0"/>
+                            </a:rPr>
+                            <m:t>0</m:t>
+                          </m:r>
+                        </m:sub>
+                      </m:sSub>
+                      <m:r>
+                        <a:rPr lang="de-DE" sz="2000" b="0" i="1" smtClean="0">
+                          <a:latin typeface="Cambria Math" panose="02040503050406030204" pitchFamily="18" charset="0"/>
+                        </a:rPr>
+                        <m:t>=6 </m:t>
+                      </m:r>
+                      <m:r>
+                        <a:rPr lang="de-DE" sz="2000" b="0" i="1" smtClean="0">
+                          <a:latin typeface="Cambria Math" panose="02040503050406030204" pitchFamily="18" charset="0"/>
+                        </a:rPr>
+                        <m:t>𝑚𝐴</m:t>
+                      </m:r>
+                    </m:oMath>
+                  </m:oMathPara>
+                </a14:m>
+                <a:endParaRPr lang="de-DE" sz="2000" i="1" dirty="0"/>
+              </a:p>
+            </p:txBody>
+          </p:sp>
+        </mc:Choice>
+        <mc:Fallback>
+          <p:sp>
+            <p:nvSpPr>
+              <p:cNvPr id="11" name="Textfeld 10">
+                <a:extLst>
+                  <a:ext uri="{FF2B5EF4-FFF2-40B4-BE49-F238E27FC236}">
+                    <a16:creationId xmlns:a16="http://schemas.microsoft.com/office/drawing/2014/main" id="{313446BE-D007-105E-2EB4-5997ED57AAD5}"/>
+                  </a:ext>
+                </a:extLst>
+              </p:cNvPr>
+              <p:cNvSpPr txBox="1">
+                <a:spLocks noRot="1" noChangeAspect="1" noMove="1" noResize="1" noEditPoints="1" noAdjustHandles="1" noChangeArrowheads="1" noChangeShapeType="1" noTextEdit="1"/>
+              </p:cNvSpPr>
+              <p:nvPr/>
+            </p:nvSpPr>
+            <p:spPr>
+              <a:xfrm>
+                <a:off x="8369006" y="1928630"/>
+                <a:ext cx="1334937" cy="400110"/>
+              </a:xfrm>
+              <a:prstGeom prst="rect">
+                <a:avLst/>
+              </a:prstGeom>
+              <a:blipFill>
+                <a:blip r:embed="rId4"/>
+                <a:stretch>
+                  <a:fillRect b="-3030"/>
+                </a:stretch>
+              </a:blipFill>
+            </p:spPr>
+            <p:txBody>
+              <a:bodyPr/>
+              <a:lstStyle/>
+              <a:p>
+                <a:r>
+                  <a:rPr lang="de-DE">
+                    <a:noFill/>
+                  </a:rPr>
+                  <a:t> </a:t>
+                </a:r>
+              </a:p>
+            </p:txBody>
+          </p:sp>
+        </mc:Fallback>
+      </mc:AlternateContent>
+      <p:pic>
+        <p:nvPicPr>
+          <p:cNvPr id="13" name="Grafik 12" descr="Ein Bild, das Screenshot enthält.&#10;&#10;KI-generierte Inhalte können fehlerhaft sein.">
             <a:extLst>
               <a:ext uri="{FF2B5EF4-FFF2-40B4-BE49-F238E27FC236}">
-                <a16:creationId xmlns:a16="http://schemas.microsoft.com/office/drawing/2014/main" id="{DC19A79F-7140-EB78-A46B-4518BA8E9C0F}"/>
-              </a:ext>
-            </a:extLst>
-          </p:cNvPr>
-          <p:cNvSpPr>
-            <a:spLocks noGrp="1"/>
-          </p:cNvSpPr>
-          <p:nvPr>
-            <p:ph type="ftr" sz="quarter" idx="11"/>
-          </p:nvPr>
-        </p:nvSpPr>
-        <p:spPr/>
-        <p:txBody>
-          <a:bodyPr/>
-          <a:lstStyle/>
-          <a:p>
-            <a:r>
-              <a:rPr lang="de-DE"/>
-              <a:t>Lennart und Richard Mende, 25EIM-AT, E144 Regelungstheorie, Prof. Dr.-Ing. Hendrik Richter</a:t>
-            </a:r>
-            <a:endParaRPr lang="de-DE" dirty="0"/>
-          </a:p>
-        </p:txBody>
-      </p:sp>
-      <p:sp>
-        <p:nvSpPr>
-          <p:cNvPr id="5" name="Foliennummernplatzhalter 4">
-            <a:extLst>
-              <a:ext uri="{FF2B5EF4-FFF2-40B4-BE49-F238E27FC236}">
-                <a16:creationId xmlns:a16="http://schemas.microsoft.com/office/drawing/2014/main" id="{5A4B6A7C-B8E3-9CDF-8A01-95B003385FA4}"/>
-              </a:ext>
-            </a:extLst>
-          </p:cNvPr>
-          <p:cNvSpPr>
-            <a:spLocks noGrp="1"/>
-          </p:cNvSpPr>
-          <p:nvPr>
-            <p:ph type="sldNum" sz="quarter" idx="12"/>
-          </p:nvPr>
-        </p:nvSpPr>
-        <p:spPr/>
-        <p:txBody>
-          <a:bodyPr/>
-          <a:lstStyle/>
-          <a:p>
-            <a:fld id="{5DDB454C-C8BB-450C-A446-EA3D813FE484}" type="slidenum">
-              <a:rPr lang="de-DE" smtClean="0"/>
-              <a:t>11</a:t>
-            </a:fld>
-            <a:endParaRPr lang="de-DE"/>
-          </a:p>
-        </p:txBody>
-      </p:sp>
-      <p:pic>
-        <p:nvPicPr>
-          <p:cNvPr id="7" name="Grafik 6" descr="Ein Bild, das Screenshot enthält.&#10;&#10;KI-generierte Inhalte können fehlerhaft sein.">
-            <a:extLst>
-              <a:ext uri="{FF2B5EF4-FFF2-40B4-BE49-F238E27FC236}">
-                <a16:creationId xmlns:a16="http://schemas.microsoft.com/office/drawing/2014/main" id="{1260D79D-4784-0EAF-BAAD-BD1691728B6B}"/>
+                <a16:creationId xmlns:a16="http://schemas.microsoft.com/office/drawing/2014/main" id="{F1017958-10DF-FE86-91E8-037F1A8BAD55}"/>
               </a:ext>
             </a:extLst>
           </p:cNvPr>
@@ -8521,7 +9161,7 @@
           <p:nvPr/>
         </p:nvPicPr>
         <p:blipFill>
-          <a:blip r:embed="rId3">
+          <a:blip r:embed="rId5">
             <a:extLst>
               <a:ext uri="{28A0092B-C50C-407E-A947-70E740481C1C}">
                 <a14:useLocalDpi xmlns:a14="http://schemas.microsoft.com/office/drawing/2010/main" val="0"/>
@@ -8534,8 +9174,44 @@
         </p:blipFill>
         <p:spPr>
           <a:xfrm>
-            <a:off x="1378800" y="1954800"/>
-            <a:ext cx="7357679" cy="3960000"/>
+            <a:off x="491524" y="2479086"/>
+            <a:ext cx="5352960" cy="2880000"/>
+          </a:xfrm>
+          <a:prstGeom prst="rect">
+            <a:avLst/>
+          </a:prstGeom>
+        </p:spPr>
+      </p:pic>
+      <p:pic>
+        <p:nvPicPr>
+          <p:cNvPr id="15" name="Grafik 14">
+            <a:extLst>
+              <a:ext uri="{FF2B5EF4-FFF2-40B4-BE49-F238E27FC236}">
+                <a16:creationId xmlns:a16="http://schemas.microsoft.com/office/drawing/2014/main" id="{90FF31C4-D17F-B22C-9719-702934905C34}"/>
+              </a:ext>
+            </a:extLst>
+          </p:cNvPr>
+          <p:cNvPicPr>
+            <a:picLocks noChangeAspect="1"/>
+          </p:cNvPicPr>
+          <p:nvPr/>
+        </p:nvPicPr>
+        <p:blipFill>
+          <a:blip r:embed="rId6">
+            <a:extLst>
+              <a:ext uri="{28A0092B-C50C-407E-A947-70E740481C1C}">
+                <a14:useLocalDpi xmlns:a14="http://schemas.microsoft.com/office/drawing/2010/main" val="0"/>
+              </a:ext>
+            </a:extLst>
+          </a:blip>
+          <a:stretch>
+            <a:fillRect/>
+          </a:stretch>
+        </p:blipFill>
+        <p:spPr>
+          <a:xfrm>
+            <a:off x="6372474" y="2479086"/>
+            <a:ext cx="5328000" cy="2880000"/>
           </a:xfrm>
           <a:prstGeom prst="rect">
             <a:avLst/>
@@ -8610,35 +9286,313 @@
           </a:p>
         </p:txBody>
       </p:sp>
+      <p:sp>
+        <p:nvSpPr>
+          <p:cNvPr id="4" name="Fußzeilenplatzhalter 3">
+            <a:extLst>
+              <a:ext uri="{FF2B5EF4-FFF2-40B4-BE49-F238E27FC236}">
+                <a16:creationId xmlns:a16="http://schemas.microsoft.com/office/drawing/2014/main" id="{3666528D-5C03-69A1-9222-E1047CA95203}"/>
+              </a:ext>
+            </a:extLst>
+          </p:cNvPr>
+          <p:cNvSpPr>
+            <a:spLocks noGrp="1"/>
+          </p:cNvSpPr>
+          <p:nvPr>
+            <p:ph type="ftr" sz="quarter" idx="11"/>
+          </p:nvPr>
+        </p:nvSpPr>
+        <p:spPr/>
+        <p:txBody>
+          <a:bodyPr/>
+          <a:lstStyle/>
+          <a:p>
+            <a:r>
+              <a:rPr lang="de-DE"/>
+              <a:t>Lennart und Richard Mende, 25EIM-AT, E144 Regelungstheorie, Prof. Dr.-Ing. Hendrik Richter</a:t>
+            </a:r>
+            <a:endParaRPr lang="de-DE" dirty="0"/>
+          </a:p>
+        </p:txBody>
+      </p:sp>
+      <p:sp>
+        <p:nvSpPr>
+          <p:cNvPr id="5" name="Foliennummernplatzhalter 4">
+            <a:extLst>
+              <a:ext uri="{FF2B5EF4-FFF2-40B4-BE49-F238E27FC236}">
+                <a16:creationId xmlns:a16="http://schemas.microsoft.com/office/drawing/2014/main" id="{45F2D558-AC1A-1782-84E5-95ED661DD239}"/>
+              </a:ext>
+            </a:extLst>
+          </p:cNvPr>
+          <p:cNvSpPr>
+            <a:spLocks noGrp="1"/>
+          </p:cNvSpPr>
+          <p:nvPr>
+            <p:ph type="sldNum" sz="quarter" idx="12"/>
+          </p:nvPr>
+        </p:nvSpPr>
+        <p:spPr/>
+        <p:txBody>
+          <a:bodyPr/>
+          <a:lstStyle/>
+          <a:p>
+            <a:fld id="{5DDB454C-C8BB-450C-A446-EA3D813FE484}" type="slidenum">
+              <a:rPr lang="de-DE" smtClean="0"/>
+              <a:t>12</a:t>
+            </a:fld>
+            <a:endParaRPr lang="de-DE"/>
+          </a:p>
+        </p:txBody>
+      </p:sp>
       <mc:AlternateContent xmlns:mc="http://schemas.openxmlformats.org/markup-compatibility/2006">
         <mc:Choice xmlns:a14="http://schemas.microsoft.com/office/drawing/2010/main" Requires="a14">
           <p:sp>
             <p:nvSpPr>
-              <p:cNvPr id="3" name="Inhaltsplatzhalter 2">
+              <p:cNvPr id="6" name="Inhaltsplatzhalter 2">
                 <a:extLst>
                   <a:ext uri="{FF2B5EF4-FFF2-40B4-BE49-F238E27FC236}">
-                    <a16:creationId xmlns:a16="http://schemas.microsoft.com/office/drawing/2014/main" id="{2C05AFCA-B28A-20CC-5F73-D7676AAF64BF}"/>
+                    <a16:creationId xmlns:a16="http://schemas.microsoft.com/office/drawing/2014/main" id="{710FF189-5427-F393-C26C-7EFF3426B867}"/>
                   </a:ext>
                 </a:extLst>
               </p:cNvPr>
-              <p:cNvSpPr>
-                <a:spLocks noGrp="1"/>
+              <p:cNvSpPr txBox="1">
+                <a:spLocks/>
               </p:cNvSpPr>
-              <p:nvPr>
-                <p:ph idx="1"/>
-              </p:nvPr>
+              <p:nvPr/>
             </p:nvSpPr>
-            <p:spPr/>
+            <p:spPr>
+              <a:xfrm>
+                <a:off x="3737399" y="1498914"/>
+                <a:ext cx="4717200" cy="4555844"/>
+              </a:xfrm>
+              <a:prstGeom prst="rect">
+                <a:avLst/>
+              </a:prstGeom>
+            </p:spPr>
             <p:txBody>
-              <a:bodyPr anchor="t"/>
-              <a:lstStyle/>
+              <a:bodyPr vert="horz" lIns="0" tIns="0" rIns="0" bIns="0" rtlCol="0" anchor="t">
+                <a:noAutofit/>
+              </a:bodyPr>
+              <a:lstStyle>
+                <a:lvl1pPr marL="0" indent="0" algn="l" defTabSz="914400" rtl="0" eaLnBrk="1" latinLnBrk="0" hangingPunct="1">
+                  <a:lnSpc>
+                    <a:spcPct val="107000"/>
+                  </a:lnSpc>
+                  <a:spcBef>
+                    <a:spcPts val="0"/>
+                  </a:spcBef>
+                  <a:buFont typeface="Wingdings" panose="05000000000000000000" pitchFamily="2" charset="2"/>
+                  <a:buChar char="§"/>
+                  <a:defRPr sz="2000" b="0" kern="1200" baseline="0">
+                    <a:solidFill>
+                      <a:schemeClr val="tx1"/>
+                    </a:solidFill>
+                    <a:latin typeface="+mn-lt"/>
+                    <a:ea typeface="+mn-ea"/>
+                    <a:cs typeface="+mn-cs"/>
+                  </a:defRPr>
+                </a:lvl1pPr>
+                <a:lvl2pPr marL="0" indent="0" algn="l" defTabSz="914400" rtl="0" eaLnBrk="1" latinLnBrk="0" hangingPunct="1">
+                  <a:lnSpc>
+                    <a:spcPct val="107000"/>
+                  </a:lnSpc>
+                  <a:spcBef>
+                    <a:spcPts val="0"/>
+                  </a:spcBef>
+                  <a:buFont typeface="Arial" panose="020B0604020202020204" pitchFamily="34" charset="0"/>
+                  <a:buNone/>
+                  <a:defRPr sz="2000" kern="1200">
+                    <a:solidFill>
+                      <a:schemeClr val="tx1"/>
+                    </a:solidFill>
+                    <a:latin typeface="+mn-lt"/>
+                    <a:ea typeface="+mn-ea"/>
+                    <a:cs typeface="+mn-cs"/>
+                  </a:defRPr>
+                </a:lvl2pPr>
+                <a:lvl3pPr marL="180000" indent="-180000" algn="l" defTabSz="914400" rtl="0" eaLnBrk="1" latinLnBrk="0" hangingPunct="1">
+                  <a:lnSpc>
+                    <a:spcPct val="107000"/>
+                  </a:lnSpc>
+                  <a:spcBef>
+                    <a:spcPts val="0"/>
+                  </a:spcBef>
+                  <a:spcAft>
+                    <a:spcPts val="425"/>
+                  </a:spcAft>
+                  <a:buFont typeface="Work Sans" panose="00000500000000000000" pitchFamily="2" charset="0"/>
+                  <a:buChar char="–"/>
+                  <a:defRPr sz="1800" kern="1200">
+                    <a:solidFill>
+                      <a:schemeClr val="tx1"/>
+                    </a:solidFill>
+                    <a:latin typeface="+mn-lt"/>
+                    <a:ea typeface="+mn-ea"/>
+                    <a:cs typeface="+mn-cs"/>
+                  </a:defRPr>
+                </a:lvl3pPr>
+                <a:lvl4pPr marL="360000" indent="-180000" algn="l" defTabSz="914400" rtl="0" eaLnBrk="1" latinLnBrk="0" hangingPunct="1">
+                  <a:lnSpc>
+                    <a:spcPct val="107000"/>
+                  </a:lnSpc>
+                  <a:spcBef>
+                    <a:spcPts val="0"/>
+                  </a:spcBef>
+                  <a:spcAft>
+                    <a:spcPts val="425"/>
+                  </a:spcAft>
+                  <a:buFont typeface="Work Sans" panose="00000500000000000000" pitchFamily="2" charset="0"/>
+                  <a:buChar char="–"/>
+                  <a:defRPr sz="1800" kern="1200">
+                    <a:solidFill>
+                      <a:schemeClr val="tx1"/>
+                    </a:solidFill>
+                    <a:latin typeface="+mn-lt"/>
+                    <a:ea typeface="+mn-ea"/>
+                    <a:cs typeface="+mn-cs"/>
+                  </a:defRPr>
+                </a:lvl4pPr>
+                <a:lvl5pPr marL="540000" indent="-180000" algn="l" defTabSz="914400" rtl="0" eaLnBrk="1" latinLnBrk="0" hangingPunct="1">
+                  <a:lnSpc>
+                    <a:spcPct val="107000"/>
+                  </a:lnSpc>
+                  <a:spcBef>
+                    <a:spcPts val="0"/>
+                  </a:spcBef>
+                  <a:spcAft>
+                    <a:spcPts val="425"/>
+                  </a:spcAft>
+                  <a:buFont typeface="Work Sans" panose="00000500000000000000" pitchFamily="2" charset="0"/>
+                  <a:buChar char="–"/>
+                  <a:defRPr sz="1800" kern="1200">
+                    <a:solidFill>
+                      <a:schemeClr val="tx1"/>
+                    </a:solidFill>
+                    <a:latin typeface="+mn-lt"/>
+                    <a:ea typeface="+mn-ea"/>
+                    <a:cs typeface="+mn-cs"/>
+                  </a:defRPr>
+                </a:lvl5pPr>
+                <a:lvl6pPr marL="2514600" indent="-228600" algn="l" defTabSz="914400" rtl="0" eaLnBrk="1" latinLnBrk="0" hangingPunct="1">
+                  <a:lnSpc>
+                    <a:spcPct val="90000"/>
+                  </a:lnSpc>
+                  <a:spcBef>
+                    <a:spcPts val="500"/>
+                  </a:spcBef>
+                  <a:buFont typeface="Arial" panose="020B0604020202020204" pitchFamily="34" charset="0"/>
+                  <a:buChar char="•"/>
+                  <a:defRPr sz="1800" kern="1200">
+                    <a:solidFill>
+                      <a:schemeClr val="tx1"/>
+                    </a:solidFill>
+                    <a:latin typeface="+mn-lt"/>
+                    <a:ea typeface="+mn-ea"/>
+                    <a:cs typeface="+mn-cs"/>
+                  </a:defRPr>
+                </a:lvl6pPr>
+                <a:lvl7pPr marL="2971800" indent="-228600" algn="l" defTabSz="914400" rtl="0" eaLnBrk="1" latinLnBrk="0" hangingPunct="1">
+                  <a:lnSpc>
+                    <a:spcPct val="90000"/>
+                  </a:lnSpc>
+                  <a:spcBef>
+                    <a:spcPts val="500"/>
+                  </a:spcBef>
+                  <a:buFont typeface="Arial" panose="020B0604020202020204" pitchFamily="34" charset="0"/>
+                  <a:buChar char="•"/>
+                  <a:defRPr sz="1800" kern="1200">
+                    <a:solidFill>
+                      <a:schemeClr val="tx1"/>
+                    </a:solidFill>
+                    <a:latin typeface="+mn-lt"/>
+                    <a:ea typeface="+mn-ea"/>
+                    <a:cs typeface="+mn-cs"/>
+                  </a:defRPr>
+                </a:lvl7pPr>
+                <a:lvl8pPr marL="3429000" indent="-228600" algn="l" defTabSz="914400" rtl="0" eaLnBrk="1" latinLnBrk="0" hangingPunct="1">
+                  <a:lnSpc>
+                    <a:spcPct val="90000"/>
+                  </a:lnSpc>
+                  <a:spcBef>
+                    <a:spcPts val="500"/>
+                  </a:spcBef>
+                  <a:buFont typeface="Arial" panose="020B0604020202020204" pitchFamily="34" charset="0"/>
+                  <a:buChar char="•"/>
+                  <a:defRPr sz="1800" kern="1200">
+                    <a:solidFill>
+                      <a:schemeClr val="tx1"/>
+                    </a:solidFill>
+                    <a:latin typeface="+mn-lt"/>
+                    <a:ea typeface="+mn-ea"/>
+                    <a:cs typeface="+mn-cs"/>
+                  </a:defRPr>
+                </a:lvl8pPr>
+                <a:lvl9pPr marL="3886200" indent="-228600" algn="l" defTabSz="914400" rtl="0" eaLnBrk="1" latinLnBrk="0" hangingPunct="1">
+                  <a:lnSpc>
+                    <a:spcPct val="90000"/>
+                  </a:lnSpc>
+                  <a:spcBef>
+                    <a:spcPts val="500"/>
+                  </a:spcBef>
+                  <a:buFont typeface="Arial" panose="020B0604020202020204" pitchFamily="34" charset="0"/>
+                  <a:buChar char="•"/>
+                  <a:defRPr sz="1800" kern="1200">
+                    <a:solidFill>
+                      <a:schemeClr val="tx1"/>
+                    </a:solidFill>
+                    <a:latin typeface="+mn-lt"/>
+                    <a:ea typeface="+mn-ea"/>
+                    <a:cs typeface="+mn-cs"/>
+                  </a:defRPr>
+                </a:lvl9pPr>
+              </a:lstStyle>
               <a:p>
                 <a:pPr>
+                  <a:buFont typeface="Wingdings" panose="05000000000000000000" pitchFamily="2" charset="2"/>
                   <a:buNone/>
                 </a:pPr>
                 <a:r>
                   <a:rPr lang="de-DE" b="1" dirty="0"/>
-                  <a:t>Simulation des zeitlichen Verlaufs der Zustandsgrößen für </a:t>
+                  <a:t>Zeitlicher Verlauf von </a:t>
+                </a:r>
+                <a14:m>
+                  <m:oMath xmlns:m="http://schemas.openxmlformats.org/officeDocument/2006/math">
+                    <m:sSub>
+                      <m:sSubPr>
+                        <m:ctrlPr>
+                          <a:rPr lang="de-DE" b="1" i="1" smtClean="0">
+                            <a:latin typeface="Cambria Math" panose="02040503050406030204" pitchFamily="18" charset="0"/>
+                          </a:rPr>
+                        </m:ctrlPr>
+                      </m:sSubPr>
+                      <m:e>
+                        <m:r>
+                          <a:rPr lang="de-DE" b="1" i="1" smtClean="0">
+                            <a:latin typeface="Cambria Math" panose="02040503050406030204" pitchFamily="18" charset="0"/>
+                          </a:rPr>
+                          <m:t>𝑰</m:t>
+                        </m:r>
+                      </m:e>
+                      <m:sub>
+                        <m:r>
+                          <a:rPr lang="de-DE" b="1" i="1" smtClean="0">
+                            <a:latin typeface="Cambria Math" panose="02040503050406030204" pitchFamily="18" charset="0"/>
+                          </a:rPr>
+                          <m:t>𝑳</m:t>
+                        </m:r>
+                      </m:sub>
+                    </m:sSub>
+                    <m:r>
+                      <a:rPr lang="de-DE" b="1" i="1">
+                        <a:latin typeface="Cambria Math" panose="02040503050406030204" pitchFamily="18" charset="0"/>
+                      </a:rPr>
+                      <m:t> </m:t>
+                    </m:r>
+                  </m:oMath>
+                </a14:m>
+                <a:r>
+                  <a:rPr lang="de-DE" b="1" dirty="0"/>
+                  <a:t>für </a:t>
                 </a:r>
                 <a14:m>
                   <m:oMath xmlns:m="http://schemas.openxmlformats.org/officeDocument/2006/math">
@@ -8683,31 +9637,7 @@
                       <a:rPr lang="de-DE" b="1" i="1" smtClean="0">
                         <a:latin typeface="Cambria Math" panose="02040503050406030204" pitchFamily="18" charset="0"/>
                       </a:rPr>
-                      <m:t>=</m:t>
-                    </m:r>
-                    <m:r>
-                      <a:rPr lang="de-DE" b="1" i="1" smtClean="0">
-                        <a:latin typeface="Cambria Math" panose="02040503050406030204" pitchFamily="18" charset="0"/>
-                      </a:rPr>
-                      <m:t>𝟒</m:t>
-                    </m:r>
-                    <m:r>
-                      <a:rPr lang="de-DE" b="1" i="1" smtClean="0">
-                        <a:latin typeface="Cambria Math" panose="02040503050406030204" pitchFamily="18" charset="0"/>
-                      </a:rPr>
-                      <m:t> </m:t>
-                    </m:r>
-                    <m:r>
-                      <a:rPr lang="de-DE" b="1" i="1" smtClean="0">
-                        <a:latin typeface="Cambria Math" panose="02040503050406030204" pitchFamily="18" charset="0"/>
-                      </a:rPr>
-                      <m:t>𝒎𝑨</m:t>
-                    </m:r>
-                    <m:r>
-                      <a:rPr lang="de-DE" b="1" i="1" smtClean="0">
-                        <a:latin typeface="Cambria Math" panose="02040503050406030204" pitchFamily="18" charset="0"/>
-                      </a:rPr>
-                      <m:t> &gt;</m:t>
+                      <m:t>&gt;</m:t>
                     </m:r>
                     <m:sSub>
                       <m:sSubPr>
@@ -8768,25 +9698,30 @@
         <mc:Fallback>
           <p:sp>
             <p:nvSpPr>
-              <p:cNvPr id="3" name="Inhaltsplatzhalter 2">
+              <p:cNvPr id="6" name="Inhaltsplatzhalter 2">
                 <a:extLst>
                   <a:ext uri="{FF2B5EF4-FFF2-40B4-BE49-F238E27FC236}">
-                    <a16:creationId xmlns:a16="http://schemas.microsoft.com/office/drawing/2014/main" id="{2C05AFCA-B28A-20CC-5F73-D7676AAF64BF}"/>
+                    <a16:creationId xmlns:a16="http://schemas.microsoft.com/office/drawing/2014/main" id="{710FF189-5427-F393-C26C-7EFF3426B867}"/>
                   </a:ext>
                 </a:extLst>
               </p:cNvPr>
-              <p:cNvSpPr>
-                <a:spLocks noGrp="1" noRot="1" noChangeAspect="1" noMove="1" noResize="1" noEditPoints="1" noAdjustHandles="1" noChangeArrowheads="1" noChangeShapeType="1" noTextEdit="1"/>
+              <p:cNvSpPr txBox="1">
+                <a:spLocks noRot="1" noChangeAspect="1" noMove="1" noResize="1" noEditPoints="1" noAdjustHandles="1" noChangeArrowheads="1" noChangeShapeType="1" noTextEdit="1"/>
               </p:cNvSpPr>
-              <p:nvPr>
-                <p:ph idx="1"/>
-              </p:nvPr>
+              <p:nvPr/>
             </p:nvSpPr>
             <p:spPr>
+              <a:xfrm>
+                <a:off x="3737399" y="1498914"/>
+                <a:ext cx="4717200" cy="4555844"/>
+              </a:xfrm>
+              <a:prstGeom prst="rect">
+                <a:avLst/>
+              </a:prstGeom>
               <a:blipFill>
                 <a:blip r:embed="rId2"/>
                 <a:stretch>
-                  <a:fillRect l="-1474" t="-1299"/>
+                  <a:fillRect l="-3230" t="-1339"/>
                 </a:stretch>
               </a:blipFill>
             </p:spPr>
@@ -8805,70 +9740,290 @@
           </p:sp>
         </mc:Fallback>
       </mc:AlternateContent>
-      <p:sp>
-        <p:nvSpPr>
-          <p:cNvPr id="4" name="Fußzeilenplatzhalter 3">
+      <mc:AlternateContent xmlns:mc="http://schemas.openxmlformats.org/markup-compatibility/2006">
+        <mc:Choice xmlns:a14="http://schemas.microsoft.com/office/drawing/2010/main" Requires="a14">
+          <p:sp>
+            <p:nvSpPr>
+              <p:cNvPr id="8" name="Textfeld 7">
+                <a:extLst>
+                  <a:ext uri="{FF2B5EF4-FFF2-40B4-BE49-F238E27FC236}">
+                    <a16:creationId xmlns:a16="http://schemas.microsoft.com/office/drawing/2014/main" id="{9894D6C6-CB81-47A6-568D-2393E52A47A4}"/>
+                  </a:ext>
+                </a:extLst>
+              </p:cNvPr>
+              <p:cNvSpPr txBox="1"/>
+              <p:nvPr/>
+            </p:nvSpPr>
+            <p:spPr>
+              <a:xfrm>
+                <a:off x="2439344" y="1928630"/>
+                <a:ext cx="1334937" cy="400110"/>
+              </a:xfrm>
+              <a:prstGeom prst="rect">
+                <a:avLst/>
+              </a:prstGeom>
+              <a:noFill/>
+            </p:spPr>
+            <p:txBody>
+              <a:bodyPr wrap="square">
+                <a:spAutoFit/>
+              </a:bodyPr>
+              <a:lstStyle/>
+              <a:p>
+                <a:pPr/>
+                <a14:m>
+                  <m:oMathPara xmlns:m="http://schemas.openxmlformats.org/officeDocument/2006/math">
+                    <m:oMathParaPr>
+                      <m:jc m:val="centerGroup"/>
+                    </m:oMathParaPr>
+                    <m:oMath xmlns:m="http://schemas.openxmlformats.org/officeDocument/2006/math">
+                      <m:sSub>
+                        <m:sSubPr>
+                          <m:ctrlPr>
+                            <a:rPr lang="de-DE" sz="2000" i="1" smtClean="0">
+                              <a:latin typeface="Cambria Math" panose="02040503050406030204" pitchFamily="18" charset="0"/>
+                            </a:rPr>
+                          </m:ctrlPr>
+                        </m:sSubPr>
+                        <m:e>
+                          <m:acc>
+                            <m:accPr>
+                              <m:chr m:val="̅"/>
+                              <m:ctrlPr>
+                                <a:rPr lang="de-DE" sz="2000" i="1">
+                                  <a:latin typeface="Cambria Math" panose="02040503050406030204" pitchFamily="18" charset="0"/>
+                                </a:rPr>
+                              </m:ctrlPr>
+                            </m:accPr>
+                            <m:e>
+                              <m:r>
+                                <a:rPr lang="de-DE" sz="2000" b="0" i="1">
+                                  <a:latin typeface="Cambria Math" panose="02040503050406030204" pitchFamily="18" charset="0"/>
+                                </a:rPr>
+                                <m:t>𝐼</m:t>
+                              </m:r>
+                            </m:e>
+                          </m:acc>
+                        </m:e>
+                        <m:sub>
+                          <m:r>
+                            <a:rPr lang="de-DE" sz="2000" b="0" i="1">
+                              <a:latin typeface="Cambria Math" panose="02040503050406030204" pitchFamily="18" charset="0"/>
+                            </a:rPr>
+                            <m:t>0</m:t>
+                          </m:r>
+                        </m:sub>
+                      </m:sSub>
+                      <m:r>
+                        <a:rPr lang="de-DE" sz="2000" b="0" i="1" smtClean="0">
+                          <a:latin typeface="Cambria Math" panose="02040503050406030204" pitchFamily="18" charset="0"/>
+                        </a:rPr>
+                        <m:t>=3 </m:t>
+                      </m:r>
+                      <m:r>
+                        <a:rPr lang="de-DE" sz="2000" b="0" i="1" smtClean="0">
+                          <a:latin typeface="Cambria Math" panose="02040503050406030204" pitchFamily="18" charset="0"/>
+                        </a:rPr>
+                        <m:t>𝑚𝐴</m:t>
+                      </m:r>
+                    </m:oMath>
+                  </m:oMathPara>
+                </a14:m>
+                <a:endParaRPr lang="de-DE" sz="2000" i="1" dirty="0"/>
+              </a:p>
+            </p:txBody>
+          </p:sp>
+        </mc:Choice>
+        <mc:Fallback>
+          <p:sp>
+            <p:nvSpPr>
+              <p:cNvPr id="8" name="Textfeld 7">
+                <a:extLst>
+                  <a:ext uri="{FF2B5EF4-FFF2-40B4-BE49-F238E27FC236}">
+                    <a16:creationId xmlns:a16="http://schemas.microsoft.com/office/drawing/2014/main" id="{9894D6C6-CB81-47A6-568D-2393E52A47A4}"/>
+                  </a:ext>
+                </a:extLst>
+              </p:cNvPr>
+              <p:cNvSpPr txBox="1">
+                <a:spLocks noRot="1" noChangeAspect="1" noMove="1" noResize="1" noEditPoints="1" noAdjustHandles="1" noChangeArrowheads="1" noChangeShapeType="1" noTextEdit="1"/>
+              </p:cNvSpPr>
+              <p:nvPr/>
+            </p:nvSpPr>
+            <p:spPr>
+              <a:xfrm>
+                <a:off x="2439344" y="1928630"/>
+                <a:ext cx="1334937" cy="400110"/>
+              </a:xfrm>
+              <a:prstGeom prst="rect">
+                <a:avLst/>
+              </a:prstGeom>
+              <a:blipFill>
+                <a:blip r:embed="rId3"/>
+                <a:stretch>
+                  <a:fillRect b="-3030"/>
+                </a:stretch>
+              </a:blipFill>
+            </p:spPr>
+            <p:txBody>
+              <a:bodyPr/>
+              <a:lstStyle/>
+              <a:p>
+                <a:r>
+                  <a:rPr lang="de-DE">
+                    <a:noFill/>
+                  </a:rPr>
+                  <a:t> </a:t>
+                </a:r>
+              </a:p>
+            </p:txBody>
+          </p:sp>
+        </mc:Fallback>
+      </mc:AlternateContent>
+      <mc:AlternateContent xmlns:mc="http://schemas.openxmlformats.org/markup-compatibility/2006">
+        <mc:Choice xmlns:a14="http://schemas.microsoft.com/office/drawing/2010/main" Requires="a14">
+          <p:sp>
+            <p:nvSpPr>
+              <p:cNvPr id="9" name="Textfeld 8">
+                <a:extLst>
+                  <a:ext uri="{FF2B5EF4-FFF2-40B4-BE49-F238E27FC236}">
+                    <a16:creationId xmlns:a16="http://schemas.microsoft.com/office/drawing/2014/main" id="{23A3C464-99C5-4723-ACB6-76A7F12AAF5C}"/>
+                  </a:ext>
+                </a:extLst>
+              </p:cNvPr>
+              <p:cNvSpPr txBox="1"/>
+              <p:nvPr/>
+            </p:nvSpPr>
+            <p:spPr>
+              <a:xfrm>
+                <a:off x="8369006" y="1928630"/>
+                <a:ext cx="1334937" cy="400110"/>
+              </a:xfrm>
+              <a:prstGeom prst="rect">
+                <a:avLst/>
+              </a:prstGeom>
+              <a:noFill/>
+            </p:spPr>
+            <p:txBody>
+              <a:bodyPr wrap="square">
+                <a:spAutoFit/>
+              </a:bodyPr>
+              <a:lstStyle/>
+              <a:p>
+                <a:pPr/>
+                <a14:m>
+                  <m:oMathPara xmlns:m="http://schemas.openxmlformats.org/officeDocument/2006/math">
+                    <m:oMathParaPr>
+                      <m:jc m:val="centerGroup"/>
+                    </m:oMathParaPr>
+                    <m:oMath xmlns:m="http://schemas.openxmlformats.org/officeDocument/2006/math">
+                      <m:sSub>
+                        <m:sSubPr>
+                          <m:ctrlPr>
+                            <a:rPr lang="de-DE" sz="2000" i="1" smtClean="0">
+                              <a:latin typeface="Cambria Math" panose="02040503050406030204" pitchFamily="18" charset="0"/>
+                            </a:rPr>
+                          </m:ctrlPr>
+                        </m:sSubPr>
+                        <m:e>
+                          <m:acc>
+                            <m:accPr>
+                              <m:chr m:val="̅"/>
+                              <m:ctrlPr>
+                                <a:rPr lang="de-DE" sz="2000" i="1">
+                                  <a:latin typeface="Cambria Math" panose="02040503050406030204" pitchFamily="18" charset="0"/>
+                                </a:rPr>
+                              </m:ctrlPr>
+                            </m:accPr>
+                            <m:e>
+                              <m:r>
+                                <a:rPr lang="de-DE" sz="2000" b="0" i="1">
+                                  <a:latin typeface="Cambria Math" panose="02040503050406030204" pitchFamily="18" charset="0"/>
+                                </a:rPr>
+                                <m:t>𝐼</m:t>
+                              </m:r>
+                            </m:e>
+                          </m:acc>
+                        </m:e>
+                        <m:sub>
+                          <m:r>
+                            <a:rPr lang="de-DE" sz="2000" b="0" i="1">
+                              <a:latin typeface="Cambria Math" panose="02040503050406030204" pitchFamily="18" charset="0"/>
+                            </a:rPr>
+                            <m:t>0</m:t>
+                          </m:r>
+                        </m:sub>
+                      </m:sSub>
+                      <m:r>
+                        <a:rPr lang="de-DE" sz="2000" b="0" i="1" smtClean="0">
+                          <a:latin typeface="Cambria Math" panose="02040503050406030204" pitchFamily="18" charset="0"/>
+                        </a:rPr>
+                        <m:t>=6 </m:t>
+                      </m:r>
+                      <m:r>
+                        <a:rPr lang="de-DE" sz="2000" b="0" i="1" smtClean="0">
+                          <a:latin typeface="Cambria Math" panose="02040503050406030204" pitchFamily="18" charset="0"/>
+                        </a:rPr>
+                        <m:t>𝑚𝐴</m:t>
+                      </m:r>
+                    </m:oMath>
+                  </m:oMathPara>
+                </a14:m>
+                <a:endParaRPr lang="de-DE" sz="2000" i="1" dirty="0"/>
+              </a:p>
+            </p:txBody>
+          </p:sp>
+        </mc:Choice>
+        <mc:Fallback>
+          <p:sp>
+            <p:nvSpPr>
+              <p:cNvPr id="9" name="Textfeld 8">
+                <a:extLst>
+                  <a:ext uri="{FF2B5EF4-FFF2-40B4-BE49-F238E27FC236}">
+                    <a16:creationId xmlns:a16="http://schemas.microsoft.com/office/drawing/2014/main" id="{23A3C464-99C5-4723-ACB6-76A7F12AAF5C}"/>
+                  </a:ext>
+                </a:extLst>
+              </p:cNvPr>
+              <p:cNvSpPr txBox="1">
+                <a:spLocks noRot="1" noChangeAspect="1" noMove="1" noResize="1" noEditPoints="1" noAdjustHandles="1" noChangeArrowheads="1" noChangeShapeType="1" noTextEdit="1"/>
+              </p:cNvSpPr>
+              <p:nvPr/>
+            </p:nvSpPr>
+            <p:spPr>
+              <a:xfrm>
+                <a:off x="8369006" y="1928630"/>
+                <a:ext cx="1334937" cy="400110"/>
+              </a:xfrm>
+              <a:prstGeom prst="rect">
+                <a:avLst/>
+              </a:prstGeom>
+              <a:blipFill>
+                <a:blip r:embed="rId4"/>
+                <a:stretch>
+                  <a:fillRect b="-3030"/>
+                </a:stretch>
+              </a:blipFill>
+            </p:spPr>
+            <p:txBody>
+              <a:bodyPr/>
+              <a:lstStyle/>
+              <a:p>
+                <a:r>
+                  <a:rPr lang="de-DE">
+                    <a:noFill/>
+                  </a:rPr>
+                  <a:t> </a:t>
+                </a:r>
+              </a:p>
+            </p:txBody>
+          </p:sp>
+        </mc:Fallback>
+      </mc:AlternateContent>
+      <p:pic>
+        <p:nvPicPr>
+          <p:cNvPr id="13" name="Grafik 12">
             <a:extLst>
               <a:ext uri="{FF2B5EF4-FFF2-40B4-BE49-F238E27FC236}">
-                <a16:creationId xmlns:a16="http://schemas.microsoft.com/office/drawing/2014/main" id="{3666528D-5C03-69A1-9222-E1047CA95203}"/>
-              </a:ext>
-            </a:extLst>
-          </p:cNvPr>
-          <p:cNvSpPr>
-            <a:spLocks noGrp="1"/>
-          </p:cNvSpPr>
-          <p:nvPr>
-            <p:ph type="ftr" sz="quarter" idx="11"/>
-          </p:nvPr>
-        </p:nvSpPr>
-        <p:spPr/>
-        <p:txBody>
-          <a:bodyPr/>
-          <a:lstStyle/>
-          <a:p>
-            <a:r>
-              <a:rPr lang="de-DE"/>
-              <a:t>Lennart und Richard Mende, 25EIM-AT, E144 Regelungstheorie, Prof. Dr.-Ing. Hendrik Richter</a:t>
-            </a:r>
-            <a:endParaRPr lang="de-DE" dirty="0"/>
-          </a:p>
-        </p:txBody>
-      </p:sp>
-      <p:sp>
-        <p:nvSpPr>
-          <p:cNvPr id="5" name="Foliennummernplatzhalter 4">
-            <a:extLst>
-              <a:ext uri="{FF2B5EF4-FFF2-40B4-BE49-F238E27FC236}">
-                <a16:creationId xmlns:a16="http://schemas.microsoft.com/office/drawing/2014/main" id="{45F2D558-AC1A-1782-84E5-95ED661DD239}"/>
-              </a:ext>
-            </a:extLst>
-          </p:cNvPr>
-          <p:cNvSpPr>
-            <a:spLocks noGrp="1"/>
-          </p:cNvSpPr>
-          <p:nvPr>
-            <p:ph type="sldNum" sz="quarter" idx="12"/>
-          </p:nvPr>
-        </p:nvSpPr>
-        <p:spPr/>
-        <p:txBody>
-          <a:bodyPr/>
-          <a:lstStyle/>
-          <a:p>
-            <a:fld id="{5DDB454C-C8BB-450C-A446-EA3D813FE484}" type="slidenum">
-              <a:rPr lang="de-DE" smtClean="0"/>
-              <a:t>12</a:t>
-            </a:fld>
-            <a:endParaRPr lang="de-DE"/>
-          </a:p>
-        </p:txBody>
-      </p:sp>
-      <p:pic>
-        <p:nvPicPr>
-          <p:cNvPr id="7" name="Grafik 6" descr="Ein Bild, das Screenshot, Halskette, Kette enthält.&#10;&#10;KI-generierte Inhalte können fehlerhaft sein.">
-            <a:extLst>
-              <a:ext uri="{FF2B5EF4-FFF2-40B4-BE49-F238E27FC236}">
-                <a16:creationId xmlns:a16="http://schemas.microsoft.com/office/drawing/2014/main" id="{D9F42B7D-F57A-5B74-8F43-B708C4056061}"/>
+                <a16:creationId xmlns:a16="http://schemas.microsoft.com/office/drawing/2014/main" id="{CAC0960D-A8B8-EC34-168A-4F189129097A}"/>
               </a:ext>
             </a:extLst>
           </p:cNvPr>
@@ -8878,7 +10033,7 @@
           <p:nvPr/>
         </p:nvPicPr>
         <p:blipFill>
-          <a:blip r:embed="rId3">
+          <a:blip r:embed="rId5">
             <a:extLst>
               <a:ext uri="{28A0092B-C50C-407E-A947-70E740481C1C}">
                 <a14:useLocalDpi xmlns:a14="http://schemas.microsoft.com/office/drawing/2010/main" val="0"/>
@@ -8891,8 +10046,44 @@
         </p:blipFill>
         <p:spPr>
           <a:xfrm>
-            <a:off x="1378800" y="1954800"/>
-            <a:ext cx="7297789" cy="3960000"/>
+            <a:off x="451153" y="2479086"/>
+            <a:ext cx="5311318" cy="2880000"/>
+          </a:xfrm>
+          <a:prstGeom prst="rect">
+            <a:avLst/>
+          </a:prstGeom>
+        </p:spPr>
+      </p:pic>
+      <p:pic>
+        <p:nvPicPr>
+          <p:cNvPr id="15" name="Grafik 14">
+            <a:extLst>
+              <a:ext uri="{FF2B5EF4-FFF2-40B4-BE49-F238E27FC236}">
+                <a16:creationId xmlns:a16="http://schemas.microsoft.com/office/drawing/2014/main" id="{8500E29A-17C2-CA5E-5264-F867DA4224C7}"/>
+              </a:ext>
+            </a:extLst>
+          </p:cNvPr>
+          <p:cNvPicPr>
+            <a:picLocks noChangeAspect="1"/>
+          </p:cNvPicPr>
+          <p:nvPr/>
+        </p:nvPicPr>
+        <p:blipFill>
+          <a:blip r:embed="rId6">
+            <a:extLst>
+              <a:ext uri="{28A0092B-C50C-407E-A947-70E740481C1C}">
+                <a14:useLocalDpi xmlns:a14="http://schemas.microsoft.com/office/drawing/2010/main" val="0"/>
+              </a:ext>
+            </a:extLst>
+          </a:blip>
+          <a:stretch>
+            <a:fillRect/>
+          </a:stretch>
+        </p:blipFill>
+        <p:spPr>
+          <a:xfrm>
+            <a:off x="6429531" y="2479086"/>
+            <a:ext cx="5295979" cy="2880000"/>
           </a:xfrm>
           <a:prstGeom prst="rect">
             <a:avLst/>
@@ -9173,7 +10364,7 @@
               <a:buAutoNum type="arabicPeriod"/>
             </a:pPr>
             <a:r>
-              <a:rPr lang="de-DE" sz="2400" dirty="0"/>
+              <a:rPr lang="de-DE" sz="2800" dirty="0"/>
               <a:t>Modellbildung</a:t>
             </a:r>
           </a:p>
@@ -9186,7 +10377,7 @@
               <a:buAutoNum type="arabicPeriod"/>
             </a:pPr>
             <a:r>
-              <a:rPr lang="de-DE" sz="2400" dirty="0"/>
+              <a:rPr lang="de-DE" sz="2800" dirty="0"/>
               <a:t>Gleichgewichtslage und Stabilität</a:t>
             </a:r>
           </a:p>
@@ -9199,7 +10390,7 @@
               <a:buAutoNum type="arabicPeriod"/>
             </a:pPr>
             <a:r>
-              <a:rPr lang="de-DE" sz="2400" dirty="0"/>
+              <a:rPr lang="de-DE" sz="2800" dirty="0"/>
               <a:t>Simulink-Modell der Regelstrecke</a:t>
             </a:r>
           </a:p>
@@ -9212,7 +10403,7 @@
               <a:buAutoNum type="arabicPeriod"/>
             </a:pPr>
             <a:r>
-              <a:rPr lang="de-DE" sz="2400" dirty="0"/>
+              <a:rPr lang="de-DE" sz="2800" dirty="0"/>
               <a:t>Ausblick</a:t>
             </a:r>
           </a:p>
@@ -9223,7 +10414,7 @@
               </a:spcAft>
               <a:buNone/>
             </a:pPr>
-            <a:endParaRPr lang="de-DE" sz="2400" dirty="0"/>
+            <a:endParaRPr lang="de-DE" sz="2800" dirty="0"/>
           </a:p>
           <a:p>
             <a:pPr>
@@ -9232,7 +10423,7 @@
               </a:spcAft>
               <a:buNone/>
             </a:pPr>
-            <a:endParaRPr lang="de-DE" sz="2400" dirty="0"/>
+            <a:endParaRPr lang="de-DE" sz="2800" dirty="0"/>
           </a:p>
         </p:txBody>
       </p:sp>
@@ -9382,12 +10573,12 @@
           <a:bodyPr anchor="t"/>
           <a:lstStyle/>
           <a:p>
-            <a:pPr algn="ctr">
+            <a:pPr>
               <a:buNone/>
             </a:pPr>
             <a:r>
               <a:rPr lang="de-DE" dirty="0"/>
-              <a:t>Elektrischer Schaltkreis</a:t>
+              <a:t>       Schaltkreis</a:t>
             </a:r>
           </a:p>
           <a:p>
@@ -11925,8 +13116,8 @@
             </p:nvSpPr>
             <p:spPr>
               <a:xfrm>
-                <a:off x="1316866" y="1651798"/>
-                <a:ext cx="7615569" cy="1580882"/>
+                <a:off x="962678" y="1581315"/>
+                <a:ext cx="9129723" cy="1847685"/>
               </a:xfrm>
               <a:prstGeom prst="rect">
                 <a:avLst/>
@@ -11945,10 +13136,10 @@
                   </a:spcAft>
                 </a:pPr>
                 <a:r>
-                  <a:rPr lang="de-DE" sz="2000" b="1" dirty="0"/>
+                  <a:rPr lang="de-DE" sz="2400" b="1" dirty="0"/>
                   <a:t>Gleichgewichtslage</a:t>
                 </a:r>
-                <a:endParaRPr lang="de-DE" sz="2000" b="0" i="1" dirty="0">
+                <a:endParaRPr lang="de-DE" sz="2400" b="0" i="1" dirty="0">
                   <a:latin typeface="Cambria Math" panose="02040503050406030204" pitchFamily="18" charset="0"/>
                 </a:endParaRPr>
               </a:p>
@@ -11962,14 +13153,14 @@
                       <m:accPr>
                         <m:chr m:val="̇"/>
                         <m:ctrlPr>
-                          <a:rPr lang="de-DE" sz="2000" b="0" i="1" smtClean="0">
+                          <a:rPr lang="de-DE" sz="2400" b="0" i="1" smtClean="0">
                             <a:latin typeface="Cambria Math" panose="02040503050406030204" pitchFamily="18" charset="0"/>
                           </a:rPr>
                         </m:ctrlPr>
                       </m:accPr>
                       <m:e>
                         <m:r>
-                          <a:rPr lang="de-DE" sz="2000" b="0" i="1" smtClean="0">
+                          <a:rPr lang="de-DE" sz="2400" b="0" i="1" smtClean="0">
                             <a:latin typeface="Cambria Math" panose="02040503050406030204" pitchFamily="18" charset="0"/>
                           </a:rPr>
                           <m:t>𝑥</m:t>
@@ -11977,7 +13168,7 @@
                       </m:e>
                     </m:acc>
                     <m:r>
-                      <a:rPr lang="de-DE" sz="2000" b="0" i="1" smtClean="0">
+                      <a:rPr lang="de-DE" sz="2400" b="0" i="1" smtClean="0">
                         <a:latin typeface="Cambria Math" panose="02040503050406030204" pitchFamily="18" charset="0"/>
                       </a:rPr>
                       <m:t>=</m:t>
@@ -11985,7 +13176,7 @@
                     <m:d>
                       <m:dPr>
                         <m:ctrlPr>
-                          <a:rPr lang="de-DE" sz="2000" i="1" smtClean="0">
+                          <a:rPr lang="de-DE" sz="2400" i="1" smtClean="0">
                             <a:latin typeface="Cambria Math" panose="02040503050406030204" pitchFamily="18" charset="0"/>
                           </a:rPr>
                         </m:ctrlPr>
@@ -12002,7 +13193,7 @@
                               </m:mc>
                             </m:mcs>
                             <m:ctrlPr>
-                              <a:rPr lang="de-DE" sz="2000" i="1" smtClean="0">
+                              <a:rPr lang="de-DE" sz="2400" i="1" smtClean="0">
                                 <a:latin typeface="Cambria Math" panose="02040503050406030204" pitchFamily="18" charset="0"/>
                               </a:rPr>
                             </m:ctrlPr>
@@ -12012,7 +13203,7 @@
                               <m:sSub>
                                 <m:sSubPr>
                                   <m:ctrlPr>
-                                    <a:rPr lang="de-DE" sz="2000" i="1">
+                                    <a:rPr lang="de-DE" sz="2400" i="1">
                                       <a:latin typeface="Cambria Math" panose="02040503050406030204" pitchFamily="18" charset="0"/>
                                     </a:rPr>
                                   </m:ctrlPr>
@@ -12022,14 +13213,14 @@
                                     <m:accPr>
                                       <m:chr m:val="̇"/>
                                       <m:ctrlPr>
-                                        <a:rPr lang="de-DE" sz="2000" i="1">
+                                        <a:rPr lang="de-DE" sz="2400" i="1">
                                           <a:latin typeface="Cambria Math" panose="02040503050406030204" pitchFamily="18" charset="0"/>
                                         </a:rPr>
                                       </m:ctrlPr>
                                     </m:accPr>
                                     <m:e>
                                       <m:r>
-                                        <a:rPr lang="de-DE" sz="2000" i="1">
+                                        <a:rPr lang="de-DE" sz="2400" i="1">
                                           <a:latin typeface="Cambria Math" panose="02040503050406030204" pitchFamily="18" charset="0"/>
                                         </a:rPr>
                                         <m:t>𝑈</m:t>
@@ -12039,7 +13230,7 @@
                                 </m:e>
                                 <m:sub>
                                   <m:r>
-                                    <a:rPr lang="de-DE" sz="2000" i="1">
+                                    <a:rPr lang="de-DE" sz="2400" i="1">
                                       <a:latin typeface="Cambria Math" panose="02040503050406030204" pitchFamily="18" charset="0"/>
                                     </a:rPr>
                                     <m:t>1</m:t>
@@ -12061,7 +13252,7 @@
                                     </m:mc>
                                   </m:mcs>
                                   <m:ctrlPr>
-                                    <a:rPr lang="de-DE" sz="2000" i="1" smtClean="0">
+                                    <a:rPr lang="de-DE" sz="2400" i="1" smtClean="0">
                                       <a:latin typeface="Cambria Math" panose="02040503050406030204" pitchFamily="18" charset="0"/>
                                     </a:rPr>
                                   </m:ctrlPr>
@@ -12071,7 +13262,7 @@
                                     <m:sSub>
                                       <m:sSubPr>
                                         <m:ctrlPr>
-                                          <a:rPr lang="de-DE" sz="2000" i="1">
+                                          <a:rPr lang="de-DE" sz="2400" i="1">
                                             <a:latin typeface="Cambria Math" panose="02040503050406030204" pitchFamily="18" charset="0"/>
                                           </a:rPr>
                                         </m:ctrlPr>
@@ -12081,14 +13272,14 @@
                                           <m:accPr>
                                             <m:chr m:val="̇"/>
                                             <m:ctrlPr>
-                                              <a:rPr lang="de-DE" sz="2000" i="1">
+                                              <a:rPr lang="de-DE" sz="2400" i="1">
                                                 <a:latin typeface="Cambria Math" panose="02040503050406030204" pitchFamily="18" charset="0"/>
                                               </a:rPr>
                                             </m:ctrlPr>
                                           </m:accPr>
                                           <m:e>
                                             <m:r>
-                                              <a:rPr lang="de-DE" sz="2000" i="1">
+                                              <a:rPr lang="de-DE" sz="2400" i="1">
                                                 <a:latin typeface="Cambria Math" panose="02040503050406030204" pitchFamily="18" charset="0"/>
                                               </a:rPr>
                                               <m:t>𝑈</m:t>
@@ -12098,7 +13289,7 @@
                                       </m:e>
                                       <m:sub>
                                         <m:r>
-                                          <a:rPr lang="de-DE" sz="2000" b="0" i="1" smtClean="0">
+                                          <a:rPr lang="de-DE" sz="2400" b="0" i="1" smtClean="0">
                                             <a:latin typeface="Cambria Math" panose="02040503050406030204" pitchFamily="18" charset="0"/>
                                           </a:rPr>
                                           <m:t>2</m:t>
@@ -12112,7 +13303,7 @@
                                     <m:sSub>
                                       <m:sSubPr>
                                         <m:ctrlPr>
-                                          <a:rPr lang="de-DE" sz="2000" i="1">
+                                          <a:rPr lang="de-DE" sz="2400" i="1">
                                             <a:latin typeface="Cambria Math" panose="02040503050406030204" pitchFamily="18" charset="0"/>
                                           </a:rPr>
                                         </m:ctrlPr>
@@ -12122,14 +13313,14 @@
                                           <m:accPr>
                                             <m:chr m:val="̇"/>
                                             <m:ctrlPr>
-                                              <a:rPr lang="de-DE" sz="2000" i="1" smtClean="0">
+                                              <a:rPr lang="de-DE" sz="2400" i="1" smtClean="0">
                                                 <a:latin typeface="Cambria Math" panose="02040503050406030204" pitchFamily="18" charset="0"/>
                                               </a:rPr>
                                             </m:ctrlPr>
                                           </m:accPr>
                                           <m:e>
                                             <m:r>
-                                              <a:rPr lang="de-DE" sz="2000" b="0" i="1" smtClean="0">
+                                              <a:rPr lang="de-DE" sz="2400" b="0" i="1" smtClean="0">
                                                 <a:latin typeface="Cambria Math" panose="02040503050406030204" pitchFamily="18" charset="0"/>
                                               </a:rPr>
                                               <m:t>𝐼</m:t>
@@ -12139,7 +13330,7 @@
                                       </m:e>
                                       <m:sub>
                                         <m:r>
-                                          <a:rPr lang="de-DE" sz="2000" b="0" i="1" smtClean="0">
+                                          <a:rPr lang="de-DE" sz="2400" b="0" i="1" smtClean="0">
                                             <a:latin typeface="Cambria Math" panose="02040503050406030204" pitchFamily="18" charset="0"/>
                                           </a:rPr>
                                           <m:t>𝐿</m:t>
@@ -12155,7 +13346,7 @@
                       </m:e>
                     </m:d>
                     <m:r>
-                      <a:rPr lang="de-DE" sz="2000" b="0" i="1" smtClean="0">
+                      <a:rPr lang="de-DE" sz="2400" b="0" i="1" smtClean="0">
                         <a:latin typeface="Cambria Math" panose="02040503050406030204" pitchFamily="18" charset="0"/>
                       </a:rPr>
                       <m:t>=0</m:t>
@@ -12163,7 +13354,7 @@
                   </m:oMath>
                 </a14:m>
                 <a:r>
-                  <a:rPr lang="de-DE" sz="2000" dirty="0"/>
+                  <a:rPr lang="de-DE" sz="2400" dirty="0"/>
                   <a:t>   →   </a:t>
                 </a:r>
                 <a14:m>
@@ -12172,7 +13363,7 @@
                       <m:accPr>
                         <m:chr m:val="̅"/>
                         <m:ctrlPr>
-                          <a:rPr lang="de-DE" sz="2000" i="1" smtClean="0">
+                          <a:rPr lang="de-DE" sz="2400" i="1" smtClean="0">
                             <a:latin typeface="Cambria Math" panose="02040503050406030204" pitchFamily="18" charset="0"/>
                           </a:rPr>
                         </m:ctrlPr>
@@ -12182,7 +13373,7 @@
                           <m:rPr>
                             <m:sty m:val="p"/>
                           </m:rPr>
-                          <a:rPr lang="de-DE" sz="2000" b="0" i="1" smtClean="0">
+                          <a:rPr lang="de-DE" sz="2400" b="0" i="1" smtClean="0">
                             <a:latin typeface="Cambria Math" panose="02040503050406030204" pitchFamily="18" charset="0"/>
                           </a:rPr>
                           <m:t>x</m:t>
@@ -12190,7 +13381,7 @@
                       </m:e>
                     </m:acc>
                     <m:r>
-                      <a:rPr lang="de-DE" sz="2000" b="0" i="1" smtClean="0">
+                      <a:rPr lang="de-DE" sz="2400" b="0" i="1" smtClean="0">
                         <a:latin typeface="Cambria Math" panose="02040503050406030204" pitchFamily="18" charset="0"/>
                       </a:rPr>
                       <m:t>=</m:t>
@@ -12198,7 +13389,7 @@
                     <m:d>
                       <m:dPr>
                         <m:ctrlPr>
-                          <a:rPr lang="de-DE" sz="2000" b="0" i="1" smtClean="0">
+                          <a:rPr lang="de-DE" sz="2400" b="0" i="1" smtClean="0">
                             <a:latin typeface="Cambria Math" panose="02040503050406030204" pitchFamily="18" charset="0"/>
                           </a:rPr>
                         </m:ctrlPr>
@@ -12215,7 +13406,7 @@
                               </m:mc>
                             </m:mcs>
                             <m:ctrlPr>
-                              <a:rPr lang="de-DE" sz="2000" b="0" i="1" smtClean="0">
+                              <a:rPr lang="de-DE" sz="2400" b="0" i="1" smtClean="0">
                                 <a:latin typeface="Cambria Math" panose="02040503050406030204" pitchFamily="18" charset="0"/>
                               </a:rPr>
                             </m:ctrlPr>
@@ -12225,7 +13416,7 @@
                               <m:sSub>
                                 <m:sSubPr>
                                   <m:ctrlPr>
-                                    <a:rPr lang="de-DE" sz="2000" i="1">
+                                    <a:rPr lang="de-DE" sz="2400" i="1">
                                       <a:latin typeface="Cambria Math" panose="02040503050406030204" pitchFamily="18" charset="0"/>
                                     </a:rPr>
                                   </m:ctrlPr>
@@ -12235,14 +13426,14 @@
                                     <m:accPr>
                                       <m:chr m:val="̅"/>
                                       <m:ctrlPr>
-                                        <a:rPr lang="de-DE" sz="2000" i="1">
+                                        <a:rPr lang="de-DE" sz="2400" i="1">
                                           <a:latin typeface="Cambria Math" panose="02040503050406030204" pitchFamily="18" charset="0"/>
                                         </a:rPr>
                                       </m:ctrlPr>
                                     </m:accPr>
                                     <m:e>
                                       <m:r>
-                                        <a:rPr lang="de-DE" sz="2000" i="1">
+                                        <a:rPr lang="de-DE" sz="2400" i="1">
                                           <a:latin typeface="Cambria Math" panose="02040503050406030204" pitchFamily="18" charset="0"/>
                                         </a:rPr>
                                         <m:t>𝑈</m:t>
@@ -12252,7 +13443,7 @@
                                 </m:e>
                                 <m:sub>
                                   <m:r>
-                                    <a:rPr lang="de-DE" sz="2000" i="1">
+                                    <a:rPr lang="de-DE" sz="2400" i="1">
                                       <a:latin typeface="Cambria Math" panose="02040503050406030204" pitchFamily="18" charset="0"/>
                                     </a:rPr>
                                     <m:t>1</m:t>
@@ -12274,7 +13465,7 @@
                                     </m:mc>
                                   </m:mcs>
                                   <m:ctrlPr>
-                                    <a:rPr lang="de-DE" sz="2000" b="0" i="1" smtClean="0">
+                                    <a:rPr lang="de-DE" sz="2400" b="0" i="1" smtClean="0">
                                       <a:latin typeface="Cambria Math" panose="02040503050406030204" pitchFamily="18" charset="0"/>
                                     </a:rPr>
                                   </m:ctrlPr>
@@ -12284,7 +13475,7 @@
                                     <m:sSub>
                                       <m:sSubPr>
                                         <m:ctrlPr>
-                                          <a:rPr lang="de-DE" sz="2000" i="1">
+                                          <a:rPr lang="de-DE" sz="2400" i="1">
                                             <a:latin typeface="Cambria Math" panose="02040503050406030204" pitchFamily="18" charset="0"/>
                                           </a:rPr>
                                         </m:ctrlPr>
@@ -12294,14 +13485,14 @@
                                           <m:accPr>
                                             <m:chr m:val="̅"/>
                                             <m:ctrlPr>
-                                              <a:rPr lang="de-DE" sz="2000" i="1">
+                                              <a:rPr lang="de-DE" sz="2400" i="1">
                                                 <a:latin typeface="Cambria Math" panose="02040503050406030204" pitchFamily="18" charset="0"/>
                                               </a:rPr>
                                             </m:ctrlPr>
                                           </m:accPr>
                                           <m:e>
                                             <m:r>
-                                              <a:rPr lang="de-DE" sz="2000" i="1">
+                                              <a:rPr lang="de-DE" sz="2400" i="1">
                                                 <a:latin typeface="Cambria Math" panose="02040503050406030204" pitchFamily="18" charset="0"/>
                                               </a:rPr>
                                               <m:t>𝑈</m:t>
@@ -12311,7 +13502,7 @@
                                       </m:e>
                                       <m:sub>
                                         <m:r>
-                                          <a:rPr lang="de-DE" sz="2000" i="1">
+                                          <a:rPr lang="de-DE" sz="2400" i="1">
                                             <a:latin typeface="Cambria Math" panose="02040503050406030204" pitchFamily="18" charset="0"/>
                                           </a:rPr>
                                           <m:t>2</m:t>
@@ -12325,7 +13516,7 @@
                                     <m:sSub>
                                       <m:sSubPr>
                                         <m:ctrlPr>
-                                          <a:rPr lang="de-DE" sz="2000" i="1">
+                                          <a:rPr lang="de-DE" sz="2400" i="1">
                                             <a:latin typeface="Cambria Math" panose="02040503050406030204" pitchFamily="18" charset="0"/>
                                           </a:rPr>
                                         </m:ctrlPr>
@@ -12335,14 +13526,14 @@
                                           <m:accPr>
                                             <m:chr m:val="̅"/>
                                             <m:ctrlPr>
-                                              <a:rPr lang="de-DE" sz="2000" i="1">
+                                              <a:rPr lang="de-DE" sz="2400" i="1">
                                                 <a:latin typeface="Cambria Math" panose="02040503050406030204" pitchFamily="18" charset="0"/>
                                               </a:rPr>
                                             </m:ctrlPr>
                                           </m:accPr>
                                           <m:e>
                                             <m:r>
-                                              <a:rPr lang="de-DE" sz="2000" i="1">
+                                              <a:rPr lang="de-DE" sz="2400" i="1">
                                                 <a:latin typeface="Cambria Math" panose="02040503050406030204" pitchFamily="18" charset="0"/>
                                               </a:rPr>
                                               <m:t>𝐼</m:t>
@@ -12352,7 +13543,7 @@
                                       </m:e>
                                       <m:sub>
                                         <m:r>
-                                          <a:rPr lang="de-DE" sz="2000" i="1">
+                                          <a:rPr lang="de-DE" sz="2400" i="1">
                                             <a:latin typeface="Cambria Math" panose="02040503050406030204" pitchFamily="18" charset="0"/>
                                           </a:rPr>
                                           <m:t>𝐿</m:t>
@@ -12368,7 +13559,7 @@
                       </m:e>
                     </m:d>
                     <m:r>
-                      <a:rPr lang="de-DE" sz="2000" b="0" i="1" smtClean="0">
+                      <a:rPr lang="de-DE" sz="2400" b="0" i="1" smtClean="0">
                         <a:latin typeface="Cambria Math" panose="02040503050406030204" pitchFamily="18" charset="0"/>
                       </a:rPr>
                       <m:t>=</m:t>
@@ -12376,7 +13567,7 @@
                     <m:d>
                       <m:dPr>
                         <m:ctrlPr>
-                          <a:rPr lang="de-DE" sz="2000" i="1">
+                          <a:rPr lang="de-DE" sz="2400" i="1">
                             <a:latin typeface="Cambria Math" panose="02040503050406030204" pitchFamily="18" charset="0"/>
                           </a:rPr>
                         </m:ctrlPr>
@@ -12393,7 +13584,7 @@
                               </m:mc>
                             </m:mcs>
                             <m:ctrlPr>
-                              <a:rPr lang="de-DE" sz="2000" i="1">
+                              <a:rPr lang="de-DE" sz="2400" i="1">
                                 <a:latin typeface="Cambria Math" panose="02040503050406030204" pitchFamily="18" charset="0"/>
                               </a:rPr>
                             </m:ctrlPr>
@@ -12403,7 +13594,7 @@
                               <m:sSub>
                                 <m:sSubPr>
                                   <m:ctrlPr>
-                                    <a:rPr lang="de-DE" sz="2000" i="1">
+                                    <a:rPr lang="de-DE" sz="2400" i="1">
                                       <a:latin typeface="Cambria Math" panose="02040503050406030204" pitchFamily="18" charset="0"/>
                                     </a:rPr>
                                   </m:ctrlPr>
@@ -12413,14 +13604,14 @@
                                     <m:accPr>
                                       <m:chr m:val="̅"/>
                                       <m:ctrlPr>
-                                        <a:rPr lang="de-DE" sz="2000" i="1">
+                                        <a:rPr lang="de-DE" sz="2400" i="1">
                                           <a:latin typeface="Cambria Math" panose="02040503050406030204" pitchFamily="18" charset="0"/>
                                         </a:rPr>
                                       </m:ctrlPr>
                                     </m:accPr>
                                     <m:e>
                                       <m:r>
-                                        <a:rPr lang="de-DE" sz="2000" i="1">
+                                        <a:rPr lang="de-DE" sz="2400" i="1">
                                           <a:latin typeface="Cambria Math" panose="02040503050406030204" pitchFamily="18" charset="0"/>
                                         </a:rPr>
                                         <m:t>𝑈</m:t>
@@ -12430,7 +13621,7 @@
                                 </m:e>
                                 <m:sub>
                                   <m:r>
-                                    <a:rPr lang="de-DE" sz="2000" i="1">
+                                    <a:rPr lang="de-DE" sz="2400" i="1">
                                       <a:latin typeface="Cambria Math" panose="02040503050406030204" pitchFamily="18" charset="0"/>
                                     </a:rPr>
                                     <m:t>0</m:t>
@@ -12438,7 +13629,7 @@
                                 </m:sub>
                               </m:sSub>
                               <m:r>
-                                <a:rPr lang="de-DE" sz="2000" i="1">
+                                <a:rPr lang="de-DE" sz="2400" i="1">
                                   <a:latin typeface="Cambria Math" panose="02040503050406030204" pitchFamily="18" charset="0"/>
                                 </a:rPr>
                                 <m:t>−</m:t>
@@ -12446,14 +13637,14 @@
                               <m:sSup>
                                 <m:sSupPr>
                                   <m:ctrlPr>
-                                    <a:rPr lang="de-DE" sz="2000" i="1">
+                                    <a:rPr lang="de-DE" sz="2400" i="1">
                                       <a:latin typeface="Cambria Math" panose="02040503050406030204" pitchFamily="18" charset="0"/>
                                     </a:rPr>
                                   </m:ctrlPr>
                                 </m:sSupPr>
                                 <m:e>
                                   <m:r>
-                                    <a:rPr lang="de-DE" sz="2000" i="1">
+                                    <a:rPr lang="de-DE" sz="2400" i="1">
                                       <a:latin typeface="Cambria Math" panose="02040503050406030204" pitchFamily="18" charset="0"/>
                                     </a:rPr>
                                     <m:t>10</m:t>
@@ -12461,7 +13652,7 @@
                                 </m:e>
                                 <m:sup>
                                   <m:r>
-                                    <a:rPr lang="de-DE" sz="2000" b="0" i="1" smtClean="0">
+                                    <a:rPr lang="de-DE" sz="2400" b="0" i="1" smtClean="0">
                                       <a:latin typeface="Cambria Math" panose="02040503050406030204" pitchFamily="18" charset="0"/>
                                     </a:rPr>
                                     <m:t>3</m:t>
@@ -12471,14 +13662,14 @@
                               <m:sSub>
                                 <m:sSubPr>
                                   <m:ctrlPr>
-                                    <a:rPr lang="de-DE" sz="2000" i="1">
+                                    <a:rPr lang="de-DE" sz="2400" i="1">
                                       <a:latin typeface="Cambria Math" panose="02040503050406030204" pitchFamily="18" charset="0"/>
                                     </a:rPr>
                                   </m:ctrlPr>
                                 </m:sSubPr>
                                 <m:e>
                                   <m:r>
-                                    <a:rPr lang="de-DE" sz="2000" i="1">
+                                    <a:rPr lang="de-DE" sz="2400" i="1">
                                       <a:latin typeface="Cambria Math" panose="02040503050406030204" pitchFamily="18" charset="0"/>
                                     </a:rPr>
                                     <m:t> </m:t>
@@ -12487,14 +13678,14 @@
                                     <m:accPr>
                                       <m:chr m:val="̅"/>
                                       <m:ctrlPr>
-                                        <a:rPr lang="de-DE" sz="2000" i="1">
+                                        <a:rPr lang="de-DE" sz="2400" i="1">
                                           <a:latin typeface="Cambria Math" panose="02040503050406030204" pitchFamily="18" charset="0"/>
                                         </a:rPr>
                                       </m:ctrlPr>
                                     </m:accPr>
                                     <m:e>
                                       <m:r>
-                                        <a:rPr lang="de-DE" sz="2000" i="1">
+                                        <a:rPr lang="de-DE" sz="2400" i="1">
                                           <a:latin typeface="Cambria Math" panose="02040503050406030204" pitchFamily="18" charset="0"/>
                                         </a:rPr>
                                         <m:t>𝐼</m:t>
@@ -12504,7 +13695,7 @@
                                 </m:e>
                                 <m:sub>
                                   <m:r>
-                                    <a:rPr lang="de-DE" sz="2000" i="1">
+                                    <a:rPr lang="de-DE" sz="2400" i="1">
                                       <a:latin typeface="Cambria Math" panose="02040503050406030204" pitchFamily="18" charset="0"/>
                                     </a:rPr>
                                     <m:t>0</m:t>
@@ -12512,7 +13703,7 @@
                                 </m:sub>
                               </m:sSub>
                               <m:r>
-                                <a:rPr lang="de-DE" sz="2000" i="1">
+                                <a:rPr lang="de-DE" sz="2400" i="1">
                                   <a:latin typeface="Cambria Math" panose="02040503050406030204" pitchFamily="18" charset="0"/>
                                 </a:rPr>
                                 <m:t>+0.0257</m:t>
@@ -12520,7 +13711,7 @@
                               <m:func>
                                 <m:funcPr>
                                   <m:ctrlPr>
-                                    <a:rPr lang="de-DE" sz="2000" i="1">
+                                    <a:rPr lang="de-DE" sz="2400" i="1">
                                       <a:latin typeface="Cambria Math" panose="02040503050406030204" pitchFamily="18" charset="0"/>
                                     </a:rPr>
                                   </m:ctrlPr>
@@ -12530,7 +13721,7 @@
                                     <m:rPr>
                                       <m:sty m:val="p"/>
                                     </m:rPr>
-                                    <a:rPr lang="de-DE" sz="2000">
+                                    <a:rPr lang="de-DE" sz="2400">
                                       <a:latin typeface="Cambria Math" panose="02040503050406030204" pitchFamily="18" charset="0"/>
                                     </a:rPr>
                                     <m:t>ln</m:t>
@@ -12540,7 +13731,7 @@
                                   <m:d>
                                     <m:dPr>
                                       <m:ctrlPr>
-                                        <a:rPr lang="de-DE" sz="2000" i="1">
+                                        <a:rPr lang="de-DE" sz="2400" i="1">
                                           <a:latin typeface="Cambria Math" panose="02040503050406030204" pitchFamily="18" charset="0"/>
                                         </a:rPr>
                                       </m:ctrlPr>
@@ -12549,14 +13740,14 @@
                                       <m:sSup>
                                         <m:sSupPr>
                                           <m:ctrlPr>
-                                            <a:rPr lang="de-DE" sz="2000" i="1">
+                                            <a:rPr lang="de-DE" sz="2400" i="1">
                                               <a:latin typeface="Cambria Math" panose="02040503050406030204" pitchFamily="18" charset="0"/>
                                             </a:rPr>
                                           </m:ctrlPr>
                                         </m:sSupPr>
                                         <m:e>
                                           <m:r>
-                                            <a:rPr lang="de-DE" sz="2000" i="1">
+                                            <a:rPr lang="de-DE" sz="2400" i="1">
                                               <a:latin typeface="Cambria Math" panose="02040503050406030204" pitchFamily="18" charset="0"/>
                                             </a:rPr>
                                             <m:t>10</m:t>
@@ -12564,7 +13755,7 @@
                                         </m:e>
                                         <m:sup>
                                           <m:r>
-                                            <a:rPr lang="de-DE" sz="2000" i="1">
+                                            <a:rPr lang="de-DE" sz="2400" i="1">
                                               <a:latin typeface="Cambria Math" panose="02040503050406030204" pitchFamily="18" charset="0"/>
                                             </a:rPr>
                                             <m:t>8</m:t>
@@ -12574,14 +13765,14 @@
                                       <m:sSub>
                                         <m:sSubPr>
                                           <m:ctrlPr>
-                                            <a:rPr lang="de-DE" sz="2000" i="1">
+                                            <a:rPr lang="de-DE" sz="2400" i="1">
                                               <a:latin typeface="Cambria Math" panose="02040503050406030204" pitchFamily="18" charset="0"/>
                                             </a:rPr>
                                           </m:ctrlPr>
                                         </m:sSubPr>
                                         <m:e>
                                           <m:r>
-                                            <a:rPr lang="de-DE" sz="2000" i="1">
+                                            <a:rPr lang="de-DE" sz="2400" i="1">
                                               <a:latin typeface="Cambria Math" panose="02040503050406030204" pitchFamily="18" charset="0"/>
                                             </a:rPr>
                                             <m:t> </m:t>
@@ -12590,14 +13781,14 @@
                                             <m:accPr>
                                               <m:chr m:val="̅"/>
                                               <m:ctrlPr>
-                                                <a:rPr lang="de-DE" sz="2000" i="1">
+                                                <a:rPr lang="de-DE" sz="2400" i="1">
                                                   <a:latin typeface="Cambria Math" panose="02040503050406030204" pitchFamily="18" charset="0"/>
                                                 </a:rPr>
                                               </m:ctrlPr>
                                             </m:accPr>
                                             <m:e>
                                               <m:r>
-                                                <a:rPr lang="de-DE" sz="2000" i="1">
+                                                <a:rPr lang="de-DE" sz="2400" i="1">
                                                   <a:latin typeface="Cambria Math" panose="02040503050406030204" pitchFamily="18" charset="0"/>
                                                 </a:rPr>
                                                 <m:t>𝐼</m:t>
@@ -12607,7 +13798,7 @@
                                         </m:e>
                                         <m:sub>
                                           <m:r>
-                                            <a:rPr lang="de-DE" sz="2000" i="1">
+                                            <a:rPr lang="de-DE" sz="2400" i="1">
                                               <a:latin typeface="Cambria Math" panose="02040503050406030204" pitchFamily="18" charset="0"/>
                                             </a:rPr>
                                             <m:t>0</m:t>
@@ -12633,7 +13824,7 @@
                                     </m:mc>
                                   </m:mcs>
                                   <m:ctrlPr>
-                                    <a:rPr lang="de-DE" sz="2000" i="1">
+                                    <a:rPr lang="de-DE" sz="2400" i="1">
                                       <a:latin typeface="Cambria Math" panose="02040503050406030204" pitchFamily="18" charset="0"/>
                                     </a:rPr>
                                   </m:ctrlPr>
@@ -12641,7 +13832,7 @@
                                 <m:mr>
                                   <m:e>
                                     <m:r>
-                                      <a:rPr lang="de-DE" sz="2000" i="1">
+                                      <a:rPr lang="de-DE" sz="2400" i="1">
                                         <a:latin typeface="Cambria Math" panose="02040503050406030204" pitchFamily="18" charset="0"/>
                                       </a:rPr>
                                       <m:t>−0.0257</m:t>
@@ -12649,7 +13840,7 @@
                                     <m:func>
                                       <m:funcPr>
                                         <m:ctrlPr>
-                                          <a:rPr lang="de-DE" sz="2000" i="1">
+                                          <a:rPr lang="de-DE" sz="2400" i="1">
                                             <a:latin typeface="Cambria Math" panose="02040503050406030204" pitchFamily="18" charset="0"/>
                                           </a:rPr>
                                         </m:ctrlPr>
@@ -12659,7 +13850,7 @@
                                           <m:rPr>
                                             <m:sty m:val="p"/>
                                           </m:rPr>
-                                          <a:rPr lang="de-DE" sz="2000">
+                                          <a:rPr lang="de-DE" sz="2400">
                                             <a:latin typeface="Cambria Math" panose="02040503050406030204" pitchFamily="18" charset="0"/>
                                           </a:rPr>
                                           <m:t>ln</m:t>
@@ -12669,7 +13860,7 @@
                                         <m:d>
                                           <m:dPr>
                                             <m:ctrlPr>
-                                              <a:rPr lang="de-DE" sz="2000" i="1">
+                                              <a:rPr lang="de-DE" sz="2400" i="1">
                                                 <a:latin typeface="Cambria Math" panose="02040503050406030204" pitchFamily="18" charset="0"/>
                                               </a:rPr>
                                             </m:ctrlPr>
@@ -12678,14 +13869,14 @@
                                             <m:sSup>
                                               <m:sSupPr>
                                                 <m:ctrlPr>
-                                                  <a:rPr lang="de-DE" sz="2000" i="1">
+                                                  <a:rPr lang="de-DE" sz="2400" i="1">
                                                     <a:latin typeface="Cambria Math" panose="02040503050406030204" pitchFamily="18" charset="0"/>
                                                   </a:rPr>
                                                 </m:ctrlPr>
                                               </m:sSupPr>
                                               <m:e>
                                                 <m:r>
-                                                  <a:rPr lang="de-DE" sz="2000" i="1">
+                                                  <a:rPr lang="de-DE" sz="2400" i="1">
                                                     <a:latin typeface="Cambria Math" panose="02040503050406030204" pitchFamily="18" charset="0"/>
                                                   </a:rPr>
                                                   <m:t>10</m:t>
@@ -12693,7 +13884,7 @@
                                               </m:e>
                                               <m:sup>
                                                 <m:r>
-                                                  <a:rPr lang="de-DE" sz="2000" i="1">
+                                                  <a:rPr lang="de-DE" sz="2400" i="1">
                                                     <a:latin typeface="Cambria Math" panose="02040503050406030204" pitchFamily="18" charset="0"/>
                                                   </a:rPr>
                                                   <m:t>8</m:t>
@@ -12703,14 +13894,14 @@
                                             <m:sSub>
                                               <m:sSubPr>
                                                 <m:ctrlPr>
-                                                  <a:rPr lang="de-DE" sz="2000" i="1">
+                                                  <a:rPr lang="de-DE" sz="2400" i="1">
                                                     <a:latin typeface="Cambria Math" panose="02040503050406030204" pitchFamily="18" charset="0"/>
                                                   </a:rPr>
                                                 </m:ctrlPr>
                                               </m:sSubPr>
                                               <m:e>
                                                 <m:r>
-                                                  <a:rPr lang="de-DE" sz="2000" i="1">
+                                                  <a:rPr lang="de-DE" sz="2400" i="1">
                                                     <a:latin typeface="Cambria Math" panose="02040503050406030204" pitchFamily="18" charset="0"/>
                                                   </a:rPr>
                                                   <m:t> </m:t>
@@ -12719,14 +13910,14 @@
                                                   <m:accPr>
                                                     <m:chr m:val="̅"/>
                                                     <m:ctrlPr>
-                                                      <a:rPr lang="de-DE" sz="2000" i="1">
+                                                      <a:rPr lang="de-DE" sz="2400" i="1">
                                                         <a:latin typeface="Cambria Math" panose="02040503050406030204" pitchFamily="18" charset="0"/>
                                                       </a:rPr>
                                                     </m:ctrlPr>
                                                   </m:accPr>
                                                   <m:e>
                                                     <m:r>
-                                                      <a:rPr lang="de-DE" sz="2000" i="1">
+                                                      <a:rPr lang="de-DE" sz="2400" i="1">
                                                         <a:latin typeface="Cambria Math" panose="02040503050406030204" pitchFamily="18" charset="0"/>
                                                       </a:rPr>
                                                       <m:t>𝐼</m:t>
@@ -12736,7 +13927,7 @@
                                               </m:e>
                                               <m:sub>
                                                 <m:r>
-                                                  <a:rPr lang="de-DE" sz="2000" i="1">
+                                                  <a:rPr lang="de-DE" sz="2400" i="1">
                                                     <a:latin typeface="Cambria Math" panose="02040503050406030204" pitchFamily="18" charset="0"/>
                                                   </a:rPr>
                                                   <m:t>0</m:t>
@@ -12754,7 +13945,7 @@
                                     <m:sSub>
                                       <m:sSubPr>
                                         <m:ctrlPr>
-                                          <a:rPr lang="de-DE" sz="2000" i="1">
+                                          <a:rPr lang="de-DE" sz="2400" i="1">
                                             <a:latin typeface="Cambria Math" panose="02040503050406030204" pitchFamily="18" charset="0"/>
                                           </a:rPr>
                                         </m:ctrlPr>
@@ -12764,14 +13955,14 @@
                                           <m:accPr>
                                             <m:chr m:val="̅"/>
                                             <m:ctrlPr>
-                                              <a:rPr lang="de-DE" sz="2000" i="1">
+                                              <a:rPr lang="de-DE" sz="2400" i="1">
                                                 <a:latin typeface="Cambria Math" panose="02040503050406030204" pitchFamily="18" charset="0"/>
                                               </a:rPr>
                                             </m:ctrlPr>
                                           </m:accPr>
                                           <m:e>
                                             <m:r>
-                                              <a:rPr lang="de-DE" sz="2000" i="1">
+                                              <a:rPr lang="de-DE" sz="2400" i="1">
                                                 <a:latin typeface="Cambria Math" panose="02040503050406030204" pitchFamily="18" charset="0"/>
                                               </a:rPr>
                                               <m:t>𝐼</m:t>
@@ -12781,7 +13972,7 @@
                                       </m:e>
                                       <m:sub>
                                         <m:r>
-                                          <a:rPr lang="de-DE" sz="2000" b="0" i="1" smtClean="0">
+                                          <a:rPr lang="de-DE" sz="2400" b="0" i="1" smtClean="0">
                                             <a:latin typeface="Cambria Math" panose="02040503050406030204" pitchFamily="18" charset="0"/>
                                           </a:rPr>
                                           <m:t>0</m:t>
@@ -12798,7 +13989,7 @@
                     </m:d>
                   </m:oMath>
                 </a14:m>
-                <a:endParaRPr lang="de-DE" sz="2000" dirty="0"/>
+                <a:endParaRPr lang="de-DE" sz="2400" dirty="0"/>
               </a:p>
             </p:txBody>
           </p:sp>
@@ -12820,8 +14011,8 @@
             </p:nvSpPr>
             <p:spPr>
               <a:xfrm>
-                <a:off x="1316866" y="1651798"/>
-                <a:ext cx="7615569" cy="1580882"/>
+                <a:off x="962678" y="1581315"/>
+                <a:ext cx="9129723" cy="1847685"/>
               </a:xfrm>
               <a:prstGeom prst="rect">
                 <a:avLst/>
@@ -12829,7 +14020,7 @@
               <a:blipFill>
                 <a:blip r:embed="rId2"/>
                 <a:stretch>
-                  <a:fillRect t="-1931"/>
+                  <a:fillRect t="-2303"/>
                 </a:stretch>
               </a:blipFill>
             </p:spPr>
@@ -12863,9 +14054,9 @@
         <p:grpSpPr>
           <a:xfrm>
             <a:off x="2351951" y="3775678"/>
-            <a:ext cx="5545397" cy="1544846"/>
+            <a:ext cx="6783423" cy="2626360"/>
             <a:chOff x="879895" y="3467428"/>
-            <a:chExt cx="6081622" cy="1544846"/>
+            <a:chExt cx="6081622" cy="2626360"/>
           </a:xfrm>
         </p:grpSpPr>
         <mc:AlternateContent xmlns:mc="http://schemas.openxmlformats.org/markup-compatibility/2006" xmlns:a14="http://schemas.microsoft.com/office/drawing/2010/main">
@@ -12885,7 +14076,7 @@
               <p:spPr>
                 <a:xfrm>
                   <a:off x="879895" y="3467428"/>
-                  <a:ext cx="6081622" cy="1544846"/>
+                  <a:ext cx="6081622" cy="2626360"/>
                 </a:xfrm>
                 <a:prstGeom prst="rect">
                   <a:avLst/>
@@ -12904,10 +14095,10 @@
                     </a:spcAft>
                   </a:pPr>
                   <a:r>
-                    <a:rPr lang="de-DE" sz="2000" b="1" dirty="0"/>
+                    <a:rPr lang="de-DE" sz="2400" b="1" dirty="0"/>
                     <a:t>Jacobi-Matrix am Arbeitspunkt</a:t>
                   </a:r>
-                  <a:endParaRPr lang="de-DE" sz="2000" dirty="0"/>
+                  <a:endParaRPr lang="de-DE" sz="2400" dirty="0"/>
                 </a:p>
                 <a:p>
                   <a:pPr/>
@@ -12922,20 +14113,20 @@
                             <m:begChr m:val=""/>
                             <m:endChr m:val="|"/>
                             <m:ctrlPr>
-                              <a:rPr lang="de-DE" sz="2000" i="1" smtClean="0">
+                              <a:rPr lang="de-DE" sz="2400" i="1" smtClean="0">
                                 <a:latin typeface="Cambria Math" panose="02040503050406030204" pitchFamily="18" charset="0"/>
                               </a:rPr>
                             </m:ctrlPr>
                           </m:dPr>
                           <m:e>
                             <m:r>
-                              <a:rPr lang="de-DE" sz="2000" b="0" i="1" smtClean="0">
+                              <a:rPr lang="de-DE" sz="2400" b="0" i="1" smtClean="0">
                                 <a:latin typeface="Cambria Math" panose="02040503050406030204" pitchFamily="18" charset="0"/>
                               </a:rPr>
                               <m:t>𝐽</m:t>
                             </m:r>
                             <m:r>
-                              <a:rPr lang="de-DE" sz="2000" b="0" i="1" smtClean="0">
+                              <a:rPr lang="de-DE" sz="2400" b="0" i="1" smtClean="0">
                                 <a:latin typeface="Cambria Math" panose="02040503050406030204" pitchFamily="18" charset="0"/>
                               </a:rPr>
                               <m:t>=</m:t>
@@ -12943,38 +14134,38 @@
                             <m:f>
                               <m:fPr>
                                 <m:ctrlPr>
-                                  <a:rPr lang="de-DE" sz="2000" i="1">
+                                  <a:rPr lang="de-DE" sz="2400" i="1">
                                     <a:latin typeface="Cambria Math" panose="02040503050406030204" pitchFamily="18" charset="0"/>
                                   </a:rPr>
                                 </m:ctrlPr>
                               </m:fPr>
                               <m:num>
                                 <m:r>
-                                  <a:rPr lang="de-DE" sz="2000" i="1">
+                                  <a:rPr lang="de-DE" sz="2400" i="1">
                                     <a:latin typeface="Cambria Math" panose="02040503050406030204" pitchFamily="18" charset="0"/>
                                   </a:rPr>
                                   <m:t>𝜕</m:t>
                                 </m:r>
                                 <m:r>
-                                  <a:rPr lang="de-DE" sz="2000" b="0" i="1" smtClean="0">
+                                  <a:rPr lang="de-DE" sz="2400" b="0" i="1" smtClean="0">
                                     <a:latin typeface="Cambria Math" panose="02040503050406030204" pitchFamily="18" charset="0"/>
                                   </a:rPr>
                                   <m:t>𝑓</m:t>
                                 </m:r>
                                 <m:r>
-                                  <a:rPr lang="de-DE" sz="2000" b="0" i="1" smtClean="0">
+                                  <a:rPr lang="de-DE" sz="2400" b="0" i="1" smtClean="0">
                                     <a:latin typeface="Cambria Math" panose="02040503050406030204" pitchFamily="18" charset="0"/>
                                   </a:rPr>
                                   <m:t>(</m:t>
                                 </m:r>
                                 <m:r>
-                                  <a:rPr lang="de-DE" sz="2000" b="0" i="1" smtClean="0">
+                                  <a:rPr lang="de-DE" sz="2400" b="0" i="1" smtClean="0">
                                     <a:latin typeface="Cambria Math" panose="02040503050406030204" pitchFamily="18" charset="0"/>
                                   </a:rPr>
                                   <m:t>𝑥</m:t>
                                 </m:r>
                                 <m:r>
-                                  <a:rPr lang="de-DE" sz="2000" b="0" i="1" smtClean="0">
+                                  <a:rPr lang="de-DE" sz="2400" b="0" i="1" smtClean="0">
                                     <a:latin typeface="Cambria Math" panose="02040503050406030204" pitchFamily="18" charset="0"/>
                                   </a:rPr>
                                   <m:t>)</m:t>
@@ -12982,13 +14173,13 @@
                               </m:num>
                               <m:den>
                                 <m:r>
-                                  <a:rPr lang="de-DE" sz="2000" i="1">
+                                  <a:rPr lang="de-DE" sz="2400" i="1">
                                     <a:latin typeface="Cambria Math" panose="02040503050406030204" pitchFamily="18" charset="0"/>
                                   </a:rPr>
                                   <m:t>𝜕</m:t>
                                 </m:r>
                                 <m:r>
-                                  <a:rPr lang="de-DE" sz="2000" i="1">
+                                  <a:rPr lang="de-DE" sz="2400" i="1">
                                     <a:latin typeface="Cambria Math" panose="02040503050406030204" pitchFamily="18" charset="0"/>
                                   </a:rPr>
                                   <m:t>𝑥</m:t>
@@ -12998,7 +14189,7 @@
                           </m:e>
                         </m:d>
                         <m:r>
-                          <a:rPr lang="de-DE" sz="2000" b="0" i="1" smtClean="0">
+                          <a:rPr lang="de-DE" sz="2400" b="0" i="1" smtClean="0">
                             <a:latin typeface="Cambria Math" panose="02040503050406030204" pitchFamily="18" charset="0"/>
                           </a:rPr>
                           <m:t>           =</m:t>
@@ -13006,7 +14197,7 @@
                         <m:d>
                           <m:dPr>
                             <m:ctrlPr>
-                              <a:rPr lang="de-DE" sz="2000" i="1" smtClean="0">
+                              <a:rPr lang="de-DE" sz="2400" i="1" smtClean="0">
                                 <a:latin typeface="Cambria Math" panose="02040503050406030204" pitchFamily="18" charset="0"/>
                               </a:rPr>
                             </m:ctrlPr>
@@ -13023,7 +14214,7 @@
                                   </m:mc>
                                 </m:mcs>
                                 <m:ctrlPr>
-                                  <a:rPr lang="de-DE" sz="2000" i="1" smtClean="0">
+                                  <a:rPr lang="de-DE" sz="2400" i="1" smtClean="0">
                                     <a:latin typeface="Cambria Math" panose="02040503050406030204" pitchFamily="18" charset="0"/>
                                   </a:rPr>
                                 </m:ctrlPr>
@@ -13034,7 +14225,7 @@
                                     <m:rPr>
                                       <m:brk m:alnAt="7"/>
                                     </m:rPr>
-                                    <a:rPr lang="de-DE" sz="2000" b="0" i="1" smtClean="0">
+                                    <a:rPr lang="de-DE" sz="2400" b="0" i="1" smtClean="0">
                                       <a:latin typeface="Cambria Math" panose="02040503050406030204" pitchFamily="18" charset="0"/>
                                     </a:rPr>
                                     <m:t>0</m:t>
@@ -13042,13 +14233,13 @@
                                 </m:e>
                                 <m:e>
                                   <m:r>
-                                    <a:rPr lang="de-DE" sz="2000" b="0" i="1" smtClean="0">
+                                    <a:rPr lang="de-DE" sz="2400" b="0" i="1" smtClean="0">
                                       <a:latin typeface="Cambria Math" panose="02040503050406030204" pitchFamily="18" charset="0"/>
                                     </a:rPr>
                                     <m:t>3.85</m:t>
                                   </m:r>
                                   <m:r>
-                                    <a:rPr lang="de-DE" sz="2000" i="1">
+                                    <a:rPr lang="de-DE" sz="2400" i="1">
                                       <a:latin typeface="Cambria Math" panose="02040503050406030204" pitchFamily="18" charset="0"/>
                                     </a:rPr>
                                     <m:t>⋅</m:t>
@@ -13056,14 +14247,14 @@
                                   <m:sSup>
                                     <m:sSupPr>
                                       <m:ctrlPr>
-                                        <a:rPr lang="de-DE" sz="2000" i="1">
+                                        <a:rPr lang="de-DE" sz="2400" i="1">
                                           <a:latin typeface="Cambria Math" panose="02040503050406030204" pitchFamily="18" charset="0"/>
                                         </a:rPr>
                                       </m:ctrlPr>
                                     </m:sSupPr>
                                     <m:e>
                                       <m:r>
-                                        <a:rPr lang="de-DE" sz="2000" i="1">
+                                        <a:rPr lang="de-DE" sz="2400" i="1">
                                           <a:latin typeface="Cambria Math" panose="02040503050406030204" pitchFamily="18" charset="0"/>
                                         </a:rPr>
                                         <m:t>10</m:t>
@@ -13071,7 +14262,7 @@
                                     </m:e>
                                     <m:sup>
                                       <m:r>
-                                        <a:rPr lang="de-DE" sz="2000" b="0" i="1" smtClean="0">
+                                        <a:rPr lang="de-DE" sz="2400" b="0" i="1" smtClean="0">
                                           <a:latin typeface="Cambria Math" panose="02040503050406030204" pitchFamily="18" charset="0"/>
                                         </a:rPr>
                                         <m:t>8</m:t>
@@ -13081,14 +14272,14 @@
                                   <m:sSub>
                                     <m:sSubPr>
                                       <m:ctrlPr>
-                                        <a:rPr lang="de-DE" sz="2000" i="1">
+                                        <a:rPr lang="de-DE" sz="2400" i="1">
                                           <a:latin typeface="Cambria Math" panose="02040503050406030204" pitchFamily="18" charset="0"/>
                                         </a:rPr>
                                       </m:ctrlPr>
                                     </m:sSubPr>
                                     <m:e>
                                       <m:r>
-                                        <a:rPr lang="de-DE" sz="2000" i="1">
+                                        <a:rPr lang="de-DE" sz="2400" i="1">
                                           <a:latin typeface="Cambria Math" panose="02040503050406030204" pitchFamily="18" charset="0"/>
                                         </a:rPr>
                                         <m:t> </m:t>
@@ -13097,14 +14288,14 @@
                                         <m:accPr>
                                           <m:chr m:val="̅"/>
                                           <m:ctrlPr>
-                                            <a:rPr lang="de-DE" sz="2000" i="1">
+                                            <a:rPr lang="de-DE" sz="2400" i="1">
                                               <a:latin typeface="Cambria Math" panose="02040503050406030204" pitchFamily="18" charset="0"/>
                                             </a:rPr>
                                           </m:ctrlPr>
                                         </m:accPr>
                                         <m:e>
                                           <m:r>
-                                            <a:rPr lang="de-DE" sz="2000" i="1">
+                                            <a:rPr lang="de-DE" sz="2400" i="1">
                                               <a:latin typeface="Cambria Math" panose="02040503050406030204" pitchFamily="18" charset="0"/>
                                             </a:rPr>
                                             <m:t>𝐼</m:t>
@@ -13114,7 +14305,7 @@
                                     </m:e>
                                     <m:sub>
                                       <m:r>
-                                        <a:rPr lang="de-DE" sz="2000" i="1">
+                                        <a:rPr lang="de-DE" sz="2400" i="1">
                                           <a:latin typeface="Cambria Math" panose="02040503050406030204" pitchFamily="18" charset="0"/>
                                         </a:rPr>
                                         <m:t>0</m:t>
@@ -13126,14 +14317,14 @@
                                   <m:sSup>
                                     <m:sSupPr>
                                       <m:ctrlPr>
-                                        <a:rPr lang="de-DE" sz="2000" i="1">
+                                        <a:rPr lang="de-DE" sz="2400" i="1">
                                           <a:latin typeface="Cambria Math" panose="02040503050406030204" pitchFamily="18" charset="0"/>
                                         </a:rPr>
                                       </m:ctrlPr>
                                     </m:sSupPr>
                                     <m:e>
                                       <m:r>
-                                        <a:rPr lang="de-DE" sz="2000" i="1">
+                                        <a:rPr lang="de-DE" sz="2400" i="1">
                                           <a:latin typeface="Cambria Math" panose="02040503050406030204" pitchFamily="18" charset="0"/>
                                         </a:rPr>
                                         <m:t>10</m:t>
@@ -13141,7 +14332,7 @@
                                     </m:e>
                                     <m:sup>
                                       <m:r>
-                                        <a:rPr lang="de-DE" sz="2000" b="0" i="1" smtClean="0">
+                                        <a:rPr lang="de-DE" sz="2400" b="0" i="1" smtClean="0">
                                           <a:latin typeface="Cambria Math" panose="02040503050406030204" pitchFamily="18" charset="0"/>
                                         </a:rPr>
                                         <m:t>7</m:t>
@@ -13153,7 +14344,7 @@
                               <m:mr>
                                 <m:e>
                                   <m:r>
-                                    <a:rPr lang="de-DE" sz="2000" b="0" i="1" smtClean="0">
+                                    <a:rPr lang="de-DE" sz="2400" b="0" i="1" smtClean="0">
                                       <a:latin typeface="Cambria Math" panose="02040503050406030204" pitchFamily="18" charset="0"/>
                                     </a:rPr>
                                     <m:t>0</m:t>
@@ -13161,7 +14352,7 @@
                                 </m:e>
                                 <m:e>
                                   <m:r>
-                                    <a:rPr lang="de-DE" sz="2000" b="0" i="1" smtClean="0">
+                                    <a:rPr lang="de-DE" sz="2400" b="0" i="1" smtClean="0">
                                       <a:latin typeface="Cambria Math" panose="02040503050406030204" pitchFamily="18" charset="0"/>
                                     </a:rPr>
                                     <m:t>0</m:t>
@@ -13171,14 +14362,14 @@
                                   <m:sSup>
                                     <m:sSupPr>
                                       <m:ctrlPr>
-                                        <a:rPr lang="de-DE" sz="2000" i="1">
+                                        <a:rPr lang="de-DE" sz="2400" i="1">
                                           <a:latin typeface="Cambria Math" panose="02040503050406030204" pitchFamily="18" charset="0"/>
                                         </a:rPr>
                                       </m:ctrlPr>
                                     </m:sSupPr>
                                     <m:e>
                                       <m:r>
-                                        <a:rPr lang="de-DE" sz="2000" i="1">
+                                        <a:rPr lang="de-DE" sz="2400" i="1">
                                           <a:latin typeface="Cambria Math" panose="02040503050406030204" pitchFamily="18" charset="0"/>
                                         </a:rPr>
                                         <m:t>10</m:t>
@@ -13186,7 +14377,7 @@
                                     </m:e>
                                     <m:sup>
                                       <m:r>
-                                        <a:rPr lang="de-DE" sz="2000" b="0" i="1" smtClean="0">
+                                        <a:rPr lang="de-DE" sz="2400" b="0" i="1" smtClean="0">
                                           <a:latin typeface="Cambria Math" panose="02040503050406030204" pitchFamily="18" charset="0"/>
                                         </a:rPr>
                                         <m:t>6</m:t>
@@ -13198,7 +14389,7 @@
                               <m:mr>
                                 <m:e>
                                   <m:r>
-                                    <a:rPr lang="de-DE" sz="2000" b="0" i="1" smtClean="0">
+                                    <a:rPr lang="de-DE" sz="2400" b="0" i="1" smtClean="0">
                                       <a:latin typeface="Cambria Math" panose="02040503050406030204" pitchFamily="18" charset="0"/>
                                     </a:rPr>
                                     <m:t>−10</m:t>
@@ -13206,7 +14397,7 @@
                                 </m:e>
                                 <m:e>
                                   <m:r>
-                                    <a:rPr lang="de-DE" sz="2000" b="0" i="1" smtClean="0">
+                                    <a:rPr lang="de-DE" sz="2400" b="0" i="1" smtClean="0">
                                       <a:latin typeface="Cambria Math" panose="02040503050406030204" pitchFamily="18" charset="0"/>
                                     </a:rPr>
                                     <m:t>−10</m:t>
@@ -13214,7 +14405,7 @@
                                 </m:e>
                                 <m:e>
                                   <m:r>
-                                    <a:rPr lang="de-DE" sz="2000" b="0" i="1" smtClean="0">
+                                    <a:rPr lang="de-DE" sz="2400" b="0" i="1" smtClean="0">
                                       <a:latin typeface="Cambria Math" panose="02040503050406030204" pitchFamily="18" charset="0"/>
                                     </a:rPr>
                                     <m:t>−</m:t>
@@ -13222,14 +14413,14 @@
                                   <m:sSup>
                                     <m:sSupPr>
                                       <m:ctrlPr>
-                                        <a:rPr lang="de-DE" sz="2000" b="0" i="1" smtClean="0">
+                                        <a:rPr lang="de-DE" sz="2400" b="0" i="1" smtClean="0">
                                           <a:latin typeface="Cambria Math" panose="02040503050406030204" pitchFamily="18" charset="0"/>
                                         </a:rPr>
                                       </m:ctrlPr>
                                     </m:sSupPr>
                                     <m:e>
                                       <m:r>
-                                        <a:rPr lang="de-DE" sz="2000" b="0" i="1" smtClean="0">
+                                        <a:rPr lang="de-DE" sz="2400" b="0" i="1" smtClean="0">
                                           <a:latin typeface="Cambria Math" panose="02040503050406030204" pitchFamily="18" charset="0"/>
                                         </a:rPr>
                                         <m:t>10</m:t>
@@ -13237,7 +14428,7 @@
                                     </m:e>
                                     <m:sup>
                                       <m:r>
-                                        <a:rPr lang="de-DE" sz="2000" b="0" i="1" smtClean="0">
+                                        <a:rPr lang="de-DE" sz="2400" b="0" i="1" smtClean="0">
                                           <a:latin typeface="Cambria Math" panose="02040503050406030204" pitchFamily="18" charset="0"/>
                                         </a:rPr>
                                         <m:t>5</m:t>
@@ -13252,7 +14443,7 @@
                       </m:oMath>
                     </m:oMathPara>
                   </a14:m>
-                  <a:endParaRPr lang="de-DE" sz="2000" i="1" dirty="0"/>
+                  <a:endParaRPr lang="de-DE" sz="2400" i="1" dirty="0"/>
                 </a:p>
               </p:txBody>
             </p:sp>
@@ -13275,7 +14466,7 @@
               <p:spPr>
                 <a:xfrm>
                   <a:off x="879895" y="3467428"/>
-                  <a:ext cx="6081622" cy="1544846"/>
+                  <a:ext cx="6081622" cy="2626360"/>
                 </a:xfrm>
                 <a:prstGeom prst="rect">
                   <a:avLst/>
@@ -13283,7 +14474,7 @@
                 <a:blipFill>
                   <a:blip r:embed="rId3"/>
                   <a:stretch>
-                    <a:fillRect t="-1575"/>
+                    <a:fillRect t="-1624"/>
                   </a:stretch>
                 </a:blipFill>
               </p:spPr>
@@ -13318,8 +14509,8 @@
               </p:nvSpPr>
               <p:spPr>
                 <a:xfrm>
-                  <a:off x="1910967" y="4551750"/>
-                  <a:ext cx="1449237" cy="400110"/>
+                  <a:off x="1864563" y="4737602"/>
+                  <a:ext cx="1449237" cy="461665"/>
                 </a:xfrm>
                 <a:prstGeom prst="rect">
                   <a:avLst/>
@@ -13340,13 +14531,13 @@
                       </m:oMathParaPr>
                       <m:oMath xmlns:m="http://schemas.openxmlformats.org/officeDocument/2006/math">
                         <m:r>
-                          <a:rPr lang="de-DE" sz="2000" i="1">
+                          <a:rPr lang="de-DE" sz="2400" i="1">
                             <a:latin typeface="Cambria Math" panose="02040503050406030204" pitchFamily="18" charset="0"/>
                           </a:rPr>
                           <m:t>𝑥</m:t>
                         </m:r>
                         <m:r>
-                          <a:rPr lang="de-DE" sz="2000" i="1">
+                          <a:rPr lang="de-DE" sz="2400" i="1">
                             <a:latin typeface="Cambria Math" panose="02040503050406030204" pitchFamily="18" charset="0"/>
                           </a:rPr>
                           <m:t>=</m:t>
@@ -13355,14 +14546,14 @@
                           <m:accPr>
                             <m:chr m:val="̅"/>
                             <m:ctrlPr>
-                              <a:rPr lang="de-DE" sz="2000" i="1">
+                              <a:rPr lang="de-DE" sz="2400" i="1">
                                 <a:latin typeface="Cambria Math" panose="02040503050406030204" pitchFamily="18" charset="0"/>
                               </a:rPr>
                             </m:ctrlPr>
                           </m:accPr>
                           <m:e>
                             <m:r>
-                              <a:rPr lang="de-DE" sz="2000" i="1">
+                              <a:rPr lang="de-DE" sz="2400" i="1">
                                 <a:latin typeface="Cambria Math" panose="02040503050406030204" pitchFamily="18" charset="0"/>
                               </a:rPr>
                               <m:t>𝑥</m:t>
@@ -13372,7 +14563,7 @@
                       </m:oMath>
                     </m:oMathPara>
                   </a14:m>
-                  <a:endParaRPr lang="de-DE" sz="2000" dirty="0"/>
+                  <a:endParaRPr lang="de-DE" sz="2400" dirty="0"/>
                 </a:p>
               </p:txBody>
             </p:sp>
@@ -13394,8 +14585,8 @@
               </p:nvSpPr>
               <p:spPr>
                 <a:xfrm>
-                  <a:off x="1910967" y="4551750"/>
-                  <a:ext cx="1449237" cy="400110"/>
+                  <a:off x="1864563" y="4737602"/>
+                  <a:ext cx="1449237" cy="461665"/>
                 </a:xfrm>
                 <a:prstGeom prst="rect">
                   <a:avLst/>
@@ -13403,7 +14594,7 @@
                 <a:blipFill>
                   <a:blip r:embed="rId4"/>
                   <a:stretch>
-                    <a:fillRect r="-2304"/>
+                    <a:fillRect r="-1132"/>
                   </a:stretch>
                 </a:blipFill>
               </p:spPr>
@@ -13557,10 +14748,10 @@
         </p:nvGrpSpPr>
         <p:grpSpPr>
           <a:xfrm>
-            <a:off x="1543614" y="1895800"/>
-            <a:ext cx="9237502" cy="3427084"/>
-            <a:chOff x="1543614" y="2015889"/>
-            <a:chExt cx="9237502" cy="3427084"/>
+            <a:off x="717550" y="1555370"/>
+            <a:ext cx="10841846" cy="4329206"/>
+            <a:chOff x="1543614" y="1675459"/>
+            <a:chExt cx="9237502" cy="4329206"/>
           </a:xfrm>
         </p:grpSpPr>
         <mc:AlternateContent xmlns:mc="http://schemas.openxmlformats.org/markup-compatibility/2006" xmlns:a14="http://schemas.microsoft.com/office/drawing/2010/main">
@@ -13580,7 +14771,7 @@
               <p:spPr>
                 <a:xfrm>
                   <a:off x="1698890" y="3773285"/>
-                  <a:ext cx="9082226" cy="1669688"/>
+                  <a:ext cx="9082226" cy="2231380"/>
                 </a:xfrm>
                 <a:prstGeom prst="rect">
                   <a:avLst/>
@@ -13603,20 +14794,20 @@
                       <m:sSub>
                         <m:sSubPr>
                           <m:ctrlPr>
-                            <a:rPr lang="de-DE" sz="2000" i="1">
+                            <a:rPr lang="de-DE" sz="2400" i="1">
                               <a:latin typeface="Cambria Math" panose="02040503050406030204" pitchFamily="18" charset="0"/>
                             </a:rPr>
                           </m:ctrlPr>
                         </m:sSubPr>
                         <m:e>
                           <m:r>
-                            <a:rPr lang="de-DE" sz="2000" b="0" i="1" smtClean="0">
+                            <a:rPr lang="de-DE" sz="2400" b="0" i="1" smtClean="0">
                               <a:latin typeface="Cambria Math" panose="02040503050406030204" pitchFamily="18" charset="0"/>
                             </a:rPr>
                             <m:t>0</m:t>
                           </m:r>
                           <m:r>
-                            <a:rPr lang="de-DE" sz="2000" b="0" i="1" smtClean="0">
+                            <a:rPr lang="de-DE" sz="2400" b="0" i="1" smtClean="0">
                               <a:latin typeface="Cambria Math" panose="02040503050406030204" pitchFamily="18" charset="0"/>
                               <a:ea typeface="Cambria Math" panose="02040503050406030204" pitchFamily="18" charset="0"/>
                             </a:rPr>
@@ -13626,14 +14817,14 @@
                             <m:accPr>
                               <m:chr m:val="̅"/>
                               <m:ctrlPr>
-                                <a:rPr lang="de-DE" sz="2000" i="1">
+                                <a:rPr lang="de-DE" sz="2400" i="1">
                                   <a:latin typeface="Cambria Math" panose="02040503050406030204" pitchFamily="18" charset="0"/>
                                 </a:rPr>
                               </m:ctrlPr>
                             </m:accPr>
                             <m:e>
                               <m:r>
-                                <a:rPr lang="de-DE" sz="2000" i="1">
+                                <a:rPr lang="de-DE" sz="2400" i="1">
                                   <a:latin typeface="Cambria Math" panose="02040503050406030204" pitchFamily="18" charset="0"/>
                                 </a:rPr>
                                 <m:t>𝐼</m:t>
@@ -13643,7 +14834,7 @@
                         </m:e>
                         <m:sub>
                           <m:r>
-                            <a:rPr lang="de-DE" sz="2000" i="1">
+                            <a:rPr lang="de-DE" sz="2400" i="1">
                               <a:latin typeface="Cambria Math" panose="02040503050406030204" pitchFamily="18" charset="0"/>
                             </a:rPr>
                             <m:t>0</m:t>
@@ -13651,13 +14842,13 @@
                         </m:sub>
                       </m:sSub>
                       <m:r>
-                        <a:rPr lang="de-DE" sz="2000" b="0" i="1" smtClean="0">
+                        <a:rPr lang="de-DE" sz="2400" b="0" i="1" smtClean="0">
                           <a:latin typeface="Cambria Math" panose="02040503050406030204" pitchFamily="18" charset="0"/>
                         </a:rPr>
                         <m:t> </m:t>
                       </m:r>
                       <m:r>
-                        <a:rPr lang="de-DE" sz="2000" i="1" smtClean="0">
+                        <a:rPr lang="de-DE" sz="2400" i="1" smtClean="0">
                           <a:latin typeface="Cambria Math" panose="02040503050406030204" pitchFamily="18" charset="0"/>
                           <a:ea typeface="Cambria Math" panose="02040503050406030204" pitchFamily="18" charset="0"/>
                         </a:rPr>
@@ -13666,7 +14857,7 @@
                       <m:sSub>
                         <m:sSubPr>
                           <m:ctrlPr>
-                            <a:rPr lang="de-DE" sz="2000" i="1">
+                            <a:rPr lang="de-DE" sz="2400" i="1">
                               <a:latin typeface="Cambria Math" panose="02040503050406030204" pitchFamily="18" charset="0"/>
                             </a:rPr>
                           </m:ctrlPr>
@@ -13676,14 +14867,14 @@
                             <m:accPr>
                               <m:chr m:val="̅"/>
                               <m:ctrlPr>
-                                <a:rPr lang="de-DE" sz="2000" i="1" smtClean="0">
+                                <a:rPr lang="de-DE" sz="2400" i="1" smtClean="0">
                                   <a:latin typeface="Cambria Math" panose="02040503050406030204" pitchFamily="18" charset="0"/>
                                 </a:rPr>
                               </m:ctrlPr>
                             </m:accPr>
                             <m:e>
                               <m:r>
-                                <a:rPr lang="de-DE" sz="2000" i="1">
+                                <a:rPr lang="de-DE" sz="2400" i="1">
                                   <a:latin typeface="Cambria Math" panose="02040503050406030204" pitchFamily="18" charset="0"/>
                                 </a:rPr>
                                 <m:t>𝐼</m:t>
@@ -13693,19 +14884,19 @@
                         </m:e>
                         <m:sub>
                           <m:r>
-                            <a:rPr lang="de-DE" sz="2000" i="1">
+                            <a:rPr lang="de-DE" sz="2400" i="1">
                               <a:latin typeface="Cambria Math" panose="02040503050406030204" pitchFamily="18" charset="0"/>
                             </a:rPr>
                             <m:t>0</m:t>
                           </m:r>
                           <m:r>
-                            <a:rPr lang="de-DE" sz="2000" b="0" i="1" smtClean="0">
+                            <a:rPr lang="de-DE" sz="2400" b="0" i="1" smtClean="0">
                               <a:latin typeface="Cambria Math" panose="02040503050406030204" pitchFamily="18" charset="0"/>
                             </a:rPr>
                             <m:t>,</m:t>
                           </m:r>
                           <m:r>
-                            <a:rPr lang="de-DE" sz="2000" b="0" i="1" smtClean="0">
+                            <a:rPr lang="de-DE" sz="2400" b="0" i="1" smtClean="0">
                               <a:latin typeface="Cambria Math" panose="02040503050406030204" pitchFamily="18" charset="0"/>
                             </a:rPr>
                             <m:t>𝑘𝑟𝑖𝑡</m:t>
@@ -13713,7 +14904,7 @@
                         </m:sub>
                       </m:sSub>
                       <m:r>
-                        <a:rPr lang="de-DE" sz="2000" b="0" i="1" smtClean="0">
+                        <a:rPr lang="de-DE" sz="2400" b="0" i="1" smtClean="0">
                           <a:latin typeface="Cambria Math" panose="02040503050406030204" pitchFamily="18" charset="0"/>
                         </a:rPr>
                         <m:t>: </m:t>
@@ -13721,26 +14912,26 @@
                       <m:sSub>
                         <m:sSubPr>
                           <m:ctrlPr>
-                            <a:rPr lang="de-DE" sz="2000" b="0" i="1" smtClean="0">
+                            <a:rPr lang="de-DE" sz="2400" b="0" i="1" smtClean="0">
                               <a:latin typeface="Cambria Math" panose="02040503050406030204" pitchFamily="18" charset="0"/>
                             </a:rPr>
                           </m:ctrlPr>
                         </m:sSubPr>
                         <m:e>
                           <m:r>
-                            <a:rPr lang="de-DE" sz="2000" b="0" i="1" smtClean="0">
+                            <a:rPr lang="de-DE" sz="2400" b="0" i="1" smtClean="0">
                               <a:latin typeface="Cambria Math" panose="02040503050406030204" pitchFamily="18" charset="0"/>
                             </a:rPr>
                             <m:t>𝑅𝑒</m:t>
                           </m:r>
                           <m:r>
-                            <a:rPr lang="de-DE" sz="2000" b="0" i="1" smtClean="0">
+                            <a:rPr lang="de-DE" sz="2400" b="0" i="1" smtClean="0">
                               <a:latin typeface="Cambria Math" panose="02040503050406030204" pitchFamily="18" charset="0"/>
                             </a:rPr>
                             <m:t>(</m:t>
                           </m:r>
                           <m:r>
-                            <a:rPr lang="de-DE" sz="2000" b="0" i="1" smtClean="0">
+                            <a:rPr lang="de-DE" sz="2400" b="0" i="1" smtClean="0">
                               <a:latin typeface="Cambria Math" panose="02040503050406030204" pitchFamily="18" charset="0"/>
                             </a:rPr>
                             <m:t>𝑒𝑖𝑔</m:t>
@@ -13748,7 +14939,7 @@
                         </m:e>
                         <m:sub>
                           <m:r>
-                            <a:rPr lang="de-DE" sz="2000" b="0" i="1" smtClean="0">
+                            <a:rPr lang="de-DE" sz="2400" b="0" i="1" smtClean="0">
                               <a:latin typeface="Cambria Math" panose="02040503050406030204" pitchFamily="18" charset="0"/>
                             </a:rPr>
                             <m:t>1,2,3</m:t>
@@ -13756,19 +14947,19 @@
                         </m:sub>
                       </m:sSub>
                       <m:r>
-                        <a:rPr lang="de-DE" sz="2000" b="0" i="1" smtClean="0">
+                        <a:rPr lang="de-DE" sz="2400" b="0" i="1" smtClean="0">
                           <a:latin typeface="Cambria Math" panose="02040503050406030204" pitchFamily="18" charset="0"/>
                         </a:rPr>
                         <m:t>( </m:t>
                       </m:r>
                       <m:r>
-                        <a:rPr lang="de-DE" sz="2000" b="0" i="1" smtClean="0">
+                        <a:rPr lang="de-DE" sz="2400" b="0" i="1" smtClean="0">
                           <a:latin typeface="Cambria Math" panose="02040503050406030204" pitchFamily="18" charset="0"/>
                         </a:rPr>
                         <m:t>𝐽</m:t>
                       </m:r>
                       <m:r>
-                        <a:rPr lang="de-DE" sz="2000" b="0" i="1" smtClean="0">
+                        <a:rPr lang="de-DE" sz="2400" b="0" i="1" smtClean="0">
                           <a:latin typeface="Cambria Math" panose="02040503050406030204" pitchFamily="18" charset="0"/>
                         </a:rPr>
                         <m:t>))&lt;0</m:t>
@@ -13776,11 +14967,11 @@
                     </m:oMath>
                   </a14:m>
                   <a:r>
-                    <a:rPr lang="de-DE" sz="2000" i="1" dirty="0"/>
+                    <a:rPr lang="de-DE" sz="2400" i="1" dirty="0"/>
                     <a:t> → </a:t>
                   </a:r>
                   <a:r>
-                    <a:rPr lang="de-DE" sz="2000" b="1" dirty="0"/>
+                    <a:rPr lang="de-DE" sz="2400" b="1" dirty="0"/>
                     <a:t>lokale Stabilität</a:t>
                   </a:r>
                 </a:p>
@@ -13795,7 +14986,7 @@
                       <m:sSub>
                         <m:sSubPr>
                           <m:ctrlPr>
-                            <a:rPr lang="de-DE" sz="2000" i="1" smtClean="0">
+                            <a:rPr lang="de-DE" sz="2400" i="1" smtClean="0">
                               <a:latin typeface="Cambria Math" panose="02040503050406030204" pitchFamily="18" charset="0"/>
                             </a:rPr>
                           </m:ctrlPr>
@@ -13805,14 +14996,14 @@
                             <m:accPr>
                               <m:chr m:val="̅"/>
                               <m:ctrlPr>
-                                <a:rPr lang="de-DE" sz="2000" i="1" smtClean="0">
+                                <a:rPr lang="de-DE" sz="2400" i="1" smtClean="0">
                                   <a:latin typeface="Cambria Math" panose="02040503050406030204" pitchFamily="18" charset="0"/>
                                 </a:rPr>
                               </m:ctrlPr>
                             </m:accPr>
                             <m:e>
                               <m:r>
-                                <a:rPr lang="de-DE" sz="2000" i="1">
+                                <a:rPr lang="de-DE" sz="2400" i="1">
                                   <a:latin typeface="Cambria Math" panose="02040503050406030204" pitchFamily="18" charset="0"/>
                                 </a:rPr>
                                 <m:t>𝐼</m:t>
@@ -13822,7 +15013,7 @@
                         </m:e>
                         <m:sub>
                           <m:r>
-                            <a:rPr lang="de-DE" sz="2000" i="1">
+                            <a:rPr lang="de-DE" sz="2400" i="1">
                               <a:latin typeface="Cambria Math" panose="02040503050406030204" pitchFamily="18" charset="0"/>
                             </a:rPr>
                             <m:t>0</m:t>
@@ -13830,13 +15021,13 @@
                         </m:sub>
                       </m:sSub>
                       <m:r>
-                        <a:rPr lang="de-DE" sz="2000" i="1">
+                        <a:rPr lang="de-DE" sz="2400" i="1">
                           <a:latin typeface="Cambria Math" panose="02040503050406030204" pitchFamily="18" charset="0"/>
                         </a:rPr>
                         <m:t> </m:t>
                       </m:r>
                       <m:r>
-                        <a:rPr lang="de-DE" sz="2000" i="1" smtClean="0">
+                        <a:rPr lang="de-DE" sz="2400" i="1" smtClean="0">
                           <a:latin typeface="Cambria Math" panose="02040503050406030204" pitchFamily="18" charset="0"/>
                           <a:ea typeface="Cambria Math" panose="02040503050406030204" pitchFamily="18" charset="0"/>
                         </a:rPr>
@@ -13845,7 +15036,7 @@
                       <m:sSub>
                         <m:sSubPr>
                           <m:ctrlPr>
-                            <a:rPr lang="de-DE" sz="2000" i="1">
+                            <a:rPr lang="de-DE" sz="2400" i="1">
                               <a:latin typeface="Cambria Math" panose="02040503050406030204" pitchFamily="18" charset="0"/>
                             </a:rPr>
                           </m:ctrlPr>
@@ -13855,14 +15046,14 @@
                             <m:accPr>
                               <m:chr m:val="̅"/>
                               <m:ctrlPr>
-                                <a:rPr lang="de-DE" sz="2000" i="1">
+                                <a:rPr lang="de-DE" sz="2400" i="1">
                                   <a:latin typeface="Cambria Math" panose="02040503050406030204" pitchFamily="18" charset="0"/>
                                 </a:rPr>
                               </m:ctrlPr>
                             </m:accPr>
                             <m:e>
                               <m:r>
-                                <a:rPr lang="de-DE" sz="2000" i="1">
+                                <a:rPr lang="de-DE" sz="2400" i="1">
                                   <a:latin typeface="Cambria Math" panose="02040503050406030204" pitchFamily="18" charset="0"/>
                                 </a:rPr>
                                 <m:t>𝐼</m:t>
@@ -13872,13 +15063,13 @@
                         </m:e>
                         <m:sub>
                           <m:r>
-                            <a:rPr lang="de-DE" sz="2000" i="1">
+                            <a:rPr lang="de-DE" sz="2400" i="1">
                               <a:latin typeface="Cambria Math" panose="02040503050406030204" pitchFamily="18" charset="0"/>
                             </a:rPr>
                             <m:t>0,</m:t>
                           </m:r>
                           <m:r>
-                            <a:rPr lang="de-DE" sz="2000" i="1">
+                            <a:rPr lang="de-DE" sz="2400" i="1">
                               <a:latin typeface="Cambria Math" panose="02040503050406030204" pitchFamily="18" charset="0"/>
                             </a:rPr>
                             <m:t>𝑘𝑟𝑖𝑡</m:t>
@@ -13886,7 +15077,7 @@
                         </m:sub>
                       </m:sSub>
                       <m:r>
-                        <a:rPr lang="de-DE" sz="2000" i="1">
+                        <a:rPr lang="de-DE" sz="2400" i="1">
                           <a:latin typeface="Cambria Math" panose="02040503050406030204" pitchFamily="18" charset="0"/>
                         </a:rPr>
                         <m:t>: </m:t>
@@ -13894,26 +15085,26 @@
                       <m:sSub>
                         <m:sSubPr>
                           <m:ctrlPr>
-                            <a:rPr lang="de-DE" sz="2000" i="1">
+                            <a:rPr lang="de-DE" sz="2400" i="1">
                               <a:latin typeface="Cambria Math" panose="02040503050406030204" pitchFamily="18" charset="0"/>
                             </a:rPr>
                           </m:ctrlPr>
                         </m:sSubPr>
                         <m:e>
                           <m:r>
-                            <a:rPr lang="de-DE" sz="2000" i="1">
+                            <a:rPr lang="de-DE" sz="2400" i="1">
                               <a:latin typeface="Cambria Math" panose="02040503050406030204" pitchFamily="18" charset="0"/>
                             </a:rPr>
                             <m:t>𝑅𝑒</m:t>
                           </m:r>
                           <m:r>
-                            <a:rPr lang="de-DE" sz="2000" i="1">
+                            <a:rPr lang="de-DE" sz="2400" i="1">
                               <a:latin typeface="Cambria Math" panose="02040503050406030204" pitchFamily="18" charset="0"/>
                             </a:rPr>
                             <m:t>(</m:t>
                           </m:r>
                           <m:r>
-                            <a:rPr lang="de-DE" sz="2000" i="1">
+                            <a:rPr lang="de-DE" sz="2400" i="1">
                               <a:latin typeface="Cambria Math" panose="02040503050406030204" pitchFamily="18" charset="0"/>
                             </a:rPr>
                             <m:t>𝑒𝑖𝑔</m:t>
@@ -13921,7 +15112,7 @@
                         </m:e>
                         <m:sub>
                           <m:r>
-                            <a:rPr lang="de-DE" sz="2000" b="0" i="1" smtClean="0">
+                            <a:rPr lang="de-DE" sz="2400" b="0" i="1" smtClean="0">
                               <a:latin typeface="Cambria Math" panose="02040503050406030204" pitchFamily="18" charset="0"/>
                             </a:rPr>
                             <m:t>1</m:t>
@@ -13929,25 +15120,25 @@
                         </m:sub>
                       </m:sSub>
                       <m:r>
-                        <a:rPr lang="de-DE" sz="2000" i="1">
+                        <a:rPr lang="de-DE" sz="2400" i="1">
                           <a:latin typeface="Cambria Math" panose="02040503050406030204" pitchFamily="18" charset="0"/>
                         </a:rPr>
                         <m:t>(</m:t>
                       </m:r>
                       <m:r>
-                        <a:rPr lang="de-DE" sz="2000" b="0" i="1" smtClean="0">
+                        <a:rPr lang="de-DE" sz="2400" b="0" i="1" smtClean="0">
                           <a:latin typeface="Cambria Math" panose="02040503050406030204" pitchFamily="18" charset="0"/>
                         </a:rPr>
                         <m:t> </m:t>
                       </m:r>
                       <m:r>
-                        <a:rPr lang="de-DE" sz="2000" i="1">
+                        <a:rPr lang="de-DE" sz="2400" i="1">
                           <a:latin typeface="Cambria Math" panose="02040503050406030204" pitchFamily="18" charset="0"/>
                         </a:rPr>
                         <m:t>𝐽</m:t>
                       </m:r>
                       <m:r>
-                        <a:rPr lang="de-DE" sz="2000" i="1">
+                        <a:rPr lang="de-DE" sz="2400" i="1">
                           <a:latin typeface="Cambria Math" panose="02040503050406030204" pitchFamily="18" charset="0"/>
                         </a:rPr>
                         <m:t>))&lt; 0 </m:t>
@@ -13956,13 +15147,13 @@
                         <m:rPr>
                           <m:sty m:val="p"/>
                         </m:rPr>
-                        <a:rPr lang="de-DE" sz="2000" b="0" i="1" smtClean="0">
+                        <a:rPr lang="de-DE" sz="2400" b="0" i="1" smtClean="0">
                           <a:latin typeface="Cambria Math" panose="02040503050406030204" pitchFamily="18" charset="0"/>
                         </a:rPr>
                         <m:t>und</m:t>
                       </m:r>
                       <m:r>
-                        <a:rPr lang="de-DE" sz="2000" b="0" i="1" smtClean="0">
+                        <a:rPr lang="de-DE" sz="2400" b="0" i="1" smtClean="0">
                           <a:latin typeface="Cambria Math" panose="02040503050406030204" pitchFamily="18" charset="0"/>
                         </a:rPr>
                         <m:t> </m:t>
@@ -13970,26 +15161,26 @@
                       <m:sSub>
                         <m:sSubPr>
                           <m:ctrlPr>
-                            <a:rPr lang="de-DE" sz="2000" i="1">
+                            <a:rPr lang="de-DE" sz="2400" i="1">
                               <a:latin typeface="Cambria Math" panose="02040503050406030204" pitchFamily="18" charset="0"/>
                             </a:rPr>
                           </m:ctrlPr>
                         </m:sSubPr>
                         <m:e>
                           <m:r>
-                            <a:rPr lang="de-DE" sz="2000" i="1">
+                            <a:rPr lang="de-DE" sz="2400" i="1">
                               <a:latin typeface="Cambria Math" panose="02040503050406030204" pitchFamily="18" charset="0"/>
                             </a:rPr>
                             <m:t>𝑅𝑒</m:t>
                           </m:r>
                           <m:r>
-                            <a:rPr lang="de-DE" sz="2000" i="1">
+                            <a:rPr lang="de-DE" sz="2400" i="1">
                               <a:latin typeface="Cambria Math" panose="02040503050406030204" pitchFamily="18" charset="0"/>
                             </a:rPr>
                             <m:t>(</m:t>
                           </m:r>
                           <m:r>
-                            <a:rPr lang="de-DE" sz="2000" i="1">
+                            <a:rPr lang="de-DE" sz="2400" i="1">
                               <a:latin typeface="Cambria Math" panose="02040503050406030204" pitchFamily="18" charset="0"/>
                             </a:rPr>
                             <m:t>𝑒𝑖𝑔</m:t>
@@ -13997,7 +15188,7 @@
                         </m:e>
                         <m:sub>
                           <m:r>
-                            <a:rPr lang="de-DE" sz="2000" b="0" i="1" smtClean="0">
+                            <a:rPr lang="de-DE" sz="2400" b="0" i="1" smtClean="0">
                               <a:latin typeface="Cambria Math" panose="02040503050406030204" pitchFamily="18" charset="0"/>
                             </a:rPr>
                             <m:t>2,3</m:t>
@@ -14005,25 +15196,25 @@
                         </m:sub>
                       </m:sSub>
                       <m:r>
-                        <a:rPr lang="de-DE" sz="2000" i="1">
+                        <a:rPr lang="de-DE" sz="2400" i="1">
                           <a:latin typeface="Cambria Math" panose="02040503050406030204" pitchFamily="18" charset="0"/>
                         </a:rPr>
                         <m:t>(</m:t>
                       </m:r>
                       <m:r>
-                        <a:rPr lang="de-DE" sz="2000" b="0" i="1" smtClean="0">
+                        <a:rPr lang="de-DE" sz="2400" b="0" i="1" smtClean="0">
                           <a:latin typeface="Cambria Math" panose="02040503050406030204" pitchFamily="18" charset="0"/>
                         </a:rPr>
                         <m:t> </m:t>
                       </m:r>
                       <m:r>
-                        <a:rPr lang="de-DE" sz="2000" i="1">
+                        <a:rPr lang="de-DE" sz="2400" i="1">
                           <a:latin typeface="Cambria Math" panose="02040503050406030204" pitchFamily="18" charset="0"/>
                         </a:rPr>
                         <m:t>𝐽</m:t>
                       </m:r>
                       <m:r>
-                        <a:rPr lang="de-DE" sz="2000" i="1">
+                        <a:rPr lang="de-DE" sz="2400" i="1">
                           <a:latin typeface="Cambria Math" panose="02040503050406030204" pitchFamily="18" charset="0"/>
                         </a:rPr>
                         <m:t>))&gt;0</m:t>
@@ -14031,11 +15222,11 @@
                     </m:oMath>
                   </a14:m>
                   <a:r>
-                    <a:rPr lang="de-DE" sz="2000" i="1" dirty="0"/>
+                    <a:rPr lang="de-DE" sz="2400" i="1" dirty="0"/>
                     <a:t> → </a:t>
                   </a:r>
                   <a:r>
-                    <a:rPr lang="de-DE" sz="2000" b="1" dirty="0"/>
+                    <a:rPr lang="de-DE" sz="2400" b="1" dirty="0"/>
                     <a:t>keine lokale Stabilität</a:t>
                   </a:r>
                 </a:p>
@@ -14046,7 +15237,7 @@
                     </a:spcAft>
                   </a:pPr>
                   <a:r>
-                    <a:rPr lang="de-DE" sz="2000" b="1" dirty="0"/>
+                    <a:rPr lang="de-DE" sz="2400" b="1" dirty="0"/>
                     <a:t>Bifurkation (Phänomen nichtlinearer Systeme)</a:t>
                   </a:r>
                 </a:p>
@@ -14071,7 +15262,7 @@
               <p:spPr>
                 <a:xfrm>
                   <a:off x="1698890" y="3773285"/>
-                  <a:ext cx="9082226" cy="1669688"/>
+                  <a:ext cx="9082226" cy="2231380"/>
                 </a:xfrm>
                 <a:prstGeom prst="rect">
                   <a:avLst/>
@@ -14079,7 +15270,7 @@
                 <a:blipFill>
                   <a:blip r:embed="rId2"/>
                   <a:stretch>
-                    <a:fillRect t="-1460" b="-5839"/>
+                    <a:fillRect l="-172" t="-1913" r="-515"/>
                   </a:stretch>
                 </a:blipFill>
               </p:spPr>
@@ -14114,8 +15305,8 @@
               </p:nvSpPr>
               <p:spPr>
                 <a:xfrm>
-                  <a:off x="3287958" y="3123137"/>
-                  <a:ext cx="2056707" cy="419346"/>
+                  <a:off x="3486405" y="2966355"/>
+                  <a:ext cx="2260895" cy="484748"/>
                 </a:xfrm>
                 <a:prstGeom prst="rect">
                   <a:avLst/>
@@ -14143,7 +15334,7 @@
                         <m:sSub>
                           <m:sSubPr>
                             <m:ctrlPr>
-                              <a:rPr lang="de-DE" sz="2000" i="1">
+                              <a:rPr lang="de-DE" sz="2400" i="1">
                                 <a:latin typeface="Cambria Math" panose="02040503050406030204" pitchFamily="18" charset="0"/>
                               </a:rPr>
                             </m:ctrlPr>
@@ -14153,14 +15344,14 @@
                               <m:accPr>
                                 <m:chr m:val="̅"/>
                                 <m:ctrlPr>
-                                  <a:rPr lang="de-DE" sz="2000" i="1">
+                                  <a:rPr lang="de-DE" sz="2400" i="1">
                                     <a:latin typeface="Cambria Math" panose="02040503050406030204" pitchFamily="18" charset="0"/>
                                   </a:rPr>
                                 </m:ctrlPr>
                               </m:accPr>
                               <m:e>
                                 <m:r>
-                                  <a:rPr lang="de-DE" sz="2000" i="1">
+                                  <a:rPr lang="de-DE" sz="2400" i="1">
                                     <a:latin typeface="Cambria Math" panose="02040503050406030204" pitchFamily="18" charset="0"/>
                                   </a:rPr>
                                   <m:t>𝐼</m:t>
@@ -14170,13 +15361,13 @@
                           </m:e>
                           <m:sub>
                             <m:r>
-                              <a:rPr lang="de-DE" sz="2000" i="1">
+                              <a:rPr lang="de-DE" sz="2400" i="1">
                                 <a:latin typeface="Cambria Math" panose="02040503050406030204" pitchFamily="18" charset="0"/>
                               </a:rPr>
                               <m:t>0,</m:t>
                             </m:r>
                             <m:r>
-                              <a:rPr lang="de-DE" sz="2000" i="1">
+                              <a:rPr lang="de-DE" sz="2400" i="1">
                                 <a:latin typeface="Cambria Math" panose="02040503050406030204" pitchFamily="18" charset="0"/>
                               </a:rPr>
                               <m:t>𝑘𝑟𝑖𝑡</m:t>
@@ -14184,13 +15375,13 @@
                           </m:sub>
                         </m:sSub>
                         <m:r>
-                          <a:rPr lang="de-DE" sz="2000" b="0" i="1" smtClean="0">
+                          <a:rPr lang="de-DE" sz="2400" b="0" i="1" smtClean="0">
                             <a:latin typeface="Cambria Math" panose="02040503050406030204" pitchFamily="18" charset="0"/>
                           </a:rPr>
                           <m:t>=2.83 </m:t>
                         </m:r>
                         <m:r>
-                          <a:rPr lang="de-DE" sz="2000" b="0" i="1" smtClean="0">
+                          <a:rPr lang="de-DE" sz="2400" b="0" i="1" smtClean="0">
                             <a:latin typeface="Cambria Math" panose="02040503050406030204" pitchFamily="18" charset="0"/>
                           </a:rPr>
                           <m:t>𝑚𝐴</m:t>
@@ -14198,7 +15389,7 @@
                       </m:oMath>
                     </m:oMathPara>
                   </a14:m>
-                  <a:endParaRPr lang="de-DE" sz="2000" i="1" dirty="0"/>
+                  <a:endParaRPr lang="de-DE" sz="2400" i="1" dirty="0"/>
                 </a:p>
               </p:txBody>
             </p:sp>
@@ -14220,8 +15411,8 @@
               </p:nvSpPr>
               <p:spPr>
                 <a:xfrm>
-                  <a:off x="3287958" y="3123137"/>
-                  <a:ext cx="2056707" cy="419346"/>
+                  <a:off x="3486405" y="2966355"/>
+                  <a:ext cx="2260895" cy="484748"/>
                 </a:xfrm>
                 <a:prstGeom prst="rect">
                   <a:avLst/>
@@ -14269,8 +15460,8 @@
               </p:nvSpPr>
               <p:spPr>
                 <a:xfrm>
-                  <a:off x="1543614" y="2015889"/>
-                  <a:ext cx="5545397" cy="875176"/>
+                  <a:off x="1543614" y="1675459"/>
+                  <a:ext cx="6306424" cy="1001108"/>
                 </a:xfrm>
                 <a:prstGeom prst="rect">
                   <a:avLst/>
@@ -14289,15 +15480,15 @@
                     </a:spcAft>
                   </a:pPr>
                   <a:r>
-                    <a:rPr lang="de-DE" sz="2000" b="1" dirty="0"/>
+                    <a:rPr lang="de-DE" sz="2400" b="1" dirty="0"/>
                     <a:t>Aussagen zur lokalen Stabilität</a:t>
                   </a:r>
-                  <a:endParaRPr lang="de-DE" sz="2000" dirty="0"/>
+                  <a:endParaRPr lang="de-DE" sz="2400" dirty="0"/>
                 </a:p>
                 <a:p>
                   <a:pPr algn="ctr"/>
                   <a:r>
-                    <a:rPr lang="de-DE" sz="2000" dirty="0"/>
+                    <a:rPr lang="de-DE" sz="2400" dirty="0"/>
                     <a:t>lokale Stabilität, falls gilt:  </a:t>
                   </a:r>
                   <a14:m>
@@ -14305,26 +15496,26 @@
                       <m:sSub>
                         <m:sSubPr>
                           <m:ctrlPr>
-                            <a:rPr lang="de-DE" sz="2000" i="1">
+                            <a:rPr lang="de-DE" sz="2400" i="1">
                               <a:latin typeface="Cambria Math" panose="02040503050406030204" pitchFamily="18" charset="0"/>
                             </a:rPr>
                           </m:ctrlPr>
                         </m:sSubPr>
                         <m:e>
                           <m:r>
-                            <a:rPr lang="de-DE" sz="2000" i="1">
+                            <a:rPr lang="de-DE" sz="2400" i="1">
                               <a:latin typeface="Cambria Math" panose="02040503050406030204" pitchFamily="18" charset="0"/>
                             </a:rPr>
                             <m:t>𝑅𝑒</m:t>
                           </m:r>
                           <m:r>
-                            <a:rPr lang="de-DE" sz="2000" i="1">
+                            <a:rPr lang="de-DE" sz="2400" i="1">
                               <a:latin typeface="Cambria Math" panose="02040503050406030204" pitchFamily="18" charset="0"/>
                             </a:rPr>
                             <m:t>(</m:t>
                           </m:r>
                           <m:r>
-                            <a:rPr lang="de-DE" sz="2000" i="1">
+                            <a:rPr lang="de-DE" sz="2400" i="1">
                               <a:latin typeface="Cambria Math" panose="02040503050406030204" pitchFamily="18" charset="0"/>
                             </a:rPr>
                             <m:t>𝑒𝑖𝑔</m:t>
@@ -14332,7 +15523,7 @@
                         </m:e>
                         <m:sub>
                           <m:r>
-                            <a:rPr lang="de-DE" sz="2000" i="1">
+                            <a:rPr lang="de-DE" sz="2400" i="1">
                               <a:latin typeface="Cambria Math" panose="02040503050406030204" pitchFamily="18" charset="0"/>
                             </a:rPr>
                             <m:t>1,2,3</m:t>
@@ -14340,32 +15531,32 @@
                         </m:sub>
                       </m:sSub>
                       <m:r>
-                        <a:rPr lang="de-DE" sz="2000" i="1">
+                        <a:rPr lang="de-DE" sz="2400" i="1">
                           <a:latin typeface="Cambria Math" panose="02040503050406030204" pitchFamily="18" charset="0"/>
                         </a:rPr>
                         <m:t>(</m:t>
                       </m:r>
                       <m:r>
-                        <a:rPr lang="de-DE" sz="2000" b="0" i="1" smtClean="0">
+                        <a:rPr lang="de-DE" sz="2400" b="0" i="1" smtClean="0">
                           <a:latin typeface="Cambria Math" panose="02040503050406030204" pitchFamily="18" charset="0"/>
                         </a:rPr>
                         <m:t> </m:t>
                       </m:r>
                       <m:r>
-                        <a:rPr lang="de-DE" sz="2000" i="1">
+                        <a:rPr lang="de-DE" sz="2400" i="1">
                           <a:latin typeface="Cambria Math" panose="02040503050406030204" pitchFamily="18" charset="0"/>
                         </a:rPr>
                         <m:t>𝐽</m:t>
                       </m:r>
                       <m:r>
-                        <a:rPr lang="de-DE" sz="2000" i="1">
+                        <a:rPr lang="de-DE" sz="2400" i="1">
                           <a:latin typeface="Cambria Math" panose="02040503050406030204" pitchFamily="18" charset="0"/>
                         </a:rPr>
                         <m:t>))&lt; 0</m:t>
                       </m:r>
                     </m:oMath>
                   </a14:m>
-                  <a:endParaRPr lang="de-DE" sz="2000" i="1" dirty="0"/>
+                  <a:endParaRPr lang="de-DE" sz="2400" i="1" dirty="0"/>
                 </a:p>
               </p:txBody>
             </p:sp>
@@ -14387,8 +15578,8 @@
               </p:nvSpPr>
               <p:spPr>
                 <a:xfrm>
-                  <a:off x="1543614" y="2015889"/>
-                  <a:ext cx="5545397" cy="875176"/>
+                  <a:off x="1543614" y="1675459"/>
+                  <a:ext cx="6306424" cy="1001108"/>
                 </a:xfrm>
                 <a:prstGeom prst="rect">
                   <a:avLst/>
@@ -14396,7 +15587,7 @@
                 <a:blipFill>
                   <a:blip r:embed="rId4"/>
                   <a:stretch>
-                    <a:fillRect t="-3472" b="-9722"/>
+                    <a:fillRect t="-4268" b="-11585"/>
                   </a:stretch>
                 </a:blipFill>
               </p:spPr>
@@ -14716,7 +15907,12 @@
                 <p:ph idx="1"/>
               </p:nvPr>
             </p:nvSpPr>
-            <p:spPr/>
+            <p:spPr>
+              <a:xfrm>
+                <a:off x="1379524" y="1445220"/>
+                <a:ext cx="10094927" cy="4690468"/>
+              </a:xfrm>
+            </p:spPr>
             <p:txBody>
               <a:bodyPr anchor="t"/>
               <a:lstStyle/>
@@ -14726,7 +15922,40 @@
                 </a:pPr>
                 <a:r>
                   <a:rPr lang="de-DE" b="1" dirty="0"/>
-                  <a:t>Simulation des zeitlichen Verlaufs der Zustandsgrößen für </a:t>
+                  <a:t>Zeitlicher Verlauf von </a:t>
+                </a:r>
+                <a14:m>
+                  <m:oMath xmlns:m="http://schemas.openxmlformats.org/officeDocument/2006/math">
+                    <m:sSub>
+                      <m:sSubPr>
+                        <m:ctrlPr>
+                          <a:rPr lang="de-DE" b="1" i="1" smtClean="0">
+                            <a:latin typeface="Cambria Math" panose="02040503050406030204" pitchFamily="18" charset="0"/>
+                          </a:rPr>
+                        </m:ctrlPr>
+                      </m:sSubPr>
+                      <m:e>
+                        <m:r>
+                          <a:rPr lang="de-DE" b="1" i="1" smtClean="0">
+                            <a:latin typeface="Cambria Math" panose="02040503050406030204" pitchFamily="18" charset="0"/>
+                          </a:rPr>
+                          <m:t>𝑼</m:t>
+                        </m:r>
+                      </m:e>
+                      <m:sub>
+                        <m:r>
+                          <a:rPr lang="de-DE" b="1" i="1" smtClean="0">
+                            <a:latin typeface="Cambria Math" panose="02040503050406030204" pitchFamily="18" charset="0"/>
+                          </a:rPr>
+                          <m:t>𝟏</m:t>
+                        </m:r>
+                      </m:sub>
+                    </m:sSub>
+                  </m:oMath>
+                </a14:m>
+                <a:r>
+                  <a:rPr lang="de-DE" b="1" dirty="0"/>
+                  <a:t> für </a:t>
                 </a:r>
                 <a14:m>
                   <m:oMath xmlns:m="http://schemas.openxmlformats.org/officeDocument/2006/math">
@@ -14871,10 +16100,14 @@
               </p:nvPr>
             </p:nvSpPr>
             <p:spPr>
+              <a:xfrm>
+                <a:off x="1379524" y="1445220"/>
+                <a:ext cx="10094927" cy="4690468"/>
+              </a:xfrm>
               <a:blipFill>
                 <a:blip r:embed="rId2"/>
                 <a:stretch>
-                  <a:fillRect l="-1474" t="-1299"/>
+                  <a:fillRect l="-1510" t="-1299"/>
                 </a:stretch>
               </a:blipFill>
             </p:spPr>
@@ -15004,7 +16237,7 @@
             <p:spPr>
               <a:xfrm>
                 <a:off x="8746649" y="2615121"/>
-                <a:ext cx="1644259" cy="400110"/>
+                <a:ext cx="1915600" cy="461665"/>
               </a:xfrm>
               <a:prstGeom prst="rect">
                 <a:avLst/>
@@ -15032,7 +16265,7 @@
                       <m:sSub>
                         <m:sSubPr>
                           <m:ctrlPr>
-                            <a:rPr lang="de-DE" sz="2000" b="0" i="1" smtClean="0">
+                            <a:rPr lang="de-DE" sz="2400" b="0" i="1" smtClean="0">
                               <a:latin typeface="Cambria Math" panose="02040503050406030204" pitchFamily="18" charset="0"/>
                             </a:rPr>
                           </m:ctrlPr>
@@ -15042,14 +16275,14 @@
                             <m:accPr>
                               <m:chr m:val="̅"/>
                               <m:ctrlPr>
-                                <a:rPr lang="de-DE" sz="2000" b="0" i="1" smtClean="0">
+                                <a:rPr lang="de-DE" sz="2400" b="0" i="1" smtClean="0">
                                   <a:latin typeface="Cambria Math" panose="02040503050406030204" pitchFamily="18" charset="0"/>
                                 </a:rPr>
                               </m:ctrlPr>
                             </m:accPr>
                             <m:e>
                               <m:r>
-                                <a:rPr lang="de-DE" sz="2000" b="0" i="1" smtClean="0">
+                                <a:rPr lang="de-DE" sz="2400" b="0" i="1" smtClean="0">
                                   <a:latin typeface="Cambria Math" panose="02040503050406030204" pitchFamily="18" charset="0"/>
                                 </a:rPr>
                                 <m:t>𝑈</m:t>
@@ -15059,7 +16292,7 @@
                         </m:e>
                         <m:sub>
                           <m:r>
-                            <a:rPr lang="de-DE" sz="2000" b="0" i="1" smtClean="0">
+                            <a:rPr lang="de-DE" sz="2400" b="0" i="1" smtClean="0">
                               <a:latin typeface="Cambria Math" panose="02040503050406030204" pitchFamily="18" charset="0"/>
                             </a:rPr>
                             <m:t>1</m:t>
@@ -15067,31 +16300,25 @@
                         </m:sub>
                       </m:sSub>
                       <m:r>
-                        <a:rPr lang="de-DE" sz="2000" b="0" i="1" smtClean="0">
+                        <a:rPr lang="de-DE" sz="2400" b="0" i="1" smtClean="0">
                           <a:latin typeface="Cambria Math" panose="02040503050406030204" pitchFamily="18" charset="0"/>
                         </a:rPr>
-                        <m:t>=</m:t>
+                        <m:t>=1</m:t>
                       </m:r>
                       <m:r>
-                        <a:rPr lang="de-DE" sz="2000" b="0" i="1" smtClean="0">
-                          <a:latin typeface="Cambria Math" panose="02040503050406030204" pitchFamily="18" charset="0"/>
-                        </a:rPr>
-                        <m:t>1</m:t>
-                      </m:r>
-                      <m:r>
-                        <a:rPr lang="de-DE" sz="2000" i="1" smtClean="0">
+                        <a:rPr lang="de-DE" sz="2400" i="1" smtClean="0">
                           <a:latin typeface="Cambria Math" panose="02040503050406030204" pitchFamily="18" charset="0"/>
                         </a:rPr>
                         <m:t>0</m:t>
                       </m:r>
                       <m:r>
-                        <a:rPr lang="de-DE" sz="2000" b="0" i="1" smtClean="0">
+                        <a:rPr lang="de-DE" sz="2400" b="0" i="1" smtClean="0">
                           <a:latin typeface="Cambria Math" panose="02040503050406030204" pitchFamily="18" charset="0"/>
                         </a:rPr>
                         <m:t>.31 </m:t>
                       </m:r>
                       <m:r>
-                        <a:rPr lang="de-DE" sz="2000" b="0" i="1" smtClean="0">
+                        <a:rPr lang="de-DE" sz="2400" b="0" i="1" smtClean="0">
                           <a:latin typeface="Cambria Math" panose="02040503050406030204" pitchFamily="18" charset="0"/>
                         </a:rPr>
                         <m:t>𝑉</m:t>
@@ -15099,7 +16326,7 @@
                     </m:oMath>
                   </m:oMathPara>
                 </a14:m>
-                <a:endParaRPr lang="de-DE" sz="2000" i="1" dirty="0"/>
+                <a:endParaRPr lang="de-DE" sz="2400" i="1" dirty="0"/>
               </a:p>
             </p:txBody>
           </p:sp>
@@ -15122,7 +16349,7 @@
             <p:spPr>
               <a:xfrm>
                 <a:off x="8746649" y="2615121"/>
-                <a:ext cx="1644259" cy="400110"/>
+                <a:ext cx="1915600" cy="461665"/>
               </a:xfrm>
               <a:prstGeom prst="rect">
                 <a:avLst/>
@@ -15130,7 +16357,7 @@
               <a:blipFill>
                 <a:blip r:embed="rId4"/>
                 <a:stretch>
-                  <a:fillRect/>
+                  <a:fillRect l="-316" b="-1282"/>
                 </a:stretch>
               </a:blipFill>
               <a:ln>
@@ -15222,35 +16449,504 @@
           </a:p>
         </p:txBody>
       </p:sp>
+      <p:sp>
+        <p:nvSpPr>
+          <p:cNvPr id="4" name="Fußzeilenplatzhalter 3">
+            <a:extLst>
+              <a:ext uri="{FF2B5EF4-FFF2-40B4-BE49-F238E27FC236}">
+                <a16:creationId xmlns:a16="http://schemas.microsoft.com/office/drawing/2014/main" id="{89ECF4D0-C173-B14A-5963-FA2EDE30C1C1}"/>
+              </a:ext>
+            </a:extLst>
+          </p:cNvPr>
+          <p:cNvSpPr>
+            <a:spLocks noGrp="1"/>
+          </p:cNvSpPr>
+          <p:nvPr>
+            <p:ph type="ftr" sz="quarter" idx="11"/>
+          </p:nvPr>
+        </p:nvSpPr>
+        <p:spPr/>
+        <p:txBody>
+          <a:bodyPr/>
+          <a:lstStyle/>
+          <a:p>
+            <a:r>
+              <a:rPr lang="de-DE"/>
+              <a:t>Lennart und Richard Mende, 25EIM-AT, E144 Regelungstheorie, Prof. Dr.-Ing. Hendrik Richter</a:t>
+            </a:r>
+            <a:endParaRPr lang="de-DE" dirty="0"/>
+          </a:p>
+        </p:txBody>
+      </p:sp>
+      <p:sp>
+        <p:nvSpPr>
+          <p:cNvPr id="5" name="Foliennummernplatzhalter 4">
+            <a:extLst>
+              <a:ext uri="{FF2B5EF4-FFF2-40B4-BE49-F238E27FC236}">
+                <a16:creationId xmlns:a16="http://schemas.microsoft.com/office/drawing/2014/main" id="{D5AD5DFF-0BE4-D3A9-CEFC-2AA51FA20BC8}"/>
+              </a:ext>
+            </a:extLst>
+          </p:cNvPr>
+          <p:cNvSpPr>
+            <a:spLocks noGrp="1"/>
+          </p:cNvSpPr>
+          <p:nvPr>
+            <p:ph type="sldNum" sz="quarter" idx="12"/>
+          </p:nvPr>
+        </p:nvSpPr>
+        <p:spPr/>
+        <p:txBody>
+          <a:bodyPr/>
+          <a:lstStyle/>
+          <a:p>
+            <a:fld id="{5DDB454C-C8BB-450C-A446-EA3D813FE484}" type="slidenum">
+              <a:rPr lang="de-DE" smtClean="0"/>
+              <a:t>8</a:t>
+            </a:fld>
+            <a:endParaRPr lang="de-DE"/>
+          </a:p>
+        </p:txBody>
+      </p:sp>
+      <p:pic>
+        <p:nvPicPr>
+          <p:cNvPr id="7" name="Grafik 6" descr="Ein Bild, das Screenshot, Display enthält.&#10;&#10;KI-generierte Inhalte können fehlerhaft sein.">
+            <a:extLst>
+              <a:ext uri="{FF2B5EF4-FFF2-40B4-BE49-F238E27FC236}">
+                <a16:creationId xmlns:a16="http://schemas.microsoft.com/office/drawing/2014/main" id="{CCA91063-7B87-7B42-D235-3E655765EBCE}"/>
+              </a:ext>
+            </a:extLst>
+          </p:cNvPr>
+          <p:cNvPicPr>
+            <a:picLocks noChangeAspect="1"/>
+          </p:cNvPicPr>
+          <p:nvPr/>
+        </p:nvPicPr>
+        <p:blipFill>
+          <a:blip r:embed="rId2">
+            <a:extLst>
+              <a:ext uri="{28A0092B-C50C-407E-A947-70E740481C1C}">
+                <a14:useLocalDpi xmlns:a14="http://schemas.microsoft.com/office/drawing/2010/main" val="0"/>
+              </a:ext>
+            </a:extLst>
+          </a:blip>
+          <a:stretch>
+            <a:fillRect/>
+          </a:stretch>
+        </p:blipFill>
+        <p:spPr>
+          <a:xfrm>
+            <a:off x="1378800" y="1954799"/>
+            <a:ext cx="7323359" cy="3960000"/>
+          </a:xfrm>
+          <a:prstGeom prst="rect">
+            <a:avLst/>
+          </a:prstGeom>
+        </p:spPr>
+      </p:pic>
+      <mc:AlternateContent xmlns:mc="http://schemas.openxmlformats.org/markup-compatibility/2006" xmlns:a14="http://schemas.microsoft.com/office/drawing/2010/main">
+        <mc:Choice Requires="a14">
+          <p:sp>
+            <p:nvSpPr>
+              <p:cNvPr id="8" name="Textfeld 7">
+                <a:extLst>
+                  <a:ext uri="{FF2B5EF4-FFF2-40B4-BE49-F238E27FC236}">
+                    <a16:creationId xmlns:a16="http://schemas.microsoft.com/office/drawing/2014/main" id="{BEDD7761-134F-F628-FF91-3702934BE667}"/>
+                  </a:ext>
+                </a:extLst>
+              </p:cNvPr>
+              <p:cNvSpPr txBox="1"/>
+              <p:nvPr/>
+            </p:nvSpPr>
+            <p:spPr>
+              <a:xfrm>
+                <a:off x="8802068" y="5312139"/>
+                <a:ext cx="2011132" cy="461665"/>
+              </a:xfrm>
+              <a:prstGeom prst="rect">
+                <a:avLst/>
+              </a:prstGeom>
+              <a:noFill/>
+              <a:ln>
+                <a:solidFill>
+                  <a:schemeClr val="tx1"/>
+                </a:solidFill>
+              </a:ln>
+            </p:spPr>
+            <p:txBody>
+              <a:bodyPr wrap="square" rtlCol="0">
+                <a:spAutoFit/>
+              </a:bodyPr>
+              <a:lstStyle/>
+              <a:p>
+                <a:pPr/>
+                <a14:m>
+                  <m:oMathPara xmlns:m="http://schemas.openxmlformats.org/officeDocument/2006/math">
+                    <m:oMathParaPr>
+                      <m:jc m:val="centerGroup"/>
+                    </m:oMathParaPr>
+                    <m:oMath xmlns:m="http://schemas.openxmlformats.org/officeDocument/2006/math">
+                      <m:sSub>
+                        <m:sSubPr>
+                          <m:ctrlPr>
+                            <a:rPr lang="de-DE" sz="2400" b="0" i="1" smtClean="0">
+                              <a:latin typeface="Cambria Math" panose="02040503050406030204" pitchFamily="18" charset="0"/>
+                            </a:rPr>
+                          </m:ctrlPr>
+                        </m:sSubPr>
+                        <m:e>
+                          <m:acc>
+                            <m:accPr>
+                              <m:chr m:val="̅"/>
+                              <m:ctrlPr>
+                                <a:rPr lang="de-DE" sz="2400" b="0" i="1" smtClean="0">
+                                  <a:latin typeface="Cambria Math" panose="02040503050406030204" pitchFamily="18" charset="0"/>
+                                </a:rPr>
+                              </m:ctrlPr>
+                            </m:accPr>
+                            <m:e>
+                              <m:r>
+                                <a:rPr lang="de-DE" sz="2400" b="0" i="1" smtClean="0">
+                                  <a:latin typeface="Cambria Math" panose="02040503050406030204" pitchFamily="18" charset="0"/>
+                                </a:rPr>
+                                <m:t>𝑈</m:t>
+                              </m:r>
+                            </m:e>
+                          </m:acc>
+                        </m:e>
+                        <m:sub>
+                          <m:r>
+                            <a:rPr lang="de-DE" sz="2400" b="0" i="1" smtClean="0">
+                              <a:latin typeface="Cambria Math" panose="02040503050406030204" pitchFamily="18" charset="0"/>
+                            </a:rPr>
+                            <m:t>2</m:t>
+                          </m:r>
+                        </m:sub>
+                      </m:sSub>
+                      <m:r>
+                        <a:rPr lang="de-DE" sz="2400" b="0" i="1" smtClean="0">
+                          <a:latin typeface="Cambria Math" panose="02040503050406030204" pitchFamily="18" charset="0"/>
+                        </a:rPr>
+                        <m:t>=−</m:t>
+                      </m:r>
+                      <m:r>
+                        <a:rPr lang="de-DE" sz="2400" i="1" smtClean="0">
+                          <a:latin typeface="Cambria Math" panose="02040503050406030204" pitchFamily="18" charset="0"/>
+                        </a:rPr>
+                        <m:t>0</m:t>
+                      </m:r>
+                      <m:r>
+                        <a:rPr lang="de-DE" sz="2400" b="0" i="1" smtClean="0">
+                          <a:latin typeface="Cambria Math" panose="02040503050406030204" pitchFamily="18" charset="0"/>
+                        </a:rPr>
+                        <m:t>.31 </m:t>
+                      </m:r>
+                      <m:r>
+                        <a:rPr lang="de-DE" sz="2400" b="0" i="1" smtClean="0">
+                          <a:latin typeface="Cambria Math" panose="02040503050406030204" pitchFamily="18" charset="0"/>
+                        </a:rPr>
+                        <m:t>𝑉</m:t>
+                      </m:r>
+                    </m:oMath>
+                  </m:oMathPara>
+                </a14:m>
+                <a:endParaRPr lang="de-DE" sz="2400" i="1" dirty="0"/>
+              </a:p>
+            </p:txBody>
+          </p:sp>
+        </mc:Choice>
+        <mc:Fallback xmlns="">
+          <p:sp>
+            <p:nvSpPr>
+              <p:cNvPr id="8" name="Textfeld 7">
+                <a:extLst>
+                  <a:ext uri="{FF2B5EF4-FFF2-40B4-BE49-F238E27FC236}">
+                    <a16:creationId xmlns:a16="http://schemas.microsoft.com/office/drawing/2014/main" id="{BEDD7761-134F-F628-FF91-3702934BE667}"/>
+                  </a:ext>
+                </a:extLst>
+              </p:cNvPr>
+              <p:cNvSpPr txBox="1">
+                <a:spLocks noRot="1" noChangeAspect="1" noMove="1" noResize="1" noEditPoints="1" noAdjustHandles="1" noChangeArrowheads="1" noChangeShapeType="1" noTextEdit="1"/>
+              </p:cNvSpPr>
+              <p:nvPr/>
+            </p:nvSpPr>
+            <p:spPr>
+              <a:xfrm>
+                <a:off x="8802068" y="5312139"/>
+                <a:ext cx="2011132" cy="461665"/>
+              </a:xfrm>
+              <a:prstGeom prst="rect">
+                <a:avLst/>
+              </a:prstGeom>
+              <a:blipFill>
+                <a:blip r:embed="rId4"/>
+                <a:stretch>
+                  <a:fillRect b="-2564"/>
+                </a:stretch>
+              </a:blipFill>
+              <a:ln>
+                <a:solidFill>
+                  <a:schemeClr val="tx1"/>
+                </a:solidFill>
+              </a:ln>
+            </p:spPr>
+            <p:txBody>
+              <a:bodyPr/>
+              <a:lstStyle/>
+              <a:p>
+                <a:r>
+                  <a:rPr lang="de-DE">
+                    <a:noFill/>
+                  </a:rPr>
+                  <a:t> </a:t>
+                </a:r>
+              </a:p>
+            </p:txBody>
+          </p:sp>
+        </mc:Fallback>
+      </mc:AlternateContent>
       <mc:AlternateContent xmlns:mc="http://schemas.openxmlformats.org/markup-compatibility/2006">
         <mc:Choice xmlns:a14="http://schemas.microsoft.com/office/drawing/2010/main" Requires="a14">
           <p:sp>
             <p:nvSpPr>
-              <p:cNvPr id="3" name="Inhaltsplatzhalter 2">
+              <p:cNvPr id="10" name="Inhaltsplatzhalter 2">
                 <a:extLst>
                   <a:ext uri="{FF2B5EF4-FFF2-40B4-BE49-F238E27FC236}">
-                    <a16:creationId xmlns:a16="http://schemas.microsoft.com/office/drawing/2014/main" id="{6B90ECAF-EF9E-1BE2-7FF9-02948F9D3B0C}"/>
+                    <a16:creationId xmlns:a16="http://schemas.microsoft.com/office/drawing/2014/main" id="{C51F4CF9-EE06-0086-D108-822F02FD0004}"/>
                   </a:ext>
                 </a:extLst>
               </p:cNvPr>
-              <p:cNvSpPr>
-                <a:spLocks noGrp="1"/>
+              <p:cNvSpPr txBox="1">
+                <a:spLocks/>
               </p:cNvSpPr>
-              <p:nvPr>
-                <p:ph idx="1"/>
-              </p:nvPr>
+              <p:nvPr/>
             </p:nvSpPr>
-            <p:spPr/>
+            <p:spPr>
+              <a:xfrm>
+                <a:off x="1379524" y="1445220"/>
+                <a:ext cx="10094927" cy="4690468"/>
+              </a:xfrm>
+              <a:prstGeom prst="rect">
+                <a:avLst/>
+              </a:prstGeom>
+            </p:spPr>
             <p:txBody>
-              <a:bodyPr anchor="t"/>
-              <a:lstStyle/>
+              <a:bodyPr vert="horz" lIns="0" tIns="0" rIns="0" bIns="0" rtlCol="0" anchor="t">
+                <a:noAutofit/>
+              </a:bodyPr>
+              <a:lstStyle>
+                <a:lvl1pPr marL="0" indent="0" algn="l" defTabSz="914400" rtl="0" eaLnBrk="1" latinLnBrk="0" hangingPunct="1">
+                  <a:lnSpc>
+                    <a:spcPct val="107000"/>
+                  </a:lnSpc>
+                  <a:spcBef>
+                    <a:spcPts val="0"/>
+                  </a:spcBef>
+                  <a:buFont typeface="Wingdings" panose="05000000000000000000" pitchFamily="2" charset="2"/>
+                  <a:buChar char="§"/>
+                  <a:defRPr sz="2000" b="0" kern="1200" baseline="0">
+                    <a:solidFill>
+                      <a:schemeClr val="tx1"/>
+                    </a:solidFill>
+                    <a:latin typeface="+mn-lt"/>
+                    <a:ea typeface="+mn-ea"/>
+                    <a:cs typeface="+mn-cs"/>
+                  </a:defRPr>
+                </a:lvl1pPr>
+                <a:lvl2pPr marL="0" indent="0" algn="l" defTabSz="914400" rtl="0" eaLnBrk="1" latinLnBrk="0" hangingPunct="1">
+                  <a:lnSpc>
+                    <a:spcPct val="107000"/>
+                  </a:lnSpc>
+                  <a:spcBef>
+                    <a:spcPts val="0"/>
+                  </a:spcBef>
+                  <a:buFont typeface="Arial" panose="020B0604020202020204" pitchFamily="34" charset="0"/>
+                  <a:buNone/>
+                  <a:defRPr sz="2000" kern="1200">
+                    <a:solidFill>
+                      <a:schemeClr val="tx1"/>
+                    </a:solidFill>
+                    <a:latin typeface="+mn-lt"/>
+                    <a:ea typeface="+mn-ea"/>
+                    <a:cs typeface="+mn-cs"/>
+                  </a:defRPr>
+                </a:lvl2pPr>
+                <a:lvl3pPr marL="180000" indent="-180000" algn="l" defTabSz="914400" rtl="0" eaLnBrk="1" latinLnBrk="0" hangingPunct="1">
+                  <a:lnSpc>
+                    <a:spcPct val="107000"/>
+                  </a:lnSpc>
+                  <a:spcBef>
+                    <a:spcPts val="0"/>
+                  </a:spcBef>
+                  <a:spcAft>
+                    <a:spcPts val="425"/>
+                  </a:spcAft>
+                  <a:buFont typeface="Work Sans" panose="00000500000000000000" pitchFamily="2" charset="0"/>
+                  <a:buChar char="–"/>
+                  <a:defRPr sz="1800" kern="1200">
+                    <a:solidFill>
+                      <a:schemeClr val="tx1"/>
+                    </a:solidFill>
+                    <a:latin typeface="+mn-lt"/>
+                    <a:ea typeface="+mn-ea"/>
+                    <a:cs typeface="+mn-cs"/>
+                  </a:defRPr>
+                </a:lvl3pPr>
+                <a:lvl4pPr marL="360000" indent="-180000" algn="l" defTabSz="914400" rtl="0" eaLnBrk="1" latinLnBrk="0" hangingPunct="1">
+                  <a:lnSpc>
+                    <a:spcPct val="107000"/>
+                  </a:lnSpc>
+                  <a:spcBef>
+                    <a:spcPts val="0"/>
+                  </a:spcBef>
+                  <a:spcAft>
+                    <a:spcPts val="425"/>
+                  </a:spcAft>
+                  <a:buFont typeface="Work Sans" panose="00000500000000000000" pitchFamily="2" charset="0"/>
+                  <a:buChar char="–"/>
+                  <a:defRPr sz="1800" kern="1200">
+                    <a:solidFill>
+                      <a:schemeClr val="tx1"/>
+                    </a:solidFill>
+                    <a:latin typeface="+mn-lt"/>
+                    <a:ea typeface="+mn-ea"/>
+                    <a:cs typeface="+mn-cs"/>
+                  </a:defRPr>
+                </a:lvl4pPr>
+                <a:lvl5pPr marL="540000" indent="-180000" algn="l" defTabSz="914400" rtl="0" eaLnBrk="1" latinLnBrk="0" hangingPunct="1">
+                  <a:lnSpc>
+                    <a:spcPct val="107000"/>
+                  </a:lnSpc>
+                  <a:spcBef>
+                    <a:spcPts val="0"/>
+                  </a:spcBef>
+                  <a:spcAft>
+                    <a:spcPts val="425"/>
+                  </a:spcAft>
+                  <a:buFont typeface="Work Sans" panose="00000500000000000000" pitchFamily="2" charset="0"/>
+                  <a:buChar char="–"/>
+                  <a:defRPr sz="1800" kern="1200">
+                    <a:solidFill>
+                      <a:schemeClr val="tx1"/>
+                    </a:solidFill>
+                    <a:latin typeface="+mn-lt"/>
+                    <a:ea typeface="+mn-ea"/>
+                    <a:cs typeface="+mn-cs"/>
+                  </a:defRPr>
+                </a:lvl5pPr>
+                <a:lvl6pPr marL="2514600" indent="-228600" algn="l" defTabSz="914400" rtl="0" eaLnBrk="1" latinLnBrk="0" hangingPunct="1">
+                  <a:lnSpc>
+                    <a:spcPct val="90000"/>
+                  </a:lnSpc>
+                  <a:spcBef>
+                    <a:spcPts val="500"/>
+                  </a:spcBef>
+                  <a:buFont typeface="Arial" panose="020B0604020202020204" pitchFamily="34" charset="0"/>
+                  <a:buChar char="•"/>
+                  <a:defRPr sz="1800" kern="1200">
+                    <a:solidFill>
+                      <a:schemeClr val="tx1"/>
+                    </a:solidFill>
+                    <a:latin typeface="+mn-lt"/>
+                    <a:ea typeface="+mn-ea"/>
+                    <a:cs typeface="+mn-cs"/>
+                  </a:defRPr>
+                </a:lvl6pPr>
+                <a:lvl7pPr marL="2971800" indent="-228600" algn="l" defTabSz="914400" rtl="0" eaLnBrk="1" latinLnBrk="0" hangingPunct="1">
+                  <a:lnSpc>
+                    <a:spcPct val="90000"/>
+                  </a:lnSpc>
+                  <a:spcBef>
+                    <a:spcPts val="500"/>
+                  </a:spcBef>
+                  <a:buFont typeface="Arial" panose="020B0604020202020204" pitchFamily="34" charset="0"/>
+                  <a:buChar char="•"/>
+                  <a:defRPr sz="1800" kern="1200">
+                    <a:solidFill>
+                      <a:schemeClr val="tx1"/>
+                    </a:solidFill>
+                    <a:latin typeface="+mn-lt"/>
+                    <a:ea typeface="+mn-ea"/>
+                    <a:cs typeface="+mn-cs"/>
+                  </a:defRPr>
+                </a:lvl7pPr>
+                <a:lvl8pPr marL="3429000" indent="-228600" algn="l" defTabSz="914400" rtl="0" eaLnBrk="1" latinLnBrk="0" hangingPunct="1">
+                  <a:lnSpc>
+                    <a:spcPct val="90000"/>
+                  </a:lnSpc>
+                  <a:spcBef>
+                    <a:spcPts val="500"/>
+                  </a:spcBef>
+                  <a:buFont typeface="Arial" panose="020B0604020202020204" pitchFamily="34" charset="0"/>
+                  <a:buChar char="•"/>
+                  <a:defRPr sz="1800" kern="1200">
+                    <a:solidFill>
+                      <a:schemeClr val="tx1"/>
+                    </a:solidFill>
+                    <a:latin typeface="+mn-lt"/>
+                    <a:ea typeface="+mn-ea"/>
+                    <a:cs typeface="+mn-cs"/>
+                  </a:defRPr>
+                </a:lvl8pPr>
+                <a:lvl9pPr marL="3886200" indent="-228600" algn="l" defTabSz="914400" rtl="0" eaLnBrk="1" latinLnBrk="0" hangingPunct="1">
+                  <a:lnSpc>
+                    <a:spcPct val="90000"/>
+                  </a:lnSpc>
+                  <a:spcBef>
+                    <a:spcPts val="500"/>
+                  </a:spcBef>
+                  <a:buFont typeface="Arial" panose="020B0604020202020204" pitchFamily="34" charset="0"/>
+                  <a:buChar char="•"/>
+                  <a:defRPr sz="1800" kern="1200">
+                    <a:solidFill>
+                      <a:schemeClr val="tx1"/>
+                    </a:solidFill>
+                    <a:latin typeface="+mn-lt"/>
+                    <a:ea typeface="+mn-ea"/>
+                    <a:cs typeface="+mn-cs"/>
+                  </a:defRPr>
+                </a:lvl9pPr>
+              </a:lstStyle>
               <a:p>
                 <a:pPr>
+                  <a:buFont typeface="Wingdings" panose="05000000000000000000" pitchFamily="2" charset="2"/>
                   <a:buNone/>
                 </a:pPr>
                 <a:r>
                   <a:rPr lang="de-DE" b="1" dirty="0"/>
-                  <a:t>Simulation des zeitlichen Verlaufs der Zustandsgrößen für </a:t>
+                  <a:t>Zeitlicher Verlauf von </a:t>
+                </a:r>
+                <a14:m>
+                  <m:oMath xmlns:m="http://schemas.openxmlformats.org/officeDocument/2006/math">
+                    <m:sSub>
+                      <m:sSubPr>
+                        <m:ctrlPr>
+                          <a:rPr lang="de-DE" b="1" i="1" smtClean="0">
+                            <a:latin typeface="Cambria Math" panose="02040503050406030204" pitchFamily="18" charset="0"/>
+                          </a:rPr>
+                        </m:ctrlPr>
+                      </m:sSubPr>
+                      <m:e>
+                        <m:r>
+                          <a:rPr lang="de-DE" b="1" i="1" smtClean="0">
+                            <a:latin typeface="Cambria Math" panose="02040503050406030204" pitchFamily="18" charset="0"/>
+                          </a:rPr>
+                          <m:t>𝑼</m:t>
+                        </m:r>
+                      </m:e>
+                      <m:sub>
+                        <m:r>
+                          <a:rPr lang="de-DE" b="1" i="1" smtClean="0">
+                            <a:latin typeface="Cambria Math" panose="02040503050406030204" pitchFamily="18" charset="0"/>
+                          </a:rPr>
+                          <m:t>2</m:t>
+                        </m:r>
+                      </m:sub>
+                    </m:sSub>
+                  </m:oMath>
+                </a14:m>
+                <a:r>
+                  <a:rPr lang="de-DE" b="1" dirty="0"/>
+                  <a:t> für </a:t>
                 </a:r>
                 <a14:m>
                   <m:oMath xmlns:m="http://schemas.openxmlformats.org/officeDocument/2006/math">
@@ -15380,261 +17076,10 @@
         <mc:Fallback>
           <p:sp>
             <p:nvSpPr>
-              <p:cNvPr id="3" name="Inhaltsplatzhalter 2">
+              <p:cNvPr id="10" name="Inhaltsplatzhalter 2">
                 <a:extLst>
                   <a:ext uri="{FF2B5EF4-FFF2-40B4-BE49-F238E27FC236}">
-                    <a16:creationId xmlns:a16="http://schemas.microsoft.com/office/drawing/2014/main" id="{6B90ECAF-EF9E-1BE2-7FF9-02948F9D3B0C}"/>
-                  </a:ext>
-                </a:extLst>
-              </p:cNvPr>
-              <p:cNvSpPr>
-                <a:spLocks noGrp="1" noRot="1" noChangeAspect="1" noMove="1" noResize="1" noEditPoints="1" noAdjustHandles="1" noChangeArrowheads="1" noChangeShapeType="1" noTextEdit="1"/>
-              </p:cNvSpPr>
-              <p:nvPr>
-                <p:ph idx="1"/>
-              </p:nvPr>
-            </p:nvSpPr>
-            <p:spPr>
-              <a:blipFill>
-                <a:blip r:embed="rId2"/>
-                <a:stretch>
-                  <a:fillRect l="-1474" t="-1299"/>
-                </a:stretch>
-              </a:blipFill>
-            </p:spPr>
-            <p:txBody>
-              <a:bodyPr/>
-              <a:lstStyle/>
-              <a:p>
-                <a:r>
-                  <a:rPr lang="de-DE">
-                    <a:noFill/>
-                  </a:rPr>
-                  <a:t> </a:t>
-                </a:r>
-              </a:p>
-            </p:txBody>
-          </p:sp>
-        </mc:Fallback>
-      </mc:AlternateContent>
-      <p:sp>
-        <p:nvSpPr>
-          <p:cNvPr id="4" name="Fußzeilenplatzhalter 3">
-            <a:extLst>
-              <a:ext uri="{FF2B5EF4-FFF2-40B4-BE49-F238E27FC236}">
-                <a16:creationId xmlns:a16="http://schemas.microsoft.com/office/drawing/2014/main" id="{89ECF4D0-C173-B14A-5963-FA2EDE30C1C1}"/>
-              </a:ext>
-            </a:extLst>
-          </p:cNvPr>
-          <p:cNvSpPr>
-            <a:spLocks noGrp="1"/>
-          </p:cNvSpPr>
-          <p:nvPr>
-            <p:ph type="ftr" sz="quarter" idx="11"/>
-          </p:nvPr>
-        </p:nvSpPr>
-        <p:spPr/>
-        <p:txBody>
-          <a:bodyPr/>
-          <a:lstStyle/>
-          <a:p>
-            <a:r>
-              <a:rPr lang="de-DE"/>
-              <a:t>Lennart und Richard Mende, 25EIM-AT, E144 Regelungstheorie, Prof. Dr.-Ing. Hendrik Richter</a:t>
-            </a:r>
-            <a:endParaRPr lang="de-DE" dirty="0"/>
-          </a:p>
-        </p:txBody>
-      </p:sp>
-      <p:sp>
-        <p:nvSpPr>
-          <p:cNvPr id="5" name="Foliennummernplatzhalter 4">
-            <a:extLst>
-              <a:ext uri="{FF2B5EF4-FFF2-40B4-BE49-F238E27FC236}">
-                <a16:creationId xmlns:a16="http://schemas.microsoft.com/office/drawing/2014/main" id="{D5AD5DFF-0BE4-D3A9-CEFC-2AA51FA20BC8}"/>
-              </a:ext>
-            </a:extLst>
-          </p:cNvPr>
-          <p:cNvSpPr>
-            <a:spLocks noGrp="1"/>
-          </p:cNvSpPr>
-          <p:nvPr>
-            <p:ph type="sldNum" sz="quarter" idx="12"/>
-          </p:nvPr>
-        </p:nvSpPr>
-        <p:spPr/>
-        <p:txBody>
-          <a:bodyPr/>
-          <a:lstStyle/>
-          <a:p>
-            <a:fld id="{5DDB454C-C8BB-450C-A446-EA3D813FE484}" type="slidenum">
-              <a:rPr lang="de-DE" smtClean="0"/>
-              <a:t>8</a:t>
-            </a:fld>
-            <a:endParaRPr lang="de-DE"/>
-          </a:p>
-        </p:txBody>
-      </p:sp>
-      <p:pic>
-        <p:nvPicPr>
-          <p:cNvPr id="7" name="Grafik 6" descr="Ein Bild, das Screenshot, Display enthält.&#10;&#10;KI-generierte Inhalte können fehlerhaft sein.">
-            <a:extLst>
-              <a:ext uri="{FF2B5EF4-FFF2-40B4-BE49-F238E27FC236}">
-                <a16:creationId xmlns:a16="http://schemas.microsoft.com/office/drawing/2014/main" id="{CCA91063-7B87-7B42-D235-3E655765EBCE}"/>
-              </a:ext>
-            </a:extLst>
-          </p:cNvPr>
-          <p:cNvPicPr>
-            <a:picLocks noChangeAspect="1"/>
-          </p:cNvPicPr>
-          <p:nvPr/>
-        </p:nvPicPr>
-        <p:blipFill>
-          <a:blip r:embed="rId3">
-            <a:extLst>
-              <a:ext uri="{28A0092B-C50C-407E-A947-70E740481C1C}">
-                <a14:useLocalDpi xmlns:a14="http://schemas.microsoft.com/office/drawing/2010/main" val="0"/>
-              </a:ext>
-            </a:extLst>
-          </a:blip>
-          <a:stretch>
-            <a:fillRect/>
-          </a:stretch>
-        </p:blipFill>
-        <p:spPr>
-          <a:xfrm>
-            <a:off x="1378800" y="1954799"/>
-            <a:ext cx="7323359" cy="3960000"/>
-          </a:xfrm>
-          <a:prstGeom prst="rect">
-            <a:avLst/>
-          </a:prstGeom>
-        </p:spPr>
-      </p:pic>
-      <mc:AlternateContent xmlns:mc="http://schemas.openxmlformats.org/markup-compatibility/2006">
-        <mc:Choice xmlns:a14="http://schemas.microsoft.com/office/drawing/2010/main" Requires="a14">
-          <p:sp>
-            <p:nvSpPr>
-              <p:cNvPr id="8" name="Textfeld 7">
-                <a:extLst>
-                  <a:ext uri="{FF2B5EF4-FFF2-40B4-BE49-F238E27FC236}">
-                    <a16:creationId xmlns:a16="http://schemas.microsoft.com/office/drawing/2014/main" id="{BEDD7761-134F-F628-FF91-3702934BE667}"/>
-                  </a:ext>
-                </a:extLst>
-              </p:cNvPr>
-              <p:cNvSpPr txBox="1"/>
-              <p:nvPr/>
-            </p:nvSpPr>
-            <p:spPr>
-              <a:xfrm>
-                <a:off x="8802068" y="5312139"/>
-                <a:ext cx="1579606" cy="400110"/>
-              </a:xfrm>
-              <a:prstGeom prst="rect">
-                <a:avLst/>
-              </a:prstGeom>
-              <a:noFill/>
-              <a:ln>
-                <a:solidFill>
-                  <a:schemeClr val="tx1"/>
-                </a:solidFill>
-              </a:ln>
-            </p:spPr>
-            <p:txBody>
-              <a:bodyPr wrap="square" rtlCol="0">
-                <a:spAutoFit/>
-              </a:bodyPr>
-              <a:lstStyle/>
-              <a:p>
-                <a:pPr/>
-                <a14:m>
-                  <m:oMathPara xmlns:m="http://schemas.openxmlformats.org/officeDocument/2006/math">
-                    <m:oMathParaPr>
-                      <m:jc m:val="centerGroup"/>
-                    </m:oMathParaPr>
-                    <m:oMath xmlns:m="http://schemas.openxmlformats.org/officeDocument/2006/math">
-                      <m:sSub>
-                        <m:sSubPr>
-                          <m:ctrlPr>
-                            <a:rPr lang="de-DE" sz="2000" b="0" i="1" smtClean="0">
-                              <a:latin typeface="Cambria Math" panose="02040503050406030204" pitchFamily="18" charset="0"/>
-                            </a:rPr>
-                          </m:ctrlPr>
-                        </m:sSubPr>
-                        <m:e>
-                          <m:acc>
-                            <m:accPr>
-                              <m:chr m:val="̅"/>
-                              <m:ctrlPr>
-                                <a:rPr lang="de-DE" sz="2000" b="0" i="1" smtClean="0">
-                                  <a:latin typeface="Cambria Math" panose="02040503050406030204" pitchFamily="18" charset="0"/>
-                                </a:rPr>
-                              </m:ctrlPr>
-                            </m:accPr>
-                            <m:e>
-                              <m:r>
-                                <a:rPr lang="de-DE" sz="2000" b="0" i="1" smtClean="0">
-                                  <a:latin typeface="Cambria Math" panose="02040503050406030204" pitchFamily="18" charset="0"/>
-                                </a:rPr>
-                                <m:t>𝑈</m:t>
-                              </m:r>
-                            </m:e>
-                          </m:acc>
-                        </m:e>
-                        <m:sub>
-                          <m:r>
-                            <a:rPr lang="de-DE" sz="2000" b="0" i="1" smtClean="0">
-                              <a:latin typeface="Cambria Math" panose="02040503050406030204" pitchFamily="18" charset="0"/>
-                            </a:rPr>
-                            <m:t>2</m:t>
-                          </m:r>
-                        </m:sub>
-                      </m:sSub>
-                      <m:r>
-                        <a:rPr lang="de-DE" sz="2000" b="0" i="1" smtClean="0">
-                          <a:latin typeface="Cambria Math" panose="02040503050406030204" pitchFamily="18" charset="0"/>
-                        </a:rPr>
-                        <m:t>=</m:t>
-                      </m:r>
-                      <m:r>
-                        <a:rPr lang="de-DE" sz="2000" b="0" i="1" smtClean="0">
-                          <a:latin typeface="Cambria Math" panose="02040503050406030204" pitchFamily="18" charset="0"/>
-                        </a:rPr>
-                        <m:t>-</m:t>
-                      </m:r>
-                      <m:r>
-                        <a:rPr lang="de-DE" sz="2000" i="1" smtClean="0">
-                          <a:latin typeface="Cambria Math" panose="02040503050406030204" pitchFamily="18" charset="0"/>
-                        </a:rPr>
-                        <m:t>0</m:t>
-                      </m:r>
-                      <m:r>
-                        <a:rPr lang="de-DE" sz="2000" b="0" i="1" smtClean="0">
-                          <a:latin typeface="Cambria Math" panose="02040503050406030204" pitchFamily="18" charset="0"/>
-                        </a:rPr>
-                        <m:t>.31 </m:t>
-                      </m:r>
-                      <m:r>
-                        <a:rPr lang="de-DE" sz="2000" b="0" i="1" smtClean="0">
-                          <a:latin typeface="Cambria Math" panose="02040503050406030204" pitchFamily="18" charset="0"/>
-                        </a:rPr>
-                        <m:t>𝑉</m:t>
-                      </m:r>
-                    </m:oMath>
-                  </m:oMathPara>
-                </a14:m>
-                <a:endParaRPr lang="de-DE" sz="2000" i="1" dirty="0"/>
-              </a:p>
-            </p:txBody>
-          </p:sp>
-        </mc:Choice>
-        <mc:Fallback>
-          <p:sp>
-            <p:nvSpPr>
-              <p:cNvPr id="8" name="Textfeld 7">
-                <a:extLst>
-                  <a:ext uri="{FF2B5EF4-FFF2-40B4-BE49-F238E27FC236}">
-                    <a16:creationId xmlns:a16="http://schemas.microsoft.com/office/drawing/2014/main" id="{BEDD7761-134F-F628-FF91-3702934BE667}"/>
+                    <a16:creationId xmlns:a16="http://schemas.microsoft.com/office/drawing/2014/main" id="{C51F4CF9-EE06-0086-D108-822F02FD0004}"/>
                   </a:ext>
                 </a:extLst>
               </p:cNvPr>
@@ -15645,23 +17090,18 @@
             </p:nvSpPr>
             <p:spPr>
               <a:xfrm>
-                <a:off x="8802068" y="5312139"/>
-                <a:ext cx="1579606" cy="400110"/>
+                <a:off x="1379524" y="1445220"/>
+                <a:ext cx="10094927" cy="4690468"/>
               </a:xfrm>
               <a:prstGeom prst="rect">
                 <a:avLst/>
               </a:prstGeom>
               <a:blipFill>
-                <a:blip r:embed="rId4"/>
+                <a:blip r:embed="rId5"/>
                 <a:stretch>
-                  <a:fillRect b="-1471"/>
+                  <a:fillRect l="-1510" t="-1299"/>
                 </a:stretch>
               </a:blipFill>
-              <a:ln>
-                <a:solidFill>
-                  <a:schemeClr val="tx1"/>
-                </a:solidFill>
-              </a:ln>
             </p:spPr>
             <p:txBody>
               <a:bodyPr/>
@@ -15746,35 +17186,539 @@
           </a:p>
         </p:txBody>
       </p:sp>
+      <p:sp>
+        <p:nvSpPr>
+          <p:cNvPr id="4" name="Fußzeilenplatzhalter 3">
+            <a:extLst>
+              <a:ext uri="{FF2B5EF4-FFF2-40B4-BE49-F238E27FC236}">
+                <a16:creationId xmlns:a16="http://schemas.microsoft.com/office/drawing/2014/main" id="{E403D064-97A4-9F05-9BAB-621447C90BC5}"/>
+              </a:ext>
+            </a:extLst>
+          </p:cNvPr>
+          <p:cNvSpPr>
+            <a:spLocks noGrp="1"/>
+          </p:cNvSpPr>
+          <p:nvPr>
+            <p:ph type="ftr" sz="quarter" idx="11"/>
+          </p:nvPr>
+        </p:nvSpPr>
+        <p:spPr/>
+        <p:txBody>
+          <a:bodyPr/>
+          <a:lstStyle/>
+          <a:p>
+            <a:r>
+              <a:rPr lang="de-DE"/>
+              <a:t>Lennart und Richard Mende, 25EIM-AT, E144 Regelungstheorie, Prof. Dr.-Ing. Hendrik Richter</a:t>
+            </a:r>
+            <a:endParaRPr lang="de-DE" dirty="0"/>
+          </a:p>
+        </p:txBody>
+      </p:sp>
+      <p:sp>
+        <p:nvSpPr>
+          <p:cNvPr id="5" name="Foliennummernplatzhalter 4">
+            <a:extLst>
+              <a:ext uri="{FF2B5EF4-FFF2-40B4-BE49-F238E27FC236}">
+                <a16:creationId xmlns:a16="http://schemas.microsoft.com/office/drawing/2014/main" id="{4FC490BE-981F-10D9-5A44-61FD9B410C35}"/>
+              </a:ext>
+            </a:extLst>
+          </p:cNvPr>
+          <p:cNvSpPr>
+            <a:spLocks noGrp="1"/>
+          </p:cNvSpPr>
+          <p:nvPr>
+            <p:ph type="sldNum" sz="quarter" idx="12"/>
+          </p:nvPr>
+        </p:nvSpPr>
+        <p:spPr/>
+        <p:txBody>
+          <a:bodyPr/>
+          <a:lstStyle/>
+          <a:p>
+            <a:fld id="{5DDB454C-C8BB-450C-A446-EA3D813FE484}" type="slidenum">
+              <a:rPr lang="de-DE" smtClean="0"/>
+              <a:t>9</a:t>
+            </a:fld>
+            <a:endParaRPr lang="de-DE"/>
+          </a:p>
+        </p:txBody>
+      </p:sp>
+      <p:pic>
+        <p:nvPicPr>
+          <p:cNvPr id="7" name="Grafik 6" descr="Ein Bild, das Screenshot, Text enthält.&#10;&#10;KI-generierte Inhalte können fehlerhaft sein.">
+            <a:extLst>
+              <a:ext uri="{FF2B5EF4-FFF2-40B4-BE49-F238E27FC236}">
+                <a16:creationId xmlns:a16="http://schemas.microsoft.com/office/drawing/2014/main" id="{C9B50277-CCDC-10C9-6C2C-712E91A36F1B}"/>
+              </a:ext>
+            </a:extLst>
+          </p:cNvPr>
+          <p:cNvPicPr>
+            <a:picLocks noChangeAspect="1"/>
+          </p:cNvPicPr>
+          <p:nvPr/>
+        </p:nvPicPr>
+        <p:blipFill>
+          <a:blip r:embed="rId2">
+            <a:extLst>
+              <a:ext uri="{28A0092B-C50C-407E-A947-70E740481C1C}">
+                <a14:useLocalDpi xmlns:a14="http://schemas.microsoft.com/office/drawing/2010/main" val="0"/>
+              </a:ext>
+            </a:extLst>
+          </a:blip>
+          <a:stretch>
+            <a:fillRect/>
+          </a:stretch>
+        </p:blipFill>
+        <p:spPr>
+          <a:xfrm>
+            <a:off x="1378799" y="1954800"/>
+            <a:ext cx="7143529" cy="3960000"/>
+          </a:xfrm>
+          <a:prstGeom prst="rect">
+            <a:avLst/>
+          </a:prstGeom>
+        </p:spPr>
+      </p:pic>
+      <mc:AlternateContent xmlns:mc="http://schemas.openxmlformats.org/markup-compatibility/2006" xmlns:a14="http://schemas.microsoft.com/office/drawing/2010/main">
+        <mc:Choice Requires="a14">
+          <p:sp>
+            <p:nvSpPr>
+              <p:cNvPr id="8" name="Textfeld 7">
+                <a:extLst>
+                  <a:ext uri="{FF2B5EF4-FFF2-40B4-BE49-F238E27FC236}">
+                    <a16:creationId xmlns:a16="http://schemas.microsoft.com/office/drawing/2014/main" id="{7887D28C-591A-F09F-A19F-242CDC980E46}"/>
+                  </a:ext>
+                </a:extLst>
+              </p:cNvPr>
+              <p:cNvSpPr txBox="1"/>
+              <p:nvPr/>
+            </p:nvSpPr>
+            <p:spPr>
+              <a:xfrm>
+                <a:off x="8654285" y="4582466"/>
+                <a:ext cx="2158916" cy="461665"/>
+              </a:xfrm>
+              <a:prstGeom prst="rect">
+                <a:avLst/>
+              </a:prstGeom>
+              <a:noFill/>
+              <a:ln>
+                <a:solidFill>
+                  <a:schemeClr val="tx1"/>
+                </a:solidFill>
+              </a:ln>
+            </p:spPr>
+            <p:txBody>
+              <a:bodyPr wrap="square" rtlCol="0">
+                <a:spAutoFit/>
+              </a:bodyPr>
+              <a:lstStyle/>
+              <a:p>
+                <a:pPr/>
+                <a14:m>
+                  <m:oMathPara xmlns:m="http://schemas.openxmlformats.org/officeDocument/2006/math">
+                    <m:oMathParaPr>
+                      <m:jc m:val="centerGroup"/>
+                    </m:oMathParaPr>
+                    <m:oMath xmlns:m="http://schemas.openxmlformats.org/officeDocument/2006/math">
+                      <m:sSub>
+                        <m:sSubPr>
+                          <m:ctrlPr>
+                            <a:rPr lang="de-DE" sz="2400" i="1">
+                              <a:latin typeface="Cambria Math" panose="02040503050406030204" pitchFamily="18" charset="0"/>
+                            </a:rPr>
+                          </m:ctrlPr>
+                        </m:sSubPr>
+                        <m:e>
+                          <m:acc>
+                            <m:accPr>
+                              <m:chr m:val="̅"/>
+                              <m:ctrlPr>
+                                <a:rPr lang="de-DE" sz="2400" i="1">
+                                  <a:latin typeface="Cambria Math" panose="02040503050406030204" pitchFamily="18" charset="0"/>
+                                </a:rPr>
+                              </m:ctrlPr>
+                            </m:accPr>
+                            <m:e>
+                              <m:r>
+                                <a:rPr lang="de-DE" sz="2400" i="1">
+                                  <a:latin typeface="Cambria Math" panose="02040503050406030204" pitchFamily="18" charset="0"/>
+                                </a:rPr>
+                                <m:t>𝐼</m:t>
+                              </m:r>
+                            </m:e>
+                          </m:acc>
+                        </m:e>
+                        <m:sub>
+                          <m:r>
+                            <a:rPr lang="de-DE" sz="2400" b="0" i="1" smtClean="0">
+                              <a:latin typeface="Cambria Math" panose="02040503050406030204" pitchFamily="18" charset="0"/>
+                            </a:rPr>
+                            <m:t>𝐿</m:t>
+                          </m:r>
+                        </m:sub>
+                      </m:sSub>
+                      <m:r>
+                        <a:rPr lang="de-DE" sz="2400" b="0" i="1" smtClean="0">
+                          <a:latin typeface="Cambria Math" panose="02040503050406030204" pitchFamily="18" charset="0"/>
+                        </a:rPr>
+                        <m:t>=</m:t>
+                      </m:r>
+                      <m:sSub>
+                        <m:sSubPr>
+                          <m:ctrlPr>
+                            <a:rPr lang="de-DE" sz="2400" i="1">
+                              <a:latin typeface="Cambria Math" panose="02040503050406030204" pitchFamily="18" charset="0"/>
+                            </a:rPr>
+                          </m:ctrlPr>
+                        </m:sSubPr>
+                        <m:e>
+                          <m:acc>
+                            <m:accPr>
+                              <m:chr m:val="̅"/>
+                              <m:ctrlPr>
+                                <a:rPr lang="de-DE" sz="2400" i="1">
+                                  <a:latin typeface="Cambria Math" panose="02040503050406030204" pitchFamily="18" charset="0"/>
+                                </a:rPr>
+                              </m:ctrlPr>
+                            </m:accPr>
+                            <m:e>
+                              <m:r>
+                                <a:rPr lang="de-DE" sz="2400" i="1">
+                                  <a:latin typeface="Cambria Math" panose="02040503050406030204" pitchFamily="18" charset="0"/>
+                                </a:rPr>
+                                <m:t>𝐼</m:t>
+                              </m:r>
+                            </m:e>
+                          </m:acc>
+                        </m:e>
+                        <m:sub>
+                          <m:r>
+                            <a:rPr lang="de-DE" sz="2400" b="0" i="1" smtClean="0">
+                              <a:latin typeface="Cambria Math" panose="02040503050406030204" pitchFamily="18" charset="0"/>
+                            </a:rPr>
+                            <m:t>0</m:t>
+                          </m:r>
+                        </m:sub>
+                      </m:sSub>
+                      <m:r>
+                        <a:rPr lang="de-DE" sz="2400" b="0" i="1" smtClean="0">
+                          <a:latin typeface="Cambria Math" panose="02040503050406030204" pitchFamily="18" charset="0"/>
+                        </a:rPr>
+                        <m:t>=2 </m:t>
+                      </m:r>
+                      <m:r>
+                        <a:rPr lang="de-DE" sz="2400" b="0" i="1" smtClean="0">
+                          <a:latin typeface="Cambria Math" panose="02040503050406030204" pitchFamily="18" charset="0"/>
+                        </a:rPr>
+                        <m:t>𝑚𝐴</m:t>
+                      </m:r>
+                    </m:oMath>
+                  </m:oMathPara>
+                </a14:m>
+                <a:endParaRPr lang="de-DE" sz="2400" i="1" dirty="0"/>
+              </a:p>
+            </p:txBody>
+          </p:sp>
+        </mc:Choice>
+        <mc:Fallback xmlns="">
+          <p:sp>
+            <p:nvSpPr>
+              <p:cNvPr id="8" name="Textfeld 7">
+                <a:extLst>
+                  <a:ext uri="{FF2B5EF4-FFF2-40B4-BE49-F238E27FC236}">
+                    <a16:creationId xmlns:a16="http://schemas.microsoft.com/office/drawing/2014/main" id="{7887D28C-591A-F09F-A19F-242CDC980E46}"/>
+                  </a:ext>
+                </a:extLst>
+              </p:cNvPr>
+              <p:cNvSpPr txBox="1">
+                <a:spLocks noRot="1" noChangeAspect="1" noMove="1" noResize="1" noEditPoints="1" noAdjustHandles="1" noChangeArrowheads="1" noChangeShapeType="1" noTextEdit="1"/>
+              </p:cNvSpPr>
+              <p:nvPr/>
+            </p:nvSpPr>
+            <p:spPr>
+              <a:xfrm>
+                <a:off x="8654285" y="4582466"/>
+                <a:ext cx="2158916" cy="461665"/>
+              </a:xfrm>
+              <a:prstGeom prst="rect">
+                <a:avLst/>
+              </a:prstGeom>
+              <a:blipFill>
+                <a:blip r:embed="rId4"/>
+                <a:stretch>
+                  <a:fillRect l="-281" b="-2597"/>
+                </a:stretch>
+              </a:blipFill>
+              <a:ln>
+                <a:solidFill>
+                  <a:schemeClr val="tx1"/>
+                </a:solidFill>
+              </a:ln>
+            </p:spPr>
+            <p:txBody>
+              <a:bodyPr/>
+              <a:lstStyle/>
+              <a:p>
+                <a:r>
+                  <a:rPr lang="de-DE">
+                    <a:noFill/>
+                  </a:rPr>
+                  <a:t> </a:t>
+                </a:r>
+              </a:p>
+            </p:txBody>
+          </p:sp>
+        </mc:Fallback>
+      </mc:AlternateContent>
       <mc:AlternateContent xmlns:mc="http://schemas.openxmlformats.org/markup-compatibility/2006">
         <mc:Choice xmlns:a14="http://schemas.microsoft.com/office/drawing/2010/main" Requires="a14">
           <p:sp>
             <p:nvSpPr>
-              <p:cNvPr id="3" name="Inhaltsplatzhalter 2">
+              <p:cNvPr id="10" name="Inhaltsplatzhalter 2">
                 <a:extLst>
                   <a:ext uri="{FF2B5EF4-FFF2-40B4-BE49-F238E27FC236}">
-                    <a16:creationId xmlns:a16="http://schemas.microsoft.com/office/drawing/2014/main" id="{717675F1-C335-703B-0F17-28E20DCB8488}"/>
+                    <a16:creationId xmlns:a16="http://schemas.microsoft.com/office/drawing/2014/main" id="{CC8E4A64-E190-54EA-9FE1-384F01AC85F9}"/>
                   </a:ext>
                 </a:extLst>
               </p:cNvPr>
-              <p:cNvSpPr>
-                <a:spLocks noGrp="1"/>
+              <p:cNvSpPr txBox="1">
+                <a:spLocks/>
               </p:cNvSpPr>
-              <p:nvPr>
-                <p:ph idx="1"/>
-              </p:nvPr>
+              <p:nvPr/>
             </p:nvSpPr>
-            <p:spPr/>
+            <p:spPr>
+              <a:xfrm>
+                <a:off x="1379524" y="1445220"/>
+                <a:ext cx="10094927" cy="4690468"/>
+              </a:xfrm>
+              <a:prstGeom prst="rect">
+                <a:avLst/>
+              </a:prstGeom>
+            </p:spPr>
             <p:txBody>
-              <a:bodyPr anchor="t"/>
-              <a:lstStyle/>
+              <a:bodyPr vert="horz" lIns="0" tIns="0" rIns="0" bIns="0" rtlCol="0" anchor="t">
+                <a:noAutofit/>
+              </a:bodyPr>
+              <a:lstStyle>
+                <a:lvl1pPr marL="0" indent="0" algn="l" defTabSz="914400" rtl="0" eaLnBrk="1" latinLnBrk="0" hangingPunct="1">
+                  <a:lnSpc>
+                    <a:spcPct val="107000"/>
+                  </a:lnSpc>
+                  <a:spcBef>
+                    <a:spcPts val="0"/>
+                  </a:spcBef>
+                  <a:buFont typeface="Wingdings" panose="05000000000000000000" pitchFamily="2" charset="2"/>
+                  <a:buChar char="§"/>
+                  <a:defRPr sz="2000" b="0" kern="1200" baseline="0">
+                    <a:solidFill>
+                      <a:schemeClr val="tx1"/>
+                    </a:solidFill>
+                    <a:latin typeface="+mn-lt"/>
+                    <a:ea typeface="+mn-ea"/>
+                    <a:cs typeface="+mn-cs"/>
+                  </a:defRPr>
+                </a:lvl1pPr>
+                <a:lvl2pPr marL="0" indent="0" algn="l" defTabSz="914400" rtl="0" eaLnBrk="1" latinLnBrk="0" hangingPunct="1">
+                  <a:lnSpc>
+                    <a:spcPct val="107000"/>
+                  </a:lnSpc>
+                  <a:spcBef>
+                    <a:spcPts val="0"/>
+                  </a:spcBef>
+                  <a:buFont typeface="Arial" panose="020B0604020202020204" pitchFamily="34" charset="0"/>
+                  <a:buNone/>
+                  <a:defRPr sz="2000" kern="1200">
+                    <a:solidFill>
+                      <a:schemeClr val="tx1"/>
+                    </a:solidFill>
+                    <a:latin typeface="+mn-lt"/>
+                    <a:ea typeface="+mn-ea"/>
+                    <a:cs typeface="+mn-cs"/>
+                  </a:defRPr>
+                </a:lvl2pPr>
+                <a:lvl3pPr marL="180000" indent="-180000" algn="l" defTabSz="914400" rtl="0" eaLnBrk="1" latinLnBrk="0" hangingPunct="1">
+                  <a:lnSpc>
+                    <a:spcPct val="107000"/>
+                  </a:lnSpc>
+                  <a:spcBef>
+                    <a:spcPts val="0"/>
+                  </a:spcBef>
+                  <a:spcAft>
+                    <a:spcPts val="425"/>
+                  </a:spcAft>
+                  <a:buFont typeface="Work Sans" panose="00000500000000000000" pitchFamily="2" charset="0"/>
+                  <a:buChar char="–"/>
+                  <a:defRPr sz="1800" kern="1200">
+                    <a:solidFill>
+                      <a:schemeClr val="tx1"/>
+                    </a:solidFill>
+                    <a:latin typeface="+mn-lt"/>
+                    <a:ea typeface="+mn-ea"/>
+                    <a:cs typeface="+mn-cs"/>
+                  </a:defRPr>
+                </a:lvl3pPr>
+                <a:lvl4pPr marL="360000" indent="-180000" algn="l" defTabSz="914400" rtl="0" eaLnBrk="1" latinLnBrk="0" hangingPunct="1">
+                  <a:lnSpc>
+                    <a:spcPct val="107000"/>
+                  </a:lnSpc>
+                  <a:spcBef>
+                    <a:spcPts val="0"/>
+                  </a:spcBef>
+                  <a:spcAft>
+                    <a:spcPts val="425"/>
+                  </a:spcAft>
+                  <a:buFont typeface="Work Sans" panose="00000500000000000000" pitchFamily="2" charset="0"/>
+                  <a:buChar char="–"/>
+                  <a:defRPr sz="1800" kern="1200">
+                    <a:solidFill>
+                      <a:schemeClr val="tx1"/>
+                    </a:solidFill>
+                    <a:latin typeface="+mn-lt"/>
+                    <a:ea typeface="+mn-ea"/>
+                    <a:cs typeface="+mn-cs"/>
+                  </a:defRPr>
+                </a:lvl4pPr>
+                <a:lvl5pPr marL="540000" indent="-180000" algn="l" defTabSz="914400" rtl="0" eaLnBrk="1" latinLnBrk="0" hangingPunct="1">
+                  <a:lnSpc>
+                    <a:spcPct val="107000"/>
+                  </a:lnSpc>
+                  <a:spcBef>
+                    <a:spcPts val="0"/>
+                  </a:spcBef>
+                  <a:spcAft>
+                    <a:spcPts val="425"/>
+                  </a:spcAft>
+                  <a:buFont typeface="Work Sans" panose="00000500000000000000" pitchFamily="2" charset="0"/>
+                  <a:buChar char="–"/>
+                  <a:defRPr sz="1800" kern="1200">
+                    <a:solidFill>
+                      <a:schemeClr val="tx1"/>
+                    </a:solidFill>
+                    <a:latin typeface="+mn-lt"/>
+                    <a:ea typeface="+mn-ea"/>
+                    <a:cs typeface="+mn-cs"/>
+                  </a:defRPr>
+                </a:lvl5pPr>
+                <a:lvl6pPr marL="2514600" indent="-228600" algn="l" defTabSz="914400" rtl="0" eaLnBrk="1" latinLnBrk="0" hangingPunct="1">
+                  <a:lnSpc>
+                    <a:spcPct val="90000"/>
+                  </a:lnSpc>
+                  <a:spcBef>
+                    <a:spcPts val="500"/>
+                  </a:spcBef>
+                  <a:buFont typeface="Arial" panose="020B0604020202020204" pitchFamily="34" charset="0"/>
+                  <a:buChar char="•"/>
+                  <a:defRPr sz="1800" kern="1200">
+                    <a:solidFill>
+                      <a:schemeClr val="tx1"/>
+                    </a:solidFill>
+                    <a:latin typeface="+mn-lt"/>
+                    <a:ea typeface="+mn-ea"/>
+                    <a:cs typeface="+mn-cs"/>
+                  </a:defRPr>
+                </a:lvl6pPr>
+                <a:lvl7pPr marL="2971800" indent="-228600" algn="l" defTabSz="914400" rtl="0" eaLnBrk="1" latinLnBrk="0" hangingPunct="1">
+                  <a:lnSpc>
+                    <a:spcPct val="90000"/>
+                  </a:lnSpc>
+                  <a:spcBef>
+                    <a:spcPts val="500"/>
+                  </a:spcBef>
+                  <a:buFont typeface="Arial" panose="020B0604020202020204" pitchFamily="34" charset="0"/>
+                  <a:buChar char="•"/>
+                  <a:defRPr sz="1800" kern="1200">
+                    <a:solidFill>
+                      <a:schemeClr val="tx1"/>
+                    </a:solidFill>
+                    <a:latin typeface="+mn-lt"/>
+                    <a:ea typeface="+mn-ea"/>
+                    <a:cs typeface="+mn-cs"/>
+                  </a:defRPr>
+                </a:lvl7pPr>
+                <a:lvl8pPr marL="3429000" indent="-228600" algn="l" defTabSz="914400" rtl="0" eaLnBrk="1" latinLnBrk="0" hangingPunct="1">
+                  <a:lnSpc>
+                    <a:spcPct val="90000"/>
+                  </a:lnSpc>
+                  <a:spcBef>
+                    <a:spcPts val="500"/>
+                  </a:spcBef>
+                  <a:buFont typeface="Arial" panose="020B0604020202020204" pitchFamily="34" charset="0"/>
+                  <a:buChar char="•"/>
+                  <a:defRPr sz="1800" kern="1200">
+                    <a:solidFill>
+                      <a:schemeClr val="tx1"/>
+                    </a:solidFill>
+                    <a:latin typeface="+mn-lt"/>
+                    <a:ea typeface="+mn-ea"/>
+                    <a:cs typeface="+mn-cs"/>
+                  </a:defRPr>
+                </a:lvl8pPr>
+                <a:lvl9pPr marL="3886200" indent="-228600" algn="l" defTabSz="914400" rtl="0" eaLnBrk="1" latinLnBrk="0" hangingPunct="1">
+                  <a:lnSpc>
+                    <a:spcPct val="90000"/>
+                  </a:lnSpc>
+                  <a:spcBef>
+                    <a:spcPts val="500"/>
+                  </a:spcBef>
+                  <a:buFont typeface="Arial" panose="020B0604020202020204" pitchFamily="34" charset="0"/>
+                  <a:buChar char="•"/>
+                  <a:defRPr sz="1800" kern="1200">
+                    <a:solidFill>
+                      <a:schemeClr val="tx1"/>
+                    </a:solidFill>
+                    <a:latin typeface="+mn-lt"/>
+                    <a:ea typeface="+mn-ea"/>
+                    <a:cs typeface="+mn-cs"/>
+                  </a:defRPr>
+                </a:lvl9pPr>
+              </a:lstStyle>
               <a:p>
                 <a:pPr>
+                  <a:buFont typeface="Wingdings" panose="05000000000000000000" pitchFamily="2" charset="2"/>
                   <a:buNone/>
                 </a:pPr>
                 <a:r>
                   <a:rPr lang="de-DE" b="1" dirty="0"/>
-                  <a:t>Simulation des zeitlichen Verlaufs der Zustandsgrößen für </a:t>
+                  <a:t>Zeitlicher Verlauf von </a:t>
+                </a:r>
+                <a14:m>
+                  <m:oMath xmlns:m="http://schemas.openxmlformats.org/officeDocument/2006/math">
+                    <m:sSub>
+                      <m:sSubPr>
+                        <m:ctrlPr>
+                          <a:rPr lang="de-DE" b="1" i="1" smtClean="0">
+                            <a:latin typeface="Cambria Math" panose="02040503050406030204" pitchFamily="18" charset="0"/>
+                          </a:rPr>
+                        </m:ctrlPr>
+                      </m:sSubPr>
+                      <m:e>
+                        <m:r>
+                          <a:rPr lang="de-DE" b="1" i="1" smtClean="0">
+                            <a:latin typeface="Cambria Math" panose="02040503050406030204" pitchFamily="18" charset="0"/>
+                          </a:rPr>
+                          <m:t>𝑰</m:t>
+                        </m:r>
+                      </m:e>
+                      <m:sub>
+                        <m:r>
+                          <a:rPr lang="de-DE" b="1" i="1" smtClean="0">
+                            <a:latin typeface="Cambria Math" panose="02040503050406030204" pitchFamily="18" charset="0"/>
+                          </a:rPr>
+                          <m:t>𝑳</m:t>
+                        </m:r>
+                      </m:sub>
+                    </m:sSub>
+                  </m:oMath>
+                </a14:m>
+                <a:r>
+                  <a:rPr lang="de-DE" b="1" i="1" dirty="0"/>
+                  <a:t> </a:t>
+                </a:r>
+                <a:r>
+                  <a:rPr lang="de-DE" b="1" dirty="0"/>
+                  <a:t>für </a:t>
                 </a:r>
                 <a14:m>
                   <m:oMath xmlns:m="http://schemas.openxmlformats.org/officeDocument/2006/math">
@@ -15904,292 +17848,10 @@
         <mc:Fallback>
           <p:sp>
             <p:nvSpPr>
-              <p:cNvPr id="3" name="Inhaltsplatzhalter 2">
+              <p:cNvPr id="10" name="Inhaltsplatzhalter 2">
                 <a:extLst>
                   <a:ext uri="{FF2B5EF4-FFF2-40B4-BE49-F238E27FC236}">
-                    <a16:creationId xmlns:a16="http://schemas.microsoft.com/office/drawing/2014/main" id="{717675F1-C335-703B-0F17-28E20DCB8488}"/>
-                  </a:ext>
-                </a:extLst>
-              </p:cNvPr>
-              <p:cNvSpPr>
-                <a:spLocks noGrp="1" noRot="1" noChangeAspect="1" noMove="1" noResize="1" noEditPoints="1" noAdjustHandles="1" noChangeArrowheads="1" noChangeShapeType="1" noTextEdit="1"/>
-              </p:cNvSpPr>
-              <p:nvPr>
-                <p:ph idx="1"/>
-              </p:nvPr>
-            </p:nvSpPr>
-            <p:spPr>
-              <a:blipFill>
-                <a:blip r:embed="rId2"/>
-                <a:stretch>
-                  <a:fillRect l="-1474" t="-1299"/>
-                </a:stretch>
-              </a:blipFill>
-            </p:spPr>
-            <p:txBody>
-              <a:bodyPr/>
-              <a:lstStyle/>
-              <a:p>
-                <a:r>
-                  <a:rPr lang="de-DE">
-                    <a:noFill/>
-                  </a:rPr>
-                  <a:t> </a:t>
-                </a:r>
-              </a:p>
-            </p:txBody>
-          </p:sp>
-        </mc:Fallback>
-      </mc:AlternateContent>
-      <p:sp>
-        <p:nvSpPr>
-          <p:cNvPr id="4" name="Fußzeilenplatzhalter 3">
-            <a:extLst>
-              <a:ext uri="{FF2B5EF4-FFF2-40B4-BE49-F238E27FC236}">
-                <a16:creationId xmlns:a16="http://schemas.microsoft.com/office/drawing/2014/main" id="{E403D064-97A4-9F05-9BAB-621447C90BC5}"/>
-              </a:ext>
-            </a:extLst>
-          </p:cNvPr>
-          <p:cNvSpPr>
-            <a:spLocks noGrp="1"/>
-          </p:cNvSpPr>
-          <p:nvPr>
-            <p:ph type="ftr" sz="quarter" idx="11"/>
-          </p:nvPr>
-        </p:nvSpPr>
-        <p:spPr/>
-        <p:txBody>
-          <a:bodyPr/>
-          <a:lstStyle/>
-          <a:p>
-            <a:r>
-              <a:rPr lang="de-DE"/>
-              <a:t>Lennart und Richard Mende, 25EIM-AT, E144 Regelungstheorie, Prof. Dr.-Ing. Hendrik Richter</a:t>
-            </a:r>
-            <a:endParaRPr lang="de-DE" dirty="0"/>
-          </a:p>
-        </p:txBody>
-      </p:sp>
-      <p:sp>
-        <p:nvSpPr>
-          <p:cNvPr id="5" name="Foliennummernplatzhalter 4">
-            <a:extLst>
-              <a:ext uri="{FF2B5EF4-FFF2-40B4-BE49-F238E27FC236}">
-                <a16:creationId xmlns:a16="http://schemas.microsoft.com/office/drawing/2014/main" id="{4FC490BE-981F-10D9-5A44-61FD9B410C35}"/>
-              </a:ext>
-            </a:extLst>
-          </p:cNvPr>
-          <p:cNvSpPr>
-            <a:spLocks noGrp="1"/>
-          </p:cNvSpPr>
-          <p:nvPr>
-            <p:ph type="sldNum" sz="quarter" idx="12"/>
-          </p:nvPr>
-        </p:nvSpPr>
-        <p:spPr/>
-        <p:txBody>
-          <a:bodyPr/>
-          <a:lstStyle/>
-          <a:p>
-            <a:fld id="{5DDB454C-C8BB-450C-A446-EA3D813FE484}" type="slidenum">
-              <a:rPr lang="de-DE" smtClean="0"/>
-              <a:t>9</a:t>
-            </a:fld>
-            <a:endParaRPr lang="de-DE"/>
-          </a:p>
-        </p:txBody>
-      </p:sp>
-      <p:pic>
-        <p:nvPicPr>
-          <p:cNvPr id="7" name="Grafik 6" descr="Ein Bild, das Screenshot, Text enthält.&#10;&#10;KI-generierte Inhalte können fehlerhaft sein.">
-            <a:extLst>
-              <a:ext uri="{FF2B5EF4-FFF2-40B4-BE49-F238E27FC236}">
-                <a16:creationId xmlns:a16="http://schemas.microsoft.com/office/drawing/2014/main" id="{C9B50277-CCDC-10C9-6C2C-712E91A36F1B}"/>
-              </a:ext>
-            </a:extLst>
-          </p:cNvPr>
-          <p:cNvPicPr>
-            <a:picLocks noChangeAspect="1"/>
-          </p:cNvPicPr>
-          <p:nvPr/>
-        </p:nvPicPr>
-        <p:blipFill>
-          <a:blip r:embed="rId3">
-            <a:extLst>
-              <a:ext uri="{28A0092B-C50C-407E-A947-70E740481C1C}">
-                <a14:useLocalDpi xmlns:a14="http://schemas.microsoft.com/office/drawing/2010/main" val="0"/>
-              </a:ext>
-            </a:extLst>
-          </a:blip>
-          <a:stretch>
-            <a:fillRect/>
-          </a:stretch>
-        </p:blipFill>
-        <p:spPr>
-          <a:xfrm>
-            <a:off x="1378799" y="1954800"/>
-            <a:ext cx="7143529" cy="3960000"/>
-          </a:xfrm>
-          <a:prstGeom prst="rect">
-            <a:avLst/>
-          </a:prstGeom>
-        </p:spPr>
-      </p:pic>
-      <mc:AlternateContent xmlns:mc="http://schemas.openxmlformats.org/markup-compatibility/2006">
-        <mc:Choice xmlns:a14="http://schemas.microsoft.com/office/drawing/2010/main" Requires="a14">
-          <p:sp>
-            <p:nvSpPr>
-              <p:cNvPr id="8" name="Textfeld 7">
-                <a:extLst>
-                  <a:ext uri="{FF2B5EF4-FFF2-40B4-BE49-F238E27FC236}">
-                    <a16:creationId xmlns:a16="http://schemas.microsoft.com/office/drawing/2014/main" id="{7887D28C-591A-F09F-A19F-242CDC980E46}"/>
-                  </a:ext>
-                </a:extLst>
-              </p:cNvPr>
-              <p:cNvSpPr txBox="1"/>
-              <p:nvPr/>
-            </p:nvSpPr>
-            <p:spPr>
-              <a:xfrm>
-                <a:off x="8654285" y="4582466"/>
-                <a:ext cx="1856697" cy="400110"/>
-              </a:xfrm>
-              <a:prstGeom prst="rect">
-                <a:avLst/>
-              </a:prstGeom>
-              <a:noFill/>
-              <a:ln>
-                <a:solidFill>
-                  <a:schemeClr val="tx1"/>
-                </a:solidFill>
-              </a:ln>
-            </p:spPr>
-            <p:txBody>
-              <a:bodyPr wrap="square" rtlCol="0">
-                <a:spAutoFit/>
-              </a:bodyPr>
-              <a:lstStyle/>
-              <a:p>
-                <a:pPr/>
-                <a14:m>
-                  <m:oMathPara xmlns:m="http://schemas.openxmlformats.org/officeDocument/2006/math">
-                    <m:oMathParaPr>
-                      <m:jc m:val="centerGroup"/>
-                    </m:oMathParaPr>
-                    <m:oMath xmlns:m="http://schemas.openxmlformats.org/officeDocument/2006/math">
-                      <m:sSub>
-                        <m:sSubPr>
-                          <m:ctrlPr>
-                            <a:rPr lang="de-DE" sz="2000" i="1">
-                              <a:latin typeface="Cambria Math" panose="02040503050406030204" pitchFamily="18" charset="0"/>
-                            </a:rPr>
-                          </m:ctrlPr>
-                        </m:sSubPr>
-                        <m:e>
-                          <m:acc>
-                            <m:accPr>
-                              <m:chr m:val="̅"/>
-                              <m:ctrlPr>
-                                <a:rPr lang="de-DE" sz="2000" i="1">
-                                  <a:latin typeface="Cambria Math" panose="02040503050406030204" pitchFamily="18" charset="0"/>
-                                </a:rPr>
-                              </m:ctrlPr>
-                            </m:accPr>
-                            <m:e>
-                              <m:r>
-                                <a:rPr lang="de-DE" sz="2000" i="1">
-                                  <a:latin typeface="Cambria Math" panose="02040503050406030204" pitchFamily="18" charset="0"/>
-                                </a:rPr>
-                                <m:t>𝐼</m:t>
-                              </m:r>
-                            </m:e>
-                          </m:acc>
-                        </m:e>
-                        <m:sub>
-                          <m:r>
-                            <a:rPr lang="de-DE" sz="2000" b="0" i="1" smtClean="0">
-                              <a:latin typeface="Cambria Math" panose="02040503050406030204" pitchFamily="18" charset="0"/>
-                            </a:rPr>
-                            <m:t>𝐿</m:t>
-                          </m:r>
-                        </m:sub>
-                      </m:sSub>
-                      <m:r>
-                        <a:rPr lang="de-DE" sz="2000" b="0" i="1" smtClean="0">
-                          <a:latin typeface="Cambria Math" panose="02040503050406030204" pitchFamily="18" charset="0"/>
-                        </a:rPr>
-                        <m:t>=</m:t>
-                      </m:r>
-                      <m:sSub>
-                        <m:sSubPr>
-                          <m:ctrlPr>
-                            <a:rPr lang="de-DE" sz="2000" i="1">
-                              <a:latin typeface="Cambria Math" panose="02040503050406030204" pitchFamily="18" charset="0"/>
-                            </a:rPr>
-                          </m:ctrlPr>
-                        </m:sSubPr>
-                        <m:e>
-                          <m:acc>
-                            <m:accPr>
-                              <m:chr m:val="̅"/>
-                              <m:ctrlPr>
-                                <a:rPr lang="de-DE" sz="2000" i="1">
-                                  <a:latin typeface="Cambria Math" panose="02040503050406030204" pitchFamily="18" charset="0"/>
-                                </a:rPr>
-                              </m:ctrlPr>
-                            </m:accPr>
-                            <m:e>
-                              <m:r>
-                                <a:rPr lang="de-DE" sz="2000" i="1">
-                                  <a:latin typeface="Cambria Math" panose="02040503050406030204" pitchFamily="18" charset="0"/>
-                                </a:rPr>
-                                <m:t>𝐼</m:t>
-                              </m:r>
-                            </m:e>
-                          </m:acc>
-                        </m:e>
-                        <m:sub>
-                          <m:r>
-                            <a:rPr lang="de-DE" sz="2000" b="0" i="1" smtClean="0">
-                              <a:latin typeface="Cambria Math" panose="02040503050406030204" pitchFamily="18" charset="0"/>
-                            </a:rPr>
-                            <m:t>0</m:t>
-                          </m:r>
-                        </m:sub>
-                      </m:sSub>
-                      <m:r>
-                        <a:rPr lang="de-DE" sz="2000" b="0" i="1" smtClean="0">
-                          <a:latin typeface="Cambria Math" panose="02040503050406030204" pitchFamily="18" charset="0"/>
-                        </a:rPr>
-                        <m:t>=</m:t>
-                      </m:r>
-                      <m:r>
-                        <a:rPr lang="de-DE" sz="2000" b="0" i="1" smtClean="0">
-                          <a:latin typeface="Cambria Math" panose="02040503050406030204" pitchFamily="18" charset="0"/>
-                        </a:rPr>
-                        <m:t>2 </m:t>
-                      </m:r>
-                      <m:r>
-                        <a:rPr lang="de-DE" sz="2000" b="0" i="1" smtClean="0">
-                          <a:latin typeface="Cambria Math" panose="02040503050406030204" pitchFamily="18" charset="0"/>
-                        </a:rPr>
-                        <m:t>𝑚𝐴</m:t>
-                      </m:r>
-                    </m:oMath>
-                  </m:oMathPara>
-                </a14:m>
-                <a:endParaRPr lang="de-DE" sz="2000" i="1" dirty="0"/>
-              </a:p>
-            </p:txBody>
-          </p:sp>
-        </mc:Choice>
-        <mc:Fallback>
-          <p:sp>
-            <p:nvSpPr>
-              <p:cNvPr id="8" name="Textfeld 7">
-                <a:extLst>
-                  <a:ext uri="{FF2B5EF4-FFF2-40B4-BE49-F238E27FC236}">
-                    <a16:creationId xmlns:a16="http://schemas.microsoft.com/office/drawing/2014/main" id="{7887D28C-591A-F09F-A19F-242CDC980E46}"/>
+                    <a16:creationId xmlns:a16="http://schemas.microsoft.com/office/drawing/2014/main" id="{CC8E4A64-E190-54EA-9FE1-384F01AC85F9}"/>
                   </a:ext>
                 </a:extLst>
               </p:cNvPr>
@@ -16200,23 +17862,18 @@
             </p:nvSpPr>
             <p:spPr>
               <a:xfrm>
-                <a:off x="8654285" y="4582466"/>
-                <a:ext cx="1856697" cy="400110"/>
+                <a:off x="1379524" y="1445220"/>
+                <a:ext cx="10094927" cy="4690468"/>
               </a:xfrm>
               <a:prstGeom prst="rect">
                 <a:avLst/>
               </a:prstGeom>
               <a:blipFill>
-                <a:blip r:embed="rId4"/>
+                <a:blip r:embed="rId5"/>
                 <a:stretch>
-                  <a:fillRect b="-1493"/>
+                  <a:fillRect l="-1510" t="-1299"/>
                 </a:stretch>
               </a:blipFill>
-              <a:ln>
-                <a:solidFill>
-                  <a:schemeClr val="tx1"/>
-                </a:solidFill>
-              </a:ln>
             </p:spPr>
             <p:txBody>
               <a:bodyPr/>

--- a/Zwischenpräsentation.pptx
+++ b/Zwischenpräsentation.pptx
@@ -8,7 +8,7 @@
     <p:sldMasterId id="2147483693" r:id="rId4"/>
   </p:sldMasterIdLst>
   <p:notesMasterIdLst>
-    <p:notesMasterId r:id="rId18"/>
+    <p:notesMasterId r:id="rId16"/>
   </p:notesMasterIdLst>
   <p:sldIdLst>
     <p:sldId id="256" r:id="rId5"/>
@@ -17,13 +17,11 @@
     <p:sldId id="259" r:id="rId8"/>
     <p:sldId id="260" r:id="rId9"/>
     <p:sldId id="263" r:id="rId10"/>
-    <p:sldId id="264" r:id="rId11"/>
-    <p:sldId id="266" r:id="rId12"/>
-    <p:sldId id="267" r:id="rId13"/>
-    <p:sldId id="265" r:id="rId14"/>
-    <p:sldId id="268" r:id="rId15"/>
-    <p:sldId id="269" r:id="rId16"/>
-    <p:sldId id="262" r:id="rId17"/>
+    <p:sldId id="270" r:id="rId11"/>
+    <p:sldId id="265" r:id="rId12"/>
+    <p:sldId id="271" r:id="rId13"/>
+    <p:sldId id="272" r:id="rId14"/>
+    <p:sldId id="262" r:id="rId15"/>
   </p:sldIdLst>
   <p:sldSz cx="12192000" cy="6858000"/>
   <p:notesSz cx="6858000" cy="9144000"/>
@@ -273,7 +271,7 @@
           <a:p>
             <a:fld id="{028B6593-098D-4382-9647-35487FA190B4}" type="datetimeFigureOut">
               <a:rPr lang="de-DE" smtClean="0"/>
-              <a:t>09.12.2025</a:t>
+              <a:t>13.12.2025</a:t>
             </a:fld>
             <a:endParaRPr lang="de-DE"/>
           </a:p>
@@ -622,7 +620,7 @@
             <a:fld id="{BFBAF385-7378-4A32-85D2-65025305A3A0}" type="datetime4">
               <a:rPr lang="de-DE" smtClean="0"/>
               <a:pPr/>
-              <a:t>9. Dezember 2025</a:t>
+              <a:t>13. Dezember 2025</a:t>
             </a:fld>
             <a:endParaRPr lang="de-DE" dirty="0"/>
           </a:p>
@@ -1157,7 +1155,7 @@
             <a:fld id="{E4612975-D8C2-4BA9-A85C-A39EEEE43493}" type="datetime4">
               <a:rPr lang="de-DE" smtClean="0"/>
               <a:pPr/>
-              <a:t>9. Dezember 2025</a:t>
+              <a:t>13. Dezember 2025</a:t>
             </a:fld>
             <a:endParaRPr lang="de-DE" dirty="0"/>
           </a:p>
@@ -1665,7 +1663,7 @@
             <a:fld id="{BFBAF385-7378-4A32-85D2-65025305A3A0}" type="datetime4">
               <a:rPr lang="de-DE" smtClean="0"/>
               <a:pPr/>
-              <a:t>9. Dezember 2025</a:t>
+              <a:t>13. Dezember 2025</a:t>
             </a:fld>
             <a:endParaRPr lang="de-DE" dirty="0"/>
           </a:p>
@@ -2200,7 +2198,7 @@
             <a:fld id="{E4612975-D8C2-4BA9-A85C-A39EEEE43493}" type="datetime4">
               <a:rPr lang="de-DE" smtClean="0"/>
               <a:pPr/>
-              <a:t>9. Dezember 2025</a:t>
+              <a:t>13. Dezember 2025</a:t>
             </a:fld>
             <a:endParaRPr lang="de-DE" dirty="0"/>
           </a:p>
@@ -2923,7 +2921,7 @@
             <a:fld id="{E4612975-D8C2-4BA9-A85C-A39EEEE43493}" type="datetime4">
               <a:rPr lang="de-DE" smtClean="0"/>
               <a:pPr/>
-              <a:t>9. Dezember 2025</a:t>
+              <a:t>13. Dezember 2025</a:t>
             </a:fld>
             <a:endParaRPr lang="de-DE" dirty="0"/>
           </a:p>
@@ -3418,7 +3416,7 @@
             <a:fld id="{BFBAF385-7378-4A32-85D2-65025305A3A0}" type="datetime4">
               <a:rPr lang="de-DE" smtClean="0"/>
               <a:pPr/>
-              <a:t>9. Dezember 2025</a:t>
+              <a:t>13. Dezember 2025</a:t>
             </a:fld>
             <a:endParaRPr lang="de-DE" dirty="0"/>
           </a:p>
@@ -3953,7 +3951,7 @@
             <a:fld id="{E4612975-D8C2-4BA9-A85C-A39EEEE43493}" type="datetime4">
               <a:rPr lang="de-DE" smtClean="0"/>
               <a:pPr/>
-              <a:t>9. Dezember 2025</a:t>
+              <a:t>13. Dezember 2025</a:t>
             </a:fld>
             <a:endParaRPr lang="de-DE" dirty="0"/>
           </a:p>
@@ -4448,7 +4446,7 @@
             <a:fld id="{BFBAF385-7378-4A32-85D2-65025305A3A0}" type="datetime4">
               <a:rPr lang="de-DE" smtClean="0"/>
               <a:pPr/>
-              <a:t>9. Dezember 2025</a:t>
+              <a:t>13. Dezember 2025</a:t>
             </a:fld>
             <a:endParaRPr lang="de-DE" dirty="0"/>
           </a:p>
@@ -7698,7 +7696,7 @@
             <a:fld id="{BFBAF385-7378-4A32-85D2-65025305A3A0}" type="datetime4">
               <a:rPr lang="de-DE" smtClean="0"/>
               <a:pPr/>
-              <a:t>9. Dezember 2025</a:t>
+              <a:t>13. Dezember 2025</a:t>
             </a:fld>
             <a:endParaRPr lang="de-DE" dirty="0"/>
           </a:p>
@@ -7772,8 +7770,8 @@
           </a:p>
           <a:p>
             <a:r>
-              <a:rPr lang="de-DE" sz="3200" b="1" dirty="0"/>
-              <a:t>Lennart und Richard Mende, 25EIM-AT</a:t>
+              <a:rPr lang="de-DE" sz="2400" b="1" dirty="0"/>
+              <a:t>Lennart und Richard Mende (25EIM-AT)</a:t>
             </a:r>
           </a:p>
         </p:txBody>
@@ -7849,7 +7847,7 @@
         <p:cNvPr id="1" name="">
           <a:extLst>
             <a:ext uri="{FF2B5EF4-FFF2-40B4-BE49-F238E27FC236}">
-              <a16:creationId xmlns:a16="http://schemas.microsoft.com/office/drawing/2014/main" id="{85AD054F-5114-7560-A8EB-31721C46010F}"/>
+              <a16:creationId xmlns:a16="http://schemas.microsoft.com/office/drawing/2014/main" id="{056344E4-5159-8480-866E-6599BFDF27F2}"/>
             </a:ext>
           </a:extLst>
         </p:cNvPr>
@@ -7869,702 +7867,7 @@
           <p:cNvPr id="2" name="Titel 1">
             <a:extLst>
               <a:ext uri="{FF2B5EF4-FFF2-40B4-BE49-F238E27FC236}">
-                <a16:creationId xmlns:a16="http://schemas.microsoft.com/office/drawing/2014/main" id="{01986A89-3942-E98D-D6A9-AA7443CC70E2}"/>
-              </a:ext>
-            </a:extLst>
-          </p:cNvPr>
-          <p:cNvSpPr>
-            <a:spLocks noGrp="1"/>
-          </p:cNvSpPr>
-          <p:nvPr>
-            <p:ph type="title"/>
-          </p:nvPr>
-        </p:nvSpPr>
-        <p:spPr/>
-        <p:txBody>
-          <a:bodyPr/>
-          <a:lstStyle/>
-          <a:p>
-            <a:pPr marL="514350" indent="-514350">
-              <a:buFont typeface="+mj-lt"/>
-              <a:buAutoNum type="arabicPeriod" startAt="3"/>
-            </a:pPr>
-            <a:r>
-              <a:rPr lang="de-DE" dirty="0"/>
-              <a:t>Simulink-Modell der Regelstrecke</a:t>
-            </a:r>
-          </a:p>
-        </p:txBody>
-      </p:sp>
-      <mc:AlternateContent xmlns:mc="http://schemas.openxmlformats.org/markup-compatibility/2006">
-        <mc:Choice xmlns:a14="http://schemas.microsoft.com/office/drawing/2010/main" Requires="a14">
-          <p:sp>
-            <p:nvSpPr>
-              <p:cNvPr id="3" name="Inhaltsplatzhalter 2">
-                <a:extLst>
-                  <a:ext uri="{FF2B5EF4-FFF2-40B4-BE49-F238E27FC236}">
-                    <a16:creationId xmlns:a16="http://schemas.microsoft.com/office/drawing/2014/main" id="{91447967-627B-6054-1655-E5994606025F}"/>
-                  </a:ext>
-                </a:extLst>
-              </p:cNvPr>
-              <p:cNvSpPr>
-                <a:spLocks noGrp="1"/>
-              </p:cNvSpPr>
-              <p:nvPr>
-                <p:ph idx="1"/>
-              </p:nvPr>
-            </p:nvSpPr>
-            <p:spPr>
-              <a:xfrm>
-                <a:off x="3737399" y="1498914"/>
-                <a:ext cx="4717200" cy="4555844"/>
-              </a:xfrm>
-            </p:spPr>
-            <p:txBody>
-              <a:bodyPr anchor="t"/>
-              <a:lstStyle/>
-              <a:p>
-                <a:pPr>
-                  <a:buNone/>
-                </a:pPr>
-                <a:r>
-                  <a:rPr lang="de-DE" b="1" dirty="0"/>
-                  <a:t>Zeitlicher Verlauf von </a:t>
-                </a:r>
-                <a14:m>
-                  <m:oMath xmlns:m="http://schemas.openxmlformats.org/officeDocument/2006/math">
-                    <m:sSub>
-                      <m:sSubPr>
-                        <m:ctrlPr>
-                          <a:rPr lang="de-DE" b="1" i="1">
-                            <a:latin typeface="Cambria Math" panose="02040503050406030204" pitchFamily="18" charset="0"/>
-                          </a:rPr>
-                        </m:ctrlPr>
-                      </m:sSubPr>
-                      <m:e>
-                        <m:r>
-                          <a:rPr lang="de-DE" b="1" i="1">
-                            <a:latin typeface="Cambria Math" panose="02040503050406030204" pitchFamily="18" charset="0"/>
-                          </a:rPr>
-                          <m:t>𝑼</m:t>
-                        </m:r>
-                      </m:e>
-                      <m:sub>
-                        <m:r>
-                          <a:rPr lang="de-DE" b="1" i="1">
-                            <a:latin typeface="Cambria Math" panose="02040503050406030204" pitchFamily="18" charset="0"/>
-                          </a:rPr>
-                          <m:t>𝟏</m:t>
-                        </m:r>
-                      </m:sub>
-                    </m:sSub>
-                    <m:r>
-                      <a:rPr lang="de-DE" b="1" i="1">
-                        <a:latin typeface="Cambria Math" panose="02040503050406030204" pitchFamily="18" charset="0"/>
-                      </a:rPr>
-                      <m:t> </m:t>
-                    </m:r>
-                  </m:oMath>
-                </a14:m>
-                <a:r>
-                  <a:rPr lang="de-DE" b="1" dirty="0"/>
-                  <a:t>für </a:t>
-                </a:r>
-                <a14:m>
-                  <m:oMath xmlns:m="http://schemas.openxmlformats.org/officeDocument/2006/math">
-                    <m:sSub>
-                      <m:sSubPr>
-                        <m:ctrlPr>
-                          <a:rPr lang="de-DE" b="1" i="1">
-                            <a:latin typeface="Cambria Math" panose="02040503050406030204" pitchFamily="18" charset="0"/>
-                          </a:rPr>
-                        </m:ctrlPr>
-                      </m:sSubPr>
-                      <m:e>
-                        <m:acc>
-                          <m:accPr>
-                            <m:chr m:val="̅"/>
-                            <m:ctrlPr>
-                              <a:rPr lang="de-DE" b="1" i="1">
-                                <a:latin typeface="Cambria Math" panose="02040503050406030204" pitchFamily="18" charset="0"/>
-                              </a:rPr>
-                            </m:ctrlPr>
-                          </m:accPr>
-                          <m:e>
-                            <m:r>
-                              <a:rPr lang="de-DE" b="1" i="1">
-                                <a:latin typeface="Cambria Math" panose="02040503050406030204" pitchFamily="18" charset="0"/>
-                              </a:rPr>
-                              <m:t>𝑰</m:t>
-                            </m:r>
-                          </m:e>
-                        </m:acc>
-                      </m:e>
-                      <m:sub>
-                        <m:r>
-                          <a:rPr lang="de-DE" b="1" i="1">
-                            <a:latin typeface="Cambria Math" panose="02040503050406030204" pitchFamily="18" charset="0"/>
-                          </a:rPr>
-                          <m:t>𝟎</m:t>
-                        </m:r>
-                      </m:sub>
-                    </m:sSub>
-                    <m:r>
-                      <a:rPr lang="de-DE" b="1" i="1" smtClean="0">
-                        <a:latin typeface="Cambria Math" panose="02040503050406030204" pitchFamily="18" charset="0"/>
-                      </a:rPr>
-                      <m:t>&gt;</m:t>
-                    </m:r>
-                    <m:sSub>
-                      <m:sSubPr>
-                        <m:ctrlPr>
-                          <a:rPr lang="de-DE" b="1" i="1">
-                            <a:latin typeface="Cambria Math" panose="02040503050406030204" pitchFamily="18" charset="0"/>
-                          </a:rPr>
-                        </m:ctrlPr>
-                      </m:sSubPr>
-                      <m:e>
-                        <m:acc>
-                          <m:accPr>
-                            <m:chr m:val="̅"/>
-                            <m:ctrlPr>
-                              <a:rPr lang="de-DE" b="1" i="1">
-                                <a:latin typeface="Cambria Math" panose="02040503050406030204" pitchFamily="18" charset="0"/>
-                              </a:rPr>
-                            </m:ctrlPr>
-                          </m:accPr>
-                          <m:e>
-                            <m:r>
-                              <a:rPr lang="de-DE" b="1" i="1">
-                                <a:latin typeface="Cambria Math" panose="02040503050406030204" pitchFamily="18" charset="0"/>
-                              </a:rPr>
-                              <m:t>𝑰</m:t>
-                            </m:r>
-                          </m:e>
-                        </m:acc>
-                      </m:e>
-                      <m:sub>
-                        <m:r>
-                          <a:rPr lang="de-DE" b="1" i="1">
-                            <a:latin typeface="Cambria Math" panose="02040503050406030204" pitchFamily="18" charset="0"/>
-                          </a:rPr>
-                          <m:t>𝟎</m:t>
-                        </m:r>
-                        <m:r>
-                          <a:rPr lang="de-DE" b="1" i="1">
-                            <a:latin typeface="Cambria Math" panose="02040503050406030204" pitchFamily="18" charset="0"/>
-                          </a:rPr>
-                          <m:t>,</m:t>
-                        </m:r>
-                        <m:r>
-                          <a:rPr lang="de-DE" b="1" i="1">
-                            <a:latin typeface="Cambria Math" panose="02040503050406030204" pitchFamily="18" charset="0"/>
-                          </a:rPr>
-                          <m:t>𝒌𝒓𝒊𝒕</m:t>
-                        </m:r>
-                      </m:sub>
-                    </m:sSub>
-                  </m:oMath>
-                </a14:m>
-                <a:endParaRPr lang="de-DE" b="1" i="1" dirty="0"/>
-              </a:p>
-            </p:txBody>
-          </p:sp>
-        </mc:Choice>
-        <mc:Fallback>
-          <p:sp>
-            <p:nvSpPr>
-              <p:cNvPr id="3" name="Inhaltsplatzhalter 2">
-                <a:extLst>
-                  <a:ext uri="{FF2B5EF4-FFF2-40B4-BE49-F238E27FC236}">
-                    <a16:creationId xmlns:a16="http://schemas.microsoft.com/office/drawing/2014/main" id="{91447967-627B-6054-1655-E5994606025F}"/>
-                  </a:ext>
-                </a:extLst>
-              </p:cNvPr>
-              <p:cNvSpPr>
-                <a:spLocks noGrp="1" noRot="1" noChangeAspect="1" noMove="1" noResize="1" noEditPoints="1" noAdjustHandles="1" noChangeArrowheads="1" noChangeShapeType="1" noTextEdit="1"/>
-              </p:cNvSpPr>
-              <p:nvPr>
-                <p:ph idx="1"/>
-              </p:nvPr>
-            </p:nvSpPr>
-            <p:spPr>
-              <a:xfrm>
-                <a:off x="3737399" y="1498914"/>
-                <a:ext cx="4717200" cy="4555844"/>
-              </a:xfrm>
-              <a:blipFill>
-                <a:blip r:embed="rId2"/>
-                <a:stretch>
-                  <a:fillRect l="-3230" t="-1339"/>
-                </a:stretch>
-              </a:blipFill>
-            </p:spPr>
-            <p:txBody>
-              <a:bodyPr/>
-              <a:lstStyle/>
-              <a:p>
-                <a:r>
-                  <a:rPr lang="de-DE">
-                    <a:noFill/>
-                  </a:rPr>
-                  <a:t> </a:t>
-                </a:r>
-              </a:p>
-            </p:txBody>
-          </p:sp>
-        </mc:Fallback>
-      </mc:AlternateContent>
-      <p:sp>
-        <p:nvSpPr>
-          <p:cNvPr id="4" name="Fußzeilenplatzhalter 3">
-            <a:extLst>
-              <a:ext uri="{FF2B5EF4-FFF2-40B4-BE49-F238E27FC236}">
-                <a16:creationId xmlns:a16="http://schemas.microsoft.com/office/drawing/2014/main" id="{2ACA0057-9436-9A4E-F45B-59116793B4DF}"/>
-              </a:ext>
-            </a:extLst>
-          </p:cNvPr>
-          <p:cNvSpPr>
-            <a:spLocks noGrp="1"/>
-          </p:cNvSpPr>
-          <p:nvPr>
-            <p:ph type="ftr" sz="quarter" idx="11"/>
-          </p:nvPr>
-        </p:nvSpPr>
-        <p:spPr/>
-        <p:txBody>
-          <a:bodyPr/>
-          <a:lstStyle/>
-          <a:p>
-            <a:r>
-              <a:rPr lang="de-DE"/>
-              <a:t>Lennart und Richard Mende, 25EIM-AT, E144 Regelungstheorie, Prof. Dr.-Ing. Hendrik Richter</a:t>
-            </a:r>
-            <a:endParaRPr lang="de-DE" dirty="0"/>
-          </a:p>
-        </p:txBody>
-      </p:sp>
-      <p:sp>
-        <p:nvSpPr>
-          <p:cNvPr id="5" name="Foliennummernplatzhalter 4">
-            <a:extLst>
-              <a:ext uri="{FF2B5EF4-FFF2-40B4-BE49-F238E27FC236}">
-                <a16:creationId xmlns:a16="http://schemas.microsoft.com/office/drawing/2014/main" id="{CC45B8F3-E7F9-3614-78D9-94308EEFC298}"/>
-              </a:ext>
-            </a:extLst>
-          </p:cNvPr>
-          <p:cNvSpPr>
-            <a:spLocks noGrp="1"/>
-          </p:cNvSpPr>
-          <p:nvPr>
-            <p:ph type="sldNum" sz="quarter" idx="12"/>
-          </p:nvPr>
-        </p:nvSpPr>
-        <p:spPr/>
-        <p:txBody>
-          <a:bodyPr/>
-          <a:lstStyle/>
-          <a:p>
-            <a:fld id="{5DDB454C-C8BB-450C-A446-EA3D813FE484}" type="slidenum">
-              <a:rPr lang="de-DE" smtClean="0"/>
-              <a:t>10</a:t>
-            </a:fld>
-            <a:endParaRPr lang="de-DE"/>
-          </a:p>
-        </p:txBody>
-      </p:sp>
-      <p:pic>
-        <p:nvPicPr>
-          <p:cNvPr id="8" name="Grafik 7">
-            <a:extLst>
-              <a:ext uri="{FF2B5EF4-FFF2-40B4-BE49-F238E27FC236}">
-                <a16:creationId xmlns:a16="http://schemas.microsoft.com/office/drawing/2014/main" id="{F21CA743-C2D4-9A17-8F09-B209992896F8}"/>
-              </a:ext>
-            </a:extLst>
-          </p:cNvPr>
-          <p:cNvPicPr>
-            <a:picLocks noChangeAspect="1"/>
-          </p:cNvPicPr>
-          <p:nvPr/>
-        </p:nvPicPr>
-        <p:blipFill>
-          <a:blip r:embed="rId3">
-            <a:extLst>
-              <a:ext uri="{28A0092B-C50C-407E-A947-70E740481C1C}">
-                <a14:useLocalDpi xmlns:a14="http://schemas.microsoft.com/office/drawing/2010/main" val="0"/>
-              </a:ext>
-            </a:extLst>
-          </a:blip>
-          <a:stretch>
-            <a:fillRect/>
-          </a:stretch>
-        </p:blipFill>
-        <p:spPr>
-          <a:xfrm>
-            <a:off x="448573" y="2479086"/>
-            <a:ext cx="5316480" cy="2880000"/>
-          </a:xfrm>
-          <a:prstGeom prst="rect">
-            <a:avLst/>
-          </a:prstGeom>
-        </p:spPr>
-      </p:pic>
-      <p:pic>
-        <p:nvPicPr>
-          <p:cNvPr id="10" name="Grafik 9" descr="Ein Bild, das Screenshot, Reihe enthält.&#10;&#10;KI-generierte Inhalte können fehlerhaft sein.">
-            <a:extLst>
-              <a:ext uri="{FF2B5EF4-FFF2-40B4-BE49-F238E27FC236}">
-                <a16:creationId xmlns:a16="http://schemas.microsoft.com/office/drawing/2014/main" id="{D284A13B-5C35-C2F2-78DE-E13AFE79E99A}"/>
-              </a:ext>
-            </a:extLst>
-          </p:cNvPr>
-          <p:cNvPicPr>
-            <a:picLocks noChangeAspect="1"/>
-          </p:cNvPicPr>
-          <p:nvPr/>
-        </p:nvPicPr>
-        <p:blipFill>
-          <a:blip r:embed="rId4">
-            <a:extLst>
-              <a:ext uri="{28A0092B-C50C-407E-A947-70E740481C1C}">
-                <a14:useLocalDpi xmlns:a14="http://schemas.microsoft.com/office/drawing/2010/main" val="0"/>
-              </a:ext>
-            </a:extLst>
-          </a:blip>
-          <a:stretch>
-            <a:fillRect/>
-          </a:stretch>
-        </p:blipFill>
-        <p:spPr>
-          <a:xfrm>
-            <a:off x="6426948" y="2479086"/>
-            <a:ext cx="5219054" cy="2880000"/>
-          </a:xfrm>
-          <a:prstGeom prst="rect">
-            <a:avLst/>
-          </a:prstGeom>
-        </p:spPr>
-      </p:pic>
-      <mc:AlternateContent xmlns:mc="http://schemas.openxmlformats.org/markup-compatibility/2006">
-        <mc:Choice xmlns:a14="http://schemas.microsoft.com/office/drawing/2010/main" Requires="a14">
-          <p:sp>
-            <p:nvSpPr>
-              <p:cNvPr id="12" name="Textfeld 11">
-                <a:extLst>
-                  <a:ext uri="{FF2B5EF4-FFF2-40B4-BE49-F238E27FC236}">
-                    <a16:creationId xmlns:a16="http://schemas.microsoft.com/office/drawing/2014/main" id="{4555EA9C-8907-D6E1-2F88-C25E93018865}"/>
-                  </a:ext>
-                </a:extLst>
-              </p:cNvPr>
-              <p:cNvSpPr txBox="1"/>
-              <p:nvPr/>
-            </p:nvSpPr>
-            <p:spPr>
-              <a:xfrm>
-                <a:off x="2439344" y="1928630"/>
-                <a:ext cx="1334937" cy="400110"/>
-              </a:xfrm>
-              <a:prstGeom prst="rect">
-                <a:avLst/>
-              </a:prstGeom>
-              <a:noFill/>
-            </p:spPr>
-            <p:txBody>
-              <a:bodyPr wrap="square">
-                <a:spAutoFit/>
-              </a:bodyPr>
-              <a:lstStyle/>
-              <a:p>
-                <a:pPr/>
-                <a14:m>
-                  <m:oMathPara xmlns:m="http://schemas.openxmlformats.org/officeDocument/2006/math">
-                    <m:oMathParaPr>
-                      <m:jc m:val="centerGroup"/>
-                    </m:oMathParaPr>
-                    <m:oMath xmlns:m="http://schemas.openxmlformats.org/officeDocument/2006/math">
-                      <m:sSub>
-                        <m:sSubPr>
-                          <m:ctrlPr>
-                            <a:rPr lang="de-DE" sz="2000" i="1" smtClean="0">
-                              <a:latin typeface="Cambria Math" panose="02040503050406030204" pitchFamily="18" charset="0"/>
-                            </a:rPr>
-                          </m:ctrlPr>
-                        </m:sSubPr>
-                        <m:e>
-                          <m:acc>
-                            <m:accPr>
-                              <m:chr m:val="̅"/>
-                              <m:ctrlPr>
-                                <a:rPr lang="de-DE" sz="2000" i="1">
-                                  <a:latin typeface="Cambria Math" panose="02040503050406030204" pitchFamily="18" charset="0"/>
-                                </a:rPr>
-                              </m:ctrlPr>
-                            </m:accPr>
-                            <m:e>
-                              <m:r>
-                                <a:rPr lang="de-DE" sz="2000" b="0" i="1">
-                                  <a:latin typeface="Cambria Math" panose="02040503050406030204" pitchFamily="18" charset="0"/>
-                                </a:rPr>
-                                <m:t>𝐼</m:t>
-                              </m:r>
-                            </m:e>
-                          </m:acc>
-                        </m:e>
-                        <m:sub>
-                          <m:r>
-                            <a:rPr lang="de-DE" sz="2000" b="0" i="1">
-                              <a:latin typeface="Cambria Math" panose="02040503050406030204" pitchFamily="18" charset="0"/>
-                            </a:rPr>
-                            <m:t>0</m:t>
-                          </m:r>
-                        </m:sub>
-                      </m:sSub>
-                      <m:r>
-                        <a:rPr lang="de-DE" sz="2000" b="0" i="1" smtClean="0">
-                          <a:latin typeface="Cambria Math" panose="02040503050406030204" pitchFamily="18" charset="0"/>
-                        </a:rPr>
-                        <m:t>=3 </m:t>
-                      </m:r>
-                      <m:r>
-                        <a:rPr lang="de-DE" sz="2000" b="0" i="1" smtClean="0">
-                          <a:latin typeface="Cambria Math" panose="02040503050406030204" pitchFamily="18" charset="0"/>
-                        </a:rPr>
-                        <m:t>𝑚𝐴</m:t>
-                      </m:r>
-                    </m:oMath>
-                  </m:oMathPara>
-                </a14:m>
-                <a:endParaRPr lang="de-DE" sz="2000" i="1" dirty="0"/>
-              </a:p>
-            </p:txBody>
-          </p:sp>
-        </mc:Choice>
-        <mc:Fallback>
-          <p:sp>
-            <p:nvSpPr>
-              <p:cNvPr id="12" name="Textfeld 11">
-                <a:extLst>
-                  <a:ext uri="{FF2B5EF4-FFF2-40B4-BE49-F238E27FC236}">
-                    <a16:creationId xmlns:a16="http://schemas.microsoft.com/office/drawing/2014/main" id="{4555EA9C-8907-D6E1-2F88-C25E93018865}"/>
-                  </a:ext>
-                </a:extLst>
-              </p:cNvPr>
-              <p:cNvSpPr txBox="1">
-                <a:spLocks noRot="1" noChangeAspect="1" noMove="1" noResize="1" noEditPoints="1" noAdjustHandles="1" noChangeArrowheads="1" noChangeShapeType="1" noTextEdit="1"/>
-              </p:cNvSpPr>
-              <p:nvPr/>
-            </p:nvSpPr>
-            <p:spPr>
-              <a:xfrm>
-                <a:off x="2439344" y="1928630"/>
-                <a:ext cx="1334937" cy="400110"/>
-              </a:xfrm>
-              <a:prstGeom prst="rect">
-                <a:avLst/>
-              </a:prstGeom>
-              <a:blipFill>
-                <a:blip r:embed="rId5"/>
-                <a:stretch>
-                  <a:fillRect b="-3030"/>
-                </a:stretch>
-              </a:blipFill>
-            </p:spPr>
-            <p:txBody>
-              <a:bodyPr/>
-              <a:lstStyle/>
-              <a:p>
-                <a:r>
-                  <a:rPr lang="de-DE">
-                    <a:noFill/>
-                  </a:rPr>
-                  <a:t> </a:t>
-                </a:r>
-              </a:p>
-            </p:txBody>
-          </p:sp>
-        </mc:Fallback>
-      </mc:AlternateContent>
-      <mc:AlternateContent xmlns:mc="http://schemas.openxmlformats.org/markup-compatibility/2006">
-        <mc:Choice xmlns:a14="http://schemas.microsoft.com/office/drawing/2010/main" Requires="a14">
-          <p:sp>
-            <p:nvSpPr>
-              <p:cNvPr id="13" name="Textfeld 12">
-                <a:extLst>
-                  <a:ext uri="{FF2B5EF4-FFF2-40B4-BE49-F238E27FC236}">
-                    <a16:creationId xmlns:a16="http://schemas.microsoft.com/office/drawing/2014/main" id="{1396771C-0DC3-4A92-F856-286088827086}"/>
-                  </a:ext>
-                </a:extLst>
-              </p:cNvPr>
-              <p:cNvSpPr txBox="1"/>
-              <p:nvPr/>
-            </p:nvSpPr>
-            <p:spPr>
-              <a:xfrm>
-                <a:off x="8369006" y="1928630"/>
-                <a:ext cx="1334937" cy="400110"/>
-              </a:xfrm>
-              <a:prstGeom prst="rect">
-                <a:avLst/>
-              </a:prstGeom>
-              <a:noFill/>
-            </p:spPr>
-            <p:txBody>
-              <a:bodyPr wrap="square">
-                <a:spAutoFit/>
-              </a:bodyPr>
-              <a:lstStyle/>
-              <a:p>
-                <a:pPr/>
-                <a14:m>
-                  <m:oMathPara xmlns:m="http://schemas.openxmlformats.org/officeDocument/2006/math">
-                    <m:oMathParaPr>
-                      <m:jc m:val="centerGroup"/>
-                    </m:oMathParaPr>
-                    <m:oMath xmlns:m="http://schemas.openxmlformats.org/officeDocument/2006/math">
-                      <m:sSub>
-                        <m:sSubPr>
-                          <m:ctrlPr>
-                            <a:rPr lang="de-DE" sz="2000" i="1" smtClean="0">
-                              <a:latin typeface="Cambria Math" panose="02040503050406030204" pitchFamily="18" charset="0"/>
-                            </a:rPr>
-                          </m:ctrlPr>
-                        </m:sSubPr>
-                        <m:e>
-                          <m:acc>
-                            <m:accPr>
-                              <m:chr m:val="̅"/>
-                              <m:ctrlPr>
-                                <a:rPr lang="de-DE" sz="2000" i="1">
-                                  <a:latin typeface="Cambria Math" panose="02040503050406030204" pitchFamily="18" charset="0"/>
-                                </a:rPr>
-                              </m:ctrlPr>
-                            </m:accPr>
-                            <m:e>
-                              <m:r>
-                                <a:rPr lang="de-DE" sz="2000" b="0" i="1">
-                                  <a:latin typeface="Cambria Math" panose="02040503050406030204" pitchFamily="18" charset="0"/>
-                                </a:rPr>
-                                <m:t>𝐼</m:t>
-                              </m:r>
-                            </m:e>
-                          </m:acc>
-                        </m:e>
-                        <m:sub>
-                          <m:r>
-                            <a:rPr lang="de-DE" sz="2000" b="0" i="1">
-                              <a:latin typeface="Cambria Math" panose="02040503050406030204" pitchFamily="18" charset="0"/>
-                            </a:rPr>
-                            <m:t>0</m:t>
-                          </m:r>
-                        </m:sub>
-                      </m:sSub>
-                      <m:r>
-                        <a:rPr lang="de-DE" sz="2000" b="0" i="1" smtClean="0">
-                          <a:latin typeface="Cambria Math" panose="02040503050406030204" pitchFamily="18" charset="0"/>
-                        </a:rPr>
-                        <m:t>=6 </m:t>
-                      </m:r>
-                      <m:r>
-                        <a:rPr lang="de-DE" sz="2000" b="0" i="1" smtClean="0">
-                          <a:latin typeface="Cambria Math" panose="02040503050406030204" pitchFamily="18" charset="0"/>
-                        </a:rPr>
-                        <m:t>𝑚𝐴</m:t>
-                      </m:r>
-                    </m:oMath>
-                  </m:oMathPara>
-                </a14:m>
-                <a:endParaRPr lang="de-DE" sz="2000" i="1" dirty="0"/>
-              </a:p>
-            </p:txBody>
-          </p:sp>
-        </mc:Choice>
-        <mc:Fallback>
-          <p:sp>
-            <p:nvSpPr>
-              <p:cNvPr id="13" name="Textfeld 12">
-                <a:extLst>
-                  <a:ext uri="{FF2B5EF4-FFF2-40B4-BE49-F238E27FC236}">
-                    <a16:creationId xmlns:a16="http://schemas.microsoft.com/office/drawing/2014/main" id="{1396771C-0DC3-4A92-F856-286088827086}"/>
-                  </a:ext>
-                </a:extLst>
-              </p:cNvPr>
-              <p:cNvSpPr txBox="1">
-                <a:spLocks noRot="1" noChangeAspect="1" noMove="1" noResize="1" noEditPoints="1" noAdjustHandles="1" noChangeArrowheads="1" noChangeShapeType="1" noTextEdit="1"/>
-              </p:cNvSpPr>
-              <p:nvPr/>
-            </p:nvSpPr>
-            <p:spPr>
-              <a:xfrm>
-                <a:off x="8369006" y="1928630"/>
-                <a:ext cx="1334937" cy="400110"/>
-              </a:xfrm>
-              <a:prstGeom prst="rect">
-                <a:avLst/>
-              </a:prstGeom>
-              <a:blipFill>
-                <a:blip r:embed="rId6"/>
-                <a:stretch>
-                  <a:fillRect b="-3030"/>
-                </a:stretch>
-              </a:blipFill>
-            </p:spPr>
-            <p:txBody>
-              <a:bodyPr/>
-              <a:lstStyle/>
-              <a:p>
-                <a:r>
-                  <a:rPr lang="de-DE">
-                    <a:noFill/>
-                  </a:rPr>
-                  <a:t> </a:t>
-                </a:r>
-              </a:p>
-            </p:txBody>
-          </p:sp>
-        </mc:Fallback>
-      </mc:AlternateContent>
-    </p:spTree>
-    <p:extLst>
-      <p:ext uri="{BB962C8B-B14F-4D97-AF65-F5344CB8AC3E}">
-        <p14:creationId xmlns:p14="http://schemas.microsoft.com/office/powerpoint/2010/main" val="1821834717"/>
-      </p:ext>
-    </p:extLst>
-  </p:cSld>
-  <p:clrMapOvr>
-    <a:masterClrMapping/>
-  </p:clrMapOvr>
-</p:sld>
-</file>
-
-<file path=ppt/slides/slide11.xml><?xml version="1.0" encoding="utf-8"?>
-<p:sld xmlns:a="http://schemas.openxmlformats.org/drawingml/2006/main" xmlns:r="http://schemas.openxmlformats.org/officeDocument/2006/relationships" xmlns:p="http://schemas.openxmlformats.org/presentationml/2006/main">
-  <p:cSld>
-    <p:spTree>
-      <p:nvGrpSpPr>
-        <p:cNvPr id="1" name="">
-          <a:extLst>
-            <a:ext uri="{FF2B5EF4-FFF2-40B4-BE49-F238E27FC236}">
-              <a16:creationId xmlns:a16="http://schemas.microsoft.com/office/drawing/2014/main" id="{773A46B5-F07E-65F2-E0AE-9EED579895D9}"/>
-            </a:ext>
-          </a:extLst>
-        </p:cNvPr>
-        <p:cNvGrpSpPr/>
-        <p:nvPr/>
-      </p:nvGrpSpPr>
-      <p:grpSpPr>
-        <a:xfrm>
-          <a:off x="0" y="0"/>
-          <a:ext cx="0" cy="0"/>
-          <a:chOff x="0" y="0"/>
-          <a:chExt cx="0" cy="0"/>
-        </a:xfrm>
-      </p:grpSpPr>
-      <p:sp>
-        <p:nvSpPr>
-          <p:cNvPr id="2" name="Titel 1">
-            <a:extLst>
-              <a:ext uri="{FF2B5EF4-FFF2-40B4-BE49-F238E27FC236}">
-                <a16:creationId xmlns:a16="http://schemas.microsoft.com/office/drawing/2014/main" id="{105181F3-EAFA-F2C6-5DBD-382CFBB4DF49}"/>
+                <a16:creationId xmlns:a16="http://schemas.microsoft.com/office/drawing/2014/main" id="{5D39E17A-8A38-80E9-CDF8-4E246A62F2AD}"/>
               </a:ext>
             </a:extLst>
           </p:cNvPr>
@@ -8596,7 +7899,7 @@
           <p:cNvPr id="4" name="Fußzeilenplatzhalter 3">
             <a:extLst>
               <a:ext uri="{FF2B5EF4-FFF2-40B4-BE49-F238E27FC236}">
-                <a16:creationId xmlns:a16="http://schemas.microsoft.com/office/drawing/2014/main" id="{DC19A79F-7140-EB78-A46B-4518BA8E9C0F}"/>
+                <a16:creationId xmlns:a16="http://schemas.microsoft.com/office/drawing/2014/main" id="{5A9709DC-AE1C-FD89-9CB6-395499FFDFD0}"/>
               </a:ext>
             </a:extLst>
           </p:cNvPr>
@@ -8625,7 +7928,7 @@
           <p:cNvPr id="5" name="Foliennummernplatzhalter 4">
             <a:extLst>
               <a:ext uri="{FF2B5EF4-FFF2-40B4-BE49-F238E27FC236}">
-                <a16:creationId xmlns:a16="http://schemas.microsoft.com/office/drawing/2014/main" id="{5A4B6A7C-B8E3-9CDF-8A01-95B003385FA4}"/>
+                <a16:creationId xmlns:a16="http://schemas.microsoft.com/office/drawing/2014/main" id="{D34A844A-6783-1069-A166-0F0DBAF26607}"/>
               </a:ext>
             </a:extLst>
           </p:cNvPr>
@@ -8643,7 +7946,7 @@
           <a:p>
             <a:fld id="{5DDB454C-C8BB-450C-A446-EA3D813FE484}" type="slidenum">
               <a:rPr lang="de-DE" smtClean="0"/>
-              <a:t>11</a:t>
+              <a:t>10</a:t>
             </a:fld>
             <a:endParaRPr lang="de-DE"/>
           </a:p>
@@ -8653,705 +7956,10 @@
         <mc:Choice xmlns:a14="http://schemas.microsoft.com/office/drawing/2010/main" Requires="a14">
           <p:sp>
             <p:nvSpPr>
-              <p:cNvPr id="9" name="Inhaltsplatzhalter 2">
+              <p:cNvPr id="10" name="Inhaltsplatzhalter 2">
                 <a:extLst>
                   <a:ext uri="{FF2B5EF4-FFF2-40B4-BE49-F238E27FC236}">
-                    <a16:creationId xmlns:a16="http://schemas.microsoft.com/office/drawing/2014/main" id="{EEBF649D-A9C8-3731-CCFF-A47C586DCB28}"/>
-                  </a:ext>
-                </a:extLst>
-              </p:cNvPr>
-              <p:cNvSpPr>
-                <a:spLocks noGrp="1"/>
-              </p:cNvSpPr>
-              <p:nvPr>
-                <p:ph idx="1"/>
-              </p:nvPr>
-            </p:nvSpPr>
-            <p:spPr>
-              <a:xfrm>
-                <a:off x="3737399" y="1498914"/>
-                <a:ext cx="4717200" cy="4555844"/>
-              </a:xfrm>
-            </p:spPr>
-            <p:txBody>
-              <a:bodyPr anchor="t"/>
-              <a:lstStyle/>
-              <a:p>
-                <a:pPr>
-                  <a:buNone/>
-                </a:pPr>
-                <a:r>
-                  <a:rPr lang="de-DE" b="1" dirty="0"/>
-                  <a:t>Zeitlicher Verlauf von </a:t>
-                </a:r>
-                <a14:m>
-                  <m:oMath xmlns:m="http://schemas.openxmlformats.org/officeDocument/2006/math">
-                    <m:sSub>
-                      <m:sSubPr>
-                        <m:ctrlPr>
-                          <a:rPr lang="de-DE" b="1" i="1">
-                            <a:latin typeface="Cambria Math" panose="02040503050406030204" pitchFamily="18" charset="0"/>
-                          </a:rPr>
-                        </m:ctrlPr>
-                      </m:sSubPr>
-                      <m:e>
-                        <m:r>
-                          <a:rPr lang="de-DE" b="1" i="1">
-                            <a:latin typeface="Cambria Math" panose="02040503050406030204" pitchFamily="18" charset="0"/>
-                          </a:rPr>
-                          <m:t>𝑼</m:t>
-                        </m:r>
-                      </m:e>
-                      <m:sub>
-                        <m:r>
-                          <a:rPr lang="de-DE" b="1" i="1" smtClean="0">
-                            <a:latin typeface="Cambria Math" panose="02040503050406030204" pitchFamily="18" charset="0"/>
-                          </a:rPr>
-                          <m:t>𝟐</m:t>
-                        </m:r>
-                      </m:sub>
-                    </m:sSub>
-                    <m:r>
-                      <a:rPr lang="de-DE" b="1" i="1">
-                        <a:latin typeface="Cambria Math" panose="02040503050406030204" pitchFamily="18" charset="0"/>
-                      </a:rPr>
-                      <m:t> </m:t>
-                    </m:r>
-                  </m:oMath>
-                </a14:m>
-                <a:r>
-                  <a:rPr lang="de-DE" b="1" dirty="0"/>
-                  <a:t>für </a:t>
-                </a:r>
-                <a14:m>
-                  <m:oMath xmlns:m="http://schemas.openxmlformats.org/officeDocument/2006/math">
-                    <m:sSub>
-                      <m:sSubPr>
-                        <m:ctrlPr>
-                          <a:rPr lang="de-DE" b="1" i="1">
-                            <a:latin typeface="Cambria Math" panose="02040503050406030204" pitchFamily="18" charset="0"/>
-                          </a:rPr>
-                        </m:ctrlPr>
-                      </m:sSubPr>
-                      <m:e>
-                        <m:acc>
-                          <m:accPr>
-                            <m:chr m:val="̅"/>
-                            <m:ctrlPr>
-                              <a:rPr lang="de-DE" b="1" i="1">
-                                <a:latin typeface="Cambria Math" panose="02040503050406030204" pitchFamily="18" charset="0"/>
-                              </a:rPr>
-                            </m:ctrlPr>
-                          </m:accPr>
-                          <m:e>
-                            <m:r>
-                              <a:rPr lang="de-DE" b="1" i="1">
-                                <a:latin typeface="Cambria Math" panose="02040503050406030204" pitchFamily="18" charset="0"/>
-                              </a:rPr>
-                              <m:t>𝑰</m:t>
-                            </m:r>
-                          </m:e>
-                        </m:acc>
-                      </m:e>
-                      <m:sub>
-                        <m:r>
-                          <a:rPr lang="de-DE" b="1" i="1">
-                            <a:latin typeface="Cambria Math" panose="02040503050406030204" pitchFamily="18" charset="0"/>
-                          </a:rPr>
-                          <m:t>𝟎</m:t>
-                        </m:r>
-                      </m:sub>
-                    </m:sSub>
-                    <m:r>
-                      <a:rPr lang="de-DE" b="1" i="1" smtClean="0">
-                        <a:latin typeface="Cambria Math" panose="02040503050406030204" pitchFamily="18" charset="0"/>
-                      </a:rPr>
-                      <m:t>&gt;</m:t>
-                    </m:r>
-                    <m:sSub>
-                      <m:sSubPr>
-                        <m:ctrlPr>
-                          <a:rPr lang="de-DE" b="1" i="1">
-                            <a:latin typeface="Cambria Math" panose="02040503050406030204" pitchFamily="18" charset="0"/>
-                          </a:rPr>
-                        </m:ctrlPr>
-                      </m:sSubPr>
-                      <m:e>
-                        <m:acc>
-                          <m:accPr>
-                            <m:chr m:val="̅"/>
-                            <m:ctrlPr>
-                              <a:rPr lang="de-DE" b="1" i="1">
-                                <a:latin typeface="Cambria Math" panose="02040503050406030204" pitchFamily="18" charset="0"/>
-                              </a:rPr>
-                            </m:ctrlPr>
-                          </m:accPr>
-                          <m:e>
-                            <m:r>
-                              <a:rPr lang="de-DE" b="1" i="1">
-                                <a:latin typeface="Cambria Math" panose="02040503050406030204" pitchFamily="18" charset="0"/>
-                              </a:rPr>
-                              <m:t>𝑰</m:t>
-                            </m:r>
-                          </m:e>
-                        </m:acc>
-                      </m:e>
-                      <m:sub>
-                        <m:r>
-                          <a:rPr lang="de-DE" b="1" i="1">
-                            <a:latin typeface="Cambria Math" panose="02040503050406030204" pitchFamily="18" charset="0"/>
-                          </a:rPr>
-                          <m:t>𝟎</m:t>
-                        </m:r>
-                        <m:r>
-                          <a:rPr lang="de-DE" b="1" i="1">
-                            <a:latin typeface="Cambria Math" panose="02040503050406030204" pitchFamily="18" charset="0"/>
-                          </a:rPr>
-                          <m:t>,</m:t>
-                        </m:r>
-                        <m:r>
-                          <a:rPr lang="de-DE" b="1" i="1">
-                            <a:latin typeface="Cambria Math" panose="02040503050406030204" pitchFamily="18" charset="0"/>
-                          </a:rPr>
-                          <m:t>𝒌𝒓𝒊𝒕</m:t>
-                        </m:r>
-                      </m:sub>
-                    </m:sSub>
-                  </m:oMath>
-                </a14:m>
-                <a:endParaRPr lang="de-DE" b="1" i="1" dirty="0"/>
-              </a:p>
-            </p:txBody>
-          </p:sp>
-        </mc:Choice>
-        <mc:Fallback>
-          <p:sp>
-            <p:nvSpPr>
-              <p:cNvPr id="9" name="Inhaltsplatzhalter 2">
-                <a:extLst>
-                  <a:ext uri="{FF2B5EF4-FFF2-40B4-BE49-F238E27FC236}">
-                    <a16:creationId xmlns:a16="http://schemas.microsoft.com/office/drawing/2014/main" id="{EEBF649D-A9C8-3731-CCFF-A47C586DCB28}"/>
-                  </a:ext>
-                </a:extLst>
-              </p:cNvPr>
-              <p:cNvSpPr>
-                <a:spLocks noGrp="1" noRot="1" noChangeAspect="1" noMove="1" noResize="1" noEditPoints="1" noAdjustHandles="1" noChangeArrowheads="1" noChangeShapeType="1" noTextEdit="1"/>
-              </p:cNvSpPr>
-              <p:nvPr>
-                <p:ph idx="1"/>
-              </p:nvPr>
-            </p:nvSpPr>
-            <p:spPr>
-              <a:xfrm>
-                <a:off x="3737399" y="1498914"/>
-                <a:ext cx="4717200" cy="4555844"/>
-              </a:xfrm>
-              <a:blipFill>
-                <a:blip r:embed="rId2"/>
-                <a:stretch>
-                  <a:fillRect l="-3230" t="-1339"/>
-                </a:stretch>
-              </a:blipFill>
-            </p:spPr>
-            <p:txBody>
-              <a:bodyPr/>
-              <a:lstStyle/>
-              <a:p>
-                <a:r>
-                  <a:rPr lang="de-DE">
-                    <a:noFill/>
-                  </a:rPr>
-                  <a:t> </a:t>
-                </a:r>
-              </a:p>
-            </p:txBody>
-          </p:sp>
-        </mc:Fallback>
-      </mc:AlternateContent>
-      <mc:AlternateContent xmlns:mc="http://schemas.openxmlformats.org/markup-compatibility/2006">
-        <mc:Choice xmlns:a14="http://schemas.microsoft.com/office/drawing/2010/main" Requires="a14">
-          <p:sp>
-            <p:nvSpPr>
-              <p:cNvPr id="10" name="Textfeld 9">
-                <a:extLst>
-                  <a:ext uri="{FF2B5EF4-FFF2-40B4-BE49-F238E27FC236}">
-                    <a16:creationId xmlns:a16="http://schemas.microsoft.com/office/drawing/2014/main" id="{57764635-1F28-521A-72A1-66B3EA342017}"/>
-                  </a:ext>
-                </a:extLst>
-              </p:cNvPr>
-              <p:cNvSpPr txBox="1"/>
-              <p:nvPr/>
-            </p:nvSpPr>
-            <p:spPr>
-              <a:xfrm>
-                <a:off x="2439344" y="1928630"/>
-                <a:ext cx="1334937" cy="400110"/>
-              </a:xfrm>
-              <a:prstGeom prst="rect">
-                <a:avLst/>
-              </a:prstGeom>
-              <a:noFill/>
-            </p:spPr>
-            <p:txBody>
-              <a:bodyPr wrap="square">
-                <a:spAutoFit/>
-              </a:bodyPr>
-              <a:lstStyle/>
-              <a:p>
-                <a:pPr/>
-                <a14:m>
-                  <m:oMathPara xmlns:m="http://schemas.openxmlformats.org/officeDocument/2006/math">
-                    <m:oMathParaPr>
-                      <m:jc m:val="centerGroup"/>
-                    </m:oMathParaPr>
-                    <m:oMath xmlns:m="http://schemas.openxmlformats.org/officeDocument/2006/math">
-                      <m:sSub>
-                        <m:sSubPr>
-                          <m:ctrlPr>
-                            <a:rPr lang="de-DE" sz="2000" i="1" smtClean="0">
-                              <a:latin typeface="Cambria Math" panose="02040503050406030204" pitchFamily="18" charset="0"/>
-                            </a:rPr>
-                          </m:ctrlPr>
-                        </m:sSubPr>
-                        <m:e>
-                          <m:acc>
-                            <m:accPr>
-                              <m:chr m:val="̅"/>
-                              <m:ctrlPr>
-                                <a:rPr lang="de-DE" sz="2000" i="1">
-                                  <a:latin typeface="Cambria Math" panose="02040503050406030204" pitchFamily="18" charset="0"/>
-                                </a:rPr>
-                              </m:ctrlPr>
-                            </m:accPr>
-                            <m:e>
-                              <m:r>
-                                <a:rPr lang="de-DE" sz="2000" b="0" i="1">
-                                  <a:latin typeface="Cambria Math" panose="02040503050406030204" pitchFamily="18" charset="0"/>
-                                </a:rPr>
-                                <m:t>𝐼</m:t>
-                              </m:r>
-                            </m:e>
-                          </m:acc>
-                        </m:e>
-                        <m:sub>
-                          <m:r>
-                            <a:rPr lang="de-DE" sz="2000" b="0" i="1">
-                              <a:latin typeface="Cambria Math" panose="02040503050406030204" pitchFamily="18" charset="0"/>
-                            </a:rPr>
-                            <m:t>0</m:t>
-                          </m:r>
-                        </m:sub>
-                      </m:sSub>
-                      <m:r>
-                        <a:rPr lang="de-DE" sz="2000" b="0" i="1" smtClean="0">
-                          <a:latin typeface="Cambria Math" panose="02040503050406030204" pitchFamily="18" charset="0"/>
-                        </a:rPr>
-                        <m:t>=3 </m:t>
-                      </m:r>
-                      <m:r>
-                        <a:rPr lang="de-DE" sz="2000" b="0" i="1" smtClean="0">
-                          <a:latin typeface="Cambria Math" panose="02040503050406030204" pitchFamily="18" charset="0"/>
-                        </a:rPr>
-                        <m:t>𝑚𝐴</m:t>
-                      </m:r>
-                    </m:oMath>
-                  </m:oMathPara>
-                </a14:m>
-                <a:endParaRPr lang="de-DE" sz="2000" i="1" dirty="0"/>
-              </a:p>
-            </p:txBody>
-          </p:sp>
-        </mc:Choice>
-        <mc:Fallback>
-          <p:sp>
-            <p:nvSpPr>
-              <p:cNvPr id="10" name="Textfeld 9">
-                <a:extLst>
-                  <a:ext uri="{FF2B5EF4-FFF2-40B4-BE49-F238E27FC236}">
-                    <a16:creationId xmlns:a16="http://schemas.microsoft.com/office/drawing/2014/main" id="{57764635-1F28-521A-72A1-66B3EA342017}"/>
-                  </a:ext>
-                </a:extLst>
-              </p:cNvPr>
-              <p:cNvSpPr txBox="1">
-                <a:spLocks noRot="1" noChangeAspect="1" noMove="1" noResize="1" noEditPoints="1" noAdjustHandles="1" noChangeArrowheads="1" noChangeShapeType="1" noTextEdit="1"/>
-              </p:cNvSpPr>
-              <p:nvPr/>
-            </p:nvSpPr>
-            <p:spPr>
-              <a:xfrm>
-                <a:off x="2439344" y="1928630"/>
-                <a:ext cx="1334937" cy="400110"/>
-              </a:xfrm>
-              <a:prstGeom prst="rect">
-                <a:avLst/>
-              </a:prstGeom>
-              <a:blipFill>
-                <a:blip r:embed="rId3"/>
-                <a:stretch>
-                  <a:fillRect b="-3030"/>
-                </a:stretch>
-              </a:blipFill>
-            </p:spPr>
-            <p:txBody>
-              <a:bodyPr/>
-              <a:lstStyle/>
-              <a:p>
-                <a:r>
-                  <a:rPr lang="de-DE">
-                    <a:noFill/>
-                  </a:rPr>
-                  <a:t> </a:t>
-                </a:r>
-              </a:p>
-            </p:txBody>
-          </p:sp>
-        </mc:Fallback>
-      </mc:AlternateContent>
-      <mc:AlternateContent xmlns:mc="http://schemas.openxmlformats.org/markup-compatibility/2006">
-        <mc:Choice xmlns:a14="http://schemas.microsoft.com/office/drawing/2010/main" Requires="a14">
-          <p:sp>
-            <p:nvSpPr>
-              <p:cNvPr id="11" name="Textfeld 10">
-                <a:extLst>
-                  <a:ext uri="{FF2B5EF4-FFF2-40B4-BE49-F238E27FC236}">
-                    <a16:creationId xmlns:a16="http://schemas.microsoft.com/office/drawing/2014/main" id="{313446BE-D007-105E-2EB4-5997ED57AAD5}"/>
-                  </a:ext>
-                </a:extLst>
-              </p:cNvPr>
-              <p:cNvSpPr txBox="1"/>
-              <p:nvPr/>
-            </p:nvSpPr>
-            <p:spPr>
-              <a:xfrm>
-                <a:off x="8369006" y="1928630"/>
-                <a:ext cx="1334937" cy="400110"/>
-              </a:xfrm>
-              <a:prstGeom prst="rect">
-                <a:avLst/>
-              </a:prstGeom>
-              <a:noFill/>
-            </p:spPr>
-            <p:txBody>
-              <a:bodyPr wrap="square">
-                <a:spAutoFit/>
-              </a:bodyPr>
-              <a:lstStyle/>
-              <a:p>
-                <a:pPr/>
-                <a14:m>
-                  <m:oMathPara xmlns:m="http://schemas.openxmlformats.org/officeDocument/2006/math">
-                    <m:oMathParaPr>
-                      <m:jc m:val="centerGroup"/>
-                    </m:oMathParaPr>
-                    <m:oMath xmlns:m="http://schemas.openxmlformats.org/officeDocument/2006/math">
-                      <m:sSub>
-                        <m:sSubPr>
-                          <m:ctrlPr>
-                            <a:rPr lang="de-DE" sz="2000" i="1" smtClean="0">
-                              <a:latin typeface="Cambria Math" panose="02040503050406030204" pitchFamily="18" charset="0"/>
-                            </a:rPr>
-                          </m:ctrlPr>
-                        </m:sSubPr>
-                        <m:e>
-                          <m:acc>
-                            <m:accPr>
-                              <m:chr m:val="̅"/>
-                              <m:ctrlPr>
-                                <a:rPr lang="de-DE" sz="2000" i="1">
-                                  <a:latin typeface="Cambria Math" panose="02040503050406030204" pitchFamily="18" charset="0"/>
-                                </a:rPr>
-                              </m:ctrlPr>
-                            </m:accPr>
-                            <m:e>
-                              <m:r>
-                                <a:rPr lang="de-DE" sz="2000" b="0" i="1">
-                                  <a:latin typeface="Cambria Math" panose="02040503050406030204" pitchFamily="18" charset="0"/>
-                                </a:rPr>
-                                <m:t>𝐼</m:t>
-                              </m:r>
-                            </m:e>
-                          </m:acc>
-                        </m:e>
-                        <m:sub>
-                          <m:r>
-                            <a:rPr lang="de-DE" sz="2000" b="0" i="1">
-                              <a:latin typeface="Cambria Math" panose="02040503050406030204" pitchFamily="18" charset="0"/>
-                            </a:rPr>
-                            <m:t>0</m:t>
-                          </m:r>
-                        </m:sub>
-                      </m:sSub>
-                      <m:r>
-                        <a:rPr lang="de-DE" sz="2000" b="0" i="1" smtClean="0">
-                          <a:latin typeface="Cambria Math" panose="02040503050406030204" pitchFamily="18" charset="0"/>
-                        </a:rPr>
-                        <m:t>=6 </m:t>
-                      </m:r>
-                      <m:r>
-                        <a:rPr lang="de-DE" sz="2000" b="0" i="1" smtClean="0">
-                          <a:latin typeface="Cambria Math" panose="02040503050406030204" pitchFamily="18" charset="0"/>
-                        </a:rPr>
-                        <m:t>𝑚𝐴</m:t>
-                      </m:r>
-                    </m:oMath>
-                  </m:oMathPara>
-                </a14:m>
-                <a:endParaRPr lang="de-DE" sz="2000" i="1" dirty="0"/>
-              </a:p>
-            </p:txBody>
-          </p:sp>
-        </mc:Choice>
-        <mc:Fallback>
-          <p:sp>
-            <p:nvSpPr>
-              <p:cNvPr id="11" name="Textfeld 10">
-                <a:extLst>
-                  <a:ext uri="{FF2B5EF4-FFF2-40B4-BE49-F238E27FC236}">
-                    <a16:creationId xmlns:a16="http://schemas.microsoft.com/office/drawing/2014/main" id="{313446BE-D007-105E-2EB4-5997ED57AAD5}"/>
-                  </a:ext>
-                </a:extLst>
-              </p:cNvPr>
-              <p:cNvSpPr txBox="1">
-                <a:spLocks noRot="1" noChangeAspect="1" noMove="1" noResize="1" noEditPoints="1" noAdjustHandles="1" noChangeArrowheads="1" noChangeShapeType="1" noTextEdit="1"/>
-              </p:cNvSpPr>
-              <p:nvPr/>
-            </p:nvSpPr>
-            <p:spPr>
-              <a:xfrm>
-                <a:off x="8369006" y="1928630"/>
-                <a:ext cx="1334937" cy="400110"/>
-              </a:xfrm>
-              <a:prstGeom prst="rect">
-                <a:avLst/>
-              </a:prstGeom>
-              <a:blipFill>
-                <a:blip r:embed="rId4"/>
-                <a:stretch>
-                  <a:fillRect b="-3030"/>
-                </a:stretch>
-              </a:blipFill>
-            </p:spPr>
-            <p:txBody>
-              <a:bodyPr/>
-              <a:lstStyle/>
-              <a:p>
-                <a:r>
-                  <a:rPr lang="de-DE">
-                    <a:noFill/>
-                  </a:rPr>
-                  <a:t> </a:t>
-                </a:r>
-              </a:p>
-            </p:txBody>
-          </p:sp>
-        </mc:Fallback>
-      </mc:AlternateContent>
-      <p:pic>
-        <p:nvPicPr>
-          <p:cNvPr id="13" name="Grafik 12" descr="Ein Bild, das Screenshot enthält.&#10;&#10;KI-generierte Inhalte können fehlerhaft sein.">
-            <a:extLst>
-              <a:ext uri="{FF2B5EF4-FFF2-40B4-BE49-F238E27FC236}">
-                <a16:creationId xmlns:a16="http://schemas.microsoft.com/office/drawing/2014/main" id="{F1017958-10DF-FE86-91E8-037F1A8BAD55}"/>
-              </a:ext>
-            </a:extLst>
-          </p:cNvPr>
-          <p:cNvPicPr>
-            <a:picLocks noChangeAspect="1"/>
-          </p:cNvPicPr>
-          <p:nvPr/>
-        </p:nvPicPr>
-        <p:blipFill>
-          <a:blip r:embed="rId5">
-            <a:extLst>
-              <a:ext uri="{28A0092B-C50C-407E-A947-70E740481C1C}">
-                <a14:useLocalDpi xmlns:a14="http://schemas.microsoft.com/office/drawing/2010/main" val="0"/>
-              </a:ext>
-            </a:extLst>
-          </a:blip>
-          <a:stretch>
-            <a:fillRect/>
-          </a:stretch>
-        </p:blipFill>
-        <p:spPr>
-          <a:xfrm>
-            <a:off x="491524" y="2479086"/>
-            <a:ext cx="5352960" cy="2880000"/>
-          </a:xfrm>
-          <a:prstGeom prst="rect">
-            <a:avLst/>
-          </a:prstGeom>
-        </p:spPr>
-      </p:pic>
-      <p:pic>
-        <p:nvPicPr>
-          <p:cNvPr id="15" name="Grafik 14">
-            <a:extLst>
-              <a:ext uri="{FF2B5EF4-FFF2-40B4-BE49-F238E27FC236}">
-                <a16:creationId xmlns:a16="http://schemas.microsoft.com/office/drawing/2014/main" id="{90FF31C4-D17F-B22C-9719-702934905C34}"/>
-              </a:ext>
-            </a:extLst>
-          </p:cNvPr>
-          <p:cNvPicPr>
-            <a:picLocks noChangeAspect="1"/>
-          </p:cNvPicPr>
-          <p:nvPr/>
-        </p:nvPicPr>
-        <p:blipFill>
-          <a:blip r:embed="rId6">
-            <a:extLst>
-              <a:ext uri="{28A0092B-C50C-407E-A947-70E740481C1C}">
-                <a14:useLocalDpi xmlns:a14="http://schemas.microsoft.com/office/drawing/2010/main" val="0"/>
-              </a:ext>
-            </a:extLst>
-          </a:blip>
-          <a:stretch>
-            <a:fillRect/>
-          </a:stretch>
-        </p:blipFill>
-        <p:spPr>
-          <a:xfrm>
-            <a:off x="6372474" y="2479086"/>
-            <a:ext cx="5328000" cy="2880000"/>
-          </a:xfrm>
-          <a:prstGeom prst="rect">
-            <a:avLst/>
-          </a:prstGeom>
-        </p:spPr>
-      </p:pic>
-    </p:spTree>
-    <p:extLst>
-      <p:ext uri="{BB962C8B-B14F-4D97-AF65-F5344CB8AC3E}">
-        <p14:creationId xmlns:p14="http://schemas.microsoft.com/office/powerpoint/2010/main" val="4098389767"/>
-      </p:ext>
-    </p:extLst>
-  </p:cSld>
-  <p:clrMapOvr>
-    <a:masterClrMapping/>
-  </p:clrMapOvr>
-</p:sld>
-</file>
-
-<file path=ppt/slides/slide12.xml><?xml version="1.0" encoding="utf-8"?>
-<p:sld xmlns:a="http://schemas.openxmlformats.org/drawingml/2006/main" xmlns:r="http://schemas.openxmlformats.org/officeDocument/2006/relationships" xmlns:p="http://schemas.openxmlformats.org/presentationml/2006/main">
-  <p:cSld>
-    <p:spTree>
-      <p:nvGrpSpPr>
-        <p:cNvPr id="1" name="">
-          <a:extLst>
-            <a:ext uri="{FF2B5EF4-FFF2-40B4-BE49-F238E27FC236}">
-              <a16:creationId xmlns:a16="http://schemas.microsoft.com/office/drawing/2014/main" id="{AB71FB45-0E5F-87B4-2AAB-576D905BDAE3}"/>
-            </a:ext>
-          </a:extLst>
-        </p:cNvPr>
-        <p:cNvGrpSpPr/>
-        <p:nvPr/>
-      </p:nvGrpSpPr>
-      <p:grpSpPr>
-        <a:xfrm>
-          <a:off x="0" y="0"/>
-          <a:ext cx="0" cy="0"/>
-          <a:chOff x="0" y="0"/>
-          <a:chExt cx="0" cy="0"/>
-        </a:xfrm>
-      </p:grpSpPr>
-      <p:sp>
-        <p:nvSpPr>
-          <p:cNvPr id="2" name="Titel 1">
-            <a:extLst>
-              <a:ext uri="{FF2B5EF4-FFF2-40B4-BE49-F238E27FC236}">
-                <a16:creationId xmlns:a16="http://schemas.microsoft.com/office/drawing/2014/main" id="{E512C620-46C5-8F4C-7F69-C01C8235112B}"/>
-              </a:ext>
-            </a:extLst>
-          </p:cNvPr>
-          <p:cNvSpPr>
-            <a:spLocks noGrp="1"/>
-          </p:cNvSpPr>
-          <p:nvPr>
-            <p:ph type="title"/>
-          </p:nvPr>
-        </p:nvSpPr>
-        <p:spPr/>
-        <p:txBody>
-          <a:bodyPr/>
-          <a:lstStyle/>
-          <a:p>
-            <a:pPr marL="514350" indent="-514350">
-              <a:buFont typeface="+mj-lt"/>
-              <a:buAutoNum type="arabicPeriod" startAt="3"/>
-            </a:pPr>
-            <a:r>
-              <a:rPr lang="de-DE" dirty="0"/>
-              <a:t>Simulink-Modell der Regelstrecke</a:t>
-            </a:r>
-          </a:p>
-        </p:txBody>
-      </p:sp>
-      <p:sp>
-        <p:nvSpPr>
-          <p:cNvPr id="4" name="Fußzeilenplatzhalter 3">
-            <a:extLst>
-              <a:ext uri="{FF2B5EF4-FFF2-40B4-BE49-F238E27FC236}">
-                <a16:creationId xmlns:a16="http://schemas.microsoft.com/office/drawing/2014/main" id="{3666528D-5C03-69A1-9222-E1047CA95203}"/>
-              </a:ext>
-            </a:extLst>
-          </p:cNvPr>
-          <p:cNvSpPr>
-            <a:spLocks noGrp="1"/>
-          </p:cNvSpPr>
-          <p:nvPr>
-            <p:ph type="ftr" sz="quarter" idx="11"/>
-          </p:nvPr>
-        </p:nvSpPr>
-        <p:spPr/>
-        <p:txBody>
-          <a:bodyPr/>
-          <a:lstStyle/>
-          <a:p>
-            <a:r>
-              <a:rPr lang="de-DE"/>
-              <a:t>Lennart und Richard Mende, 25EIM-AT, E144 Regelungstheorie, Prof. Dr.-Ing. Hendrik Richter</a:t>
-            </a:r>
-            <a:endParaRPr lang="de-DE" dirty="0"/>
-          </a:p>
-        </p:txBody>
-      </p:sp>
-      <p:sp>
-        <p:nvSpPr>
-          <p:cNvPr id="5" name="Foliennummernplatzhalter 4">
-            <a:extLst>
-              <a:ext uri="{FF2B5EF4-FFF2-40B4-BE49-F238E27FC236}">
-                <a16:creationId xmlns:a16="http://schemas.microsoft.com/office/drawing/2014/main" id="{45F2D558-AC1A-1782-84E5-95ED661DD239}"/>
-              </a:ext>
-            </a:extLst>
-          </p:cNvPr>
-          <p:cNvSpPr>
-            <a:spLocks noGrp="1"/>
-          </p:cNvSpPr>
-          <p:nvPr>
-            <p:ph type="sldNum" sz="quarter" idx="12"/>
-          </p:nvPr>
-        </p:nvSpPr>
-        <p:spPr/>
-        <p:txBody>
-          <a:bodyPr/>
-          <a:lstStyle/>
-          <a:p>
-            <a:fld id="{5DDB454C-C8BB-450C-A446-EA3D813FE484}" type="slidenum">
-              <a:rPr lang="de-DE" smtClean="0"/>
-              <a:t>12</a:t>
-            </a:fld>
-            <a:endParaRPr lang="de-DE"/>
-          </a:p>
-        </p:txBody>
-      </p:sp>
-      <mc:AlternateContent xmlns:mc="http://schemas.openxmlformats.org/markup-compatibility/2006">
-        <mc:Choice xmlns:a14="http://schemas.microsoft.com/office/drawing/2010/main" Requires="a14">
-          <p:sp>
-            <p:nvSpPr>
-              <p:cNvPr id="6" name="Inhaltsplatzhalter 2">
-                <a:extLst>
-                  <a:ext uri="{FF2B5EF4-FFF2-40B4-BE49-F238E27FC236}">
-                    <a16:creationId xmlns:a16="http://schemas.microsoft.com/office/drawing/2014/main" id="{710FF189-5427-F393-C26C-7EFF3426B867}"/>
+                    <a16:creationId xmlns:a16="http://schemas.microsoft.com/office/drawing/2014/main" id="{65182C3E-2122-0B9C-63DA-2916BD170EB3}"/>
                   </a:ext>
                 </a:extLst>
               </p:cNvPr>
@@ -9362,12 +7970,17 @@
             </p:nvSpPr>
             <p:spPr>
               <a:xfrm>
-                <a:off x="3737399" y="1498914"/>
-                <a:ext cx="4717200" cy="4555844"/>
+                <a:off x="9648000" y="1440000"/>
+                <a:ext cx="1380939" cy="390271"/>
               </a:xfrm>
               <a:prstGeom prst="rect">
                 <a:avLst/>
               </a:prstGeom>
+              <a:ln>
+                <a:solidFill>
+                  <a:schemeClr val="tx1"/>
+                </a:solidFill>
+              </a:ln>
             </p:spPr>
             <p:txBody>
               <a:bodyPr vert="horz" lIns="0" tIns="0" rIns="0" bIns="0" rtlCol="0" anchor="t">
@@ -9551,144 +8164,106 @@
                   <a:buFont typeface="Wingdings" panose="05000000000000000000" pitchFamily="2" charset="2"/>
                   <a:buNone/>
                 </a:pPr>
-                <a:r>
-                  <a:rPr lang="de-DE" b="1" dirty="0"/>
-                  <a:t>Zeitlicher Verlauf von </a:t>
-                </a:r>
                 <a14:m>
-                  <m:oMath xmlns:m="http://schemas.openxmlformats.org/officeDocument/2006/math">
-                    <m:sSub>
-                      <m:sSubPr>
-                        <m:ctrlPr>
-                          <a:rPr lang="de-DE" b="1" i="1" smtClean="0">
-                            <a:latin typeface="Cambria Math" panose="02040503050406030204" pitchFamily="18" charset="0"/>
-                          </a:rPr>
-                        </m:ctrlPr>
-                      </m:sSubPr>
-                      <m:e>
-                        <m:r>
-                          <a:rPr lang="de-DE" b="1" i="1" smtClean="0">
-                            <a:latin typeface="Cambria Math" panose="02040503050406030204" pitchFamily="18" charset="0"/>
-                          </a:rPr>
-                          <m:t>𝑰</m:t>
-                        </m:r>
-                      </m:e>
-                      <m:sub>
-                        <m:r>
-                          <a:rPr lang="de-DE" b="1" i="1" smtClean="0">
-                            <a:latin typeface="Cambria Math" panose="02040503050406030204" pitchFamily="18" charset="0"/>
-                          </a:rPr>
-                          <m:t>𝑳</m:t>
-                        </m:r>
-                      </m:sub>
-                    </m:sSub>
-                    <m:r>
-                      <a:rPr lang="de-DE" b="1" i="1">
-                        <a:latin typeface="Cambria Math" panose="02040503050406030204" pitchFamily="18" charset="0"/>
-                      </a:rPr>
-                      <m:t> </m:t>
-                    </m:r>
-                  </m:oMath>
-                </a14:m>
-                <a:r>
-                  <a:rPr lang="de-DE" b="1" dirty="0"/>
-                  <a:t>für </a:t>
-                </a:r>
-                <a14:m>
-                  <m:oMath xmlns:m="http://schemas.openxmlformats.org/officeDocument/2006/math">
-                    <m:sSub>
-                      <m:sSubPr>
-                        <m:ctrlPr>
-                          <a:rPr lang="de-DE" b="1" i="1">
-                            <a:latin typeface="Cambria Math" panose="02040503050406030204" pitchFamily="18" charset="0"/>
-                          </a:rPr>
-                        </m:ctrlPr>
-                      </m:sSubPr>
-                      <m:e>
-                        <m:acc>
-                          <m:accPr>
-                            <m:chr m:val="̅"/>
-                            <m:ctrlPr>
-                              <a:rPr lang="de-DE" b="1" i="1">
-                                <a:latin typeface="Cambria Math" panose="02040503050406030204" pitchFamily="18" charset="0"/>
-                              </a:rPr>
-                            </m:ctrlPr>
-                          </m:accPr>
-                          <m:e>
-                            <m:r>
-                              <a:rPr lang="de-DE" b="1" i="1">
-                                <a:latin typeface="Cambria Math" panose="02040503050406030204" pitchFamily="18" charset="0"/>
-                              </a:rPr>
-                              <m:t>𝑰</m:t>
-                            </m:r>
-                          </m:e>
-                        </m:acc>
-                      </m:e>
-                      <m:sub>
-                        <m:r>
-                          <a:rPr lang="de-DE" b="1" i="1">
-                            <a:latin typeface="Cambria Math" panose="02040503050406030204" pitchFamily="18" charset="0"/>
-                          </a:rPr>
-                          <m:t>𝟎</m:t>
-                        </m:r>
-                      </m:sub>
-                    </m:sSub>
-                    <m:r>
-                      <a:rPr lang="de-DE" b="1" i="1" smtClean="0">
-                        <a:latin typeface="Cambria Math" panose="02040503050406030204" pitchFamily="18" charset="0"/>
-                      </a:rPr>
-                      <m:t>&gt;</m:t>
-                    </m:r>
-                    <m:sSub>
-                      <m:sSubPr>
-                        <m:ctrlPr>
-                          <a:rPr lang="de-DE" b="1" i="1">
-                            <a:latin typeface="Cambria Math" panose="02040503050406030204" pitchFamily="18" charset="0"/>
-                          </a:rPr>
-                        </m:ctrlPr>
-                      </m:sSubPr>
-                      <m:e>
-                        <m:acc>
-                          <m:accPr>
-                            <m:chr m:val="̅"/>
-                            <m:ctrlPr>
-                              <a:rPr lang="de-DE" b="1" i="1">
-                                <a:latin typeface="Cambria Math" panose="02040503050406030204" pitchFamily="18" charset="0"/>
-                              </a:rPr>
-                            </m:ctrlPr>
-                          </m:accPr>
-                          <m:e>
-                            <m:r>
-                              <a:rPr lang="de-DE" b="1" i="1">
-                                <a:latin typeface="Cambria Math" panose="02040503050406030204" pitchFamily="18" charset="0"/>
-                              </a:rPr>
-                              <m:t>𝑰</m:t>
-                            </m:r>
-                          </m:e>
-                        </m:acc>
-                      </m:e>
-                      <m:sub>
-                        <m:r>
-                          <a:rPr lang="de-DE" b="1" i="1">
-                            <a:latin typeface="Cambria Math" panose="02040503050406030204" pitchFamily="18" charset="0"/>
-                          </a:rPr>
-                          <m:t>𝟎</m:t>
-                        </m:r>
-                        <m:r>
-                          <a:rPr lang="de-DE" b="1" i="1">
-                            <a:latin typeface="Cambria Math" panose="02040503050406030204" pitchFamily="18" charset="0"/>
-                          </a:rPr>
-                          <m:t>,</m:t>
-                        </m:r>
-                        <m:r>
-                          <a:rPr lang="de-DE" b="1" i="1">
-                            <a:latin typeface="Cambria Math" panose="02040503050406030204" pitchFamily="18" charset="0"/>
-                          </a:rPr>
-                          <m:t>𝒌𝒓𝒊𝒕</m:t>
-                        </m:r>
-                      </m:sub>
-                    </m:sSub>
-                  </m:oMath>
+                  <m:oMathPara xmlns:m="http://schemas.openxmlformats.org/officeDocument/2006/math">
+                    <m:oMathParaPr>
+                      <m:jc m:val="centerGroup"/>
+                    </m:oMathParaPr>
+                    <m:oMath xmlns:m="http://schemas.openxmlformats.org/officeDocument/2006/math">
+                      <m:sSub>
+                        <m:sSubPr>
+                          <m:ctrlPr>
+                            <a:rPr lang="de-DE" b="1" i="1" smtClean="0">
+                              <a:latin typeface="Cambria Math" panose="02040503050406030204" pitchFamily="18" charset="0"/>
+                            </a:rPr>
+                          </m:ctrlPr>
+                        </m:sSubPr>
+                        <m:e>
+                          <m:acc>
+                            <m:accPr>
+                              <m:chr m:val="̅"/>
+                              <m:ctrlPr>
+                                <a:rPr lang="de-DE" b="1" i="1">
+                                  <a:latin typeface="Cambria Math" panose="02040503050406030204" pitchFamily="18" charset="0"/>
+                                </a:rPr>
+                              </m:ctrlPr>
+                            </m:accPr>
+                            <m:e>
+                              <m:r>
+                                <a:rPr lang="de-DE" b="1" i="1">
+                                  <a:latin typeface="Cambria Math" panose="02040503050406030204" pitchFamily="18" charset="0"/>
+                                </a:rPr>
+                                <m:t>𝑰</m:t>
+                              </m:r>
+                            </m:e>
+                          </m:acc>
+                        </m:e>
+                        <m:sub>
+                          <m:r>
+                            <a:rPr lang="de-DE" b="1" i="1">
+                              <a:latin typeface="Cambria Math" panose="02040503050406030204" pitchFamily="18" charset="0"/>
+                            </a:rPr>
+                            <m:t>𝟎</m:t>
+                          </m:r>
+                        </m:sub>
+                      </m:sSub>
+                      <m:r>
+                        <a:rPr lang="de-DE" b="1" i="1" smtClean="0">
+                          <a:latin typeface="Cambria Math" panose="02040503050406030204" pitchFamily="18" charset="0"/>
+                        </a:rPr>
+                        <m:t>&gt;</m:t>
+                      </m:r>
+                      <m:sSub>
+                        <m:sSubPr>
+                          <m:ctrlPr>
+                            <a:rPr lang="de-DE" b="1" i="1">
+                              <a:latin typeface="Cambria Math" panose="02040503050406030204" pitchFamily="18" charset="0"/>
+                            </a:rPr>
+                          </m:ctrlPr>
+                        </m:sSubPr>
+                        <m:e>
+                          <m:acc>
+                            <m:accPr>
+                              <m:chr m:val="̅"/>
+                              <m:ctrlPr>
+                                <a:rPr lang="de-DE" b="1" i="1">
+                                  <a:latin typeface="Cambria Math" panose="02040503050406030204" pitchFamily="18" charset="0"/>
+                                </a:rPr>
+                              </m:ctrlPr>
+                            </m:accPr>
+                            <m:e>
+                              <m:r>
+                                <a:rPr lang="de-DE" b="1" i="1">
+                                  <a:latin typeface="Cambria Math" panose="02040503050406030204" pitchFamily="18" charset="0"/>
+                                </a:rPr>
+                                <m:t>𝑰</m:t>
+                              </m:r>
+                            </m:e>
+                          </m:acc>
+                        </m:e>
+                        <m:sub>
+                          <m:r>
+                            <a:rPr lang="de-DE" b="1" i="1">
+                              <a:latin typeface="Cambria Math" panose="02040503050406030204" pitchFamily="18" charset="0"/>
+                            </a:rPr>
+                            <m:t>𝟎</m:t>
+                          </m:r>
+                          <m:r>
+                            <a:rPr lang="de-DE" b="1" i="1">
+                              <a:latin typeface="Cambria Math" panose="02040503050406030204" pitchFamily="18" charset="0"/>
+                            </a:rPr>
+                            <m:t>,</m:t>
+                          </m:r>
+                          <m:r>
+                            <a:rPr lang="de-DE" b="1" i="1">
+                              <a:latin typeface="Cambria Math" panose="02040503050406030204" pitchFamily="18" charset="0"/>
+                            </a:rPr>
+                            <m:t>𝒌𝒓𝒊𝒕</m:t>
+                          </m:r>
+                        </m:sub>
+                      </m:sSub>
+                    </m:oMath>
+                  </m:oMathPara>
                 </a14:m>
                 <a:endParaRPr lang="de-DE" b="1" i="1" dirty="0"/>
               </a:p>
@@ -9698,10 +8273,10 @@
         <mc:Fallback>
           <p:sp>
             <p:nvSpPr>
-              <p:cNvPr id="6" name="Inhaltsplatzhalter 2">
+              <p:cNvPr id="10" name="Inhaltsplatzhalter 2">
                 <a:extLst>
                   <a:ext uri="{FF2B5EF4-FFF2-40B4-BE49-F238E27FC236}">
-                    <a16:creationId xmlns:a16="http://schemas.microsoft.com/office/drawing/2014/main" id="{710FF189-5427-F393-C26C-7EFF3426B867}"/>
+                    <a16:creationId xmlns:a16="http://schemas.microsoft.com/office/drawing/2014/main" id="{65182C3E-2122-0B9C-63DA-2916BD170EB3}"/>
                   </a:ext>
                 </a:extLst>
               </p:cNvPr>
@@ -9712,8 +8287,8 @@
             </p:nvSpPr>
             <p:spPr>
               <a:xfrm>
-                <a:off x="3737399" y="1498914"/>
-                <a:ext cx="4717200" cy="4555844"/>
+                <a:off x="9648000" y="1440000"/>
+                <a:ext cx="1380939" cy="390271"/>
               </a:xfrm>
               <a:prstGeom prst="rect">
                 <a:avLst/>
@@ -9721,287 +8296,14 @@
               <a:blipFill>
                 <a:blip r:embed="rId2"/>
                 <a:stretch>
-                  <a:fillRect l="-3230" t="-1339"/>
+                  <a:fillRect/>
                 </a:stretch>
               </a:blipFill>
-            </p:spPr>
-            <p:txBody>
-              <a:bodyPr/>
-              <a:lstStyle/>
-              <a:p>
-                <a:r>
-                  <a:rPr lang="de-DE">
-                    <a:noFill/>
-                  </a:rPr>
-                  <a:t> </a:t>
-                </a:r>
-              </a:p>
-            </p:txBody>
-          </p:sp>
-        </mc:Fallback>
-      </mc:AlternateContent>
-      <mc:AlternateContent xmlns:mc="http://schemas.openxmlformats.org/markup-compatibility/2006">
-        <mc:Choice xmlns:a14="http://schemas.microsoft.com/office/drawing/2010/main" Requires="a14">
-          <p:sp>
-            <p:nvSpPr>
-              <p:cNvPr id="8" name="Textfeld 7">
-                <a:extLst>
-                  <a:ext uri="{FF2B5EF4-FFF2-40B4-BE49-F238E27FC236}">
-                    <a16:creationId xmlns:a16="http://schemas.microsoft.com/office/drawing/2014/main" id="{9894D6C6-CB81-47A6-568D-2393E52A47A4}"/>
-                  </a:ext>
-                </a:extLst>
-              </p:cNvPr>
-              <p:cNvSpPr txBox="1"/>
-              <p:nvPr/>
-            </p:nvSpPr>
-            <p:spPr>
-              <a:xfrm>
-                <a:off x="2439344" y="1928630"/>
-                <a:ext cx="1334937" cy="400110"/>
-              </a:xfrm>
-              <a:prstGeom prst="rect">
-                <a:avLst/>
-              </a:prstGeom>
-              <a:noFill/>
-            </p:spPr>
-            <p:txBody>
-              <a:bodyPr wrap="square">
-                <a:spAutoFit/>
-              </a:bodyPr>
-              <a:lstStyle/>
-              <a:p>
-                <a:pPr/>
-                <a14:m>
-                  <m:oMathPara xmlns:m="http://schemas.openxmlformats.org/officeDocument/2006/math">
-                    <m:oMathParaPr>
-                      <m:jc m:val="centerGroup"/>
-                    </m:oMathParaPr>
-                    <m:oMath xmlns:m="http://schemas.openxmlformats.org/officeDocument/2006/math">
-                      <m:sSub>
-                        <m:sSubPr>
-                          <m:ctrlPr>
-                            <a:rPr lang="de-DE" sz="2000" i="1" smtClean="0">
-                              <a:latin typeface="Cambria Math" panose="02040503050406030204" pitchFamily="18" charset="0"/>
-                            </a:rPr>
-                          </m:ctrlPr>
-                        </m:sSubPr>
-                        <m:e>
-                          <m:acc>
-                            <m:accPr>
-                              <m:chr m:val="̅"/>
-                              <m:ctrlPr>
-                                <a:rPr lang="de-DE" sz="2000" i="1">
-                                  <a:latin typeface="Cambria Math" panose="02040503050406030204" pitchFamily="18" charset="0"/>
-                                </a:rPr>
-                              </m:ctrlPr>
-                            </m:accPr>
-                            <m:e>
-                              <m:r>
-                                <a:rPr lang="de-DE" sz="2000" b="0" i="1">
-                                  <a:latin typeface="Cambria Math" panose="02040503050406030204" pitchFamily="18" charset="0"/>
-                                </a:rPr>
-                                <m:t>𝐼</m:t>
-                              </m:r>
-                            </m:e>
-                          </m:acc>
-                        </m:e>
-                        <m:sub>
-                          <m:r>
-                            <a:rPr lang="de-DE" sz="2000" b="0" i="1">
-                              <a:latin typeface="Cambria Math" panose="02040503050406030204" pitchFamily="18" charset="0"/>
-                            </a:rPr>
-                            <m:t>0</m:t>
-                          </m:r>
-                        </m:sub>
-                      </m:sSub>
-                      <m:r>
-                        <a:rPr lang="de-DE" sz="2000" b="0" i="1" smtClean="0">
-                          <a:latin typeface="Cambria Math" panose="02040503050406030204" pitchFamily="18" charset="0"/>
-                        </a:rPr>
-                        <m:t>=3 </m:t>
-                      </m:r>
-                      <m:r>
-                        <a:rPr lang="de-DE" sz="2000" b="0" i="1" smtClean="0">
-                          <a:latin typeface="Cambria Math" panose="02040503050406030204" pitchFamily="18" charset="0"/>
-                        </a:rPr>
-                        <m:t>𝑚𝐴</m:t>
-                      </m:r>
-                    </m:oMath>
-                  </m:oMathPara>
-                </a14:m>
-                <a:endParaRPr lang="de-DE" sz="2000" i="1" dirty="0"/>
-              </a:p>
-            </p:txBody>
-          </p:sp>
-        </mc:Choice>
-        <mc:Fallback>
-          <p:sp>
-            <p:nvSpPr>
-              <p:cNvPr id="8" name="Textfeld 7">
-                <a:extLst>
-                  <a:ext uri="{FF2B5EF4-FFF2-40B4-BE49-F238E27FC236}">
-                    <a16:creationId xmlns:a16="http://schemas.microsoft.com/office/drawing/2014/main" id="{9894D6C6-CB81-47A6-568D-2393E52A47A4}"/>
-                  </a:ext>
-                </a:extLst>
-              </p:cNvPr>
-              <p:cNvSpPr txBox="1">
-                <a:spLocks noRot="1" noChangeAspect="1" noMove="1" noResize="1" noEditPoints="1" noAdjustHandles="1" noChangeArrowheads="1" noChangeShapeType="1" noTextEdit="1"/>
-              </p:cNvSpPr>
-              <p:nvPr/>
-            </p:nvSpPr>
-            <p:spPr>
-              <a:xfrm>
-                <a:off x="2439344" y="1928630"/>
-                <a:ext cx="1334937" cy="400110"/>
-              </a:xfrm>
-              <a:prstGeom prst="rect">
-                <a:avLst/>
-              </a:prstGeom>
-              <a:blipFill>
-                <a:blip r:embed="rId3"/>
-                <a:stretch>
-                  <a:fillRect b="-3030"/>
-                </a:stretch>
-              </a:blipFill>
-            </p:spPr>
-            <p:txBody>
-              <a:bodyPr/>
-              <a:lstStyle/>
-              <a:p>
-                <a:r>
-                  <a:rPr lang="de-DE">
-                    <a:noFill/>
-                  </a:rPr>
-                  <a:t> </a:t>
-                </a:r>
-              </a:p>
-            </p:txBody>
-          </p:sp>
-        </mc:Fallback>
-      </mc:AlternateContent>
-      <mc:AlternateContent xmlns:mc="http://schemas.openxmlformats.org/markup-compatibility/2006">
-        <mc:Choice xmlns:a14="http://schemas.microsoft.com/office/drawing/2010/main" Requires="a14">
-          <p:sp>
-            <p:nvSpPr>
-              <p:cNvPr id="9" name="Textfeld 8">
-                <a:extLst>
-                  <a:ext uri="{FF2B5EF4-FFF2-40B4-BE49-F238E27FC236}">
-                    <a16:creationId xmlns:a16="http://schemas.microsoft.com/office/drawing/2014/main" id="{23A3C464-99C5-4723-ACB6-76A7F12AAF5C}"/>
-                  </a:ext>
-                </a:extLst>
-              </p:cNvPr>
-              <p:cNvSpPr txBox="1"/>
-              <p:nvPr/>
-            </p:nvSpPr>
-            <p:spPr>
-              <a:xfrm>
-                <a:off x="8369006" y="1928630"/>
-                <a:ext cx="1334937" cy="400110"/>
-              </a:xfrm>
-              <a:prstGeom prst="rect">
-                <a:avLst/>
-              </a:prstGeom>
-              <a:noFill/>
-            </p:spPr>
-            <p:txBody>
-              <a:bodyPr wrap="square">
-                <a:spAutoFit/>
-              </a:bodyPr>
-              <a:lstStyle/>
-              <a:p>
-                <a:pPr/>
-                <a14:m>
-                  <m:oMathPara xmlns:m="http://schemas.openxmlformats.org/officeDocument/2006/math">
-                    <m:oMathParaPr>
-                      <m:jc m:val="centerGroup"/>
-                    </m:oMathParaPr>
-                    <m:oMath xmlns:m="http://schemas.openxmlformats.org/officeDocument/2006/math">
-                      <m:sSub>
-                        <m:sSubPr>
-                          <m:ctrlPr>
-                            <a:rPr lang="de-DE" sz="2000" i="1" smtClean="0">
-                              <a:latin typeface="Cambria Math" panose="02040503050406030204" pitchFamily="18" charset="0"/>
-                            </a:rPr>
-                          </m:ctrlPr>
-                        </m:sSubPr>
-                        <m:e>
-                          <m:acc>
-                            <m:accPr>
-                              <m:chr m:val="̅"/>
-                              <m:ctrlPr>
-                                <a:rPr lang="de-DE" sz="2000" i="1">
-                                  <a:latin typeface="Cambria Math" panose="02040503050406030204" pitchFamily="18" charset="0"/>
-                                </a:rPr>
-                              </m:ctrlPr>
-                            </m:accPr>
-                            <m:e>
-                              <m:r>
-                                <a:rPr lang="de-DE" sz="2000" b="0" i="1">
-                                  <a:latin typeface="Cambria Math" panose="02040503050406030204" pitchFamily="18" charset="0"/>
-                                </a:rPr>
-                                <m:t>𝐼</m:t>
-                              </m:r>
-                            </m:e>
-                          </m:acc>
-                        </m:e>
-                        <m:sub>
-                          <m:r>
-                            <a:rPr lang="de-DE" sz="2000" b="0" i="1">
-                              <a:latin typeface="Cambria Math" panose="02040503050406030204" pitchFamily="18" charset="0"/>
-                            </a:rPr>
-                            <m:t>0</m:t>
-                          </m:r>
-                        </m:sub>
-                      </m:sSub>
-                      <m:r>
-                        <a:rPr lang="de-DE" sz="2000" b="0" i="1" smtClean="0">
-                          <a:latin typeface="Cambria Math" panose="02040503050406030204" pitchFamily="18" charset="0"/>
-                        </a:rPr>
-                        <m:t>=6 </m:t>
-                      </m:r>
-                      <m:r>
-                        <a:rPr lang="de-DE" sz="2000" b="0" i="1" smtClean="0">
-                          <a:latin typeface="Cambria Math" panose="02040503050406030204" pitchFamily="18" charset="0"/>
-                        </a:rPr>
-                        <m:t>𝑚𝐴</m:t>
-                      </m:r>
-                    </m:oMath>
-                  </m:oMathPara>
-                </a14:m>
-                <a:endParaRPr lang="de-DE" sz="2000" i="1" dirty="0"/>
-              </a:p>
-            </p:txBody>
-          </p:sp>
-        </mc:Choice>
-        <mc:Fallback>
-          <p:sp>
-            <p:nvSpPr>
-              <p:cNvPr id="9" name="Textfeld 8">
-                <a:extLst>
-                  <a:ext uri="{FF2B5EF4-FFF2-40B4-BE49-F238E27FC236}">
-                    <a16:creationId xmlns:a16="http://schemas.microsoft.com/office/drawing/2014/main" id="{23A3C464-99C5-4723-ACB6-76A7F12AAF5C}"/>
-                  </a:ext>
-                </a:extLst>
-              </p:cNvPr>
-              <p:cNvSpPr txBox="1">
-                <a:spLocks noRot="1" noChangeAspect="1" noMove="1" noResize="1" noEditPoints="1" noAdjustHandles="1" noChangeArrowheads="1" noChangeShapeType="1" noTextEdit="1"/>
-              </p:cNvSpPr>
-              <p:nvPr/>
-            </p:nvSpPr>
-            <p:spPr>
-              <a:xfrm>
-                <a:off x="8369006" y="1928630"/>
-                <a:ext cx="1334937" cy="400110"/>
-              </a:xfrm>
-              <a:prstGeom prst="rect">
-                <a:avLst/>
-              </a:prstGeom>
-              <a:blipFill>
-                <a:blip r:embed="rId4"/>
-                <a:stretch>
-                  <a:fillRect b="-3030"/>
-                </a:stretch>
-              </a:blipFill>
+              <a:ln>
+                <a:solidFill>
+                  <a:schemeClr val="tx1"/>
+                </a:solidFill>
+              </a:ln>
             </p:spPr>
             <p:txBody>
               <a:bodyPr/>
@@ -10020,10 +8322,10 @@
       </mc:AlternateContent>
       <p:pic>
         <p:nvPicPr>
-          <p:cNvPr id="13" name="Grafik 12">
+          <p:cNvPr id="7" name="Grafik 6" descr="Ein Bild, das Text, Diagramm, Reihe enthält.&#10;&#10;KI-generierte Inhalte können fehlerhaft sein.">
             <a:extLst>
               <a:ext uri="{FF2B5EF4-FFF2-40B4-BE49-F238E27FC236}">
-                <a16:creationId xmlns:a16="http://schemas.microsoft.com/office/drawing/2014/main" id="{CAC0960D-A8B8-EC34-168A-4F189129097A}"/>
+                <a16:creationId xmlns:a16="http://schemas.microsoft.com/office/drawing/2014/main" id="{0AB2943E-6878-37EB-43D0-C23C6CD203BC}"/>
               </a:ext>
             </a:extLst>
           </p:cNvPr>
@@ -10033,7 +8335,7 @@
           <p:nvPr/>
         </p:nvPicPr>
         <p:blipFill>
-          <a:blip r:embed="rId5">
+          <a:blip r:embed="rId3">
             <a:extLst>
               <a:ext uri="{28A0092B-C50C-407E-A947-70E740481C1C}">
                 <a14:useLocalDpi xmlns:a14="http://schemas.microsoft.com/office/drawing/2010/main" val="0"/>
@@ -10046,44 +8348,8 @@
         </p:blipFill>
         <p:spPr>
           <a:xfrm>
-            <a:off x="451153" y="2479086"/>
-            <a:ext cx="5311318" cy="2880000"/>
-          </a:xfrm>
-          <a:prstGeom prst="rect">
-            <a:avLst/>
-          </a:prstGeom>
-        </p:spPr>
-      </p:pic>
-      <p:pic>
-        <p:nvPicPr>
-          <p:cNvPr id="15" name="Grafik 14">
-            <a:extLst>
-              <a:ext uri="{FF2B5EF4-FFF2-40B4-BE49-F238E27FC236}">
-                <a16:creationId xmlns:a16="http://schemas.microsoft.com/office/drawing/2014/main" id="{8500E29A-17C2-CA5E-5264-F867DA4224C7}"/>
-              </a:ext>
-            </a:extLst>
-          </p:cNvPr>
-          <p:cNvPicPr>
-            <a:picLocks noChangeAspect="1"/>
-          </p:cNvPicPr>
-          <p:nvPr/>
-        </p:nvPicPr>
-        <p:blipFill>
-          <a:blip r:embed="rId6">
-            <a:extLst>
-              <a:ext uri="{28A0092B-C50C-407E-A947-70E740481C1C}">
-                <a14:useLocalDpi xmlns:a14="http://schemas.microsoft.com/office/drawing/2010/main" val="0"/>
-              </a:ext>
-            </a:extLst>
-          </a:blip>
-          <a:stretch>
-            <a:fillRect/>
-          </a:stretch>
-        </p:blipFill>
-        <p:spPr>
-          <a:xfrm>
-            <a:off x="6429531" y="2479086"/>
-            <a:ext cx="5295979" cy="2880000"/>
+            <a:off x="406800" y="1263600"/>
+            <a:ext cx="8605712" cy="4777200"/>
           </a:xfrm>
           <a:prstGeom prst="rect">
             <a:avLst/>
@@ -10093,7 +8359,7 @@
     </p:spTree>
     <p:extLst>
       <p:ext uri="{BB962C8B-B14F-4D97-AF65-F5344CB8AC3E}">
-        <p14:creationId xmlns:p14="http://schemas.microsoft.com/office/powerpoint/2010/main" val="2282468729"/>
+        <p14:creationId xmlns:p14="http://schemas.microsoft.com/office/powerpoint/2010/main" val="2708013754"/>
       </p:ext>
     </p:extLst>
   </p:cSld>
@@ -10103,7 +8369,7 @@
 </p:sld>
 </file>
 
-<file path=ppt/slides/slide13.xml><?xml version="1.0" encoding="utf-8"?>
+<file path=ppt/slides/slide11.xml><?xml version="1.0" encoding="utf-8"?>
 <p:sld xmlns:a="http://schemas.openxmlformats.org/drawingml/2006/main" xmlns:r="http://schemas.openxmlformats.org/officeDocument/2006/relationships" xmlns:p="http://schemas.openxmlformats.org/presentationml/2006/main">
   <p:cSld>
     <p:spTree>
@@ -10271,7 +8537,7 @@
           <a:p>
             <a:fld id="{5DDB454C-C8BB-450C-A446-EA3D813FE484}" type="slidenum">
               <a:rPr lang="de-DE" smtClean="0"/>
-              <a:t>13</a:t>
+              <a:t>11</a:t>
             </a:fld>
             <a:endParaRPr lang="de-DE"/>
           </a:p>
@@ -10617,10 +8883,9 @@
           <a:lstStyle/>
           <a:p>
             <a:r>
-              <a:rPr lang="de-DE"/>
+              <a:rPr lang="de-DE" dirty="0"/>
               <a:t>Lennart und Richard Mende, 25EIM-AT, E144 Regelungstheorie, Prof. Dr.-Ing. Hendrik Richter</a:t>
             </a:r>
-            <a:endParaRPr lang="de-DE" dirty="0"/>
           </a:p>
         </p:txBody>
       </p:sp>
@@ -12282,8 +10547,8 @@
           </a:p>
         </p:txBody>
       </p:sp>
-      <mc:AlternateContent xmlns:mc="http://schemas.openxmlformats.org/markup-compatibility/2006" xmlns:a14="http://schemas.microsoft.com/office/drawing/2010/main">
-        <mc:Choice Requires="a14">
+      <mc:AlternateContent xmlns:mc="http://schemas.openxmlformats.org/markup-compatibility/2006">
+        <mc:Choice xmlns:a14="http://schemas.microsoft.com/office/drawing/2010/main" Requires="a14">
           <p:sp>
             <p:nvSpPr>
               <p:cNvPr id="25" name="Inhaltsplatzhalter 2">
@@ -12301,7 +10566,7 @@
             <p:spPr>
               <a:xfrm>
                 <a:off x="8534401" y="1614143"/>
-                <a:ext cx="3053751" cy="4521544"/>
+                <a:ext cx="1862951" cy="4521544"/>
               </a:xfrm>
               <a:prstGeom prst="rect">
                 <a:avLst/>
@@ -12485,7 +10750,7 @@
                 </a:lvl9pPr>
               </a:lstStyle>
               <a:p>
-                <a:pPr algn="ctr">
+                <a:pPr>
                   <a:spcAft>
                     <a:spcPts val="600"/>
                   </a:spcAft>
@@ -12562,7 +10827,7 @@
               <a:p>
                 <a:pPr>
                   <a:spcAft>
-                    <a:spcPts val="1200"/>
+                    <a:spcPts val="600"/>
                   </a:spcAft>
                   <a:buNone/>
                 </a:pPr>
@@ -12603,124 +10868,27 @@
                         </a:rPr>
                         <m:t>=</m:t>
                       </m:r>
-                      <m:f>
-                        <m:fPr>
-                          <m:ctrlPr>
-                            <a:rPr lang="de-DE" i="1">
-                              <a:latin typeface="Cambria Math" panose="02040503050406030204" pitchFamily="18" charset="0"/>
-                            </a:rPr>
-                          </m:ctrlPr>
-                        </m:fPr>
-                        <m:num>
-                          <m:r>
-                            <a:rPr lang="de-DE" i="1">
-                              <a:latin typeface="Cambria Math" panose="02040503050406030204" pitchFamily="18" charset="0"/>
-                            </a:rPr>
-                            <m:t>𝑘</m:t>
-                          </m:r>
-                        </m:num>
-                        <m:den>
-                          <m:r>
-                            <a:rPr lang="de-DE" i="1">
-                              <a:latin typeface="Cambria Math" panose="02040503050406030204" pitchFamily="18" charset="0"/>
-                            </a:rPr>
-                            <m:t>𝑒</m:t>
-                          </m:r>
-                        </m:den>
-                      </m:f>
-                      <m:r>
-                        <a:rPr lang="de-DE" i="1">
-                          <a:latin typeface="Cambria Math" panose="02040503050406030204" pitchFamily="18" charset="0"/>
-                        </a:rPr>
-                        <m:t> </m:t>
-                      </m:r>
-                      <m:r>
-                        <a:rPr lang="de-DE" i="1">
-                          <a:latin typeface="Cambria Math" panose="02040503050406030204" pitchFamily="18" charset="0"/>
-                        </a:rPr>
-                        <m:t>𝑇</m:t>
-                      </m:r>
                       <m:r>
                         <a:rPr lang="de-DE" i="1">
                           <a:latin typeface="Cambria Math" panose="02040503050406030204" pitchFamily="18" charset="0"/>
                           <a:ea typeface="Cambria Math" panose="02040503050406030204" pitchFamily="18" charset="0"/>
                         </a:rPr>
-                        <m:t>≈26 </m:t>
+                        <m:t>26 </m:t>
                       </m:r>
-                      <m:sSub>
-                        <m:sSubPr>
-                          <m:ctrlPr>
-                            <a:rPr lang="de-DE" i="1">
-                              <a:latin typeface="Cambria Math" panose="02040503050406030204" pitchFamily="18" charset="0"/>
-                              <a:ea typeface="Cambria Math" panose="02040503050406030204" pitchFamily="18" charset="0"/>
-                            </a:rPr>
-                          </m:ctrlPr>
-                        </m:sSubPr>
-                        <m:e>
-                          <m:d>
-                            <m:dPr>
-                              <m:begChr m:val=""/>
-                              <m:endChr m:val="|"/>
-                              <m:ctrlPr>
-                                <a:rPr lang="de-DE" i="1">
-                                  <a:latin typeface="Cambria Math" panose="02040503050406030204" pitchFamily="18" charset="0"/>
-                                  <a:ea typeface="Cambria Math" panose="02040503050406030204" pitchFamily="18" charset="0"/>
-                                </a:rPr>
-                              </m:ctrlPr>
-                            </m:dPr>
-                            <m:e>
-                              <m:r>
-                                <a:rPr lang="de-DE" i="1">
-                                  <a:latin typeface="Cambria Math" panose="02040503050406030204" pitchFamily="18" charset="0"/>
-                                  <a:ea typeface="Cambria Math" panose="02040503050406030204" pitchFamily="18" charset="0"/>
-                                </a:rPr>
-                                <m:t>𝑚𝑉</m:t>
-                              </m:r>
-                              <m:r>
-                                <a:rPr lang="de-DE" i="1">
-                                  <a:latin typeface="Cambria Math" panose="02040503050406030204" pitchFamily="18" charset="0"/>
-                                  <a:ea typeface="Cambria Math" panose="02040503050406030204" pitchFamily="18" charset="0"/>
-                                </a:rPr>
-                                <m:t> </m:t>
-                              </m:r>
-                            </m:e>
-                          </m:d>
-                        </m:e>
-                        <m:sub>
-                          <m:r>
-                            <a:rPr lang="de-DE" i="1">
-                              <a:latin typeface="Cambria Math" panose="02040503050406030204" pitchFamily="18" charset="0"/>
-                              <a:ea typeface="Cambria Math" panose="02040503050406030204" pitchFamily="18" charset="0"/>
-                            </a:rPr>
-                            <m:t> </m:t>
-                          </m:r>
-                          <m:r>
-                            <m:rPr>
-                              <m:sty m:val="p"/>
-                            </m:rPr>
-                            <a:rPr lang="el-GR" i="1">
-                              <a:latin typeface="Cambria Math" panose="02040503050406030204" pitchFamily="18" charset="0"/>
-                            </a:rPr>
-                            <m:t>ϑ</m:t>
-                          </m:r>
-                          <m:r>
-                            <a:rPr lang="de-DE" i="1">
-                              <a:latin typeface="Cambria Math" panose="02040503050406030204" pitchFamily="18" charset="0"/>
-                            </a:rPr>
-                            <m:t>=25 °</m:t>
-                          </m:r>
-                          <m:r>
-                            <a:rPr lang="de-DE" i="1">
-                              <a:latin typeface="Cambria Math" panose="02040503050406030204" pitchFamily="18" charset="0"/>
-                            </a:rPr>
-                            <m:t>𝐶</m:t>
-                          </m:r>
-                        </m:sub>
-                      </m:sSub>
+                      <m:r>
+                        <a:rPr lang="de-DE" b="0" i="1" smtClean="0">
+                          <a:latin typeface="Cambria Math" panose="02040503050406030204" pitchFamily="18" charset="0"/>
+                          <a:ea typeface="Cambria Math" panose="02040503050406030204" pitchFamily="18" charset="0"/>
+                        </a:rPr>
+                        <m:t>𝑚𝑉</m:t>
+                      </m:r>
                     </m:oMath>
                   </m:oMathPara>
                 </a14:m>
-                <a:endParaRPr lang="de-DE" dirty="0"/>
+                <a:endParaRPr lang="de-DE" b="0" i="1" dirty="0">
+                  <a:latin typeface="Cambria Math" panose="02040503050406030204" pitchFamily="18" charset="0"/>
+                  <a:ea typeface="Cambria Math" panose="02040503050406030204" pitchFamily="18" charset="0"/>
+                </a:endParaRPr>
               </a:p>
               <a:p>
                 <a:pPr>
@@ -12935,7 +11103,7 @@
             </p:txBody>
           </p:sp>
         </mc:Choice>
-        <mc:Fallback xmlns="">
+        <mc:Fallback>
           <p:sp>
             <p:nvSpPr>
               <p:cNvPr id="25" name="Inhaltsplatzhalter 2">
@@ -12953,7 +11121,7 @@
             <p:spPr>
               <a:xfrm>
                 <a:off x="8534401" y="1614143"/>
-                <a:ext cx="3053751" cy="4521544"/>
+                <a:ext cx="1862951" cy="4521544"/>
               </a:xfrm>
               <a:prstGeom prst="rect">
                 <a:avLst/>
@@ -12961,7 +11129,7 @@
               <a:blipFill>
                 <a:blip r:embed="rId4"/>
                 <a:stretch>
-                  <a:fillRect t="-1752"/>
+                  <a:fillRect l="-8170" t="-1752" r="-5229"/>
                 </a:stretch>
               </a:blipFill>
             </p:spPr>
@@ -12990,6 +11158,235 @@
   <p:clrMapOvr>
     <a:masterClrMapping/>
   </p:clrMapOvr>
+  <p:timing>
+    <p:tnLst>
+      <p:par>
+        <p:cTn id="1" dur="indefinite" restart="never" nodeType="tmRoot">
+          <p:childTnLst>
+            <p:seq concurrent="1" nextAc="seek">
+              <p:cTn id="2" dur="indefinite" nodeType="mainSeq">
+                <p:childTnLst>
+                  <p:par>
+                    <p:cTn id="3" fill="hold">
+                      <p:stCondLst>
+                        <p:cond delay="indefinite"/>
+                      </p:stCondLst>
+                      <p:childTnLst>
+                        <p:par>
+                          <p:cTn id="4" fill="hold">
+                            <p:stCondLst>
+                              <p:cond delay="0"/>
+                            </p:stCondLst>
+                            <p:childTnLst>
+                              <p:par>
+                                <p:cTn id="5" presetID="1" presetClass="entr" presetSubtype="0" fill="hold" grpId="0" nodeType="clickEffect">
+                                  <p:stCondLst>
+                                    <p:cond delay="0"/>
+                                  </p:stCondLst>
+                                  <p:childTnLst>
+                                    <p:set>
+                                      <p:cBhvr>
+                                        <p:cTn id="6" dur="1" fill="hold">
+                                          <p:stCondLst>
+                                            <p:cond delay="0"/>
+                                          </p:stCondLst>
+                                        </p:cTn>
+                                        <p:tgtEl>
+                                          <p:spTgt spid="3">
+                                            <p:txEl>
+                                              <p:pRg st="0" end="0"/>
+                                            </p:txEl>
+                                          </p:spTgt>
+                                        </p:tgtEl>
+                                        <p:attrNameLst>
+                                          <p:attrName>style.visibility</p:attrName>
+                                        </p:attrNameLst>
+                                      </p:cBhvr>
+                                      <p:to>
+                                        <p:strVal val="visible"/>
+                                      </p:to>
+                                    </p:set>
+                                  </p:childTnLst>
+                                </p:cTn>
+                              </p:par>
+                              <p:par>
+                                <p:cTn id="7" presetID="1" presetClass="entr" presetSubtype="0" fill="hold" nodeType="withEffect">
+                                  <p:stCondLst>
+                                    <p:cond delay="0"/>
+                                  </p:stCondLst>
+                                  <p:childTnLst>
+                                    <p:set>
+                                      <p:cBhvr>
+                                        <p:cTn id="8" dur="1" fill="hold">
+                                          <p:stCondLst>
+                                            <p:cond delay="0"/>
+                                          </p:stCondLst>
+                                        </p:cTn>
+                                        <p:tgtEl>
+                                          <p:spTgt spid="21"/>
+                                        </p:tgtEl>
+                                        <p:attrNameLst>
+                                          <p:attrName>style.visibility</p:attrName>
+                                        </p:attrNameLst>
+                                      </p:cBhvr>
+                                      <p:to>
+                                        <p:strVal val="visible"/>
+                                      </p:to>
+                                    </p:set>
+                                  </p:childTnLst>
+                                </p:cTn>
+                              </p:par>
+                              <p:par>
+                                <p:cTn id="9" presetID="1" presetClass="entr" presetSubtype="0" fill="hold" grpId="0" nodeType="withEffect">
+                                  <p:stCondLst>
+                                    <p:cond delay="0"/>
+                                  </p:stCondLst>
+                                  <p:childTnLst>
+                                    <p:set>
+                                      <p:cBhvr>
+                                        <p:cTn id="10" dur="1" fill="hold">
+                                          <p:stCondLst>
+                                            <p:cond delay="0"/>
+                                          </p:stCondLst>
+                                        </p:cTn>
+                                        <p:tgtEl>
+                                          <p:spTgt spid="24"/>
+                                        </p:tgtEl>
+                                        <p:attrNameLst>
+                                          <p:attrName>style.visibility</p:attrName>
+                                        </p:attrNameLst>
+                                      </p:cBhvr>
+                                      <p:to>
+                                        <p:strVal val="visible"/>
+                                      </p:to>
+                                    </p:set>
+                                  </p:childTnLst>
+                                </p:cTn>
+                              </p:par>
+                            </p:childTnLst>
+                          </p:cTn>
+                        </p:par>
+                      </p:childTnLst>
+                    </p:cTn>
+                  </p:par>
+                  <p:par>
+                    <p:cTn id="11" fill="hold">
+                      <p:stCondLst>
+                        <p:cond delay="indefinite"/>
+                      </p:stCondLst>
+                      <p:childTnLst>
+                        <p:par>
+                          <p:cTn id="12" fill="hold">
+                            <p:stCondLst>
+                              <p:cond delay="0"/>
+                            </p:stCondLst>
+                            <p:childTnLst>
+                              <p:par>
+                                <p:cTn id="13" presetID="1" presetClass="entr" presetSubtype="0" fill="hold" grpId="0" nodeType="clickEffect">
+                                  <p:stCondLst>
+                                    <p:cond delay="0"/>
+                                  </p:stCondLst>
+                                  <p:childTnLst>
+                                    <p:set>
+                                      <p:cBhvr>
+                                        <p:cTn id="14" dur="1" fill="hold">
+                                          <p:stCondLst>
+                                            <p:cond delay="0"/>
+                                          </p:stCondLst>
+                                        </p:cTn>
+                                        <p:tgtEl>
+                                          <p:spTgt spid="23"/>
+                                        </p:tgtEl>
+                                        <p:attrNameLst>
+                                          <p:attrName>style.visibility</p:attrName>
+                                        </p:attrNameLst>
+                                      </p:cBhvr>
+                                      <p:to>
+                                        <p:strVal val="visible"/>
+                                      </p:to>
+                                    </p:set>
+                                  </p:childTnLst>
+                                </p:cTn>
+                              </p:par>
+                            </p:childTnLst>
+                          </p:cTn>
+                        </p:par>
+                      </p:childTnLst>
+                    </p:cTn>
+                  </p:par>
+                  <p:par>
+                    <p:cTn id="15" fill="hold">
+                      <p:stCondLst>
+                        <p:cond delay="indefinite"/>
+                      </p:stCondLst>
+                      <p:childTnLst>
+                        <p:par>
+                          <p:cTn id="16" fill="hold">
+                            <p:stCondLst>
+                              <p:cond delay="0"/>
+                            </p:stCondLst>
+                            <p:childTnLst>
+                              <p:par>
+                                <p:cTn id="17" presetID="1" presetClass="entr" presetSubtype="0" fill="hold" grpId="0" nodeType="clickEffect">
+                                  <p:stCondLst>
+                                    <p:cond delay="0"/>
+                                  </p:stCondLst>
+                                  <p:childTnLst>
+                                    <p:set>
+                                      <p:cBhvr>
+                                        <p:cTn id="18" dur="1" fill="hold">
+                                          <p:stCondLst>
+                                            <p:cond delay="0"/>
+                                          </p:stCondLst>
+                                        </p:cTn>
+                                        <p:tgtEl>
+                                          <p:spTgt spid="25"/>
+                                        </p:tgtEl>
+                                        <p:attrNameLst>
+                                          <p:attrName>style.visibility</p:attrName>
+                                        </p:attrNameLst>
+                                      </p:cBhvr>
+                                      <p:to>
+                                        <p:strVal val="visible"/>
+                                      </p:to>
+                                    </p:set>
+                                  </p:childTnLst>
+                                </p:cTn>
+                              </p:par>
+                            </p:childTnLst>
+                          </p:cTn>
+                        </p:par>
+                      </p:childTnLst>
+                    </p:cTn>
+                  </p:par>
+                </p:childTnLst>
+              </p:cTn>
+              <p:prevCondLst>
+                <p:cond evt="onPrev" delay="0">
+                  <p:tgtEl>
+                    <p:sldTgt/>
+                  </p:tgtEl>
+                </p:cond>
+              </p:prevCondLst>
+              <p:nextCondLst>
+                <p:cond evt="onNext" delay="0">
+                  <p:tgtEl>
+                    <p:sldTgt/>
+                  </p:tgtEl>
+                </p:cond>
+              </p:nextCondLst>
+            </p:seq>
+          </p:childTnLst>
+        </p:cTn>
+      </p:par>
+    </p:tnLst>
+    <p:bldLst>
+      <p:bldP spid="3" grpId="0" build="p"/>
+      <p:bldP spid="23" grpId="0"/>
+      <p:bldP spid="24" grpId="0"/>
+      <p:bldP spid="25" grpId="0"/>
+    </p:bldLst>
+  </p:timing>
 </p:sld>
 </file>
 
@@ -14624,6 +13021,129 @@
   <p:clrMapOvr>
     <a:masterClrMapping/>
   </p:clrMapOvr>
+  <p:timing>
+    <p:tnLst>
+      <p:par>
+        <p:cTn id="1" dur="indefinite" restart="never" nodeType="tmRoot">
+          <p:childTnLst>
+            <p:seq concurrent="1" nextAc="seek">
+              <p:cTn id="2" dur="indefinite" nodeType="mainSeq">
+                <p:childTnLst>
+                  <p:par>
+                    <p:cTn id="3" fill="hold">
+                      <p:stCondLst>
+                        <p:cond delay="indefinite"/>
+                      </p:stCondLst>
+                      <p:childTnLst>
+                        <p:par>
+                          <p:cTn id="4" fill="hold">
+                            <p:stCondLst>
+                              <p:cond delay="0"/>
+                            </p:stCondLst>
+                            <p:childTnLst>
+                              <p:par>
+                                <p:cTn id="5" presetID="1" presetClass="entr" presetSubtype="0" fill="hold" grpId="0" nodeType="clickEffect">
+                                  <p:stCondLst>
+                                    <p:cond delay="0"/>
+                                  </p:stCondLst>
+                                  <p:childTnLst>
+                                    <p:set>
+                                      <p:cBhvr>
+                                        <p:cTn id="6" dur="1" fill="hold">
+                                          <p:stCondLst>
+                                            <p:cond delay="0"/>
+                                          </p:stCondLst>
+                                        </p:cTn>
+                                        <p:tgtEl>
+                                          <p:spTgt spid="7"/>
+                                        </p:tgtEl>
+                                        <p:attrNameLst>
+                                          <p:attrName>style.visibility</p:attrName>
+                                        </p:attrNameLst>
+                                      </p:cBhvr>
+                                      <p:to>
+                                        <p:strVal val="visible"/>
+                                      </p:to>
+                                    </p:set>
+                                  </p:childTnLst>
+                                </p:cTn>
+                              </p:par>
+                            </p:childTnLst>
+                          </p:cTn>
+                        </p:par>
+                      </p:childTnLst>
+                    </p:cTn>
+                  </p:par>
+                  <p:par>
+                    <p:cTn id="7" fill="hold">
+                      <p:stCondLst>
+                        <p:cond delay="indefinite"/>
+                      </p:stCondLst>
+                      <p:childTnLst>
+                        <p:par>
+                          <p:cTn id="8" fill="hold">
+                            <p:stCondLst>
+                              <p:cond delay="0"/>
+                            </p:stCondLst>
+                            <p:childTnLst>
+                              <p:par>
+                                <p:cTn id="9" presetID="1" presetClass="entr" presetSubtype="0" fill="hold" nodeType="clickEffect">
+                                  <p:stCondLst>
+                                    <p:cond delay="0"/>
+                                  </p:stCondLst>
+                                  <p:childTnLst>
+                                    <p:set>
+                                      <p:cBhvr>
+                                        <p:cTn id="10" dur="1" fill="hold">
+                                          <p:stCondLst>
+                                            <p:cond delay="0"/>
+                                          </p:stCondLst>
+                                        </p:cTn>
+                                        <p:tgtEl>
+                                          <p:spTgt spid="19"/>
+                                        </p:tgtEl>
+                                        <p:attrNameLst>
+                                          <p:attrName>style.visibility</p:attrName>
+                                        </p:attrNameLst>
+                                      </p:cBhvr>
+                                      <p:to>
+                                        <p:strVal val="visible"/>
+                                      </p:to>
+                                    </p:set>
+                                  </p:childTnLst>
+                                </p:cTn>
+                              </p:par>
+                            </p:childTnLst>
+                          </p:cTn>
+                        </p:par>
+                      </p:childTnLst>
+                    </p:cTn>
+                  </p:par>
+                </p:childTnLst>
+              </p:cTn>
+              <p:prevCondLst>
+                <p:cond evt="onPrev" delay="0">
+                  <p:tgtEl>
+                    <p:sldTgt/>
+                  </p:tgtEl>
+                </p:cond>
+              </p:prevCondLst>
+              <p:nextCondLst>
+                <p:cond evt="onNext" delay="0">
+                  <p:tgtEl>
+                    <p:sldTgt/>
+                  </p:tgtEl>
+                </p:cond>
+              </p:nextCondLst>
+            </p:seq>
+          </p:childTnLst>
+        </p:cTn>
+      </p:par>
+    </p:tnLst>
+    <p:bldLst>
+      <p:bldP spid="7" grpId="0"/>
+    </p:bldLst>
+  </p:timing>
 </p:sld>
 </file>
 
@@ -14734,305 +13254,583 @@
           </a:p>
         </p:txBody>
       </p:sp>
-      <p:grpSp>
-        <p:nvGrpSpPr>
-          <p:cNvPr id="7" name="Gruppieren 6">
-            <a:extLst>
-              <a:ext uri="{FF2B5EF4-FFF2-40B4-BE49-F238E27FC236}">
-                <a16:creationId xmlns:a16="http://schemas.microsoft.com/office/drawing/2014/main" id="{13DE0BEC-B3D9-994F-37F4-F8950C5DCDDF}"/>
-              </a:ext>
-            </a:extLst>
-          </p:cNvPr>
-          <p:cNvGrpSpPr/>
-          <p:nvPr/>
-        </p:nvGrpSpPr>
-        <p:grpSpPr>
-          <a:xfrm>
-            <a:off x="717550" y="1555370"/>
-            <a:ext cx="10841846" cy="4329206"/>
-            <a:chOff x="1543614" y="1675459"/>
-            <a:chExt cx="9237502" cy="4329206"/>
-          </a:xfrm>
-        </p:grpSpPr>
-        <mc:AlternateContent xmlns:mc="http://schemas.openxmlformats.org/markup-compatibility/2006" xmlns:a14="http://schemas.microsoft.com/office/drawing/2010/main">
-          <mc:Choice Requires="a14">
-            <p:sp>
-              <p:nvSpPr>
-                <p:cNvPr id="15" name="Textfeld 14">
-                  <a:extLst>
-                    <a:ext uri="{FF2B5EF4-FFF2-40B4-BE49-F238E27FC236}">
-                      <a16:creationId xmlns:a16="http://schemas.microsoft.com/office/drawing/2014/main" id="{B2EE3EAB-FCDD-1903-E5E8-82A158EAC4B1}"/>
-                    </a:ext>
-                  </a:extLst>
-                </p:cNvPr>
-                <p:cNvSpPr txBox="1"/>
-                <p:nvPr/>
-              </p:nvSpPr>
-              <p:spPr>
-                <a:xfrm>
-                  <a:off x="1698890" y="3773285"/>
-                  <a:ext cx="9082226" cy="2231380"/>
-                </a:xfrm>
-                <a:prstGeom prst="rect">
-                  <a:avLst/>
-                </a:prstGeom>
-                <a:noFill/>
-              </p:spPr>
-              <p:txBody>
-                <a:bodyPr wrap="square" rtlCol="0">
-                  <a:spAutoFit/>
-                </a:bodyPr>
-                <a:lstStyle/>
-                <a:p>
-                  <a:pPr>
-                    <a:spcAft>
-                      <a:spcPts val="1800"/>
-                    </a:spcAft>
-                  </a:pPr>
-                  <a14:m>
+      <mc:AlternateContent xmlns:mc="http://schemas.openxmlformats.org/markup-compatibility/2006">
+        <mc:Choice xmlns:a14="http://schemas.microsoft.com/office/drawing/2010/main" Requires="a14">
+          <p:sp>
+            <p:nvSpPr>
+              <p:cNvPr id="15" name="Textfeld 14">
+                <a:extLst>
+                  <a:ext uri="{FF2B5EF4-FFF2-40B4-BE49-F238E27FC236}">
+                    <a16:creationId xmlns:a16="http://schemas.microsoft.com/office/drawing/2014/main" id="{B2EE3EAB-FCDD-1903-E5E8-82A158EAC4B1}"/>
+                  </a:ext>
+                </a:extLst>
+              </p:cNvPr>
+              <p:cNvSpPr txBox="1"/>
+              <p:nvPr/>
+            </p:nvSpPr>
+            <p:spPr>
+              <a:xfrm>
+                <a:off x="899794" y="3653196"/>
+                <a:ext cx="10659602" cy="2231380"/>
+              </a:xfrm>
+              <a:prstGeom prst="rect">
+                <a:avLst/>
+              </a:prstGeom>
+              <a:noFill/>
+            </p:spPr>
+            <p:txBody>
+              <a:bodyPr wrap="square" rtlCol="0">
+                <a:spAutoFit/>
+              </a:bodyPr>
+              <a:lstStyle/>
+              <a:p>
+                <a:pPr>
+                  <a:spcAft>
+                    <a:spcPts val="1800"/>
+                  </a:spcAft>
+                </a:pPr>
+                <a14:m>
+                  <m:oMath xmlns:m="http://schemas.openxmlformats.org/officeDocument/2006/math">
+                    <m:sSub>
+                      <m:sSubPr>
+                        <m:ctrlPr>
+                          <a:rPr lang="de-DE" sz="2400" i="1">
+                            <a:latin typeface="Cambria Math" panose="02040503050406030204" pitchFamily="18" charset="0"/>
+                          </a:rPr>
+                        </m:ctrlPr>
+                      </m:sSubPr>
+                      <m:e>
+                        <m:r>
+                          <a:rPr lang="de-DE" sz="2400" b="0" i="1" smtClean="0">
+                            <a:latin typeface="Cambria Math" panose="02040503050406030204" pitchFamily="18" charset="0"/>
+                          </a:rPr>
+                          <m:t>0</m:t>
+                        </m:r>
+                        <m:r>
+                          <a:rPr lang="de-DE" sz="2400" b="0" i="1" smtClean="0">
+                            <a:latin typeface="Cambria Math" panose="02040503050406030204" pitchFamily="18" charset="0"/>
+                            <a:ea typeface="Cambria Math" panose="02040503050406030204" pitchFamily="18" charset="0"/>
+                          </a:rPr>
+                          <m:t>&lt;</m:t>
+                        </m:r>
+                        <m:acc>
+                          <m:accPr>
+                            <m:chr m:val="̅"/>
+                            <m:ctrlPr>
+                              <a:rPr lang="de-DE" sz="2400" i="1">
+                                <a:latin typeface="Cambria Math" panose="02040503050406030204" pitchFamily="18" charset="0"/>
+                              </a:rPr>
+                            </m:ctrlPr>
+                          </m:accPr>
+                          <m:e>
+                            <m:r>
+                              <a:rPr lang="de-DE" sz="2400" i="1">
+                                <a:latin typeface="Cambria Math" panose="02040503050406030204" pitchFamily="18" charset="0"/>
+                              </a:rPr>
+                              <m:t>𝐼</m:t>
+                            </m:r>
+                          </m:e>
+                        </m:acc>
+                      </m:e>
+                      <m:sub>
+                        <m:r>
+                          <a:rPr lang="de-DE" sz="2400" i="1">
+                            <a:latin typeface="Cambria Math" panose="02040503050406030204" pitchFamily="18" charset="0"/>
+                          </a:rPr>
+                          <m:t>0</m:t>
+                        </m:r>
+                      </m:sub>
+                    </m:sSub>
+                    <m:r>
+                      <a:rPr lang="de-DE" sz="2400" b="0" i="1" smtClean="0">
+                        <a:latin typeface="Cambria Math" panose="02040503050406030204" pitchFamily="18" charset="0"/>
+                      </a:rPr>
+                      <m:t> </m:t>
+                    </m:r>
+                    <m:r>
+                      <a:rPr lang="de-DE" sz="2400" i="1" smtClean="0">
+                        <a:latin typeface="Cambria Math" panose="02040503050406030204" pitchFamily="18" charset="0"/>
+                        <a:ea typeface="Cambria Math" panose="02040503050406030204" pitchFamily="18" charset="0"/>
+                      </a:rPr>
+                      <m:t>&lt;</m:t>
+                    </m:r>
+                    <m:sSub>
+                      <m:sSubPr>
+                        <m:ctrlPr>
+                          <a:rPr lang="de-DE" sz="2400" i="1">
+                            <a:latin typeface="Cambria Math" panose="02040503050406030204" pitchFamily="18" charset="0"/>
+                          </a:rPr>
+                        </m:ctrlPr>
+                      </m:sSubPr>
+                      <m:e>
+                        <m:acc>
+                          <m:accPr>
+                            <m:chr m:val="̅"/>
+                            <m:ctrlPr>
+                              <a:rPr lang="de-DE" sz="2400" i="1" smtClean="0">
+                                <a:latin typeface="Cambria Math" panose="02040503050406030204" pitchFamily="18" charset="0"/>
+                              </a:rPr>
+                            </m:ctrlPr>
+                          </m:accPr>
+                          <m:e>
+                            <m:r>
+                              <a:rPr lang="de-DE" sz="2400" i="1">
+                                <a:latin typeface="Cambria Math" panose="02040503050406030204" pitchFamily="18" charset="0"/>
+                              </a:rPr>
+                              <m:t>𝐼</m:t>
+                            </m:r>
+                          </m:e>
+                        </m:acc>
+                      </m:e>
+                      <m:sub>
+                        <m:r>
+                          <a:rPr lang="de-DE" sz="2400" i="1">
+                            <a:latin typeface="Cambria Math" panose="02040503050406030204" pitchFamily="18" charset="0"/>
+                          </a:rPr>
+                          <m:t>0</m:t>
+                        </m:r>
+                        <m:r>
+                          <a:rPr lang="de-DE" sz="2400" b="0" i="1" smtClean="0">
+                            <a:latin typeface="Cambria Math" panose="02040503050406030204" pitchFamily="18" charset="0"/>
+                          </a:rPr>
+                          <m:t>,</m:t>
+                        </m:r>
+                        <m:r>
+                          <a:rPr lang="de-DE" sz="2400" b="0" i="1" smtClean="0">
+                            <a:latin typeface="Cambria Math" panose="02040503050406030204" pitchFamily="18" charset="0"/>
+                          </a:rPr>
+                          <m:t>𝑘𝑟𝑖𝑡</m:t>
+                        </m:r>
+                      </m:sub>
+                    </m:sSub>
+                    <m:r>
+                      <a:rPr lang="de-DE" sz="2400" b="0" i="1" smtClean="0">
+                        <a:latin typeface="Cambria Math" panose="02040503050406030204" pitchFamily="18" charset="0"/>
+                      </a:rPr>
+                      <m:t>: </m:t>
+                    </m:r>
+                    <m:sSub>
+                      <m:sSubPr>
+                        <m:ctrlPr>
+                          <a:rPr lang="de-DE" sz="2400" b="0" i="1" smtClean="0">
+                            <a:latin typeface="Cambria Math" panose="02040503050406030204" pitchFamily="18" charset="0"/>
+                          </a:rPr>
+                        </m:ctrlPr>
+                      </m:sSubPr>
+                      <m:e>
+                        <m:r>
+                          <a:rPr lang="de-DE" sz="2400" b="0" i="1" smtClean="0">
+                            <a:latin typeface="Cambria Math" panose="02040503050406030204" pitchFamily="18" charset="0"/>
+                          </a:rPr>
+                          <m:t>𝑅𝑒</m:t>
+                        </m:r>
+                        <m:r>
+                          <a:rPr lang="de-DE" sz="2400" b="0" i="1" smtClean="0">
+                            <a:latin typeface="Cambria Math" panose="02040503050406030204" pitchFamily="18" charset="0"/>
+                          </a:rPr>
+                          <m:t>(</m:t>
+                        </m:r>
+                        <m:r>
+                          <a:rPr lang="de-DE" sz="2400" b="0" i="1" smtClean="0">
+                            <a:latin typeface="Cambria Math" panose="02040503050406030204" pitchFamily="18" charset="0"/>
+                          </a:rPr>
+                          <m:t>𝑒𝑖𝑔</m:t>
+                        </m:r>
+                      </m:e>
+                      <m:sub>
+                        <m:r>
+                          <a:rPr lang="de-DE" sz="2400" b="0" i="1" smtClean="0">
+                            <a:latin typeface="Cambria Math" panose="02040503050406030204" pitchFamily="18" charset="0"/>
+                          </a:rPr>
+                          <m:t>1,2,3</m:t>
+                        </m:r>
+                      </m:sub>
+                    </m:sSub>
+                    <m:r>
+                      <a:rPr lang="de-DE" sz="2400" b="0" i="1" smtClean="0">
+                        <a:latin typeface="Cambria Math" panose="02040503050406030204" pitchFamily="18" charset="0"/>
+                      </a:rPr>
+                      <m:t>( </m:t>
+                    </m:r>
+                    <m:r>
+                      <a:rPr lang="de-DE" sz="2400" b="0" i="1" smtClean="0">
+                        <a:latin typeface="Cambria Math" panose="02040503050406030204" pitchFamily="18" charset="0"/>
+                      </a:rPr>
+                      <m:t>𝐽</m:t>
+                    </m:r>
+                    <m:r>
+                      <a:rPr lang="de-DE" sz="2400" b="0" i="1" smtClean="0">
+                        <a:latin typeface="Cambria Math" panose="02040503050406030204" pitchFamily="18" charset="0"/>
+                      </a:rPr>
+                      <m:t>))&lt;0</m:t>
+                    </m:r>
+                  </m:oMath>
+                </a14:m>
+                <a:r>
+                  <a:rPr lang="de-DE" sz="2400" i="1" dirty="0"/>
+                  <a:t> → </a:t>
+                </a:r>
+                <a:r>
+                  <a:rPr lang="de-DE" sz="2400" b="1" dirty="0"/>
+                  <a:t>lokale Stabilität</a:t>
+                </a:r>
+              </a:p>
+              <a:p>
+                <a:pPr>
+                  <a:spcAft>
+                    <a:spcPts val="3000"/>
+                  </a:spcAft>
+                </a:pPr>
+                <a14:m>
+                  <m:oMath xmlns:m="http://schemas.openxmlformats.org/officeDocument/2006/math">
+                    <m:sSub>
+                      <m:sSubPr>
+                        <m:ctrlPr>
+                          <a:rPr lang="de-DE" sz="2400" i="1" smtClean="0">
+                            <a:latin typeface="Cambria Math" panose="02040503050406030204" pitchFamily="18" charset="0"/>
+                          </a:rPr>
+                        </m:ctrlPr>
+                      </m:sSubPr>
+                      <m:e>
+                        <m:acc>
+                          <m:accPr>
+                            <m:chr m:val="̅"/>
+                            <m:ctrlPr>
+                              <a:rPr lang="de-DE" sz="2400" i="1" smtClean="0">
+                                <a:latin typeface="Cambria Math" panose="02040503050406030204" pitchFamily="18" charset="0"/>
+                              </a:rPr>
+                            </m:ctrlPr>
+                          </m:accPr>
+                          <m:e>
+                            <m:r>
+                              <a:rPr lang="de-DE" sz="2400" i="1">
+                                <a:latin typeface="Cambria Math" panose="02040503050406030204" pitchFamily="18" charset="0"/>
+                              </a:rPr>
+                              <m:t>𝐼</m:t>
+                            </m:r>
+                          </m:e>
+                        </m:acc>
+                      </m:e>
+                      <m:sub>
+                        <m:r>
+                          <a:rPr lang="de-DE" sz="2400" i="1">
+                            <a:latin typeface="Cambria Math" panose="02040503050406030204" pitchFamily="18" charset="0"/>
+                          </a:rPr>
+                          <m:t>0</m:t>
+                        </m:r>
+                      </m:sub>
+                    </m:sSub>
+                    <m:r>
+                      <a:rPr lang="de-DE" sz="2400" i="1">
+                        <a:latin typeface="Cambria Math" panose="02040503050406030204" pitchFamily="18" charset="0"/>
+                      </a:rPr>
+                      <m:t> </m:t>
+                    </m:r>
+                    <m:r>
+                      <a:rPr lang="de-DE" sz="2400" i="1" smtClean="0">
+                        <a:latin typeface="Cambria Math" panose="02040503050406030204" pitchFamily="18" charset="0"/>
+                        <a:ea typeface="Cambria Math" panose="02040503050406030204" pitchFamily="18" charset="0"/>
+                      </a:rPr>
+                      <m:t>&gt;</m:t>
+                    </m:r>
+                    <m:sSub>
+                      <m:sSubPr>
+                        <m:ctrlPr>
+                          <a:rPr lang="de-DE" sz="2400" i="1">
+                            <a:latin typeface="Cambria Math" panose="02040503050406030204" pitchFamily="18" charset="0"/>
+                          </a:rPr>
+                        </m:ctrlPr>
+                      </m:sSubPr>
+                      <m:e>
+                        <m:acc>
+                          <m:accPr>
+                            <m:chr m:val="̅"/>
+                            <m:ctrlPr>
+                              <a:rPr lang="de-DE" sz="2400" i="1">
+                                <a:latin typeface="Cambria Math" panose="02040503050406030204" pitchFamily="18" charset="0"/>
+                              </a:rPr>
+                            </m:ctrlPr>
+                          </m:accPr>
+                          <m:e>
+                            <m:r>
+                              <a:rPr lang="de-DE" sz="2400" i="1">
+                                <a:latin typeface="Cambria Math" panose="02040503050406030204" pitchFamily="18" charset="0"/>
+                              </a:rPr>
+                              <m:t>𝐼</m:t>
+                            </m:r>
+                          </m:e>
+                        </m:acc>
+                      </m:e>
+                      <m:sub>
+                        <m:r>
+                          <a:rPr lang="de-DE" sz="2400" i="1">
+                            <a:latin typeface="Cambria Math" panose="02040503050406030204" pitchFamily="18" charset="0"/>
+                          </a:rPr>
+                          <m:t>0,</m:t>
+                        </m:r>
+                        <m:r>
+                          <a:rPr lang="de-DE" sz="2400" i="1">
+                            <a:latin typeface="Cambria Math" panose="02040503050406030204" pitchFamily="18" charset="0"/>
+                          </a:rPr>
+                          <m:t>𝑘𝑟𝑖𝑡</m:t>
+                        </m:r>
+                      </m:sub>
+                    </m:sSub>
+                    <m:r>
+                      <a:rPr lang="de-DE" sz="2400" i="1">
+                        <a:latin typeface="Cambria Math" panose="02040503050406030204" pitchFamily="18" charset="0"/>
+                      </a:rPr>
+                      <m:t>: </m:t>
+                    </m:r>
+                    <m:sSub>
+                      <m:sSubPr>
+                        <m:ctrlPr>
+                          <a:rPr lang="de-DE" sz="2400" i="1">
+                            <a:latin typeface="Cambria Math" panose="02040503050406030204" pitchFamily="18" charset="0"/>
+                          </a:rPr>
+                        </m:ctrlPr>
+                      </m:sSubPr>
+                      <m:e>
+                        <m:r>
+                          <a:rPr lang="de-DE" sz="2400" i="1">
+                            <a:latin typeface="Cambria Math" panose="02040503050406030204" pitchFamily="18" charset="0"/>
+                          </a:rPr>
+                          <m:t>𝑅𝑒</m:t>
+                        </m:r>
+                        <m:r>
+                          <a:rPr lang="de-DE" sz="2400" i="1">
+                            <a:latin typeface="Cambria Math" panose="02040503050406030204" pitchFamily="18" charset="0"/>
+                          </a:rPr>
+                          <m:t>(</m:t>
+                        </m:r>
+                        <m:r>
+                          <a:rPr lang="de-DE" sz="2400" i="1">
+                            <a:latin typeface="Cambria Math" panose="02040503050406030204" pitchFamily="18" charset="0"/>
+                          </a:rPr>
+                          <m:t>𝑒𝑖𝑔</m:t>
+                        </m:r>
+                      </m:e>
+                      <m:sub>
+                        <m:r>
+                          <a:rPr lang="de-DE" sz="2400" b="0" i="1" smtClean="0">
+                            <a:latin typeface="Cambria Math" panose="02040503050406030204" pitchFamily="18" charset="0"/>
+                          </a:rPr>
+                          <m:t>1</m:t>
+                        </m:r>
+                      </m:sub>
+                    </m:sSub>
+                    <m:r>
+                      <a:rPr lang="de-DE" sz="2400" i="1">
+                        <a:latin typeface="Cambria Math" panose="02040503050406030204" pitchFamily="18" charset="0"/>
+                      </a:rPr>
+                      <m:t>(</m:t>
+                    </m:r>
+                    <m:r>
+                      <a:rPr lang="de-DE" sz="2400" b="0" i="1" smtClean="0">
+                        <a:latin typeface="Cambria Math" panose="02040503050406030204" pitchFamily="18" charset="0"/>
+                      </a:rPr>
+                      <m:t> </m:t>
+                    </m:r>
+                    <m:r>
+                      <a:rPr lang="de-DE" sz="2400" i="1">
+                        <a:latin typeface="Cambria Math" panose="02040503050406030204" pitchFamily="18" charset="0"/>
+                      </a:rPr>
+                      <m:t>𝐽</m:t>
+                    </m:r>
+                    <m:r>
+                      <a:rPr lang="de-DE" sz="2400" i="1">
+                        <a:latin typeface="Cambria Math" panose="02040503050406030204" pitchFamily="18" charset="0"/>
+                      </a:rPr>
+                      <m:t>))&lt; 0 </m:t>
+                    </m:r>
+                    <m:r>
+                      <m:rPr>
+                        <m:sty m:val="p"/>
+                      </m:rPr>
+                      <a:rPr lang="de-DE" sz="2400" b="0" i="1" smtClean="0">
+                        <a:latin typeface="Cambria Math" panose="02040503050406030204" pitchFamily="18" charset="0"/>
+                      </a:rPr>
+                      <m:t>und</m:t>
+                    </m:r>
+                    <m:r>
+                      <a:rPr lang="de-DE" sz="2400" b="0" i="1" smtClean="0">
+                        <a:latin typeface="Cambria Math" panose="02040503050406030204" pitchFamily="18" charset="0"/>
+                      </a:rPr>
+                      <m:t> </m:t>
+                    </m:r>
+                    <m:sSub>
+                      <m:sSubPr>
+                        <m:ctrlPr>
+                          <a:rPr lang="de-DE" sz="2400" i="1">
+                            <a:latin typeface="Cambria Math" panose="02040503050406030204" pitchFamily="18" charset="0"/>
+                          </a:rPr>
+                        </m:ctrlPr>
+                      </m:sSubPr>
+                      <m:e>
+                        <m:r>
+                          <a:rPr lang="de-DE" sz="2400" i="1">
+                            <a:latin typeface="Cambria Math" panose="02040503050406030204" pitchFamily="18" charset="0"/>
+                          </a:rPr>
+                          <m:t>𝑅𝑒</m:t>
+                        </m:r>
+                        <m:r>
+                          <a:rPr lang="de-DE" sz="2400" i="1">
+                            <a:latin typeface="Cambria Math" panose="02040503050406030204" pitchFamily="18" charset="0"/>
+                          </a:rPr>
+                          <m:t>(</m:t>
+                        </m:r>
+                        <m:r>
+                          <a:rPr lang="de-DE" sz="2400" i="1">
+                            <a:latin typeface="Cambria Math" panose="02040503050406030204" pitchFamily="18" charset="0"/>
+                          </a:rPr>
+                          <m:t>𝑒𝑖𝑔</m:t>
+                        </m:r>
+                      </m:e>
+                      <m:sub>
+                        <m:r>
+                          <a:rPr lang="de-DE" sz="2400" b="0" i="1" smtClean="0">
+                            <a:latin typeface="Cambria Math" panose="02040503050406030204" pitchFamily="18" charset="0"/>
+                          </a:rPr>
+                          <m:t>2,3</m:t>
+                        </m:r>
+                      </m:sub>
+                    </m:sSub>
+                    <m:r>
+                      <a:rPr lang="de-DE" sz="2400" i="1">
+                        <a:latin typeface="Cambria Math" panose="02040503050406030204" pitchFamily="18" charset="0"/>
+                      </a:rPr>
+                      <m:t>(</m:t>
+                    </m:r>
+                    <m:r>
+                      <a:rPr lang="de-DE" sz="2400" b="0" i="1" smtClean="0">
+                        <a:latin typeface="Cambria Math" panose="02040503050406030204" pitchFamily="18" charset="0"/>
+                      </a:rPr>
+                      <m:t> </m:t>
+                    </m:r>
+                    <m:r>
+                      <a:rPr lang="de-DE" sz="2400" i="1">
+                        <a:latin typeface="Cambria Math" panose="02040503050406030204" pitchFamily="18" charset="0"/>
+                      </a:rPr>
+                      <m:t>𝐽</m:t>
+                    </m:r>
+                    <m:r>
+                      <a:rPr lang="de-DE" sz="2400" i="1">
+                        <a:latin typeface="Cambria Math" panose="02040503050406030204" pitchFamily="18" charset="0"/>
+                      </a:rPr>
+                      <m:t>))&gt;0</m:t>
+                    </m:r>
+                  </m:oMath>
+                </a14:m>
+                <a:r>
+                  <a:rPr lang="de-DE" sz="2400" i="1" dirty="0"/>
+                  <a:t> → </a:t>
+                </a:r>
+                <a:r>
+                  <a:rPr lang="de-DE" sz="2400" b="1" dirty="0"/>
+                  <a:t>keine lokale Stabilität</a:t>
+                </a:r>
+              </a:p>
+              <a:p>
+                <a:pPr algn="ctr">
+                  <a:spcAft>
+                    <a:spcPts val="1800"/>
+                  </a:spcAft>
+                </a:pPr>
+                <a:r>
+                  <a:rPr lang="de-DE" sz="2400" b="1" dirty="0"/>
+                  <a:t>Bifurkation (Phänomen nichtlinearer Systeme)</a:t>
+                </a:r>
+              </a:p>
+            </p:txBody>
+          </p:sp>
+        </mc:Choice>
+        <mc:Fallback>
+          <p:sp>
+            <p:nvSpPr>
+              <p:cNvPr id="15" name="Textfeld 14">
+                <a:extLst>
+                  <a:ext uri="{FF2B5EF4-FFF2-40B4-BE49-F238E27FC236}">
+                    <a16:creationId xmlns:a16="http://schemas.microsoft.com/office/drawing/2014/main" id="{B2EE3EAB-FCDD-1903-E5E8-82A158EAC4B1}"/>
+                  </a:ext>
+                </a:extLst>
+              </p:cNvPr>
+              <p:cNvSpPr txBox="1">
+                <a:spLocks noRot="1" noChangeAspect="1" noMove="1" noResize="1" noEditPoints="1" noAdjustHandles="1" noChangeArrowheads="1" noChangeShapeType="1" noTextEdit="1"/>
+              </p:cNvSpPr>
+              <p:nvPr/>
+            </p:nvSpPr>
+            <p:spPr>
+              <a:xfrm>
+                <a:off x="899794" y="3653196"/>
+                <a:ext cx="10659602" cy="2231380"/>
+              </a:xfrm>
+              <a:prstGeom prst="rect">
+                <a:avLst/>
+              </a:prstGeom>
+              <a:blipFill>
+                <a:blip r:embed="rId2"/>
+                <a:stretch>
+                  <a:fillRect l="-172" t="-1913" r="-515"/>
+                </a:stretch>
+              </a:blipFill>
+            </p:spPr>
+            <p:txBody>
+              <a:bodyPr/>
+              <a:lstStyle/>
+              <a:p>
+                <a:r>
+                  <a:rPr lang="de-DE">
+                    <a:noFill/>
+                  </a:rPr>
+                  <a:t> </a:t>
+                </a:r>
+              </a:p>
+            </p:txBody>
+          </p:sp>
+        </mc:Fallback>
+      </mc:AlternateContent>
+      <mc:AlternateContent xmlns:mc="http://schemas.openxmlformats.org/markup-compatibility/2006">
+        <mc:Choice xmlns:a14="http://schemas.microsoft.com/office/drawing/2010/main" Requires="a14">
+          <p:sp>
+            <p:nvSpPr>
+              <p:cNvPr id="16" name="Textfeld 15">
+                <a:extLst>
+                  <a:ext uri="{FF2B5EF4-FFF2-40B4-BE49-F238E27FC236}">
+                    <a16:creationId xmlns:a16="http://schemas.microsoft.com/office/drawing/2014/main" id="{AE5E65BF-5078-75CC-55B4-83C348E178A6}"/>
+                  </a:ext>
+                </a:extLst>
+              </p:cNvPr>
+              <p:cNvSpPr txBox="1"/>
+              <p:nvPr/>
+            </p:nvSpPr>
+            <p:spPr>
+              <a:xfrm>
+                <a:off x="2997760" y="2846266"/>
+                <a:ext cx="2653561" cy="484748"/>
+              </a:xfrm>
+              <a:prstGeom prst="rect">
+                <a:avLst/>
+              </a:prstGeom>
+              <a:noFill/>
+              <a:ln>
+                <a:solidFill>
+                  <a:schemeClr val="tx1"/>
+                </a:solidFill>
+              </a:ln>
+            </p:spPr>
+            <p:txBody>
+              <a:bodyPr wrap="square" rtlCol="0">
+                <a:spAutoFit/>
+              </a:bodyPr>
+              <a:lstStyle/>
+              <a:p>
+                <a:pPr/>
+                <a14:m>
+                  <m:oMathPara xmlns:m="http://schemas.openxmlformats.org/officeDocument/2006/math">
+                    <m:oMathParaPr>
+                      <m:jc m:val="centerGroup"/>
+                    </m:oMathParaPr>
                     <m:oMath xmlns:m="http://schemas.openxmlformats.org/officeDocument/2006/math">
-                      <m:sSub>
-                        <m:sSubPr>
-                          <m:ctrlPr>
-                            <a:rPr lang="de-DE" sz="2400" i="1">
-                              <a:latin typeface="Cambria Math" panose="02040503050406030204" pitchFamily="18" charset="0"/>
-                            </a:rPr>
-                          </m:ctrlPr>
-                        </m:sSubPr>
-                        <m:e>
-                          <m:r>
-                            <a:rPr lang="de-DE" sz="2400" b="0" i="1" smtClean="0">
-                              <a:latin typeface="Cambria Math" panose="02040503050406030204" pitchFamily="18" charset="0"/>
-                            </a:rPr>
-                            <m:t>0</m:t>
-                          </m:r>
-                          <m:r>
-                            <a:rPr lang="de-DE" sz="2400" b="0" i="1" smtClean="0">
-                              <a:latin typeface="Cambria Math" panose="02040503050406030204" pitchFamily="18" charset="0"/>
-                              <a:ea typeface="Cambria Math" panose="02040503050406030204" pitchFamily="18" charset="0"/>
-                            </a:rPr>
-                            <m:t>&lt;</m:t>
-                          </m:r>
-                          <m:acc>
-                            <m:accPr>
-                              <m:chr m:val="̅"/>
-                              <m:ctrlPr>
-                                <a:rPr lang="de-DE" sz="2400" i="1">
-                                  <a:latin typeface="Cambria Math" panose="02040503050406030204" pitchFamily="18" charset="0"/>
-                                </a:rPr>
-                              </m:ctrlPr>
-                            </m:accPr>
-                            <m:e>
-                              <m:r>
-                                <a:rPr lang="de-DE" sz="2400" i="1">
-                                  <a:latin typeface="Cambria Math" panose="02040503050406030204" pitchFamily="18" charset="0"/>
-                                </a:rPr>
-                                <m:t>𝐼</m:t>
-                              </m:r>
-                            </m:e>
-                          </m:acc>
-                        </m:e>
-                        <m:sub>
-                          <m:r>
-                            <a:rPr lang="de-DE" sz="2400" i="1">
-                              <a:latin typeface="Cambria Math" panose="02040503050406030204" pitchFamily="18" charset="0"/>
-                            </a:rPr>
-                            <m:t>0</m:t>
-                          </m:r>
-                        </m:sub>
-                      </m:sSub>
-                      <m:r>
-                        <a:rPr lang="de-DE" sz="2400" b="0" i="1" smtClean="0">
-                          <a:latin typeface="Cambria Math" panose="02040503050406030204" pitchFamily="18" charset="0"/>
-                        </a:rPr>
-                        <m:t> </m:t>
-                      </m:r>
-                      <m:r>
-                        <a:rPr lang="de-DE" sz="2400" i="1" smtClean="0">
-                          <a:latin typeface="Cambria Math" panose="02040503050406030204" pitchFamily="18" charset="0"/>
-                          <a:ea typeface="Cambria Math" panose="02040503050406030204" pitchFamily="18" charset="0"/>
-                        </a:rPr>
-                        <m:t>&lt;</m:t>
-                      </m:r>
-                      <m:sSub>
-                        <m:sSubPr>
-                          <m:ctrlPr>
-                            <a:rPr lang="de-DE" sz="2400" i="1">
-                              <a:latin typeface="Cambria Math" panose="02040503050406030204" pitchFamily="18" charset="0"/>
-                            </a:rPr>
-                          </m:ctrlPr>
-                        </m:sSubPr>
-                        <m:e>
-                          <m:acc>
-                            <m:accPr>
-                              <m:chr m:val="̅"/>
-                              <m:ctrlPr>
-                                <a:rPr lang="de-DE" sz="2400" i="1" smtClean="0">
-                                  <a:latin typeface="Cambria Math" panose="02040503050406030204" pitchFamily="18" charset="0"/>
-                                </a:rPr>
-                              </m:ctrlPr>
-                            </m:accPr>
-                            <m:e>
-                              <m:r>
-                                <a:rPr lang="de-DE" sz="2400" i="1">
-                                  <a:latin typeface="Cambria Math" panose="02040503050406030204" pitchFamily="18" charset="0"/>
-                                </a:rPr>
-                                <m:t>𝐼</m:t>
-                              </m:r>
-                            </m:e>
-                          </m:acc>
-                        </m:e>
-                        <m:sub>
-                          <m:r>
-                            <a:rPr lang="de-DE" sz="2400" i="1">
-                              <a:latin typeface="Cambria Math" panose="02040503050406030204" pitchFamily="18" charset="0"/>
-                            </a:rPr>
-                            <m:t>0</m:t>
-                          </m:r>
-                          <m:r>
-                            <a:rPr lang="de-DE" sz="2400" b="0" i="1" smtClean="0">
-                              <a:latin typeface="Cambria Math" panose="02040503050406030204" pitchFamily="18" charset="0"/>
-                            </a:rPr>
-                            <m:t>,</m:t>
-                          </m:r>
-                          <m:r>
-                            <a:rPr lang="de-DE" sz="2400" b="0" i="1" smtClean="0">
-                              <a:latin typeface="Cambria Math" panose="02040503050406030204" pitchFamily="18" charset="0"/>
-                            </a:rPr>
-                            <m:t>𝑘𝑟𝑖𝑡</m:t>
-                          </m:r>
-                        </m:sub>
-                      </m:sSub>
-                      <m:r>
-                        <a:rPr lang="de-DE" sz="2400" b="0" i="1" smtClean="0">
-                          <a:latin typeface="Cambria Math" panose="02040503050406030204" pitchFamily="18" charset="0"/>
-                        </a:rPr>
-                        <m:t>: </m:t>
-                      </m:r>
-                      <m:sSub>
-                        <m:sSubPr>
-                          <m:ctrlPr>
-                            <a:rPr lang="de-DE" sz="2400" b="0" i="1" smtClean="0">
-                              <a:latin typeface="Cambria Math" panose="02040503050406030204" pitchFamily="18" charset="0"/>
-                            </a:rPr>
-                          </m:ctrlPr>
-                        </m:sSubPr>
-                        <m:e>
-                          <m:r>
-                            <a:rPr lang="de-DE" sz="2400" b="0" i="1" smtClean="0">
-                              <a:latin typeface="Cambria Math" panose="02040503050406030204" pitchFamily="18" charset="0"/>
-                            </a:rPr>
-                            <m:t>𝑅𝑒</m:t>
-                          </m:r>
-                          <m:r>
-                            <a:rPr lang="de-DE" sz="2400" b="0" i="1" smtClean="0">
-                              <a:latin typeface="Cambria Math" panose="02040503050406030204" pitchFamily="18" charset="0"/>
-                            </a:rPr>
-                            <m:t>(</m:t>
-                          </m:r>
-                          <m:r>
-                            <a:rPr lang="de-DE" sz="2400" b="0" i="1" smtClean="0">
-                              <a:latin typeface="Cambria Math" panose="02040503050406030204" pitchFamily="18" charset="0"/>
-                            </a:rPr>
-                            <m:t>𝑒𝑖𝑔</m:t>
-                          </m:r>
-                        </m:e>
-                        <m:sub>
-                          <m:r>
-                            <a:rPr lang="de-DE" sz="2400" b="0" i="1" smtClean="0">
-                              <a:latin typeface="Cambria Math" panose="02040503050406030204" pitchFamily="18" charset="0"/>
-                            </a:rPr>
-                            <m:t>1,2,3</m:t>
-                          </m:r>
-                        </m:sub>
-                      </m:sSub>
-                      <m:r>
-                        <a:rPr lang="de-DE" sz="2400" b="0" i="1" smtClean="0">
-                          <a:latin typeface="Cambria Math" panose="02040503050406030204" pitchFamily="18" charset="0"/>
-                        </a:rPr>
-                        <m:t>( </m:t>
-                      </m:r>
-                      <m:r>
-                        <a:rPr lang="de-DE" sz="2400" b="0" i="1" smtClean="0">
-                          <a:latin typeface="Cambria Math" panose="02040503050406030204" pitchFamily="18" charset="0"/>
-                        </a:rPr>
-                        <m:t>𝐽</m:t>
-                      </m:r>
-                      <m:r>
-                        <a:rPr lang="de-DE" sz="2400" b="0" i="1" smtClean="0">
-                          <a:latin typeface="Cambria Math" panose="02040503050406030204" pitchFamily="18" charset="0"/>
-                        </a:rPr>
-                        <m:t>))&lt;0</m:t>
-                      </m:r>
-                    </m:oMath>
-                  </a14:m>
-                  <a:r>
-                    <a:rPr lang="de-DE" sz="2400" i="1" dirty="0"/>
-                    <a:t> → </a:t>
-                  </a:r>
-                  <a:r>
-                    <a:rPr lang="de-DE" sz="2400" b="1" dirty="0"/>
-                    <a:t>lokale Stabilität</a:t>
-                  </a:r>
-                </a:p>
-                <a:p>
-                  <a:pPr>
-                    <a:spcAft>
-                      <a:spcPts val="3000"/>
-                    </a:spcAft>
-                  </a:pPr>
-                  <a14:m>
-                    <m:oMath xmlns:m="http://schemas.openxmlformats.org/officeDocument/2006/math">
-                      <m:sSub>
-                        <m:sSubPr>
-                          <m:ctrlPr>
-                            <a:rPr lang="de-DE" sz="2400" i="1" smtClean="0">
-                              <a:latin typeface="Cambria Math" panose="02040503050406030204" pitchFamily="18" charset="0"/>
-                            </a:rPr>
-                          </m:ctrlPr>
-                        </m:sSubPr>
-                        <m:e>
-                          <m:acc>
-                            <m:accPr>
-                              <m:chr m:val="̅"/>
-                              <m:ctrlPr>
-                                <a:rPr lang="de-DE" sz="2400" i="1" smtClean="0">
-                                  <a:latin typeface="Cambria Math" panose="02040503050406030204" pitchFamily="18" charset="0"/>
-                                </a:rPr>
-                              </m:ctrlPr>
-                            </m:accPr>
-                            <m:e>
-                              <m:r>
-                                <a:rPr lang="de-DE" sz="2400" i="1">
-                                  <a:latin typeface="Cambria Math" panose="02040503050406030204" pitchFamily="18" charset="0"/>
-                                </a:rPr>
-                                <m:t>𝐼</m:t>
-                              </m:r>
-                            </m:e>
-                          </m:acc>
-                        </m:e>
-                        <m:sub>
-                          <m:r>
-                            <a:rPr lang="de-DE" sz="2400" i="1">
-                              <a:latin typeface="Cambria Math" panose="02040503050406030204" pitchFamily="18" charset="0"/>
-                            </a:rPr>
-                            <m:t>0</m:t>
-                          </m:r>
-                        </m:sub>
-                      </m:sSub>
-                      <m:r>
-                        <a:rPr lang="de-DE" sz="2400" i="1">
-                          <a:latin typeface="Cambria Math" panose="02040503050406030204" pitchFamily="18" charset="0"/>
-                        </a:rPr>
-                        <m:t> </m:t>
-                      </m:r>
-                      <m:r>
-                        <a:rPr lang="de-DE" sz="2400" i="1" smtClean="0">
-                          <a:latin typeface="Cambria Math" panose="02040503050406030204" pitchFamily="18" charset="0"/>
-                          <a:ea typeface="Cambria Math" panose="02040503050406030204" pitchFamily="18" charset="0"/>
-                        </a:rPr>
-                        <m:t>&gt;</m:t>
-                      </m:r>
                       <m:sSub>
                         <m:sSubPr>
                           <m:ctrlPr>
@@ -15077,536 +13875,237 @@
                         </m:sub>
                       </m:sSub>
                       <m:r>
-                        <a:rPr lang="de-DE" sz="2400" i="1">
+                        <a:rPr lang="de-DE" sz="2400" b="0" i="1" smtClean="0">
                           <a:latin typeface="Cambria Math" panose="02040503050406030204" pitchFamily="18" charset="0"/>
                         </a:rPr>
-                        <m:t>: </m:t>
-                      </m:r>
-                      <m:sSub>
-                        <m:sSubPr>
-                          <m:ctrlPr>
-                            <a:rPr lang="de-DE" sz="2400" i="1">
-                              <a:latin typeface="Cambria Math" panose="02040503050406030204" pitchFamily="18" charset="0"/>
-                            </a:rPr>
-                          </m:ctrlPr>
-                        </m:sSubPr>
-                        <m:e>
-                          <m:r>
-                            <a:rPr lang="de-DE" sz="2400" i="1">
-                              <a:latin typeface="Cambria Math" panose="02040503050406030204" pitchFamily="18" charset="0"/>
-                            </a:rPr>
-                            <m:t>𝑅𝑒</m:t>
-                          </m:r>
-                          <m:r>
-                            <a:rPr lang="de-DE" sz="2400" i="1">
-                              <a:latin typeface="Cambria Math" panose="02040503050406030204" pitchFamily="18" charset="0"/>
-                            </a:rPr>
-                            <m:t>(</m:t>
-                          </m:r>
-                          <m:r>
-                            <a:rPr lang="de-DE" sz="2400" i="1">
-                              <a:latin typeface="Cambria Math" panose="02040503050406030204" pitchFamily="18" charset="0"/>
-                            </a:rPr>
-                            <m:t>𝑒𝑖𝑔</m:t>
-                          </m:r>
-                        </m:e>
-                        <m:sub>
-                          <m:r>
-                            <a:rPr lang="de-DE" sz="2400" b="0" i="1" smtClean="0">
-                              <a:latin typeface="Cambria Math" panose="02040503050406030204" pitchFamily="18" charset="0"/>
-                            </a:rPr>
-                            <m:t>1</m:t>
-                          </m:r>
-                        </m:sub>
-                      </m:sSub>
-                      <m:r>
-                        <a:rPr lang="de-DE" sz="2400" i="1">
-                          <a:latin typeface="Cambria Math" panose="02040503050406030204" pitchFamily="18" charset="0"/>
-                        </a:rPr>
-                        <m:t>(</m:t>
+                        <m:t>=2.83 </m:t>
                       </m:r>
                       <m:r>
                         <a:rPr lang="de-DE" sz="2400" b="0" i="1" smtClean="0">
                           <a:latin typeface="Cambria Math" panose="02040503050406030204" pitchFamily="18" charset="0"/>
                         </a:rPr>
-                        <m:t> </m:t>
-                      </m:r>
-                      <m:r>
-                        <a:rPr lang="de-DE" sz="2400" i="1">
-                          <a:latin typeface="Cambria Math" panose="02040503050406030204" pitchFamily="18" charset="0"/>
-                        </a:rPr>
-                        <m:t>𝐽</m:t>
-                      </m:r>
-                      <m:r>
-                        <a:rPr lang="de-DE" sz="2400" i="1">
-                          <a:latin typeface="Cambria Math" panose="02040503050406030204" pitchFamily="18" charset="0"/>
-                        </a:rPr>
-                        <m:t>))&lt; 0 </m:t>
-                      </m:r>
-                      <m:r>
-                        <m:rPr>
-                          <m:sty m:val="p"/>
-                        </m:rPr>
-                        <a:rPr lang="de-DE" sz="2400" b="0" i="1" smtClean="0">
-                          <a:latin typeface="Cambria Math" panose="02040503050406030204" pitchFamily="18" charset="0"/>
-                        </a:rPr>
-                        <m:t>und</m:t>
-                      </m:r>
-                      <m:r>
-                        <a:rPr lang="de-DE" sz="2400" b="0" i="1" smtClean="0">
-                          <a:latin typeface="Cambria Math" panose="02040503050406030204" pitchFamily="18" charset="0"/>
-                        </a:rPr>
-                        <m:t> </m:t>
-                      </m:r>
-                      <m:sSub>
-                        <m:sSubPr>
-                          <m:ctrlPr>
-                            <a:rPr lang="de-DE" sz="2400" i="1">
-                              <a:latin typeface="Cambria Math" panose="02040503050406030204" pitchFamily="18" charset="0"/>
-                            </a:rPr>
-                          </m:ctrlPr>
-                        </m:sSubPr>
-                        <m:e>
-                          <m:r>
-                            <a:rPr lang="de-DE" sz="2400" i="1">
-                              <a:latin typeface="Cambria Math" panose="02040503050406030204" pitchFamily="18" charset="0"/>
-                            </a:rPr>
-                            <m:t>𝑅𝑒</m:t>
-                          </m:r>
-                          <m:r>
-                            <a:rPr lang="de-DE" sz="2400" i="1">
-                              <a:latin typeface="Cambria Math" panose="02040503050406030204" pitchFamily="18" charset="0"/>
-                            </a:rPr>
-                            <m:t>(</m:t>
-                          </m:r>
-                          <m:r>
-                            <a:rPr lang="de-DE" sz="2400" i="1">
-                              <a:latin typeface="Cambria Math" panose="02040503050406030204" pitchFamily="18" charset="0"/>
-                            </a:rPr>
-                            <m:t>𝑒𝑖𝑔</m:t>
-                          </m:r>
-                        </m:e>
-                        <m:sub>
-                          <m:r>
-                            <a:rPr lang="de-DE" sz="2400" b="0" i="1" smtClean="0">
-                              <a:latin typeface="Cambria Math" panose="02040503050406030204" pitchFamily="18" charset="0"/>
-                            </a:rPr>
-                            <m:t>2,3</m:t>
-                          </m:r>
-                        </m:sub>
-                      </m:sSub>
-                      <m:r>
-                        <a:rPr lang="de-DE" sz="2400" i="1">
-                          <a:latin typeface="Cambria Math" panose="02040503050406030204" pitchFamily="18" charset="0"/>
-                        </a:rPr>
-                        <m:t>(</m:t>
-                      </m:r>
-                      <m:r>
-                        <a:rPr lang="de-DE" sz="2400" b="0" i="1" smtClean="0">
-                          <a:latin typeface="Cambria Math" panose="02040503050406030204" pitchFamily="18" charset="0"/>
-                        </a:rPr>
-                        <m:t> </m:t>
-                      </m:r>
-                      <m:r>
-                        <a:rPr lang="de-DE" sz="2400" i="1">
-                          <a:latin typeface="Cambria Math" panose="02040503050406030204" pitchFamily="18" charset="0"/>
-                        </a:rPr>
-                        <m:t>𝐽</m:t>
-                      </m:r>
-                      <m:r>
-                        <a:rPr lang="de-DE" sz="2400" i="1">
-                          <a:latin typeface="Cambria Math" panose="02040503050406030204" pitchFamily="18" charset="0"/>
-                        </a:rPr>
-                        <m:t>))&gt;0</m:t>
+                        <m:t>𝑚𝐴</m:t>
                       </m:r>
                     </m:oMath>
-                  </a14:m>
-                  <a:r>
-                    <a:rPr lang="de-DE" sz="2400" i="1" dirty="0"/>
-                    <a:t> → </a:t>
-                  </a:r>
-                  <a:r>
-                    <a:rPr lang="de-DE" sz="2400" b="1" dirty="0"/>
-                    <a:t>keine lokale Stabilität</a:t>
-                  </a:r>
-                </a:p>
-                <a:p>
-                  <a:pPr algn="ctr">
-                    <a:spcAft>
-                      <a:spcPts val="1800"/>
-                    </a:spcAft>
-                  </a:pPr>
-                  <a:r>
-                    <a:rPr lang="de-DE" sz="2400" b="1" dirty="0"/>
-                    <a:t>Bifurkation (Phänomen nichtlinearer Systeme)</a:t>
-                  </a:r>
-                </a:p>
-              </p:txBody>
-            </p:sp>
-          </mc:Choice>
-          <mc:Fallback xmlns="">
-            <p:sp>
-              <p:nvSpPr>
-                <p:cNvPr id="15" name="Textfeld 14">
-                  <a:extLst>
-                    <a:ext uri="{FF2B5EF4-FFF2-40B4-BE49-F238E27FC236}">
-                      <a16:creationId xmlns:a16="http://schemas.microsoft.com/office/drawing/2014/main" id="{B2EE3EAB-FCDD-1903-E5E8-82A158EAC4B1}"/>
-                    </a:ext>
-                  </a:extLst>
-                </p:cNvPr>
-                <p:cNvSpPr txBox="1">
-                  <a:spLocks noRot="1" noChangeAspect="1" noMove="1" noResize="1" noEditPoints="1" noAdjustHandles="1" noChangeArrowheads="1" noChangeShapeType="1" noTextEdit="1"/>
-                </p:cNvSpPr>
-                <p:nvPr/>
-              </p:nvSpPr>
-              <p:spPr>
-                <a:xfrm>
-                  <a:off x="1698890" y="3773285"/>
-                  <a:ext cx="9082226" cy="2231380"/>
-                </a:xfrm>
-                <a:prstGeom prst="rect">
-                  <a:avLst/>
-                </a:prstGeom>
-                <a:blipFill>
-                  <a:blip r:embed="rId2"/>
-                  <a:stretch>
-                    <a:fillRect l="-172" t="-1913" r="-515"/>
-                  </a:stretch>
-                </a:blipFill>
-              </p:spPr>
-              <p:txBody>
-                <a:bodyPr/>
-                <a:lstStyle/>
-                <a:p>
-                  <a:r>
-                    <a:rPr lang="de-DE">
-                      <a:noFill/>
-                    </a:rPr>
-                    <a:t> </a:t>
-                  </a:r>
-                </a:p>
-              </p:txBody>
-            </p:sp>
-          </mc:Fallback>
-        </mc:AlternateContent>
-        <mc:AlternateContent xmlns:mc="http://schemas.openxmlformats.org/markup-compatibility/2006" xmlns:a14="http://schemas.microsoft.com/office/drawing/2010/main">
-          <mc:Choice Requires="a14">
-            <p:sp>
-              <p:nvSpPr>
-                <p:cNvPr id="16" name="Textfeld 15">
-                  <a:extLst>
-                    <a:ext uri="{FF2B5EF4-FFF2-40B4-BE49-F238E27FC236}">
-                      <a16:creationId xmlns:a16="http://schemas.microsoft.com/office/drawing/2014/main" id="{AE5E65BF-5078-75CC-55B4-83C348E178A6}"/>
-                    </a:ext>
-                  </a:extLst>
-                </p:cNvPr>
-                <p:cNvSpPr txBox="1"/>
-                <p:nvPr/>
-              </p:nvSpPr>
-              <p:spPr>
-                <a:xfrm>
-                  <a:off x="3486405" y="2966355"/>
-                  <a:ext cx="2260895" cy="484748"/>
-                </a:xfrm>
-                <a:prstGeom prst="rect">
-                  <a:avLst/>
-                </a:prstGeom>
-                <a:noFill/>
-                <a:ln>
-                  <a:solidFill>
-                    <a:schemeClr val="tx1"/>
-                  </a:solidFill>
-                </a:ln>
-              </p:spPr>
-              <p:txBody>
-                <a:bodyPr wrap="square" rtlCol="0">
-                  <a:spAutoFit/>
-                </a:bodyPr>
-                <a:lstStyle/>
-                <a:p>
-                  <a:pPr/>
-                  <a14:m>
-                    <m:oMathPara xmlns:m="http://schemas.openxmlformats.org/officeDocument/2006/math">
-                      <m:oMathParaPr>
-                        <m:jc m:val="centerGroup"/>
-                      </m:oMathParaPr>
-                      <m:oMath xmlns:m="http://schemas.openxmlformats.org/officeDocument/2006/math">
-                        <m:sSub>
-                          <m:sSubPr>
-                            <m:ctrlPr>
-                              <a:rPr lang="de-DE" sz="2400" i="1">
-                                <a:latin typeface="Cambria Math" panose="02040503050406030204" pitchFamily="18" charset="0"/>
-                              </a:rPr>
-                            </m:ctrlPr>
-                          </m:sSubPr>
-                          <m:e>
-                            <m:acc>
-                              <m:accPr>
-                                <m:chr m:val="̅"/>
-                                <m:ctrlPr>
-                                  <a:rPr lang="de-DE" sz="2400" i="1">
-                                    <a:latin typeface="Cambria Math" panose="02040503050406030204" pitchFamily="18" charset="0"/>
-                                  </a:rPr>
-                                </m:ctrlPr>
-                              </m:accPr>
-                              <m:e>
-                                <m:r>
-                                  <a:rPr lang="de-DE" sz="2400" i="1">
-                                    <a:latin typeface="Cambria Math" panose="02040503050406030204" pitchFamily="18" charset="0"/>
-                                  </a:rPr>
-                                  <m:t>𝐼</m:t>
-                                </m:r>
-                              </m:e>
-                            </m:acc>
-                          </m:e>
-                          <m:sub>
-                            <m:r>
-                              <a:rPr lang="de-DE" sz="2400" i="1">
-                                <a:latin typeface="Cambria Math" panose="02040503050406030204" pitchFamily="18" charset="0"/>
-                              </a:rPr>
-                              <m:t>0,</m:t>
-                            </m:r>
-                            <m:r>
-                              <a:rPr lang="de-DE" sz="2400" i="1">
-                                <a:latin typeface="Cambria Math" panose="02040503050406030204" pitchFamily="18" charset="0"/>
-                              </a:rPr>
-                              <m:t>𝑘𝑟𝑖𝑡</m:t>
-                            </m:r>
-                          </m:sub>
-                        </m:sSub>
-                        <m:r>
-                          <a:rPr lang="de-DE" sz="2400" b="0" i="1" smtClean="0">
+                  </m:oMathPara>
+                </a14:m>
+                <a:endParaRPr lang="de-DE" sz="2400" i="1" dirty="0"/>
+              </a:p>
+            </p:txBody>
+          </p:sp>
+        </mc:Choice>
+        <mc:Fallback>
+          <p:sp>
+            <p:nvSpPr>
+              <p:cNvPr id="16" name="Textfeld 15">
+                <a:extLst>
+                  <a:ext uri="{FF2B5EF4-FFF2-40B4-BE49-F238E27FC236}">
+                    <a16:creationId xmlns:a16="http://schemas.microsoft.com/office/drawing/2014/main" id="{AE5E65BF-5078-75CC-55B4-83C348E178A6}"/>
+                  </a:ext>
+                </a:extLst>
+              </p:cNvPr>
+              <p:cNvSpPr txBox="1">
+                <a:spLocks noRot="1" noChangeAspect="1" noMove="1" noResize="1" noEditPoints="1" noAdjustHandles="1" noChangeArrowheads="1" noChangeShapeType="1" noTextEdit="1"/>
+              </p:cNvSpPr>
+              <p:nvPr/>
+            </p:nvSpPr>
+            <p:spPr>
+              <a:xfrm>
+                <a:off x="2997760" y="2846266"/>
+                <a:ext cx="2653561" cy="484748"/>
+              </a:xfrm>
+              <a:prstGeom prst="rect">
+                <a:avLst/>
+              </a:prstGeom>
+              <a:blipFill>
+                <a:blip r:embed="rId3"/>
+                <a:stretch>
+                  <a:fillRect/>
+                </a:stretch>
+              </a:blipFill>
+              <a:ln>
+                <a:solidFill>
+                  <a:schemeClr val="tx1"/>
+                </a:solidFill>
+              </a:ln>
+            </p:spPr>
+            <p:txBody>
+              <a:bodyPr/>
+              <a:lstStyle/>
+              <a:p>
+                <a:r>
+                  <a:rPr lang="de-DE">
+                    <a:noFill/>
+                  </a:rPr>
+                  <a:t> </a:t>
+                </a:r>
+              </a:p>
+            </p:txBody>
+          </p:sp>
+        </mc:Fallback>
+      </mc:AlternateContent>
+      <mc:AlternateContent xmlns:mc="http://schemas.openxmlformats.org/markup-compatibility/2006">
+        <mc:Choice xmlns:a14="http://schemas.microsoft.com/office/drawing/2010/main" Requires="a14">
+          <p:sp>
+            <p:nvSpPr>
+              <p:cNvPr id="6" name="Textfeld 5">
+                <a:extLst>
+                  <a:ext uri="{FF2B5EF4-FFF2-40B4-BE49-F238E27FC236}">
+                    <a16:creationId xmlns:a16="http://schemas.microsoft.com/office/drawing/2014/main" id="{CAD9FA59-B122-1F24-3331-A79E05AB360C}"/>
+                  </a:ext>
+                </a:extLst>
+              </p:cNvPr>
+              <p:cNvSpPr txBox="1"/>
+              <p:nvPr/>
+            </p:nvSpPr>
+            <p:spPr>
+              <a:xfrm>
+                <a:off x="717550" y="1555370"/>
+                <a:ext cx="7401706" cy="1001108"/>
+              </a:xfrm>
+              <a:prstGeom prst="rect">
+                <a:avLst/>
+              </a:prstGeom>
+              <a:noFill/>
+            </p:spPr>
+            <p:txBody>
+              <a:bodyPr wrap="square" rtlCol="0">
+                <a:spAutoFit/>
+              </a:bodyPr>
+              <a:lstStyle/>
+              <a:p>
+                <a:pPr algn="ctr">
+                  <a:spcAft>
+                    <a:spcPts val="1200"/>
+                  </a:spcAft>
+                </a:pPr>
+                <a:r>
+                  <a:rPr lang="de-DE" sz="2400" b="1" dirty="0"/>
+                  <a:t>Aussagen zur lokalen Stabilität</a:t>
+                </a:r>
+                <a:endParaRPr lang="de-DE" sz="2400" dirty="0"/>
+              </a:p>
+              <a:p>
+                <a:pPr algn="ctr"/>
+                <a:r>
+                  <a:rPr lang="de-DE" sz="2400" dirty="0"/>
+                  <a:t>lokale Stabilität, falls gilt:  </a:t>
+                </a:r>
+                <a14:m>
+                  <m:oMath xmlns:m="http://schemas.openxmlformats.org/officeDocument/2006/math">
+                    <m:sSub>
+                      <m:sSubPr>
+                        <m:ctrlPr>
+                          <a:rPr lang="de-DE" sz="2400" i="1">
                             <a:latin typeface="Cambria Math" panose="02040503050406030204" pitchFamily="18" charset="0"/>
                           </a:rPr>
-                          <m:t>=2.83 </m:t>
+                        </m:ctrlPr>
+                      </m:sSubPr>
+                      <m:e>
+                        <m:r>
+                          <a:rPr lang="de-DE" sz="2400" i="1">
+                            <a:latin typeface="Cambria Math" panose="02040503050406030204" pitchFamily="18" charset="0"/>
+                          </a:rPr>
+                          <m:t>𝑅𝑒</m:t>
                         </m:r>
                         <m:r>
-                          <a:rPr lang="de-DE" sz="2400" b="0" i="1" smtClean="0">
+                          <a:rPr lang="de-DE" sz="2400" i="1">
                             <a:latin typeface="Cambria Math" panose="02040503050406030204" pitchFamily="18" charset="0"/>
                           </a:rPr>
-                          <m:t>𝑚𝐴</m:t>
+                          <m:t>(</m:t>
                         </m:r>
-                      </m:oMath>
-                    </m:oMathPara>
-                  </a14:m>
-                  <a:endParaRPr lang="de-DE" sz="2400" i="1" dirty="0"/>
-                </a:p>
-              </p:txBody>
-            </p:sp>
-          </mc:Choice>
-          <mc:Fallback xmlns="">
-            <p:sp>
-              <p:nvSpPr>
-                <p:cNvPr id="16" name="Textfeld 15">
-                  <a:extLst>
-                    <a:ext uri="{FF2B5EF4-FFF2-40B4-BE49-F238E27FC236}">
-                      <a16:creationId xmlns:a16="http://schemas.microsoft.com/office/drawing/2014/main" id="{AE5E65BF-5078-75CC-55B4-83C348E178A6}"/>
-                    </a:ext>
-                  </a:extLst>
-                </p:cNvPr>
-                <p:cNvSpPr txBox="1">
-                  <a:spLocks noRot="1" noChangeAspect="1" noMove="1" noResize="1" noEditPoints="1" noAdjustHandles="1" noChangeArrowheads="1" noChangeShapeType="1" noTextEdit="1"/>
-                </p:cNvSpPr>
-                <p:nvPr/>
-              </p:nvSpPr>
-              <p:spPr>
-                <a:xfrm>
-                  <a:off x="3486405" y="2966355"/>
-                  <a:ext cx="2260895" cy="484748"/>
-                </a:xfrm>
-                <a:prstGeom prst="rect">
-                  <a:avLst/>
-                </a:prstGeom>
-                <a:blipFill>
-                  <a:blip r:embed="rId3"/>
-                  <a:stretch>
-                    <a:fillRect/>
-                  </a:stretch>
-                </a:blipFill>
-                <a:ln>
-                  <a:solidFill>
-                    <a:schemeClr val="tx1"/>
-                  </a:solidFill>
-                </a:ln>
-              </p:spPr>
-              <p:txBody>
-                <a:bodyPr/>
-                <a:lstStyle/>
-                <a:p>
-                  <a:r>
-                    <a:rPr lang="de-DE">
-                      <a:noFill/>
-                    </a:rPr>
-                    <a:t> </a:t>
-                  </a:r>
-                </a:p>
-              </p:txBody>
-            </p:sp>
-          </mc:Fallback>
-        </mc:AlternateContent>
-        <mc:AlternateContent xmlns:mc="http://schemas.openxmlformats.org/markup-compatibility/2006" xmlns:a14="http://schemas.microsoft.com/office/drawing/2010/main">
-          <mc:Choice Requires="a14">
-            <p:sp>
-              <p:nvSpPr>
-                <p:cNvPr id="6" name="Textfeld 5">
-                  <a:extLst>
-                    <a:ext uri="{FF2B5EF4-FFF2-40B4-BE49-F238E27FC236}">
-                      <a16:creationId xmlns:a16="http://schemas.microsoft.com/office/drawing/2014/main" id="{CAD9FA59-B122-1F24-3331-A79E05AB360C}"/>
-                    </a:ext>
-                  </a:extLst>
-                </p:cNvPr>
-                <p:cNvSpPr txBox="1"/>
-                <p:nvPr/>
-              </p:nvSpPr>
-              <p:spPr>
-                <a:xfrm>
-                  <a:off x="1543614" y="1675459"/>
-                  <a:ext cx="6306424" cy="1001108"/>
-                </a:xfrm>
-                <a:prstGeom prst="rect">
-                  <a:avLst/>
-                </a:prstGeom>
-                <a:noFill/>
-              </p:spPr>
-              <p:txBody>
-                <a:bodyPr wrap="square" rtlCol="0">
-                  <a:spAutoFit/>
-                </a:bodyPr>
-                <a:lstStyle/>
-                <a:p>
-                  <a:pPr algn="ctr">
-                    <a:spcAft>
-                      <a:spcPts val="1200"/>
-                    </a:spcAft>
-                  </a:pPr>
-                  <a:r>
-                    <a:rPr lang="de-DE" sz="2400" b="1" dirty="0"/>
-                    <a:t>Aussagen zur lokalen Stabilität</a:t>
-                  </a:r>
-                  <a:endParaRPr lang="de-DE" sz="2400" dirty="0"/>
-                </a:p>
-                <a:p>
-                  <a:pPr algn="ctr"/>
-                  <a:r>
-                    <a:rPr lang="de-DE" sz="2400" dirty="0"/>
-                    <a:t>lokale Stabilität, falls gilt:  </a:t>
-                  </a:r>
-                  <a14:m>
-                    <m:oMath xmlns:m="http://schemas.openxmlformats.org/officeDocument/2006/math">
-                      <m:sSub>
-                        <m:sSubPr>
-                          <m:ctrlPr>
-                            <a:rPr lang="de-DE" sz="2400" i="1">
-                              <a:latin typeface="Cambria Math" panose="02040503050406030204" pitchFamily="18" charset="0"/>
-                            </a:rPr>
-                          </m:ctrlPr>
-                        </m:sSubPr>
-                        <m:e>
-                          <m:r>
-                            <a:rPr lang="de-DE" sz="2400" i="1">
-                              <a:latin typeface="Cambria Math" panose="02040503050406030204" pitchFamily="18" charset="0"/>
-                            </a:rPr>
-                            <m:t>𝑅𝑒</m:t>
-                          </m:r>
-                          <m:r>
-                            <a:rPr lang="de-DE" sz="2400" i="1">
-                              <a:latin typeface="Cambria Math" panose="02040503050406030204" pitchFamily="18" charset="0"/>
-                            </a:rPr>
-                            <m:t>(</m:t>
-                          </m:r>
-                          <m:r>
-                            <a:rPr lang="de-DE" sz="2400" i="1">
-                              <a:latin typeface="Cambria Math" panose="02040503050406030204" pitchFamily="18" charset="0"/>
-                            </a:rPr>
-                            <m:t>𝑒𝑖𝑔</m:t>
-                          </m:r>
-                        </m:e>
-                        <m:sub>
-                          <m:r>
-                            <a:rPr lang="de-DE" sz="2400" i="1">
-                              <a:latin typeface="Cambria Math" panose="02040503050406030204" pitchFamily="18" charset="0"/>
-                            </a:rPr>
-                            <m:t>1,2,3</m:t>
-                          </m:r>
-                        </m:sub>
-                      </m:sSub>
-                      <m:r>
-                        <a:rPr lang="de-DE" sz="2400" i="1">
-                          <a:latin typeface="Cambria Math" panose="02040503050406030204" pitchFamily="18" charset="0"/>
-                        </a:rPr>
-                        <m:t>(</m:t>
-                      </m:r>
-                      <m:r>
-                        <a:rPr lang="de-DE" sz="2400" b="0" i="1" smtClean="0">
-                          <a:latin typeface="Cambria Math" panose="02040503050406030204" pitchFamily="18" charset="0"/>
-                        </a:rPr>
-                        <m:t> </m:t>
-                      </m:r>
-                      <m:r>
-                        <a:rPr lang="de-DE" sz="2400" i="1">
-                          <a:latin typeface="Cambria Math" panose="02040503050406030204" pitchFamily="18" charset="0"/>
-                        </a:rPr>
-                        <m:t>𝐽</m:t>
-                      </m:r>
-                      <m:r>
-                        <a:rPr lang="de-DE" sz="2400" i="1">
-                          <a:latin typeface="Cambria Math" panose="02040503050406030204" pitchFamily="18" charset="0"/>
-                        </a:rPr>
-                        <m:t>))&lt; 0</m:t>
-                      </m:r>
-                    </m:oMath>
-                  </a14:m>
-                  <a:endParaRPr lang="de-DE" sz="2400" i="1" dirty="0"/>
-                </a:p>
-              </p:txBody>
-            </p:sp>
-          </mc:Choice>
-          <mc:Fallback xmlns="">
-            <p:sp>
-              <p:nvSpPr>
-                <p:cNvPr id="6" name="Textfeld 5">
-                  <a:extLst>
-                    <a:ext uri="{FF2B5EF4-FFF2-40B4-BE49-F238E27FC236}">
-                      <a16:creationId xmlns:a16="http://schemas.microsoft.com/office/drawing/2014/main" id="{CAD9FA59-B122-1F24-3331-A79E05AB360C}"/>
-                    </a:ext>
-                  </a:extLst>
-                </p:cNvPr>
-                <p:cNvSpPr txBox="1">
-                  <a:spLocks noRot="1" noChangeAspect="1" noMove="1" noResize="1" noEditPoints="1" noAdjustHandles="1" noChangeArrowheads="1" noChangeShapeType="1" noTextEdit="1"/>
-                </p:cNvSpPr>
-                <p:nvPr/>
-              </p:nvSpPr>
-              <p:spPr>
-                <a:xfrm>
-                  <a:off x="1543614" y="1675459"/>
-                  <a:ext cx="6306424" cy="1001108"/>
-                </a:xfrm>
-                <a:prstGeom prst="rect">
-                  <a:avLst/>
-                </a:prstGeom>
-                <a:blipFill>
-                  <a:blip r:embed="rId4"/>
-                  <a:stretch>
-                    <a:fillRect t="-4268" b="-11585"/>
-                  </a:stretch>
-                </a:blipFill>
-              </p:spPr>
-              <p:txBody>
-                <a:bodyPr/>
-                <a:lstStyle/>
-                <a:p>
-                  <a:r>
-                    <a:rPr lang="de-DE">
-                      <a:noFill/>
-                    </a:rPr>
-                    <a:t> </a:t>
-                  </a:r>
-                </a:p>
-              </p:txBody>
-            </p:sp>
-          </mc:Fallback>
-        </mc:AlternateContent>
-      </p:grpSp>
+                        <m:r>
+                          <a:rPr lang="de-DE" sz="2400" i="1">
+                            <a:latin typeface="Cambria Math" panose="02040503050406030204" pitchFamily="18" charset="0"/>
+                          </a:rPr>
+                          <m:t>𝑒𝑖𝑔</m:t>
+                        </m:r>
+                      </m:e>
+                      <m:sub>
+                        <m:r>
+                          <a:rPr lang="de-DE" sz="2400" i="1">
+                            <a:latin typeface="Cambria Math" panose="02040503050406030204" pitchFamily="18" charset="0"/>
+                          </a:rPr>
+                          <m:t>1,2,3</m:t>
+                        </m:r>
+                      </m:sub>
+                    </m:sSub>
+                    <m:r>
+                      <a:rPr lang="de-DE" sz="2400" i="1">
+                        <a:latin typeface="Cambria Math" panose="02040503050406030204" pitchFamily="18" charset="0"/>
+                      </a:rPr>
+                      <m:t>(</m:t>
+                    </m:r>
+                    <m:r>
+                      <a:rPr lang="de-DE" sz="2400" b="0" i="1" smtClean="0">
+                        <a:latin typeface="Cambria Math" panose="02040503050406030204" pitchFamily="18" charset="0"/>
+                      </a:rPr>
+                      <m:t> </m:t>
+                    </m:r>
+                    <m:r>
+                      <a:rPr lang="de-DE" sz="2400" i="1">
+                        <a:latin typeface="Cambria Math" panose="02040503050406030204" pitchFamily="18" charset="0"/>
+                      </a:rPr>
+                      <m:t>𝐽</m:t>
+                    </m:r>
+                    <m:r>
+                      <a:rPr lang="de-DE" sz="2400" i="1">
+                        <a:latin typeface="Cambria Math" panose="02040503050406030204" pitchFamily="18" charset="0"/>
+                      </a:rPr>
+                      <m:t>))&lt; 0</m:t>
+                    </m:r>
+                  </m:oMath>
+                </a14:m>
+                <a:endParaRPr lang="de-DE" sz="2400" i="1" dirty="0"/>
+              </a:p>
+            </p:txBody>
+          </p:sp>
+        </mc:Choice>
+        <mc:Fallback>
+          <p:sp>
+            <p:nvSpPr>
+              <p:cNvPr id="6" name="Textfeld 5">
+                <a:extLst>
+                  <a:ext uri="{FF2B5EF4-FFF2-40B4-BE49-F238E27FC236}">
+                    <a16:creationId xmlns:a16="http://schemas.microsoft.com/office/drawing/2014/main" id="{CAD9FA59-B122-1F24-3331-A79E05AB360C}"/>
+                  </a:ext>
+                </a:extLst>
+              </p:cNvPr>
+              <p:cNvSpPr txBox="1">
+                <a:spLocks noRot="1" noChangeAspect="1" noMove="1" noResize="1" noEditPoints="1" noAdjustHandles="1" noChangeArrowheads="1" noChangeShapeType="1" noTextEdit="1"/>
+              </p:cNvSpPr>
+              <p:nvPr/>
+            </p:nvSpPr>
+            <p:spPr>
+              <a:xfrm>
+                <a:off x="717550" y="1555370"/>
+                <a:ext cx="7401706" cy="1001108"/>
+              </a:xfrm>
+              <a:prstGeom prst="rect">
+                <a:avLst/>
+              </a:prstGeom>
+              <a:blipFill>
+                <a:blip r:embed="rId4"/>
+                <a:stretch>
+                  <a:fillRect t="-4268" b="-11585"/>
+                </a:stretch>
+              </a:blipFill>
+            </p:spPr>
+            <p:txBody>
+              <a:bodyPr/>
+              <a:lstStyle/>
+              <a:p>
+                <a:r>
+                  <a:rPr lang="de-DE">
+                    <a:noFill/>
+                  </a:rPr>
+                  <a:t> </a:t>
+                </a:r>
+              </a:p>
+            </p:txBody>
+          </p:sp>
+        </mc:Fallback>
+      </mc:AlternateContent>
     </p:spTree>
     <p:extLst>
       <p:ext uri="{BB962C8B-B14F-4D97-AF65-F5344CB8AC3E}">
@@ -15617,6 +14116,176 @@
   <p:clrMapOvr>
     <a:masterClrMapping/>
   </p:clrMapOvr>
+  <p:timing>
+    <p:tnLst>
+      <p:par>
+        <p:cTn id="1" dur="indefinite" restart="never" nodeType="tmRoot">
+          <p:childTnLst>
+            <p:seq concurrent="1" nextAc="seek">
+              <p:cTn id="2" dur="indefinite" nodeType="mainSeq">
+                <p:childTnLst>
+                  <p:par>
+                    <p:cTn id="3" fill="hold">
+                      <p:stCondLst>
+                        <p:cond delay="indefinite"/>
+                      </p:stCondLst>
+                      <p:childTnLst>
+                        <p:par>
+                          <p:cTn id="4" fill="hold">
+                            <p:stCondLst>
+                              <p:cond delay="0"/>
+                            </p:stCondLst>
+                            <p:childTnLst>
+                              <p:par>
+                                <p:cTn id="5" presetID="1" presetClass="entr" presetSubtype="0" fill="hold" grpId="0" nodeType="clickEffect">
+                                  <p:stCondLst>
+                                    <p:cond delay="0"/>
+                                  </p:stCondLst>
+                                  <p:childTnLst>
+                                    <p:set>
+                                      <p:cBhvr>
+                                        <p:cTn id="6" dur="1" fill="hold">
+                                          <p:stCondLst>
+                                            <p:cond delay="0"/>
+                                          </p:stCondLst>
+                                        </p:cTn>
+                                        <p:tgtEl>
+                                          <p:spTgt spid="6"/>
+                                        </p:tgtEl>
+                                        <p:attrNameLst>
+                                          <p:attrName>style.visibility</p:attrName>
+                                        </p:attrNameLst>
+                                      </p:cBhvr>
+                                      <p:to>
+                                        <p:strVal val="visible"/>
+                                      </p:to>
+                                    </p:set>
+                                  </p:childTnLst>
+                                </p:cTn>
+                              </p:par>
+                            </p:childTnLst>
+                          </p:cTn>
+                        </p:par>
+                      </p:childTnLst>
+                    </p:cTn>
+                  </p:par>
+                  <p:par>
+                    <p:cTn id="7" fill="hold">
+                      <p:stCondLst>
+                        <p:cond delay="indefinite"/>
+                      </p:stCondLst>
+                      <p:childTnLst>
+                        <p:par>
+                          <p:cTn id="8" fill="hold">
+                            <p:stCondLst>
+                              <p:cond delay="0"/>
+                            </p:stCondLst>
+                            <p:childTnLst>
+                              <p:par>
+                                <p:cTn id="9" presetID="1" presetClass="entr" presetSubtype="0" fill="hold" grpId="0" nodeType="clickEffect">
+                                  <p:stCondLst>
+                                    <p:cond delay="0"/>
+                                  </p:stCondLst>
+                                  <p:childTnLst>
+                                    <p:set>
+                                      <p:cBhvr>
+                                        <p:cTn id="10" dur="1" fill="hold">
+                                          <p:stCondLst>
+                                            <p:cond delay="0"/>
+                                          </p:stCondLst>
+                                        </p:cTn>
+                                        <p:tgtEl>
+                                          <p:spTgt spid="16"/>
+                                        </p:tgtEl>
+                                        <p:attrNameLst>
+                                          <p:attrName>style.visibility</p:attrName>
+                                        </p:attrNameLst>
+                                      </p:cBhvr>
+                                      <p:to>
+                                        <p:strVal val="visible"/>
+                                      </p:to>
+                                    </p:set>
+                                  </p:childTnLst>
+                                </p:cTn>
+                              </p:par>
+                            </p:childTnLst>
+                          </p:cTn>
+                        </p:par>
+                      </p:childTnLst>
+                    </p:cTn>
+                  </p:par>
+                  <p:par>
+                    <p:cTn id="11" fill="hold">
+                      <p:stCondLst>
+                        <p:cond delay="indefinite"/>
+                      </p:stCondLst>
+                      <p:childTnLst>
+                        <p:par>
+                          <p:cTn id="12" fill="hold">
+                            <p:stCondLst>
+                              <p:cond delay="0"/>
+                            </p:stCondLst>
+                            <p:childTnLst>
+                              <p:par>
+                                <p:cTn id="13" presetID="1" presetClass="entr" presetSubtype="0" fill="hold" grpId="0" nodeType="clickEffect">
+                                  <p:stCondLst>
+                                    <p:cond delay="0"/>
+                                  </p:stCondLst>
+                                  <p:childTnLst>
+                                    <p:set>
+                                      <p:cBhvr>
+                                        <p:cTn id="14" dur="1" fill="hold">
+                                          <p:stCondLst>
+                                            <p:cond delay="0"/>
+                                          </p:stCondLst>
+                                        </p:cTn>
+                                        <p:tgtEl>
+                                          <p:spTgt spid="15"/>
+                                        </p:tgtEl>
+                                        <p:attrNameLst>
+                                          <p:attrName>style.visibility</p:attrName>
+                                        </p:attrNameLst>
+                                      </p:cBhvr>
+                                      <p:to>
+                                        <p:strVal val="visible"/>
+                                      </p:to>
+                                    </p:set>
+                                  </p:childTnLst>
+                                </p:cTn>
+                              </p:par>
+                            </p:childTnLst>
+                          </p:cTn>
+                        </p:par>
+                      </p:childTnLst>
+                    </p:cTn>
+                  </p:par>
+                </p:childTnLst>
+              </p:cTn>
+              <p:prevCondLst>
+                <p:cond evt="onPrev" delay="0">
+                  <p:tgtEl>
+                    <p:sldTgt/>
+                  </p:tgtEl>
+                </p:cond>
+              </p:prevCondLst>
+              <p:nextCondLst>
+                <p:cond evt="onNext" delay="0">
+                  <p:tgtEl>
+                    <p:sldTgt/>
+                  </p:tgtEl>
+                </p:cond>
+              </p:nextCondLst>
+            </p:seq>
+          </p:childTnLst>
+        </p:cTn>
+      </p:par>
+    </p:tnLst>
+    <p:bldLst>
+      <p:bldP spid="15" grpId="0"/>
+      <p:bldP spid="16" grpId="0" animBg="1"/>
+      <p:bldP spid="6" grpId="0"/>
+    </p:bldLst>
+  </p:timing>
 </p:sld>
 </file>
 
@@ -15755,6 +14424,7 @@
               </a:ext>
             </a:extLst>
           </a:blip>
+          <a:srcRect r="30154"/>
           <a:stretch>
             <a:fillRect/>
           </a:stretch>
@@ -15762,65 +14432,561 @@
         <p:spPr>
           <a:xfrm>
             <a:off x="1674531" y="1518375"/>
-            <a:ext cx="8298144" cy="4082883"/>
+            <a:ext cx="5795944" cy="4082883"/>
           </a:xfrm>
           <a:prstGeom prst="rect">
             <a:avLst/>
           </a:prstGeom>
         </p:spPr>
       </p:pic>
+      <mc:AlternateContent xmlns:mc="http://schemas.openxmlformats.org/markup-compatibility/2006">
+        <mc:Choice xmlns:a14="http://schemas.microsoft.com/office/drawing/2010/main" Requires="a14">
+          <p:sp>
+            <p:nvSpPr>
+              <p:cNvPr id="3" name="Textfeld 2">
+                <a:extLst>
+                  <a:ext uri="{FF2B5EF4-FFF2-40B4-BE49-F238E27FC236}">
+                    <a16:creationId xmlns:a16="http://schemas.microsoft.com/office/drawing/2014/main" id="{296C4FDF-BB70-806E-5FAE-3966DCF20AED}"/>
+                  </a:ext>
+                </a:extLst>
+              </p:cNvPr>
+              <p:cNvSpPr txBox="1"/>
+              <p:nvPr/>
+            </p:nvSpPr>
+            <p:spPr>
+              <a:xfrm>
+                <a:off x="6165542" y="2296258"/>
+                <a:ext cx="1304933" cy="695062"/>
+              </a:xfrm>
+              <a:prstGeom prst="rect">
+                <a:avLst/>
+              </a:prstGeom>
+              <a:noFill/>
+              <a:ln>
+                <a:solidFill>
+                  <a:schemeClr val="tx1"/>
+                </a:solidFill>
+              </a:ln>
+            </p:spPr>
+            <p:txBody>
+              <a:bodyPr wrap="square" rtlCol="0">
+                <a:spAutoFit/>
+              </a:bodyPr>
+              <a:lstStyle/>
+              <a:p>
+                <a14:m>
+                  <m:oMathPara xmlns:m="http://schemas.openxmlformats.org/officeDocument/2006/math">
+                    <m:oMathParaPr>
+                      <m:jc m:val="centerGroup"/>
+                    </m:oMathParaPr>
+                    <m:oMath xmlns:m="http://schemas.openxmlformats.org/officeDocument/2006/math">
+                      <m:sSub>
+                        <m:sSubPr>
+                          <m:ctrlPr>
+                            <a:rPr lang="de-DE" sz="2000" b="1" i="1" smtClean="0">
+                              <a:latin typeface="Cambria Math" panose="02040503050406030204" pitchFamily="18" charset="0"/>
+                            </a:rPr>
+                          </m:ctrlPr>
+                        </m:sSubPr>
+                        <m:e>
+                          <m:r>
+                            <a:rPr lang="de-DE" sz="2000" b="1" i="1" smtClean="0">
+                              <a:latin typeface="Cambria Math" panose="02040503050406030204" pitchFamily="18" charset="0"/>
+                            </a:rPr>
+                            <m:t>𝑼</m:t>
+                          </m:r>
+                        </m:e>
+                        <m:sub>
+                          <m:r>
+                            <a:rPr lang="de-DE" sz="2000" b="1" i="1" smtClean="0">
+                              <a:latin typeface="Cambria Math" panose="02040503050406030204" pitchFamily="18" charset="0"/>
+                            </a:rPr>
+                            <m:t>𝑻</m:t>
+                          </m:r>
+                        </m:sub>
+                      </m:sSub>
+                      <m:r>
+                        <a:rPr lang="de-DE" sz="2000" b="1" i="1" smtClean="0">
+                          <a:latin typeface="Cambria Math" panose="02040503050406030204" pitchFamily="18" charset="0"/>
+                        </a:rPr>
+                        <m:t>=</m:t>
+                      </m:r>
+                      <m:f>
+                        <m:fPr>
+                          <m:ctrlPr>
+                            <a:rPr lang="de-DE" sz="2000" b="1" i="1" smtClean="0">
+                              <a:latin typeface="Cambria Math" panose="02040503050406030204" pitchFamily="18" charset="0"/>
+                            </a:rPr>
+                          </m:ctrlPr>
+                        </m:fPr>
+                        <m:num>
+                          <m:r>
+                            <a:rPr lang="de-DE" sz="2000" b="1" i="1" smtClean="0">
+                              <a:latin typeface="Cambria Math" panose="02040503050406030204" pitchFamily="18" charset="0"/>
+                            </a:rPr>
+                            <m:t>𝒌</m:t>
+                          </m:r>
+                        </m:num>
+                        <m:den>
+                          <m:r>
+                            <a:rPr lang="de-DE" sz="2000" b="1" i="1" smtClean="0">
+                              <a:latin typeface="Cambria Math" panose="02040503050406030204" pitchFamily="18" charset="0"/>
+                            </a:rPr>
+                            <m:t>𝒆</m:t>
+                          </m:r>
+                        </m:den>
+                      </m:f>
+                      <m:r>
+                        <a:rPr lang="de-DE" sz="2000" b="1" i="1" smtClean="0">
+                          <a:latin typeface="Cambria Math" panose="02040503050406030204" pitchFamily="18" charset="0"/>
+                        </a:rPr>
+                        <m:t> </m:t>
+                      </m:r>
+                      <m:r>
+                        <a:rPr lang="de-DE" sz="2000" b="1" i="1" smtClean="0">
+                          <a:latin typeface="Cambria Math" panose="02040503050406030204" pitchFamily="18" charset="0"/>
+                        </a:rPr>
+                        <m:t>𝑻</m:t>
+                      </m:r>
+                    </m:oMath>
+                  </m:oMathPara>
+                </a14:m>
+                <a:endParaRPr lang="de-DE" sz="2000" b="1" i="1" dirty="0"/>
+              </a:p>
+            </p:txBody>
+          </p:sp>
+        </mc:Choice>
+        <mc:Fallback>
+          <p:sp>
+            <p:nvSpPr>
+              <p:cNvPr id="3" name="Textfeld 2">
+                <a:extLst>
+                  <a:ext uri="{FF2B5EF4-FFF2-40B4-BE49-F238E27FC236}">
+                    <a16:creationId xmlns:a16="http://schemas.microsoft.com/office/drawing/2014/main" id="{296C4FDF-BB70-806E-5FAE-3966DCF20AED}"/>
+                  </a:ext>
+                </a:extLst>
+              </p:cNvPr>
+              <p:cNvSpPr txBox="1">
+                <a:spLocks noRot="1" noChangeAspect="1" noMove="1" noResize="1" noEditPoints="1" noAdjustHandles="1" noChangeArrowheads="1" noChangeShapeType="1" noTextEdit="1"/>
+              </p:cNvSpPr>
+              <p:nvPr/>
+            </p:nvSpPr>
+            <p:spPr>
+              <a:xfrm>
+                <a:off x="6165542" y="2296258"/>
+                <a:ext cx="1304933" cy="695062"/>
+              </a:xfrm>
+              <a:prstGeom prst="rect">
+                <a:avLst/>
+              </a:prstGeom>
+              <a:blipFill>
+                <a:blip r:embed="rId3"/>
+                <a:stretch>
+                  <a:fillRect/>
+                </a:stretch>
+              </a:blipFill>
+              <a:ln>
+                <a:solidFill>
+                  <a:schemeClr val="tx1"/>
+                </a:solidFill>
+              </a:ln>
+            </p:spPr>
+            <p:txBody>
+              <a:bodyPr/>
+              <a:lstStyle/>
+              <a:p>
+                <a:r>
+                  <a:rPr lang="de-DE">
+                    <a:noFill/>
+                  </a:rPr>
+                  <a:t> </a:t>
+                </a:r>
+              </a:p>
+            </p:txBody>
+          </p:sp>
+        </mc:Fallback>
+      </mc:AlternateContent>
+      <mc:AlternateContent xmlns:mc="http://schemas.openxmlformats.org/markup-compatibility/2006">
+        <mc:Choice xmlns:a14="http://schemas.microsoft.com/office/drawing/2010/main" Requires="a14">
+          <p:sp>
+            <p:nvSpPr>
+              <p:cNvPr id="7" name="Textfeld 6">
+                <a:extLst>
+                  <a:ext uri="{FF2B5EF4-FFF2-40B4-BE49-F238E27FC236}">
+                    <a16:creationId xmlns:a16="http://schemas.microsoft.com/office/drawing/2014/main" id="{C26D6102-09AB-51EC-A6C3-E5111AEB9DCC}"/>
+                  </a:ext>
+                </a:extLst>
+              </p:cNvPr>
+              <p:cNvSpPr txBox="1"/>
+              <p:nvPr/>
+            </p:nvSpPr>
+            <p:spPr>
+              <a:xfrm>
+                <a:off x="8116322" y="1883164"/>
+                <a:ext cx="2140486" cy="1521250"/>
+              </a:xfrm>
+              <a:prstGeom prst="rect">
+                <a:avLst/>
+              </a:prstGeom>
+              <a:noFill/>
+            </p:spPr>
+            <p:txBody>
+              <a:bodyPr wrap="square" rtlCol="0">
+                <a:spAutoFit/>
+              </a:bodyPr>
+              <a:lstStyle/>
+              <a:p>
+                <a:r>
+                  <a:rPr lang="de-DE" sz="1600" dirty="0"/>
+                  <a:t>Boltzmann-Konstante</a:t>
+                </a:r>
+              </a:p>
+              <a:p>
+                <a:pPr>
+                  <a:spcAft>
+                    <a:spcPts val="1200"/>
+                  </a:spcAft>
+                </a:pPr>
+                <a14:m>
+                  <m:oMathPara xmlns:m="http://schemas.openxmlformats.org/officeDocument/2006/math">
+                    <m:oMathParaPr>
+                      <m:jc m:val="left"/>
+                    </m:oMathParaPr>
+                    <m:oMath xmlns:m="http://schemas.openxmlformats.org/officeDocument/2006/math">
+                      <m:r>
+                        <a:rPr lang="de-DE" sz="1600" b="0" i="1" smtClean="0">
+                          <a:latin typeface="Cambria Math" panose="02040503050406030204" pitchFamily="18" charset="0"/>
+                        </a:rPr>
+                        <m:t>𝑘</m:t>
+                      </m:r>
+                      <m:r>
+                        <a:rPr lang="de-DE" sz="1600" b="0" i="1" smtClean="0">
+                          <a:latin typeface="Cambria Math" panose="02040503050406030204" pitchFamily="18" charset="0"/>
+                        </a:rPr>
+                        <m:t> = 1.4 ⋅</m:t>
+                      </m:r>
+                      <m:sSup>
+                        <m:sSupPr>
+                          <m:ctrlPr>
+                            <a:rPr lang="de-DE" sz="1600" b="0" i="1" smtClean="0">
+                              <a:latin typeface="Cambria Math" panose="02040503050406030204" pitchFamily="18" charset="0"/>
+                            </a:rPr>
+                          </m:ctrlPr>
+                        </m:sSupPr>
+                        <m:e>
+                          <m:r>
+                            <a:rPr lang="de-DE" sz="1600" b="0" i="1" smtClean="0">
+                              <a:latin typeface="Cambria Math" panose="02040503050406030204" pitchFamily="18" charset="0"/>
+                            </a:rPr>
+                            <m:t>10</m:t>
+                          </m:r>
+                        </m:e>
+                        <m:sup>
+                          <m:r>
+                            <a:rPr lang="de-DE" sz="1600" b="0" i="1" smtClean="0">
+                              <a:latin typeface="Cambria Math" panose="02040503050406030204" pitchFamily="18" charset="0"/>
+                            </a:rPr>
+                            <m:t>-23</m:t>
+                          </m:r>
+                        </m:sup>
+                      </m:sSup>
+                      <m:f>
+                        <m:fPr>
+                          <m:ctrlPr>
+                            <a:rPr lang="de-DE" sz="1600" b="0" i="1" smtClean="0">
+                              <a:latin typeface="Cambria Math" panose="02040503050406030204" pitchFamily="18" charset="0"/>
+                            </a:rPr>
+                          </m:ctrlPr>
+                        </m:fPr>
+                        <m:num>
+                          <m:r>
+                            <m:rPr>
+                              <m:sty m:val="p"/>
+                            </m:rPr>
+                            <a:rPr lang="de-DE" sz="1600" b="0" i="1" smtClean="0">
+                              <a:latin typeface="Cambria Math" panose="02040503050406030204" pitchFamily="18" charset="0"/>
+                            </a:rPr>
+                            <m:t>J</m:t>
+                          </m:r>
+                        </m:num>
+                        <m:den>
+                          <m:r>
+                            <m:rPr>
+                              <m:sty m:val="p"/>
+                            </m:rPr>
+                            <a:rPr lang="de-DE" sz="1600" b="0" i="1" smtClean="0">
+                              <a:latin typeface="Cambria Math" panose="02040503050406030204" pitchFamily="18" charset="0"/>
+                            </a:rPr>
+                            <m:t>K</m:t>
+                          </m:r>
+                        </m:den>
+                      </m:f>
+                    </m:oMath>
+                  </m:oMathPara>
+                </a14:m>
+                <a:endParaRPr lang="de-DE" sz="1600" i="1" dirty="0"/>
+              </a:p>
+              <a:p>
+                <a:pPr>
+                  <a:spcAft>
+                    <a:spcPts val="600"/>
+                  </a:spcAft>
+                </a:pPr>
+                <a:r>
+                  <a:rPr lang="de-DE" sz="1600" dirty="0"/>
+                  <a:t>Elementarladung</a:t>
+                </a:r>
+              </a:p>
+              <a:p>
+                <a:pPr/>
+                <a14:m>
+                  <m:oMathPara xmlns:m="http://schemas.openxmlformats.org/officeDocument/2006/math">
+                    <m:oMathParaPr>
+                      <m:jc m:val="left"/>
+                    </m:oMathParaPr>
+                    <m:oMath xmlns:m="http://schemas.openxmlformats.org/officeDocument/2006/math">
+                      <m:r>
+                        <a:rPr lang="de-DE" sz="1600" b="0" i="1" smtClean="0">
+                          <a:latin typeface="Cambria Math" panose="02040503050406030204" pitchFamily="18" charset="0"/>
+                        </a:rPr>
+                        <m:t>𝑒</m:t>
+                      </m:r>
+                      <m:r>
+                        <a:rPr lang="de-DE" sz="1600" b="0" i="1" smtClean="0">
+                          <a:latin typeface="Cambria Math" panose="02040503050406030204" pitchFamily="18" charset="0"/>
+                        </a:rPr>
+                        <m:t> = 1.6 ⋅</m:t>
+                      </m:r>
+                      <m:sSup>
+                        <m:sSupPr>
+                          <m:ctrlPr>
+                            <a:rPr lang="de-DE" sz="1600" b="0" i="1" smtClean="0">
+                              <a:latin typeface="Cambria Math" panose="02040503050406030204" pitchFamily="18" charset="0"/>
+                            </a:rPr>
+                          </m:ctrlPr>
+                        </m:sSupPr>
+                        <m:e>
+                          <m:r>
+                            <a:rPr lang="de-DE" sz="1600" b="0" i="1" smtClean="0">
+                              <a:latin typeface="Cambria Math" panose="02040503050406030204" pitchFamily="18" charset="0"/>
+                            </a:rPr>
+                            <m:t>10</m:t>
+                          </m:r>
+                        </m:e>
+                        <m:sup>
+                          <m:r>
+                            <a:rPr lang="de-DE" sz="1600" b="0" i="1" smtClean="0">
+                              <a:latin typeface="Cambria Math" panose="02040503050406030204" pitchFamily="18" charset="0"/>
+                            </a:rPr>
+                            <m:t>-19</m:t>
+                          </m:r>
+                        </m:sup>
+                      </m:sSup>
+                      <m:r>
+                        <a:rPr lang="de-DE" sz="1600" b="0" i="1" smtClean="0">
+                          <a:latin typeface="Cambria Math" panose="02040503050406030204" pitchFamily="18" charset="0"/>
+                        </a:rPr>
+                        <m:t>𝐶</m:t>
+                      </m:r>
+                    </m:oMath>
+                  </m:oMathPara>
+                </a14:m>
+                <a:endParaRPr lang="de-DE" sz="1600" i="1" dirty="0"/>
+              </a:p>
+            </p:txBody>
+          </p:sp>
+        </mc:Choice>
+        <mc:Fallback>
+          <p:sp>
+            <p:nvSpPr>
+              <p:cNvPr id="7" name="Textfeld 6">
+                <a:extLst>
+                  <a:ext uri="{FF2B5EF4-FFF2-40B4-BE49-F238E27FC236}">
+                    <a16:creationId xmlns:a16="http://schemas.microsoft.com/office/drawing/2014/main" id="{C26D6102-09AB-51EC-A6C3-E5111AEB9DCC}"/>
+                  </a:ext>
+                </a:extLst>
+              </p:cNvPr>
+              <p:cNvSpPr txBox="1">
+                <a:spLocks noRot="1" noChangeAspect="1" noMove="1" noResize="1" noEditPoints="1" noAdjustHandles="1" noChangeArrowheads="1" noChangeShapeType="1" noTextEdit="1"/>
+              </p:cNvSpPr>
+              <p:nvPr/>
+            </p:nvSpPr>
+            <p:spPr>
+              <a:xfrm>
+                <a:off x="8116322" y="1883164"/>
+                <a:ext cx="2140486" cy="1521250"/>
+              </a:xfrm>
+              <a:prstGeom prst="rect">
+                <a:avLst/>
+              </a:prstGeom>
+              <a:blipFill>
+                <a:blip r:embed="rId4"/>
+                <a:stretch>
+                  <a:fillRect l="-1420" t="-1205"/>
+                </a:stretch>
+              </a:blipFill>
+            </p:spPr>
+            <p:txBody>
+              <a:bodyPr/>
+              <a:lstStyle/>
+              <a:p>
+                <a:r>
+                  <a:rPr lang="de-DE">
+                    <a:noFill/>
+                  </a:rPr>
+                  <a:t> </a:t>
+                </a:r>
+              </a:p>
+            </p:txBody>
+          </p:sp>
+        </mc:Fallback>
+      </mc:AlternateContent>
       <p:sp>
         <p:nvSpPr>
-          <p:cNvPr id="9" name="Rechteck 8">
+          <p:cNvPr id="8" name="Textfeld 7">
             <a:extLst>
               <a:ext uri="{FF2B5EF4-FFF2-40B4-BE49-F238E27FC236}">
-                <a16:creationId xmlns:a16="http://schemas.microsoft.com/office/drawing/2014/main" id="{407CD422-3E3E-0DED-EF5B-801667C70E4C}"/>
+                <a16:creationId xmlns:a16="http://schemas.microsoft.com/office/drawing/2014/main" id="{F3C2D876-B4CE-5883-198D-C737458BE98D}"/>
               </a:ext>
             </a:extLst>
           </p:cNvPr>
-          <p:cNvSpPr/>
+          <p:cNvSpPr txBox="1"/>
           <p:nvPr/>
         </p:nvSpPr>
         <p:spPr>
           <a:xfrm>
-            <a:off x="1581150" y="1428750"/>
-            <a:ext cx="3457575" cy="1152525"/>
+            <a:off x="1207806" y="3487027"/>
+            <a:ext cx="1821464" cy="338554"/>
           </a:xfrm>
           <a:prstGeom prst="rect">
             <a:avLst/>
           </a:prstGeom>
           <a:noFill/>
-          <a:ln w="38100">
-            <a:solidFill>
-              <a:srgbClr val="FF0000"/>
-            </a:solidFill>
+        </p:spPr>
+        <p:txBody>
+          <a:bodyPr wrap="square" rtlCol="0">
+            <a:spAutoFit/>
+          </a:bodyPr>
+          <a:lstStyle/>
+          <a:p>
+            <a:r>
+              <a:rPr lang="de-DE" sz="1600" dirty="0"/>
+              <a:t>Temperatur in °C</a:t>
+            </a:r>
+          </a:p>
+        </p:txBody>
+      </p:sp>
+      <p:sp>
+        <p:nvSpPr>
+          <p:cNvPr id="10" name="Textfeld 9">
+            <a:extLst>
+              <a:ext uri="{FF2B5EF4-FFF2-40B4-BE49-F238E27FC236}">
+                <a16:creationId xmlns:a16="http://schemas.microsoft.com/office/drawing/2014/main" id="{88BC7C63-35E2-5B84-54C1-6714E9B1DA5E}"/>
+              </a:ext>
+            </a:extLst>
+          </p:cNvPr>
+          <p:cNvSpPr txBox="1"/>
+          <p:nvPr/>
+        </p:nvSpPr>
+        <p:spPr>
+          <a:xfrm>
+            <a:off x="2900469" y="5564627"/>
+            <a:ext cx="1821464" cy="338554"/>
+          </a:xfrm>
+          <a:prstGeom prst="rect">
+            <a:avLst/>
+          </a:prstGeom>
+          <a:noFill/>
+        </p:spPr>
+        <p:txBody>
+          <a:bodyPr wrap="square" rtlCol="0">
+            <a:spAutoFit/>
+          </a:bodyPr>
+          <a:lstStyle/>
+          <a:p>
+            <a:r>
+              <a:rPr lang="de-DE" sz="1600" dirty="0"/>
+              <a:t>273.15 K</a:t>
+            </a:r>
+          </a:p>
+        </p:txBody>
+      </p:sp>
+      <p:sp>
+        <p:nvSpPr>
+          <p:cNvPr id="11" name="Textfeld 10">
+            <a:extLst>
+              <a:ext uri="{FF2B5EF4-FFF2-40B4-BE49-F238E27FC236}">
+                <a16:creationId xmlns:a16="http://schemas.microsoft.com/office/drawing/2014/main" id="{00A5FAA3-0321-09F3-F9BF-B3411EA7554E}"/>
+              </a:ext>
+            </a:extLst>
+          </p:cNvPr>
+          <p:cNvSpPr txBox="1"/>
+          <p:nvPr/>
+        </p:nvSpPr>
+        <p:spPr>
+          <a:xfrm>
+            <a:off x="5165805" y="4178778"/>
+            <a:ext cx="1669002" cy="338554"/>
+          </a:xfrm>
+          <a:prstGeom prst="rect">
+            <a:avLst/>
+          </a:prstGeom>
+          <a:noFill/>
+        </p:spPr>
+        <p:txBody>
+          <a:bodyPr wrap="square" rtlCol="0">
+            <a:spAutoFit/>
+          </a:bodyPr>
+          <a:lstStyle/>
+          <a:p>
+            <a:r>
+              <a:rPr lang="de-DE" sz="1600" dirty="0"/>
+              <a:t>Temperatur in K</a:t>
+            </a:r>
+          </a:p>
+        </p:txBody>
+      </p:sp>
+      <p:cxnSp>
+        <p:nvCxnSpPr>
+          <p:cNvPr id="13" name="Gerade Verbindung mit Pfeil 12">
+            <a:extLst>
+              <a:ext uri="{FF2B5EF4-FFF2-40B4-BE49-F238E27FC236}">
+                <a16:creationId xmlns:a16="http://schemas.microsoft.com/office/drawing/2014/main" id="{1BB011E7-F87C-7160-4C92-11CE47ED5A34}"/>
+              </a:ext>
+            </a:extLst>
+          </p:cNvPr>
+          <p:cNvCxnSpPr>
+            <a:cxnSpLocks/>
+          </p:cNvCxnSpPr>
+          <p:nvPr/>
+        </p:nvCxnSpPr>
+        <p:spPr>
+          <a:xfrm flipH="1" flipV="1">
+            <a:off x="5036344" y="3825581"/>
+            <a:ext cx="333375" cy="393994"/>
+          </a:xfrm>
+          <a:prstGeom prst="straightConnector1">
+            <a:avLst/>
+          </a:prstGeom>
+          <a:ln>
+            <a:tailEnd type="triangle"/>
           </a:ln>
         </p:spPr>
         <p:style>
-          <a:lnRef idx="2">
-            <a:schemeClr val="accent1">
-              <a:shade val="15000"/>
-            </a:schemeClr>
+          <a:lnRef idx="1">
+            <a:schemeClr val="dk1"/>
           </a:lnRef>
-          <a:fillRef idx="1">
-            <a:schemeClr val="accent1"/>
+          <a:fillRef idx="0">
+            <a:schemeClr val="dk1"/>
           </a:fillRef>
           <a:effectRef idx="0">
-            <a:schemeClr val="accent1"/>
+            <a:schemeClr val="dk1"/>
           </a:effectRef>
           <a:fontRef idx="minor">
-            <a:schemeClr val="lt1"/>
+            <a:schemeClr val="tx1"/>
           </a:fontRef>
         </p:style>
-        <p:txBody>
-          <a:bodyPr rtlCol="0" anchor="ctr"/>
-          <a:lstStyle/>
-          <a:p>
-            <a:pPr algn="ctr"/>
-            <a:endParaRPr lang="de-DE"/>
-          </a:p>
-        </p:txBody>
-      </p:sp>
+      </p:cxnSp>
     </p:spTree>
     <p:extLst>
       <p:ext uri="{BB962C8B-B14F-4D97-AF65-F5344CB8AC3E}">
@@ -15842,7 +15008,7 @@
         <p:cNvPr id="1" name="">
           <a:extLst>
             <a:ext uri="{FF2B5EF4-FFF2-40B4-BE49-F238E27FC236}">
-              <a16:creationId xmlns:a16="http://schemas.microsoft.com/office/drawing/2014/main" id="{60AB1B09-36D8-E039-9A52-E25E68357204}"/>
+              <a16:creationId xmlns:a16="http://schemas.microsoft.com/office/drawing/2014/main" id="{65CD2D75-E306-C14C-6334-59560B0E6C91}"/>
             </a:ext>
           </a:extLst>
         </p:cNvPr>
@@ -15862,7 +15028,7 @@
           <p:cNvPr id="2" name="Titel 1">
             <a:extLst>
               <a:ext uri="{FF2B5EF4-FFF2-40B4-BE49-F238E27FC236}">
-                <a16:creationId xmlns:a16="http://schemas.microsoft.com/office/drawing/2014/main" id="{C15EB1AB-A99D-FC8D-AB7A-9581BAF66688}"/>
+                <a16:creationId xmlns:a16="http://schemas.microsoft.com/office/drawing/2014/main" id="{F31ABE75-E4EC-CE35-4C8D-B2DE6D9DE105}"/>
               </a:ext>
             </a:extLst>
           </p:cNvPr>
@@ -15896,7 +15062,7 @@
               <p:cNvPr id="3" name="Inhaltsplatzhalter 2">
                 <a:extLst>
                   <a:ext uri="{FF2B5EF4-FFF2-40B4-BE49-F238E27FC236}">
-                    <a16:creationId xmlns:a16="http://schemas.microsoft.com/office/drawing/2014/main" id="{E010ABB2-3058-5A52-024C-54D6FF97B5D8}"/>
+                    <a16:creationId xmlns:a16="http://schemas.microsoft.com/office/drawing/2014/main" id="{6922E56F-CE09-5816-19E1-3F09ACA5B7CB}"/>
                   </a:ext>
                 </a:extLst>
               </p:cNvPr>
@@ -15909,9 +15075,14 @@
             </p:nvSpPr>
             <p:spPr>
               <a:xfrm>
-                <a:off x="1379524" y="1445220"/>
-                <a:ext cx="10094927" cy="4690468"/>
+                <a:off x="9189046" y="1440000"/>
+                <a:ext cx="2434178" cy="371027"/>
               </a:xfrm>
+              <a:ln>
+                <a:solidFill>
+                  <a:schemeClr val="tx1"/>
+                </a:solidFill>
+              </a:ln>
             </p:spPr>
             <p:txBody>
               <a:bodyPr anchor="t"/>
@@ -15920,162 +15091,130 @@
                 <a:pPr>
                   <a:buNone/>
                 </a:pPr>
-                <a:r>
-                  <a:rPr lang="de-DE" b="1" dirty="0"/>
-                  <a:t>Zeitlicher Verlauf von </a:t>
-                </a:r>
                 <a14:m>
-                  <m:oMath xmlns:m="http://schemas.openxmlformats.org/officeDocument/2006/math">
-                    <m:sSub>
-                      <m:sSubPr>
-                        <m:ctrlPr>
-                          <a:rPr lang="de-DE" b="1" i="1" smtClean="0">
-                            <a:latin typeface="Cambria Math" panose="02040503050406030204" pitchFamily="18" charset="0"/>
-                          </a:rPr>
-                        </m:ctrlPr>
-                      </m:sSubPr>
-                      <m:e>
-                        <m:r>
-                          <a:rPr lang="de-DE" b="1" i="1" smtClean="0">
-                            <a:latin typeface="Cambria Math" panose="02040503050406030204" pitchFamily="18" charset="0"/>
-                          </a:rPr>
-                          <m:t>𝑼</m:t>
-                        </m:r>
-                      </m:e>
-                      <m:sub>
-                        <m:r>
-                          <a:rPr lang="de-DE" b="1" i="1" smtClean="0">
-                            <a:latin typeface="Cambria Math" panose="02040503050406030204" pitchFamily="18" charset="0"/>
-                          </a:rPr>
-                          <m:t>𝟏</m:t>
-                        </m:r>
-                      </m:sub>
-                    </m:sSub>
-                  </m:oMath>
-                </a14:m>
-                <a:r>
-                  <a:rPr lang="de-DE" b="1" dirty="0"/>
-                  <a:t> für </a:t>
-                </a:r>
-                <a14:m>
-                  <m:oMath xmlns:m="http://schemas.openxmlformats.org/officeDocument/2006/math">
-                    <m:sSub>
-                      <m:sSubPr>
-                        <m:ctrlPr>
-                          <a:rPr lang="de-DE" b="1" i="1">
-                            <a:latin typeface="Cambria Math" panose="02040503050406030204" pitchFamily="18" charset="0"/>
-                          </a:rPr>
-                        </m:ctrlPr>
-                      </m:sSubPr>
-                      <m:e>
-                        <m:acc>
-                          <m:accPr>
-                            <m:chr m:val="̅"/>
-                            <m:ctrlPr>
-                              <a:rPr lang="de-DE" b="1" i="1">
-                                <a:latin typeface="Cambria Math" panose="02040503050406030204" pitchFamily="18" charset="0"/>
-                              </a:rPr>
-                            </m:ctrlPr>
-                          </m:accPr>
-                          <m:e>
-                            <m:r>
-                              <a:rPr lang="de-DE" b="1" i="1">
-                                <a:latin typeface="Cambria Math" panose="02040503050406030204" pitchFamily="18" charset="0"/>
-                              </a:rPr>
-                              <m:t>𝑰</m:t>
-                            </m:r>
-                          </m:e>
-                        </m:acc>
-                      </m:e>
-                      <m:sub>
-                        <m:r>
-                          <a:rPr lang="de-DE" b="1" i="1">
-                            <a:latin typeface="Cambria Math" panose="02040503050406030204" pitchFamily="18" charset="0"/>
-                          </a:rPr>
-                          <m:t>𝟎</m:t>
-                        </m:r>
-                      </m:sub>
-                    </m:sSub>
-                    <m:r>
-                      <a:rPr lang="de-DE" b="1" i="1" smtClean="0">
-                        <a:latin typeface="Cambria Math" panose="02040503050406030204" pitchFamily="18" charset="0"/>
-                      </a:rPr>
-                      <m:t>=</m:t>
-                    </m:r>
-                    <m:r>
-                      <a:rPr lang="de-DE" b="1" i="1" smtClean="0">
-                        <a:latin typeface="Cambria Math" panose="02040503050406030204" pitchFamily="18" charset="0"/>
-                      </a:rPr>
-                      <m:t>𝟐</m:t>
-                    </m:r>
-                    <m:r>
-                      <a:rPr lang="de-DE" b="1" i="1" smtClean="0">
-                        <a:latin typeface="Cambria Math" panose="02040503050406030204" pitchFamily="18" charset="0"/>
-                      </a:rPr>
-                      <m:t> </m:t>
-                    </m:r>
-                    <m:r>
-                      <a:rPr lang="de-DE" b="1" i="1" smtClean="0">
-                        <a:latin typeface="Cambria Math" panose="02040503050406030204" pitchFamily="18" charset="0"/>
-                      </a:rPr>
-                      <m:t>𝒎𝑨</m:t>
-                    </m:r>
-                    <m:r>
-                      <a:rPr lang="de-DE" b="1" i="1" smtClean="0">
-                        <a:latin typeface="Cambria Math" panose="02040503050406030204" pitchFamily="18" charset="0"/>
-                      </a:rPr>
-                      <m:t> &lt;</m:t>
-                    </m:r>
-                    <m:sSub>
-                      <m:sSubPr>
-                        <m:ctrlPr>
-                          <a:rPr lang="de-DE" b="1" i="1">
-                            <a:latin typeface="Cambria Math" panose="02040503050406030204" pitchFamily="18" charset="0"/>
-                          </a:rPr>
-                        </m:ctrlPr>
-                      </m:sSubPr>
-                      <m:e>
-                        <m:acc>
-                          <m:accPr>
-                            <m:chr m:val="̅"/>
-                            <m:ctrlPr>
-                              <a:rPr lang="de-DE" b="1" i="1">
-                                <a:latin typeface="Cambria Math" panose="02040503050406030204" pitchFamily="18" charset="0"/>
-                              </a:rPr>
-                            </m:ctrlPr>
-                          </m:accPr>
-                          <m:e>
-                            <m:r>
-                              <a:rPr lang="de-DE" b="1" i="1">
-                                <a:latin typeface="Cambria Math" panose="02040503050406030204" pitchFamily="18" charset="0"/>
-                              </a:rPr>
-                              <m:t>𝑰</m:t>
-                            </m:r>
-                          </m:e>
-                        </m:acc>
-                      </m:e>
-                      <m:sub>
-                        <m:r>
-                          <a:rPr lang="de-DE" b="1" i="1">
-                            <a:latin typeface="Cambria Math" panose="02040503050406030204" pitchFamily="18" charset="0"/>
-                          </a:rPr>
-                          <m:t>𝟎</m:t>
-                        </m:r>
-                        <m:r>
-                          <a:rPr lang="de-DE" b="1" i="1">
-                            <a:latin typeface="Cambria Math" panose="02040503050406030204" pitchFamily="18" charset="0"/>
-                          </a:rPr>
-                          <m:t>,</m:t>
-                        </m:r>
-                        <m:r>
-                          <a:rPr lang="de-DE" b="1" i="1">
-                            <a:latin typeface="Cambria Math" panose="02040503050406030204" pitchFamily="18" charset="0"/>
-                          </a:rPr>
-                          <m:t>𝒌𝒓𝒊𝒕</m:t>
-                        </m:r>
-                      </m:sub>
-                    </m:sSub>
-                  </m:oMath>
+                  <m:oMathPara xmlns:m="http://schemas.openxmlformats.org/officeDocument/2006/math">
+                    <m:oMathParaPr>
+                      <m:jc m:val="center"/>
+                    </m:oMathParaPr>
+                    <m:oMath xmlns:m="http://schemas.openxmlformats.org/officeDocument/2006/math">
+                      <m:sSub>
+                        <m:sSubPr>
+                          <m:ctrlPr>
+                            <a:rPr lang="de-DE" b="1" i="1">
+                              <a:latin typeface="Cambria Math" panose="02040503050406030204" pitchFamily="18" charset="0"/>
+                            </a:rPr>
+                          </m:ctrlPr>
+                        </m:sSubPr>
+                        <m:e>
+                          <m:acc>
+                            <m:accPr>
+                              <m:chr m:val="̅"/>
+                              <m:ctrlPr>
+                                <a:rPr lang="de-DE" b="1" i="1">
+                                  <a:latin typeface="Cambria Math" panose="02040503050406030204" pitchFamily="18" charset="0"/>
+                                </a:rPr>
+                              </m:ctrlPr>
+                            </m:accPr>
+                            <m:e>
+                              <m:r>
+                                <a:rPr lang="de-DE" b="1" i="1">
+                                  <a:latin typeface="Cambria Math" panose="02040503050406030204" pitchFamily="18" charset="0"/>
+                                </a:rPr>
+                                <m:t>𝑰</m:t>
+                              </m:r>
+                            </m:e>
+                          </m:acc>
+                        </m:e>
+                        <m:sub>
+                          <m:r>
+                            <a:rPr lang="de-DE" b="1" i="1">
+                              <a:latin typeface="Cambria Math" panose="02040503050406030204" pitchFamily="18" charset="0"/>
+                            </a:rPr>
+                            <m:t>𝟎</m:t>
+                          </m:r>
+                        </m:sub>
+                      </m:sSub>
+                      <m:r>
+                        <a:rPr lang="de-DE" b="1" i="1" smtClean="0">
+                          <a:latin typeface="Cambria Math" panose="02040503050406030204" pitchFamily="18" charset="0"/>
+                        </a:rPr>
+                        <m:t>=</m:t>
+                      </m:r>
+                      <m:r>
+                        <a:rPr lang="de-DE" b="1" i="1" smtClean="0">
+                          <a:latin typeface="Cambria Math" panose="02040503050406030204" pitchFamily="18" charset="0"/>
+                        </a:rPr>
+                        <m:t>𝟐</m:t>
+                      </m:r>
+                      <m:r>
+                        <a:rPr lang="de-DE" b="1" i="1" smtClean="0">
+                          <a:latin typeface="Cambria Math" panose="02040503050406030204" pitchFamily="18" charset="0"/>
+                        </a:rPr>
+                        <m:t> </m:t>
+                      </m:r>
+                      <m:r>
+                        <a:rPr lang="de-DE" b="1" i="1" smtClean="0">
+                          <a:latin typeface="Cambria Math" panose="02040503050406030204" pitchFamily="18" charset="0"/>
+                        </a:rPr>
+                        <m:t>𝒎𝑨</m:t>
+                      </m:r>
+                      <m:r>
+                        <a:rPr lang="de-DE" b="1" i="1" smtClean="0">
+                          <a:latin typeface="Cambria Math" panose="02040503050406030204" pitchFamily="18" charset="0"/>
+                        </a:rPr>
+                        <m:t> &lt;</m:t>
+                      </m:r>
+                      <m:sSub>
+                        <m:sSubPr>
+                          <m:ctrlPr>
+                            <a:rPr lang="de-DE" b="1" i="1">
+                              <a:latin typeface="Cambria Math" panose="02040503050406030204" pitchFamily="18" charset="0"/>
+                            </a:rPr>
+                          </m:ctrlPr>
+                        </m:sSubPr>
+                        <m:e>
+                          <m:acc>
+                            <m:accPr>
+                              <m:chr m:val="̅"/>
+                              <m:ctrlPr>
+                                <a:rPr lang="de-DE" b="1" i="1">
+                                  <a:latin typeface="Cambria Math" panose="02040503050406030204" pitchFamily="18" charset="0"/>
+                                </a:rPr>
+                              </m:ctrlPr>
+                            </m:accPr>
+                            <m:e>
+                              <m:r>
+                                <a:rPr lang="de-DE" b="1" i="1">
+                                  <a:latin typeface="Cambria Math" panose="02040503050406030204" pitchFamily="18" charset="0"/>
+                                </a:rPr>
+                                <m:t>𝑰</m:t>
+                              </m:r>
+                            </m:e>
+                          </m:acc>
+                        </m:e>
+                        <m:sub>
+                          <m:r>
+                            <a:rPr lang="de-DE" b="1" i="1">
+                              <a:latin typeface="Cambria Math" panose="02040503050406030204" pitchFamily="18" charset="0"/>
+                            </a:rPr>
+                            <m:t>𝟎</m:t>
+                          </m:r>
+                          <m:r>
+                            <a:rPr lang="de-DE" b="1" i="1">
+                              <a:latin typeface="Cambria Math" panose="02040503050406030204" pitchFamily="18" charset="0"/>
+                            </a:rPr>
+                            <m:t>,</m:t>
+                          </m:r>
+                          <m:r>
+                            <a:rPr lang="de-DE" b="1" i="1">
+                              <a:latin typeface="Cambria Math" panose="02040503050406030204" pitchFamily="18" charset="0"/>
+                            </a:rPr>
+                            <m:t>𝒌𝒓𝒊𝒕</m:t>
+                          </m:r>
+                        </m:sub>
+                      </m:sSub>
+                    </m:oMath>
+                  </m:oMathPara>
                 </a14:m>
                 <a:endParaRPr lang="de-DE" b="1" i="1" dirty="0"/>
               </a:p>
@@ -16088,7 +15227,7 @@
               <p:cNvPr id="3" name="Inhaltsplatzhalter 2">
                 <a:extLst>
                   <a:ext uri="{FF2B5EF4-FFF2-40B4-BE49-F238E27FC236}">
-                    <a16:creationId xmlns:a16="http://schemas.microsoft.com/office/drawing/2014/main" id="{E010ABB2-3058-5A52-024C-54D6FF97B5D8}"/>
+                    <a16:creationId xmlns:a16="http://schemas.microsoft.com/office/drawing/2014/main" id="{6922E56F-CE09-5816-19E1-3F09ACA5B7CB}"/>
                   </a:ext>
                 </a:extLst>
               </p:cNvPr>
@@ -16101,15 +15240,20 @@
             </p:nvSpPr>
             <p:spPr>
               <a:xfrm>
-                <a:off x="1379524" y="1445220"/>
-                <a:ext cx="10094927" cy="4690468"/>
+                <a:off x="9189046" y="1440000"/>
+                <a:ext cx="2434178" cy="371027"/>
               </a:xfrm>
               <a:blipFill>
                 <a:blip r:embed="rId2"/>
                 <a:stretch>
-                  <a:fillRect l="-1510" t="-1299"/>
+                  <a:fillRect b="-3175"/>
                 </a:stretch>
               </a:blipFill>
+              <a:ln>
+                <a:solidFill>
+                  <a:schemeClr val="tx1"/>
+                </a:solidFill>
+              </a:ln>
             </p:spPr>
             <p:txBody>
               <a:bodyPr/>
@@ -16131,7 +15275,7 @@
           <p:cNvPr id="4" name="Fußzeilenplatzhalter 3">
             <a:extLst>
               <a:ext uri="{FF2B5EF4-FFF2-40B4-BE49-F238E27FC236}">
-                <a16:creationId xmlns:a16="http://schemas.microsoft.com/office/drawing/2014/main" id="{DC5853C3-33F4-1138-48C6-83E274AB34AD}"/>
+                <a16:creationId xmlns:a16="http://schemas.microsoft.com/office/drawing/2014/main" id="{5FD05384-6EAE-5361-BCDC-D7F569BDCECF}"/>
               </a:ext>
             </a:extLst>
           </p:cNvPr>
@@ -16160,7 +15304,7 @@
           <p:cNvPr id="5" name="Foliennummernplatzhalter 4">
             <a:extLst>
               <a:ext uri="{FF2B5EF4-FFF2-40B4-BE49-F238E27FC236}">
-                <a16:creationId xmlns:a16="http://schemas.microsoft.com/office/drawing/2014/main" id="{33B7C3D3-EE58-A6B0-86C1-C25DA6B69546}"/>
+                <a16:creationId xmlns:a16="http://schemas.microsoft.com/office/drawing/2014/main" id="{77125011-2157-3E29-395D-8EBA4FF1E722}"/>
               </a:ext>
             </a:extLst>
           </p:cNvPr>
@@ -16184,42 +15328,6 @@
           </a:p>
         </p:txBody>
       </p:sp>
-      <p:pic>
-        <p:nvPicPr>
-          <p:cNvPr id="19" name="Grafik 18" descr="Ein Bild, das Screenshot, Reihe enthält.&#10;&#10;KI-generierte Inhalte können fehlerhaft sein.">
-            <a:extLst>
-              <a:ext uri="{FF2B5EF4-FFF2-40B4-BE49-F238E27FC236}">
-                <a16:creationId xmlns:a16="http://schemas.microsoft.com/office/drawing/2014/main" id="{9FC57842-BB36-19FC-2CB5-52AE2240D146}"/>
-              </a:ext>
-            </a:extLst>
-          </p:cNvPr>
-          <p:cNvPicPr>
-            <a:picLocks noChangeAspect="1"/>
-          </p:cNvPicPr>
-          <p:nvPr/>
-        </p:nvPicPr>
-        <p:blipFill>
-          <a:blip r:embed="rId3">
-            <a:extLst>
-              <a:ext uri="{28A0092B-C50C-407E-A947-70E740481C1C}">
-                <a14:useLocalDpi xmlns:a14="http://schemas.microsoft.com/office/drawing/2010/main" val="0"/>
-              </a:ext>
-            </a:extLst>
-          </a:blip>
-          <a:stretch>
-            <a:fillRect/>
-          </a:stretch>
-        </p:blipFill>
-        <p:spPr>
-          <a:xfrm>
-            <a:off x="1379524" y="1953382"/>
-            <a:ext cx="7286400" cy="3960000"/>
-          </a:xfrm>
-          <a:prstGeom prst="rect">
-            <a:avLst/>
-          </a:prstGeom>
-        </p:spPr>
-      </p:pic>
       <mc:AlternateContent xmlns:mc="http://schemas.openxmlformats.org/markup-compatibility/2006">
         <mc:Choice xmlns:a14="http://schemas.microsoft.com/office/drawing/2010/main" Requires="a14">
           <p:sp>
@@ -16227,7 +15335,7 @@
               <p:cNvPr id="20" name="Textfeld 19">
                 <a:extLst>
                   <a:ext uri="{FF2B5EF4-FFF2-40B4-BE49-F238E27FC236}">
-                    <a16:creationId xmlns:a16="http://schemas.microsoft.com/office/drawing/2014/main" id="{F955721B-6BA5-D4AF-7EF4-F0729C4400E9}"/>
+                    <a16:creationId xmlns:a16="http://schemas.microsoft.com/office/drawing/2014/main" id="{8FA4B607-9620-2901-CF17-ACF7484C8082}"/>
                   </a:ext>
                 </a:extLst>
               </p:cNvPr>
@@ -16236,8 +15344,8 @@
             </p:nvSpPr>
             <p:spPr>
               <a:xfrm>
-                <a:off x="8746649" y="2615121"/>
-                <a:ext cx="1915600" cy="461665"/>
+                <a:off x="9189046" y="2218936"/>
+                <a:ext cx="1641418" cy="400110"/>
               </a:xfrm>
               <a:prstGeom prst="rect">
                 <a:avLst/>
@@ -16265,7 +15373,7 @@
                       <m:sSub>
                         <m:sSubPr>
                           <m:ctrlPr>
-                            <a:rPr lang="de-DE" sz="2400" b="0" i="1" smtClean="0">
+                            <a:rPr lang="de-DE" sz="2000" b="0" i="1" smtClean="0">
                               <a:latin typeface="Cambria Math" panose="02040503050406030204" pitchFamily="18" charset="0"/>
                             </a:rPr>
                           </m:ctrlPr>
@@ -16275,14 +15383,14 @@
                             <m:accPr>
                               <m:chr m:val="̅"/>
                               <m:ctrlPr>
-                                <a:rPr lang="de-DE" sz="2400" b="0" i="1" smtClean="0">
+                                <a:rPr lang="de-DE" sz="2000" b="0" i="1" smtClean="0">
                                   <a:latin typeface="Cambria Math" panose="02040503050406030204" pitchFamily="18" charset="0"/>
                                 </a:rPr>
                               </m:ctrlPr>
                             </m:accPr>
                             <m:e>
                               <m:r>
-                                <a:rPr lang="de-DE" sz="2400" b="0" i="1" smtClean="0">
+                                <a:rPr lang="de-DE" sz="2000" b="0" i="1" smtClean="0">
                                   <a:latin typeface="Cambria Math" panose="02040503050406030204" pitchFamily="18" charset="0"/>
                                 </a:rPr>
                                 <m:t>𝑈</m:t>
@@ -16292,7 +15400,7 @@
                         </m:e>
                         <m:sub>
                           <m:r>
-                            <a:rPr lang="de-DE" sz="2400" b="0" i="1" smtClean="0">
+                            <a:rPr lang="de-DE" sz="2000" b="0" i="1" smtClean="0">
                               <a:latin typeface="Cambria Math" panose="02040503050406030204" pitchFamily="18" charset="0"/>
                             </a:rPr>
                             <m:t>1</m:t>
@@ -16300,25 +15408,25 @@
                         </m:sub>
                       </m:sSub>
                       <m:r>
-                        <a:rPr lang="de-DE" sz="2400" b="0" i="1" smtClean="0">
+                        <a:rPr lang="de-DE" sz="2000" b="0" i="1" smtClean="0">
                           <a:latin typeface="Cambria Math" panose="02040503050406030204" pitchFamily="18" charset="0"/>
                         </a:rPr>
                         <m:t>=1</m:t>
                       </m:r>
                       <m:r>
-                        <a:rPr lang="de-DE" sz="2400" i="1" smtClean="0">
+                        <a:rPr lang="de-DE" sz="2000" i="1" smtClean="0">
                           <a:latin typeface="Cambria Math" panose="02040503050406030204" pitchFamily="18" charset="0"/>
                         </a:rPr>
                         <m:t>0</m:t>
                       </m:r>
                       <m:r>
-                        <a:rPr lang="de-DE" sz="2400" b="0" i="1" smtClean="0">
+                        <a:rPr lang="de-DE" sz="2000" b="0" i="1" smtClean="0">
                           <a:latin typeface="Cambria Math" panose="02040503050406030204" pitchFamily="18" charset="0"/>
                         </a:rPr>
                         <m:t>.31 </m:t>
                       </m:r>
                       <m:r>
-                        <a:rPr lang="de-DE" sz="2400" b="0" i="1" smtClean="0">
+                        <a:rPr lang="de-DE" sz="2000" b="0" i="1" smtClean="0">
                           <a:latin typeface="Cambria Math" panose="02040503050406030204" pitchFamily="18" charset="0"/>
                         </a:rPr>
                         <m:t>𝑉</m:t>
@@ -16326,7 +15434,7 @@
                     </m:oMath>
                   </m:oMathPara>
                 </a14:m>
-                <a:endParaRPr lang="de-DE" sz="2400" i="1" dirty="0"/>
+                <a:endParaRPr lang="de-DE" sz="2000" i="1" dirty="0"/>
               </a:p>
             </p:txBody>
           </p:sp>
@@ -16337,7 +15445,7 @@
               <p:cNvPr id="20" name="Textfeld 19">
                 <a:extLst>
                   <a:ext uri="{FF2B5EF4-FFF2-40B4-BE49-F238E27FC236}">
-                    <a16:creationId xmlns:a16="http://schemas.microsoft.com/office/drawing/2014/main" id="{F955721B-6BA5-D4AF-7EF4-F0729C4400E9}"/>
+                    <a16:creationId xmlns:a16="http://schemas.microsoft.com/office/drawing/2014/main" id="{8FA4B607-9620-2901-CF17-ACF7484C8082}"/>
                   </a:ext>
                 </a:extLst>
               </p:cNvPr>
@@ -16348,16 +15456,405 @@
             </p:nvSpPr>
             <p:spPr>
               <a:xfrm>
-                <a:off x="8746649" y="2615121"/>
-                <a:ext cx="1915600" cy="461665"/>
+                <a:off x="9189046" y="2218936"/>
+                <a:ext cx="1641418" cy="400110"/>
               </a:xfrm>
               <a:prstGeom prst="rect">
                 <a:avLst/>
               </a:prstGeom>
               <a:blipFill>
-                <a:blip r:embed="rId4"/>
+                <a:blip r:embed="rId3"/>
                 <a:stretch>
-                  <a:fillRect l="-316" b="-1282"/>
+                  <a:fillRect/>
+                </a:stretch>
+              </a:blipFill>
+              <a:ln>
+                <a:solidFill>
+                  <a:schemeClr val="tx1"/>
+                </a:solidFill>
+              </a:ln>
+            </p:spPr>
+            <p:txBody>
+              <a:bodyPr/>
+              <a:lstStyle/>
+              <a:p>
+                <a:r>
+                  <a:rPr lang="de-DE">
+                    <a:noFill/>
+                  </a:rPr>
+                  <a:t> </a:t>
+                </a:r>
+              </a:p>
+            </p:txBody>
+          </p:sp>
+        </mc:Fallback>
+      </mc:AlternateContent>
+      <p:pic>
+        <p:nvPicPr>
+          <p:cNvPr id="7" name="Grafik 6" descr="Ein Bild, das Text, Reihe, Diagramm, Screenshot enthält.&#10;&#10;KI-generierte Inhalte können fehlerhaft sein.">
+            <a:extLst>
+              <a:ext uri="{FF2B5EF4-FFF2-40B4-BE49-F238E27FC236}">
+                <a16:creationId xmlns:a16="http://schemas.microsoft.com/office/drawing/2014/main" id="{576F2273-189C-6793-FB5A-B4378A79218D}"/>
+              </a:ext>
+            </a:extLst>
+          </p:cNvPr>
+          <p:cNvPicPr>
+            <a:picLocks noChangeAspect="1"/>
+          </p:cNvPicPr>
+          <p:nvPr/>
+        </p:nvPicPr>
+        <p:blipFill>
+          <a:blip r:embed="rId4">
+            <a:extLst>
+              <a:ext uri="{28A0092B-C50C-407E-A947-70E740481C1C}">
+                <a14:useLocalDpi xmlns:a14="http://schemas.microsoft.com/office/drawing/2010/main" val="0"/>
+              </a:ext>
+            </a:extLst>
+          </a:blip>
+          <a:stretch>
+            <a:fillRect/>
+          </a:stretch>
+        </p:blipFill>
+        <p:spPr>
+          <a:xfrm>
+            <a:off x="406788" y="1264066"/>
+            <a:ext cx="8678383" cy="4776318"/>
+          </a:xfrm>
+          <a:prstGeom prst="rect">
+            <a:avLst/>
+          </a:prstGeom>
+        </p:spPr>
+      </p:pic>
+      <mc:AlternateContent xmlns:mc="http://schemas.openxmlformats.org/markup-compatibility/2006">
+        <mc:Choice xmlns:a14="http://schemas.microsoft.com/office/drawing/2010/main" Requires="a14">
+          <p:sp>
+            <p:nvSpPr>
+              <p:cNvPr id="9" name="Textfeld 8">
+                <a:extLst>
+                  <a:ext uri="{FF2B5EF4-FFF2-40B4-BE49-F238E27FC236}">
+                    <a16:creationId xmlns:a16="http://schemas.microsoft.com/office/drawing/2014/main" id="{F735AF9A-8B82-543A-4066-421ABE977C8C}"/>
+                  </a:ext>
+                </a:extLst>
+              </p:cNvPr>
+              <p:cNvSpPr txBox="1"/>
+              <p:nvPr/>
+            </p:nvSpPr>
+            <p:spPr>
+              <a:xfrm>
+                <a:off x="9189046" y="5006841"/>
+                <a:ext cx="1719056" cy="400110"/>
+              </a:xfrm>
+              <a:prstGeom prst="rect">
+                <a:avLst/>
+              </a:prstGeom>
+              <a:noFill/>
+              <a:ln>
+                <a:solidFill>
+                  <a:schemeClr val="tx1"/>
+                </a:solidFill>
+              </a:ln>
+            </p:spPr>
+            <p:txBody>
+              <a:bodyPr wrap="square" rtlCol="0">
+                <a:spAutoFit/>
+              </a:bodyPr>
+              <a:lstStyle/>
+              <a:p>
+                <a:pPr/>
+                <a14:m>
+                  <m:oMathPara xmlns:m="http://schemas.openxmlformats.org/officeDocument/2006/math">
+                    <m:oMathParaPr>
+                      <m:jc m:val="centerGroup"/>
+                    </m:oMathParaPr>
+                    <m:oMath xmlns:m="http://schemas.openxmlformats.org/officeDocument/2006/math">
+                      <m:sSub>
+                        <m:sSubPr>
+                          <m:ctrlPr>
+                            <a:rPr lang="de-DE" sz="2000" b="0" i="1" smtClean="0">
+                              <a:latin typeface="Cambria Math" panose="02040503050406030204" pitchFamily="18" charset="0"/>
+                            </a:rPr>
+                          </m:ctrlPr>
+                        </m:sSubPr>
+                        <m:e>
+                          <m:acc>
+                            <m:accPr>
+                              <m:chr m:val="̅"/>
+                              <m:ctrlPr>
+                                <a:rPr lang="de-DE" sz="2000" b="0" i="1" smtClean="0">
+                                  <a:latin typeface="Cambria Math" panose="02040503050406030204" pitchFamily="18" charset="0"/>
+                                </a:rPr>
+                              </m:ctrlPr>
+                            </m:accPr>
+                            <m:e>
+                              <m:r>
+                                <a:rPr lang="de-DE" sz="2000" b="0" i="1" smtClean="0">
+                                  <a:latin typeface="Cambria Math" panose="02040503050406030204" pitchFamily="18" charset="0"/>
+                                </a:rPr>
+                                <m:t>𝑈</m:t>
+                              </m:r>
+                            </m:e>
+                          </m:acc>
+                        </m:e>
+                        <m:sub>
+                          <m:r>
+                            <a:rPr lang="de-DE" sz="2000" b="0" i="1" smtClean="0">
+                              <a:latin typeface="Cambria Math" panose="02040503050406030204" pitchFamily="18" charset="0"/>
+                            </a:rPr>
+                            <m:t>2</m:t>
+                          </m:r>
+                        </m:sub>
+                      </m:sSub>
+                      <m:r>
+                        <a:rPr lang="de-DE" sz="2000" b="0" i="1" smtClean="0">
+                          <a:latin typeface="Cambria Math" panose="02040503050406030204" pitchFamily="18" charset="0"/>
+                        </a:rPr>
+                        <m:t>=−</m:t>
+                      </m:r>
+                      <m:r>
+                        <a:rPr lang="de-DE" sz="2000" i="1" smtClean="0">
+                          <a:latin typeface="Cambria Math" panose="02040503050406030204" pitchFamily="18" charset="0"/>
+                        </a:rPr>
+                        <m:t>0</m:t>
+                      </m:r>
+                      <m:r>
+                        <a:rPr lang="de-DE" sz="2000" b="0" i="1" smtClean="0">
+                          <a:latin typeface="Cambria Math" panose="02040503050406030204" pitchFamily="18" charset="0"/>
+                        </a:rPr>
+                        <m:t>.31 </m:t>
+                      </m:r>
+                      <m:r>
+                        <a:rPr lang="de-DE" sz="2000" b="0" i="1" smtClean="0">
+                          <a:latin typeface="Cambria Math" panose="02040503050406030204" pitchFamily="18" charset="0"/>
+                        </a:rPr>
+                        <m:t>𝑉</m:t>
+                      </m:r>
+                    </m:oMath>
+                  </m:oMathPara>
+                </a14:m>
+                <a:endParaRPr lang="de-DE" sz="2000" i="1" dirty="0"/>
+              </a:p>
+            </p:txBody>
+          </p:sp>
+        </mc:Choice>
+        <mc:Fallback>
+          <p:sp>
+            <p:nvSpPr>
+              <p:cNvPr id="9" name="Textfeld 8">
+                <a:extLst>
+                  <a:ext uri="{FF2B5EF4-FFF2-40B4-BE49-F238E27FC236}">
+                    <a16:creationId xmlns:a16="http://schemas.microsoft.com/office/drawing/2014/main" id="{F735AF9A-8B82-543A-4066-421ABE977C8C}"/>
+                  </a:ext>
+                </a:extLst>
+              </p:cNvPr>
+              <p:cNvSpPr txBox="1">
+                <a:spLocks noRot="1" noChangeAspect="1" noMove="1" noResize="1" noEditPoints="1" noAdjustHandles="1" noChangeArrowheads="1" noChangeShapeType="1" noTextEdit="1"/>
+              </p:cNvSpPr>
+              <p:nvPr/>
+            </p:nvSpPr>
+            <p:spPr>
+              <a:xfrm>
+                <a:off x="9189046" y="5006841"/>
+                <a:ext cx="1719056" cy="400110"/>
+              </a:xfrm>
+              <a:prstGeom prst="rect">
+                <a:avLst/>
+              </a:prstGeom>
+              <a:blipFill>
+                <a:blip r:embed="rId5"/>
+                <a:stretch>
+                  <a:fillRect b="-1471"/>
+                </a:stretch>
+              </a:blipFill>
+              <a:ln>
+                <a:solidFill>
+                  <a:schemeClr val="tx1"/>
+                </a:solidFill>
+              </a:ln>
+            </p:spPr>
+            <p:txBody>
+              <a:bodyPr/>
+              <a:lstStyle/>
+              <a:p>
+                <a:r>
+                  <a:rPr lang="de-DE">
+                    <a:noFill/>
+                  </a:rPr>
+                  <a:t> </a:t>
+                </a:r>
+              </a:p>
+            </p:txBody>
+          </p:sp>
+        </mc:Fallback>
+      </mc:AlternateContent>
+      <mc:AlternateContent xmlns:mc="http://schemas.openxmlformats.org/markup-compatibility/2006">
+        <mc:Choice xmlns:a14="http://schemas.microsoft.com/office/drawing/2010/main" Requires="a14">
+          <p:sp>
+            <p:nvSpPr>
+              <p:cNvPr id="10" name="Textfeld 9">
+                <a:extLst>
+                  <a:ext uri="{FF2B5EF4-FFF2-40B4-BE49-F238E27FC236}">
+                    <a16:creationId xmlns:a16="http://schemas.microsoft.com/office/drawing/2014/main" id="{21B7270B-1622-CDD1-DB6E-C1EC9722970F}"/>
+                  </a:ext>
+                </a:extLst>
+              </p:cNvPr>
+              <p:cNvSpPr txBox="1"/>
+              <p:nvPr/>
+            </p:nvSpPr>
+            <p:spPr>
+              <a:xfrm>
+                <a:off x="9189046" y="4422064"/>
+                <a:ext cx="1915600" cy="400110"/>
+              </a:xfrm>
+              <a:prstGeom prst="rect">
+                <a:avLst/>
+              </a:prstGeom>
+              <a:noFill/>
+              <a:ln>
+                <a:solidFill>
+                  <a:schemeClr val="tx1"/>
+                </a:solidFill>
+              </a:ln>
+            </p:spPr>
+            <p:txBody>
+              <a:bodyPr wrap="square" rtlCol="0">
+                <a:spAutoFit/>
+              </a:bodyPr>
+              <a:lstStyle/>
+              <a:p>
+                <a:pPr/>
+                <a14:m>
+                  <m:oMathPara xmlns:m="http://schemas.openxmlformats.org/officeDocument/2006/math">
+                    <m:oMathParaPr>
+                      <m:jc m:val="centerGroup"/>
+                    </m:oMathParaPr>
+                    <m:oMath xmlns:m="http://schemas.openxmlformats.org/officeDocument/2006/math">
+                      <m:sSub>
+                        <m:sSubPr>
+                          <m:ctrlPr>
+                            <a:rPr lang="de-DE" sz="2000" i="1">
+                              <a:latin typeface="Cambria Math" panose="02040503050406030204" pitchFamily="18" charset="0"/>
+                            </a:rPr>
+                          </m:ctrlPr>
+                        </m:sSubPr>
+                        <m:e>
+                          <m:acc>
+                            <m:accPr>
+                              <m:chr m:val="̅"/>
+                              <m:ctrlPr>
+                                <a:rPr lang="de-DE" sz="2000" i="1">
+                                  <a:latin typeface="Cambria Math" panose="02040503050406030204" pitchFamily="18" charset="0"/>
+                                </a:rPr>
+                              </m:ctrlPr>
+                            </m:accPr>
+                            <m:e>
+                              <m:r>
+                                <a:rPr lang="de-DE" sz="2000" i="1">
+                                  <a:latin typeface="Cambria Math" panose="02040503050406030204" pitchFamily="18" charset="0"/>
+                                </a:rPr>
+                                <m:t>𝐼</m:t>
+                              </m:r>
+                            </m:e>
+                          </m:acc>
+                        </m:e>
+                        <m:sub>
+                          <m:r>
+                            <a:rPr lang="de-DE" sz="2000" b="0" i="1" smtClean="0">
+                              <a:latin typeface="Cambria Math" panose="02040503050406030204" pitchFamily="18" charset="0"/>
+                            </a:rPr>
+                            <m:t>𝐿</m:t>
+                          </m:r>
+                        </m:sub>
+                      </m:sSub>
+                      <m:r>
+                        <a:rPr lang="de-DE" sz="2000" b="0" i="1" smtClean="0">
+                          <a:latin typeface="Cambria Math" panose="02040503050406030204" pitchFamily="18" charset="0"/>
+                        </a:rPr>
+                        <m:t>=</m:t>
+                      </m:r>
+                      <m:sSub>
+                        <m:sSubPr>
+                          <m:ctrlPr>
+                            <a:rPr lang="de-DE" sz="2000" i="1">
+                              <a:latin typeface="Cambria Math" panose="02040503050406030204" pitchFamily="18" charset="0"/>
+                            </a:rPr>
+                          </m:ctrlPr>
+                        </m:sSubPr>
+                        <m:e>
+                          <m:acc>
+                            <m:accPr>
+                              <m:chr m:val="̅"/>
+                              <m:ctrlPr>
+                                <a:rPr lang="de-DE" sz="2000" i="1">
+                                  <a:latin typeface="Cambria Math" panose="02040503050406030204" pitchFamily="18" charset="0"/>
+                                </a:rPr>
+                              </m:ctrlPr>
+                            </m:accPr>
+                            <m:e>
+                              <m:r>
+                                <a:rPr lang="de-DE" sz="2000" i="1">
+                                  <a:latin typeface="Cambria Math" panose="02040503050406030204" pitchFamily="18" charset="0"/>
+                                </a:rPr>
+                                <m:t>𝐼</m:t>
+                              </m:r>
+                            </m:e>
+                          </m:acc>
+                        </m:e>
+                        <m:sub>
+                          <m:r>
+                            <a:rPr lang="de-DE" sz="2000" b="0" i="1" smtClean="0">
+                              <a:latin typeface="Cambria Math" panose="02040503050406030204" pitchFamily="18" charset="0"/>
+                            </a:rPr>
+                            <m:t>0</m:t>
+                          </m:r>
+                        </m:sub>
+                      </m:sSub>
+                      <m:r>
+                        <a:rPr lang="de-DE" sz="2000" b="0" i="1" smtClean="0">
+                          <a:latin typeface="Cambria Math" panose="02040503050406030204" pitchFamily="18" charset="0"/>
+                        </a:rPr>
+                        <m:t>=2 </m:t>
+                      </m:r>
+                      <m:r>
+                        <a:rPr lang="de-DE" sz="2000" b="0" i="1" smtClean="0">
+                          <a:latin typeface="Cambria Math" panose="02040503050406030204" pitchFamily="18" charset="0"/>
+                        </a:rPr>
+                        <m:t>𝑚𝐴</m:t>
+                      </m:r>
+                    </m:oMath>
+                  </m:oMathPara>
+                </a14:m>
+                <a:endParaRPr lang="de-DE" sz="2000" i="1" dirty="0"/>
+              </a:p>
+            </p:txBody>
+          </p:sp>
+        </mc:Choice>
+        <mc:Fallback>
+          <p:sp>
+            <p:nvSpPr>
+              <p:cNvPr id="10" name="Textfeld 9">
+                <a:extLst>
+                  <a:ext uri="{FF2B5EF4-FFF2-40B4-BE49-F238E27FC236}">
+                    <a16:creationId xmlns:a16="http://schemas.microsoft.com/office/drawing/2014/main" id="{21B7270B-1622-CDD1-DB6E-C1EC9722970F}"/>
+                  </a:ext>
+                </a:extLst>
+              </p:cNvPr>
+              <p:cNvSpPr txBox="1">
+                <a:spLocks noRot="1" noChangeAspect="1" noMove="1" noResize="1" noEditPoints="1" noAdjustHandles="1" noChangeArrowheads="1" noChangeShapeType="1" noTextEdit="1"/>
+              </p:cNvSpPr>
+              <p:nvPr/>
+            </p:nvSpPr>
+            <p:spPr>
+              <a:xfrm>
+                <a:off x="9189046" y="4422064"/>
+                <a:ext cx="1915600" cy="400110"/>
+              </a:xfrm>
+              <a:prstGeom prst="rect">
+                <a:avLst/>
+              </a:prstGeom>
+              <a:blipFill>
+                <a:blip r:embed="rId6"/>
+                <a:stretch>
+                  <a:fillRect b="-1471"/>
                 </a:stretch>
               </a:blipFill>
               <a:ln>
@@ -16384,7 +15881,7 @@
     </p:spTree>
     <p:extLst>
       <p:ext uri="{BB962C8B-B14F-4D97-AF65-F5344CB8AC3E}">
-        <p14:creationId xmlns:p14="http://schemas.microsoft.com/office/powerpoint/2010/main" val="1420216212"/>
+        <p14:creationId xmlns:p14="http://schemas.microsoft.com/office/powerpoint/2010/main" val="778541071"/>
       </p:ext>
     </p:extLst>
   </p:cSld>
@@ -16402,7 +15899,7 @@
         <p:cNvPr id="1" name="">
           <a:extLst>
             <a:ext uri="{FF2B5EF4-FFF2-40B4-BE49-F238E27FC236}">
-              <a16:creationId xmlns:a16="http://schemas.microsoft.com/office/drawing/2014/main" id="{82CD4B29-11BD-6FAA-2D62-1BF0079FCA8F}"/>
+              <a16:creationId xmlns:a16="http://schemas.microsoft.com/office/drawing/2014/main" id="{85AD054F-5114-7560-A8EB-31721C46010F}"/>
             </a:ext>
           </a:extLst>
         </p:cNvPr>
@@ -16422,7 +15919,7 @@
           <p:cNvPr id="2" name="Titel 1">
             <a:extLst>
               <a:ext uri="{FF2B5EF4-FFF2-40B4-BE49-F238E27FC236}">
-                <a16:creationId xmlns:a16="http://schemas.microsoft.com/office/drawing/2014/main" id="{4C65B9D5-4254-043D-97D2-39167D1F94D8}"/>
+                <a16:creationId xmlns:a16="http://schemas.microsoft.com/office/drawing/2014/main" id="{01986A89-3942-E98D-D6A9-AA7443CC70E2}"/>
               </a:ext>
             </a:extLst>
           </p:cNvPr>
@@ -16454,7 +15951,7 @@
           <p:cNvPr id="4" name="Fußzeilenplatzhalter 3">
             <a:extLst>
               <a:ext uri="{FF2B5EF4-FFF2-40B4-BE49-F238E27FC236}">
-                <a16:creationId xmlns:a16="http://schemas.microsoft.com/office/drawing/2014/main" id="{89ECF4D0-C173-B14A-5963-FA2EDE30C1C1}"/>
+                <a16:creationId xmlns:a16="http://schemas.microsoft.com/office/drawing/2014/main" id="{2ACA0057-9436-9A4E-F45B-59116793B4DF}"/>
               </a:ext>
             </a:extLst>
           </p:cNvPr>
@@ -16483,7 +15980,7 @@
           <p:cNvPr id="5" name="Foliennummernplatzhalter 4">
             <a:extLst>
               <a:ext uri="{FF2B5EF4-FFF2-40B4-BE49-F238E27FC236}">
-                <a16:creationId xmlns:a16="http://schemas.microsoft.com/office/drawing/2014/main" id="{D5AD5DFF-0BE4-D3A9-CEFC-2AA51FA20BC8}"/>
+                <a16:creationId xmlns:a16="http://schemas.microsoft.com/office/drawing/2014/main" id="{CC45B8F3-E7F9-3614-78D9-94308EEFC298}"/>
               </a:ext>
             </a:extLst>
           </p:cNvPr>
@@ -16507,65 +16004,29 @@
           </a:p>
         </p:txBody>
       </p:sp>
-      <p:pic>
-        <p:nvPicPr>
-          <p:cNvPr id="7" name="Grafik 6" descr="Ein Bild, das Screenshot, Display enthält.&#10;&#10;KI-generierte Inhalte können fehlerhaft sein.">
-            <a:extLst>
-              <a:ext uri="{FF2B5EF4-FFF2-40B4-BE49-F238E27FC236}">
-                <a16:creationId xmlns:a16="http://schemas.microsoft.com/office/drawing/2014/main" id="{CCA91063-7B87-7B42-D235-3E655765EBCE}"/>
-              </a:ext>
-            </a:extLst>
-          </p:cNvPr>
-          <p:cNvPicPr>
-            <a:picLocks noChangeAspect="1"/>
-          </p:cNvPicPr>
-          <p:nvPr/>
-        </p:nvPicPr>
-        <p:blipFill>
-          <a:blip r:embed="rId2">
-            <a:extLst>
-              <a:ext uri="{28A0092B-C50C-407E-A947-70E740481C1C}">
-                <a14:useLocalDpi xmlns:a14="http://schemas.microsoft.com/office/drawing/2010/main" val="0"/>
-              </a:ext>
-            </a:extLst>
-          </a:blip>
-          <a:stretch>
-            <a:fillRect/>
-          </a:stretch>
-        </p:blipFill>
-        <p:spPr>
-          <a:xfrm>
-            <a:off x="1378800" y="1954799"/>
-            <a:ext cx="7323359" cy="3960000"/>
-          </a:xfrm>
-          <a:prstGeom prst="rect">
-            <a:avLst/>
-          </a:prstGeom>
-        </p:spPr>
-      </p:pic>
-      <mc:AlternateContent xmlns:mc="http://schemas.openxmlformats.org/markup-compatibility/2006" xmlns:a14="http://schemas.microsoft.com/office/drawing/2010/main">
-        <mc:Choice Requires="a14">
+      <mc:AlternateContent xmlns:mc="http://schemas.openxmlformats.org/markup-compatibility/2006">
+        <mc:Choice xmlns:a14="http://schemas.microsoft.com/office/drawing/2010/main" Requires="a14">
           <p:sp>
             <p:nvSpPr>
-              <p:cNvPr id="8" name="Textfeld 7">
+              <p:cNvPr id="9" name="Inhaltsplatzhalter 2">
                 <a:extLst>
                   <a:ext uri="{FF2B5EF4-FFF2-40B4-BE49-F238E27FC236}">
-                    <a16:creationId xmlns:a16="http://schemas.microsoft.com/office/drawing/2014/main" id="{BEDD7761-134F-F628-FF91-3702934BE667}"/>
+                    <a16:creationId xmlns:a16="http://schemas.microsoft.com/office/drawing/2014/main" id="{EEBF649D-A9C8-3731-CCFF-A47C586DCB28}"/>
                   </a:ext>
                 </a:extLst>
               </p:cNvPr>
-              <p:cNvSpPr txBox="1"/>
-              <p:nvPr/>
+              <p:cNvSpPr>
+                <a:spLocks noGrp="1"/>
+              </p:cNvSpPr>
+              <p:nvPr>
+                <p:ph idx="1"/>
+              </p:nvPr>
             </p:nvSpPr>
             <p:spPr>
               <a:xfrm>
-                <a:off x="8802068" y="5312139"/>
-                <a:ext cx="2011132" cy="461665"/>
+                <a:off x="9648000" y="1440000"/>
+                <a:ext cx="1380939" cy="390271"/>
               </a:xfrm>
-              <a:prstGeom prst="rect">
-                <a:avLst/>
-              </a:prstGeom>
-              <a:noFill/>
               <a:ln>
                 <a:solidFill>
                   <a:schemeClr val="tx1"/>
@@ -16573,12 +16034,12 @@
               </a:ln>
             </p:spPr>
             <p:txBody>
-              <a:bodyPr wrap="square" rtlCol="0">
-                <a:spAutoFit/>
-              </a:bodyPr>
+              <a:bodyPr anchor="t"/>
               <a:lstStyle/>
               <a:p>
-                <a:pPr/>
+                <a:pPr>
+                  <a:buNone/>
+                </a:pPr>
                 <a14:m>
                   <m:oMathPara xmlns:m="http://schemas.openxmlformats.org/officeDocument/2006/math">
                     <m:oMathParaPr>
@@ -16588,7 +16049,7 @@
                       <m:sSub>
                         <m:sSubPr>
                           <m:ctrlPr>
-                            <a:rPr lang="de-DE" sz="2400" b="0" i="1" smtClean="0">
+                            <a:rPr lang="de-DE" b="1" i="1">
                               <a:latin typeface="Cambria Math" panose="02040503050406030204" pitchFamily="18" charset="0"/>
                             </a:rPr>
                           </m:ctrlPr>
@@ -16598,89 +16059,119 @@
                             <m:accPr>
                               <m:chr m:val="̅"/>
                               <m:ctrlPr>
-                                <a:rPr lang="de-DE" sz="2400" b="0" i="1" smtClean="0">
+                                <a:rPr lang="de-DE" b="1" i="1">
                                   <a:latin typeface="Cambria Math" panose="02040503050406030204" pitchFamily="18" charset="0"/>
                                 </a:rPr>
                               </m:ctrlPr>
                             </m:accPr>
                             <m:e>
                               <m:r>
-                                <a:rPr lang="de-DE" sz="2400" b="0" i="1" smtClean="0">
+                                <a:rPr lang="de-DE" b="1" i="1">
                                   <a:latin typeface="Cambria Math" panose="02040503050406030204" pitchFamily="18" charset="0"/>
                                 </a:rPr>
-                                <m:t>𝑈</m:t>
+                                <m:t>𝑰</m:t>
                               </m:r>
                             </m:e>
                           </m:acc>
                         </m:e>
                         <m:sub>
                           <m:r>
-                            <a:rPr lang="de-DE" sz="2400" b="0" i="1" smtClean="0">
+                            <a:rPr lang="de-DE" b="1" i="1">
                               <a:latin typeface="Cambria Math" panose="02040503050406030204" pitchFamily="18" charset="0"/>
                             </a:rPr>
-                            <m:t>2</m:t>
+                            <m:t>𝟎</m:t>
                           </m:r>
                         </m:sub>
                       </m:sSub>
                       <m:r>
-                        <a:rPr lang="de-DE" sz="2400" b="0" i="1" smtClean="0">
+                        <a:rPr lang="de-DE" b="1" i="1" smtClean="0">
                           <a:latin typeface="Cambria Math" panose="02040503050406030204" pitchFamily="18" charset="0"/>
                         </a:rPr>
-                        <m:t>=−</m:t>
+                        <m:t>&gt;</m:t>
                       </m:r>
-                      <m:r>
-                        <a:rPr lang="de-DE" sz="2400" i="1" smtClean="0">
-                          <a:latin typeface="Cambria Math" panose="02040503050406030204" pitchFamily="18" charset="0"/>
-                        </a:rPr>
-                        <m:t>0</m:t>
-                      </m:r>
-                      <m:r>
-                        <a:rPr lang="de-DE" sz="2400" b="0" i="1" smtClean="0">
-                          <a:latin typeface="Cambria Math" panose="02040503050406030204" pitchFamily="18" charset="0"/>
-                        </a:rPr>
-                        <m:t>.31 </m:t>
-                      </m:r>
-                      <m:r>
-                        <a:rPr lang="de-DE" sz="2400" b="0" i="1" smtClean="0">
-                          <a:latin typeface="Cambria Math" panose="02040503050406030204" pitchFamily="18" charset="0"/>
-                        </a:rPr>
-                        <m:t>𝑉</m:t>
-                      </m:r>
+                      <m:sSub>
+                        <m:sSubPr>
+                          <m:ctrlPr>
+                            <a:rPr lang="de-DE" b="1" i="1">
+                              <a:latin typeface="Cambria Math" panose="02040503050406030204" pitchFamily="18" charset="0"/>
+                            </a:rPr>
+                          </m:ctrlPr>
+                        </m:sSubPr>
+                        <m:e>
+                          <m:acc>
+                            <m:accPr>
+                              <m:chr m:val="̅"/>
+                              <m:ctrlPr>
+                                <a:rPr lang="de-DE" b="1" i="1">
+                                  <a:latin typeface="Cambria Math" panose="02040503050406030204" pitchFamily="18" charset="0"/>
+                                </a:rPr>
+                              </m:ctrlPr>
+                            </m:accPr>
+                            <m:e>
+                              <m:r>
+                                <a:rPr lang="de-DE" b="1" i="1">
+                                  <a:latin typeface="Cambria Math" panose="02040503050406030204" pitchFamily="18" charset="0"/>
+                                </a:rPr>
+                                <m:t>𝑰</m:t>
+                              </m:r>
+                            </m:e>
+                          </m:acc>
+                        </m:e>
+                        <m:sub>
+                          <m:r>
+                            <a:rPr lang="de-DE" b="1" i="1">
+                              <a:latin typeface="Cambria Math" panose="02040503050406030204" pitchFamily="18" charset="0"/>
+                            </a:rPr>
+                            <m:t>𝟎</m:t>
+                          </m:r>
+                          <m:r>
+                            <a:rPr lang="de-DE" b="1" i="1">
+                              <a:latin typeface="Cambria Math" panose="02040503050406030204" pitchFamily="18" charset="0"/>
+                            </a:rPr>
+                            <m:t>,</m:t>
+                          </m:r>
+                          <m:r>
+                            <a:rPr lang="de-DE" b="1" i="1">
+                              <a:latin typeface="Cambria Math" panose="02040503050406030204" pitchFamily="18" charset="0"/>
+                            </a:rPr>
+                            <m:t>𝒌𝒓𝒊𝒕</m:t>
+                          </m:r>
+                        </m:sub>
+                      </m:sSub>
                     </m:oMath>
                   </m:oMathPara>
                 </a14:m>
-                <a:endParaRPr lang="de-DE" sz="2400" i="1" dirty="0"/>
+                <a:endParaRPr lang="de-DE" b="1" i="1" dirty="0"/>
               </a:p>
             </p:txBody>
           </p:sp>
         </mc:Choice>
-        <mc:Fallback xmlns="">
+        <mc:Fallback>
           <p:sp>
             <p:nvSpPr>
-              <p:cNvPr id="8" name="Textfeld 7">
+              <p:cNvPr id="9" name="Inhaltsplatzhalter 2">
                 <a:extLst>
                   <a:ext uri="{FF2B5EF4-FFF2-40B4-BE49-F238E27FC236}">
-                    <a16:creationId xmlns:a16="http://schemas.microsoft.com/office/drawing/2014/main" id="{BEDD7761-134F-F628-FF91-3702934BE667}"/>
+                    <a16:creationId xmlns:a16="http://schemas.microsoft.com/office/drawing/2014/main" id="{EEBF649D-A9C8-3731-CCFF-A47C586DCB28}"/>
                   </a:ext>
                 </a:extLst>
               </p:cNvPr>
-              <p:cNvSpPr txBox="1">
-                <a:spLocks noRot="1" noChangeAspect="1" noMove="1" noResize="1" noEditPoints="1" noAdjustHandles="1" noChangeArrowheads="1" noChangeShapeType="1" noTextEdit="1"/>
+              <p:cNvSpPr>
+                <a:spLocks noGrp="1" noRot="1" noChangeAspect="1" noMove="1" noResize="1" noEditPoints="1" noAdjustHandles="1" noChangeArrowheads="1" noChangeShapeType="1" noTextEdit="1"/>
               </p:cNvSpPr>
-              <p:nvPr/>
+              <p:nvPr>
+                <p:ph idx="1"/>
+              </p:nvPr>
             </p:nvSpPr>
             <p:spPr>
               <a:xfrm>
-                <a:off x="8802068" y="5312139"/>
-                <a:ext cx="2011132" cy="461665"/>
+                <a:off x="9648000" y="1440000"/>
+                <a:ext cx="1380939" cy="390271"/>
               </a:xfrm>
-              <a:prstGeom prst="rect">
-                <a:avLst/>
-              </a:prstGeom>
               <a:blipFill>
-                <a:blip r:embed="rId4"/>
+                <a:blip r:embed="rId2"/>
                 <a:stretch>
-                  <a:fillRect b="-2564"/>
+                  <a:fillRect/>
                 </a:stretch>
               </a:blipFill>
               <a:ln>
@@ -16704,6 +16195,204 @@
           </p:sp>
         </mc:Fallback>
       </mc:AlternateContent>
+      <p:pic>
+        <p:nvPicPr>
+          <p:cNvPr id="14" name="Grafik 13" descr="Ein Bild, das Text, Diagramm, Reihe enthält.&#10;&#10;KI-generierte Inhalte können fehlerhaft sein.">
+            <a:extLst>
+              <a:ext uri="{FF2B5EF4-FFF2-40B4-BE49-F238E27FC236}">
+                <a16:creationId xmlns:a16="http://schemas.microsoft.com/office/drawing/2014/main" id="{FA93D682-3859-E82D-0288-BA72D9BC45C9}"/>
+              </a:ext>
+            </a:extLst>
+          </p:cNvPr>
+          <p:cNvPicPr>
+            <a:picLocks noChangeAspect="1"/>
+          </p:cNvPicPr>
+          <p:nvPr/>
+        </p:nvPicPr>
+        <p:blipFill>
+          <a:blip r:embed="rId3">
+            <a:extLst>
+              <a:ext uri="{28A0092B-C50C-407E-A947-70E740481C1C}">
+                <a14:useLocalDpi xmlns:a14="http://schemas.microsoft.com/office/drawing/2010/main" val="0"/>
+              </a:ext>
+            </a:extLst>
+          </a:blip>
+          <a:stretch>
+            <a:fillRect/>
+          </a:stretch>
+        </p:blipFill>
+        <p:spPr>
+          <a:xfrm>
+            <a:off x="406800" y="1263600"/>
+            <a:ext cx="8558446" cy="4777200"/>
+          </a:xfrm>
+          <a:prstGeom prst="rect">
+            <a:avLst/>
+          </a:prstGeom>
+        </p:spPr>
+      </p:pic>
+    </p:spTree>
+    <p:extLst>
+      <p:ext uri="{BB962C8B-B14F-4D97-AF65-F5344CB8AC3E}">
+        <p14:creationId xmlns:p14="http://schemas.microsoft.com/office/powerpoint/2010/main" val="1821834717"/>
+      </p:ext>
+    </p:extLst>
+  </p:cSld>
+  <p:clrMapOvr>
+    <a:masterClrMapping/>
+  </p:clrMapOvr>
+</p:sld>
+</file>
+
+<file path=ppt/slides/slide9.xml><?xml version="1.0" encoding="utf-8"?>
+<p:sld xmlns:a="http://schemas.openxmlformats.org/drawingml/2006/main" xmlns:r="http://schemas.openxmlformats.org/officeDocument/2006/relationships" xmlns:p="http://schemas.openxmlformats.org/presentationml/2006/main">
+  <p:cSld>
+    <p:spTree>
+      <p:nvGrpSpPr>
+        <p:cNvPr id="1" name="">
+          <a:extLst>
+            <a:ext uri="{FF2B5EF4-FFF2-40B4-BE49-F238E27FC236}">
+              <a16:creationId xmlns:a16="http://schemas.microsoft.com/office/drawing/2014/main" id="{1F1BF3A1-64D9-A6A8-D4D5-92D5DAA396D4}"/>
+            </a:ext>
+          </a:extLst>
+        </p:cNvPr>
+        <p:cNvGrpSpPr/>
+        <p:nvPr/>
+      </p:nvGrpSpPr>
+      <p:grpSpPr>
+        <a:xfrm>
+          <a:off x="0" y="0"/>
+          <a:ext cx="0" cy="0"/>
+          <a:chOff x="0" y="0"/>
+          <a:chExt cx="0" cy="0"/>
+        </a:xfrm>
+      </p:grpSpPr>
+      <p:sp>
+        <p:nvSpPr>
+          <p:cNvPr id="2" name="Titel 1">
+            <a:extLst>
+              <a:ext uri="{FF2B5EF4-FFF2-40B4-BE49-F238E27FC236}">
+                <a16:creationId xmlns:a16="http://schemas.microsoft.com/office/drawing/2014/main" id="{C0B657E6-92E1-33B5-B3A9-49778F4551C5}"/>
+              </a:ext>
+            </a:extLst>
+          </p:cNvPr>
+          <p:cNvSpPr>
+            <a:spLocks noGrp="1"/>
+          </p:cNvSpPr>
+          <p:nvPr>
+            <p:ph type="title"/>
+          </p:nvPr>
+        </p:nvSpPr>
+        <p:spPr/>
+        <p:txBody>
+          <a:bodyPr/>
+          <a:lstStyle/>
+          <a:p>
+            <a:pPr marL="514350" indent="-514350">
+              <a:buFont typeface="+mj-lt"/>
+              <a:buAutoNum type="arabicPeriod" startAt="3"/>
+            </a:pPr>
+            <a:r>
+              <a:rPr lang="de-DE" dirty="0"/>
+              <a:t>Simulink-Modell der Regelstrecke</a:t>
+            </a:r>
+          </a:p>
+        </p:txBody>
+      </p:sp>
+      <p:sp>
+        <p:nvSpPr>
+          <p:cNvPr id="4" name="Fußzeilenplatzhalter 3">
+            <a:extLst>
+              <a:ext uri="{FF2B5EF4-FFF2-40B4-BE49-F238E27FC236}">
+                <a16:creationId xmlns:a16="http://schemas.microsoft.com/office/drawing/2014/main" id="{BDB9D42B-1B02-03EF-37AD-F1D541BE01CC}"/>
+              </a:ext>
+            </a:extLst>
+          </p:cNvPr>
+          <p:cNvSpPr>
+            <a:spLocks noGrp="1"/>
+          </p:cNvSpPr>
+          <p:nvPr>
+            <p:ph type="ftr" sz="quarter" idx="11"/>
+          </p:nvPr>
+        </p:nvSpPr>
+        <p:spPr/>
+        <p:txBody>
+          <a:bodyPr/>
+          <a:lstStyle/>
+          <a:p>
+            <a:r>
+              <a:rPr lang="de-DE"/>
+              <a:t>Lennart und Richard Mende, 25EIM-AT, E144 Regelungstheorie, Prof. Dr.-Ing. Hendrik Richter</a:t>
+            </a:r>
+            <a:endParaRPr lang="de-DE" dirty="0"/>
+          </a:p>
+        </p:txBody>
+      </p:sp>
+      <p:sp>
+        <p:nvSpPr>
+          <p:cNvPr id="5" name="Foliennummernplatzhalter 4">
+            <a:extLst>
+              <a:ext uri="{FF2B5EF4-FFF2-40B4-BE49-F238E27FC236}">
+                <a16:creationId xmlns:a16="http://schemas.microsoft.com/office/drawing/2014/main" id="{F8F0CAAE-B75F-83C3-7683-1B1469820F8D}"/>
+              </a:ext>
+            </a:extLst>
+          </p:cNvPr>
+          <p:cNvSpPr>
+            <a:spLocks noGrp="1"/>
+          </p:cNvSpPr>
+          <p:nvPr>
+            <p:ph type="sldNum" sz="quarter" idx="12"/>
+          </p:nvPr>
+        </p:nvSpPr>
+        <p:spPr/>
+        <p:txBody>
+          <a:bodyPr/>
+          <a:lstStyle/>
+          <a:p>
+            <a:fld id="{5DDB454C-C8BB-450C-A446-EA3D813FE484}" type="slidenum">
+              <a:rPr lang="de-DE" smtClean="0"/>
+              <a:t>9</a:t>
+            </a:fld>
+            <a:endParaRPr lang="de-DE"/>
+          </a:p>
+        </p:txBody>
+      </p:sp>
+      <p:pic>
+        <p:nvPicPr>
+          <p:cNvPr id="6" name="Grafik 5" descr="Ein Bild, das Text, Diagramm, Reihe enthält.&#10;&#10;KI-generierte Inhalte können fehlerhaft sein.">
+            <a:extLst>
+              <a:ext uri="{FF2B5EF4-FFF2-40B4-BE49-F238E27FC236}">
+                <a16:creationId xmlns:a16="http://schemas.microsoft.com/office/drawing/2014/main" id="{1E594C55-35E8-D9BC-81E1-2A9D8037DB04}"/>
+              </a:ext>
+            </a:extLst>
+          </p:cNvPr>
+          <p:cNvPicPr>
+            <a:picLocks noChangeAspect="1"/>
+          </p:cNvPicPr>
+          <p:nvPr/>
+        </p:nvPicPr>
+        <p:blipFill>
+          <a:blip r:embed="rId2">
+            <a:extLst>
+              <a:ext uri="{28A0092B-C50C-407E-A947-70E740481C1C}">
+                <a14:useLocalDpi xmlns:a14="http://schemas.microsoft.com/office/drawing/2010/main" val="0"/>
+              </a:ext>
+            </a:extLst>
+          </a:blip>
+          <a:stretch>
+            <a:fillRect/>
+          </a:stretch>
+        </p:blipFill>
+        <p:spPr>
+          <a:xfrm>
+            <a:off x="406800" y="1263600"/>
+            <a:ext cx="8595584" cy="4777200"/>
+          </a:xfrm>
+          <a:prstGeom prst="rect">
+            <a:avLst/>
+          </a:prstGeom>
+        </p:spPr>
+      </p:pic>
       <mc:AlternateContent xmlns:mc="http://schemas.openxmlformats.org/markup-compatibility/2006">
         <mc:Choice xmlns:a14="http://schemas.microsoft.com/office/drawing/2010/main" Requires="a14">
           <p:sp>
@@ -16711,7 +16400,7 @@
               <p:cNvPr id="10" name="Inhaltsplatzhalter 2">
                 <a:extLst>
                   <a:ext uri="{FF2B5EF4-FFF2-40B4-BE49-F238E27FC236}">
-                    <a16:creationId xmlns:a16="http://schemas.microsoft.com/office/drawing/2014/main" id="{C51F4CF9-EE06-0086-D108-822F02FD0004}"/>
+                    <a16:creationId xmlns:a16="http://schemas.microsoft.com/office/drawing/2014/main" id="{9696C592-E55E-09B3-A3DC-B4139D8A0F78}"/>
                   </a:ext>
                 </a:extLst>
               </p:cNvPr>
@@ -16722,12 +16411,17 @@
             </p:nvSpPr>
             <p:spPr>
               <a:xfrm>
-                <a:off x="1379524" y="1445220"/>
-                <a:ext cx="10094927" cy="4690468"/>
+                <a:off x="9648000" y="1440000"/>
+                <a:ext cx="1380939" cy="390271"/>
               </a:xfrm>
               <a:prstGeom prst="rect">
                 <a:avLst/>
               </a:prstGeom>
+              <a:ln>
+                <a:solidFill>
+                  <a:schemeClr val="tx1"/>
+                </a:solidFill>
+              </a:ln>
             </p:spPr>
             <p:txBody>
               <a:bodyPr vert="horz" lIns="0" tIns="0" rIns="0" bIns="0" rtlCol="0" anchor="t">
@@ -16911,162 +16605,106 @@
                   <a:buFont typeface="Wingdings" panose="05000000000000000000" pitchFamily="2" charset="2"/>
                   <a:buNone/>
                 </a:pPr>
-                <a:r>
-                  <a:rPr lang="de-DE" b="1" dirty="0"/>
-                  <a:t>Zeitlicher Verlauf von </a:t>
-                </a:r>
                 <a14:m>
-                  <m:oMath xmlns:m="http://schemas.openxmlformats.org/officeDocument/2006/math">
-                    <m:sSub>
-                      <m:sSubPr>
-                        <m:ctrlPr>
-                          <a:rPr lang="de-DE" b="1" i="1" smtClean="0">
-                            <a:latin typeface="Cambria Math" panose="02040503050406030204" pitchFamily="18" charset="0"/>
-                          </a:rPr>
-                        </m:ctrlPr>
-                      </m:sSubPr>
-                      <m:e>
-                        <m:r>
-                          <a:rPr lang="de-DE" b="1" i="1" smtClean="0">
-                            <a:latin typeface="Cambria Math" panose="02040503050406030204" pitchFamily="18" charset="0"/>
-                          </a:rPr>
-                          <m:t>𝑼</m:t>
-                        </m:r>
-                      </m:e>
-                      <m:sub>
-                        <m:r>
-                          <a:rPr lang="de-DE" b="1" i="1" smtClean="0">
-                            <a:latin typeface="Cambria Math" panose="02040503050406030204" pitchFamily="18" charset="0"/>
-                          </a:rPr>
-                          <m:t>2</m:t>
-                        </m:r>
-                      </m:sub>
-                    </m:sSub>
-                  </m:oMath>
-                </a14:m>
-                <a:r>
-                  <a:rPr lang="de-DE" b="1" dirty="0"/>
-                  <a:t> für </a:t>
-                </a:r>
-                <a14:m>
-                  <m:oMath xmlns:m="http://schemas.openxmlformats.org/officeDocument/2006/math">
-                    <m:sSub>
-                      <m:sSubPr>
-                        <m:ctrlPr>
-                          <a:rPr lang="de-DE" b="1" i="1">
-                            <a:latin typeface="Cambria Math" panose="02040503050406030204" pitchFamily="18" charset="0"/>
-                          </a:rPr>
-                        </m:ctrlPr>
-                      </m:sSubPr>
-                      <m:e>
-                        <m:acc>
-                          <m:accPr>
-                            <m:chr m:val="̅"/>
-                            <m:ctrlPr>
-                              <a:rPr lang="de-DE" b="1" i="1">
-                                <a:latin typeface="Cambria Math" panose="02040503050406030204" pitchFamily="18" charset="0"/>
-                              </a:rPr>
-                            </m:ctrlPr>
-                          </m:accPr>
-                          <m:e>
-                            <m:r>
-                              <a:rPr lang="de-DE" b="1" i="1">
-                                <a:latin typeface="Cambria Math" panose="02040503050406030204" pitchFamily="18" charset="0"/>
-                              </a:rPr>
-                              <m:t>𝑰</m:t>
-                            </m:r>
-                          </m:e>
-                        </m:acc>
-                      </m:e>
-                      <m:sub>
-                        <m:r>
-                          <a:rPr lang="de-DE" b="1" i="1">
-                            <a:latin typeface="Cambria Math" panose="02040503050406030204" pitchFamily="18" charset="0"/>
-                          </a:rPr>
-                          <m:t>𝟎</m:t>
-                        </m:r>
-                      </m:sub>
-                    </m:sSub>
-                    <m:r>
-                      <a:rPr lang="de-DE" b="1" i="1" smtClean="0">
-                        <a:latin typeface="Cambria Math" panose="02040503050406030204" pitchFamily="18" charset="0"/>
-                      </a:rPr>
-                      <m:t>=</m:t>
-                    </m:r>
-                    <m:r>
-                      <a:rPr lang="de-DE" b="1" i="1" smtClean="0">
-                        <a:latin typeface="Cambria Math" panose="02040503050406030204" pitchFamily="18" charset="0"/>
-                      </a:rPr>
-                      <m:t>𝟐</m:t>
-                    </m:r>
-                    <m:r>
-                      <a:rPr lang="de-DE" b="1" i="1" smtClean="0">
-                        <a:latin typeface="Cambria Math" panose="02040503050406030204" pitchFamily="18" charset="0"/>
-                      </a:rPr>
-                      <m:t> </m:t>
-                    </m:r>
-                    <m:r>
-                      <a:rPr lang="de-DE" b="1" i="1" smtClean="0">
-                        <a:latin typeface="Cambria Math" panose="02040503050406030204" pitchFamily="18" charset="0"/>
-                      </a:rPr>
-                      <m:t>𝒎𝑨</m:t>
-                    </m:r>
-                    <m:r>
-                      <a:rPr lang="de-DE" b="1" i="1" smtClean="0">
-                        <a:latin typeface="Cambria Math" panose="02040503050406030204" pitchFamily="18" charset="0"/>
-                      </a:rPr>
-                      <m:t> &lt;</m:t>
-                    </m:r>
-                    <m:sSub>
-                      <m:sSubPr>
-                        <m:ctrlPr>
-                          <a:rPr lang="de-DE" b="1" i="1">
-                            <a:latin typeface="Cambria Math" panose="02040503050406030204" pitchFamily="18" charset="0"/>
-                          </a:rPr>
-                        </m:ctrlPr>
-                      </m:sSubPr>
-                      <m:e>
-                        <m:acc>
-                          <m:accPr>
-                            <m:chr m:val="̅"/>
-                            <m:ctrlPr>
-                              <a:rPr lang="de-DE" b="1" i="1">
-                                <a:latin typeface="Cambria Math" panose="02040503050406030204" pitchFamily="18" charset="0"/>
-                              </a:rPr>
-                            </m:ctrlPr>
-                          </m:accPr>
-                          <m:e>
-                            <m:r>
-                              <a:rPr lang="de-DE" b="1" i="1">
-                                <a:latin typeface="Cambria Math" panose="02040503050406030204" pitchFamily="18" charset="0"/>
-                              </a:rPr>
-                              <m:t>𝑰</m:t>
-                            </m:r>
-                          </m:e>
-                        </m:acc>
-                      </m:e>
-                      <m:sub>
-                        <m:r>
-                          <a:rPr lang="de-DE" b="1" i="1">
-                            <a:latin typeface="Cambria Math" panose="02040503050406030204" pitchFamily="18" charset="0"/>
-                          </a:rPr>
-                          <m:t>𝟎</m:t>
-                        </m:r>
-                        <m:r>
-                          <a:rPr lang="de-DE" b="1" i="1">
-                            <a:latin typeface="Cambria Math" panose="02040503050406030204" pitchFamily="18" charset="0"/>
-                          </a:rPr>
-                          <m:t>,</m:t>
-                        </m:r>
-                        <m:r>
-                          <a:rPr lang="de-DE" b="1" i="1">
-                            <a:latin typeface="Cambria Math" panose="02040503050406030204" pitchFamily="18" charset="0"/>
-                          </a:rPr>
-                          <m:t>𝒌𝒓𝒊𝒕</m:t>
-                        </m:r>
-                      </m:sub>
-                    </m:sSub>
-                  </m:oMath>
+                  <m:oMathPara xmlns:m="http://schemas.openxmlformats.org/officeDocument/2006/math">
+                    <m:oMathParaPr>
+                      <m:jc m:val="centerGroup"/>
+                    </m:oMathParaPr>
+                    <m:oMath xmlns:m="http://schemas.openxmlformats.org/officeDocument/2006/math">
+                      <m:sSub>
+                        <m:sSubPr>
+                          <m:ctrlPr>
+                            <a:rPr lang="de-DE" b="1" i="1" smtClean="0">
+                              <a:latin typeface="Cambria Math" panose="02040503050406030204" pitchFamily="18" charset="0"/>
+                            </a:rPr>
+                          </m:ctrlPr>
+                        </m:sSubPr>
+                        <m:e>
+                          <m:acc>
+                            <m:accPr>
+                              <m:chr m:val="̅"/>
+                              <m:ctrlPr>
+                                <a:rPr lang="de-DE" b="1" i="1">
+                                  <a:latin typeface="Cambria Math" panose="02040503050406030204" pitchFamily="18" charset="0"/>
+                                </a:rPr>
+                              </m:ctrlPr>
+                            </m:accPr>
+                            <m:e>
+                              <m:r>
+                                <a:rPr lang="de-DE" b="1" i="1">
+                                  <a:latin typeface="Cambria Math" panose="02040503050406030204" pitchFamily="18" charset="0"/>
+                                </a:rPr>
+                                <m:t>𝑰</m:t>
+                              </m:r>
+                            </m:e>
+                          </m:acc>
+                        </m:e>
+                        <m:sub>
+                          <m:r>
+                            <a:rPr lang="de-DE" b="1" i="1">
+                              <a:latin typeface="Cambria Math" panose="02040503050406030204" pitchFamily="18" charset="0"/>
+                            </a:rPr>
+                            <m:t>𝟎</m:t>
+                          </m:r>
+                        </m:sub>
+                      </m:sSub>
+                      <m:r>
+                        <a:rPr lang="de-DE" b="1" i="1" smtClean="0">
+                          <a:latin typeface="Cambria Math" panose="02040503050406030204" pitchFamily="18" charset="0"/>
+                        </a:rPr>
+                        <m:t>&gt;</m:t>
+                      </m:r>
+                      <m:sSub>
+                        <m:sSubPr>
+                          <m:ctrlPr>
+                            <a:rPr lang="de-DE" b="1" i="1">
+                              <a:latin typeface="Cambria Math" panose="02040503050406030204" pitchFamily="18" charset="0"/>
+                            </a:rPr>
+                          </m:ctrlPr>
+                        </m:sSubPr>
+                        <m:e>
+                          <m:acc>
+                            <m:accPr>
+                              <m:chr m:val="̅"/>
+                              <m:ctrlPr>
+                                <a:rPr lang="de-DE" b="1" i="1">
+                                  <a:latin typeface="Cambria Math" panose="02040503050406030204" pitchFamily="18" charset="0"/>
+                                </a:rPr>
+                              </m:ctrlPr>
+                            </m:accPr>
+                            <m:e>
+                              <m:r>
+                                <a:rPr lang="de-DE" b="1" i="1">
+                                  <a:latin typeface="Cambria Math" panose="02040503050406030204" pitchFamily="18" charset="0"/>
+                                </a:rPr>
+                                <m:t>𝑰</m:t>
+                              </m:r>
+                            </m:e>
+                          </m:acc>
+                        </m:e>
+                        <m:sub>
+                          <m:r>
+                            <a:rPr lang="de-DE" b="1" i="1">
+                              <a:latin typeface="Cambria Math" panose="02040503050406030204" pitchFamily="18" charset="0"/>
+                            </a:rPr>
+                            <m:t>𝟎</m:t>
+                          </m:r>
+                          <m:r>
+                            <a:rPr lang="de-DE" b="1" i="1">
+                              <a:latin typeface="Cambria Math" panose="02040503050406030204" pitchFamily="18" charset="0"/>
+                            </a:rPr>
+                            <m:t>,</m:t>
+                          </m:r>
+                          <m:r>
+                            <a:rPr lang="de-DE" b="1" i="1">
+                              <a:latin typeface="Cambria Math" panose="02040503050406030204" pitchFamily="18" charset="0"/>
+                            </a:rPr>
+                            <m:t>𝒌𝒓𝒊𝒕</m:t>
+                          </m:r>
+                        </m:sub>
+                      </m:sSub>
+                    </m:oMath>
+                  </m:oMathPara>
                 </a14:m>
                 <a:endParaRPr lang="de-DE" b="1" i="1" dirty="0"/>
               </a:p>
@@ -17079,7 +16717,7 @@
               <p:cNvPr id="10" name="Inhaltsplatzhalter 2">
                 <a:extLst>
                   <a:ext uri="{FF2B5EF4-FFF2-40B4-BE49-F238E27FC236}">
-                    <a16:creationId xmlns:a16="http://schemas.microsoft.com/office/drawing/2014/main" id="{C51F4CF9-EE06-0086-D108-822F02FD0004}"/>
+                    <a16:creationId xmlns:a16="http://schemas.microsoft.com/office/drawing/2014/main" id="{9696C592-E55E-09B3-A3DC-B4139D8A0F78}"/>
                   </a:ext>
                 </a:extLst>
               </p:cNvPr>
@@ -17090,365 +16728,16 @@
             </p:nvSpPr>
             <p:spPr>
               <a:xfrm>
-                <a:off x="1379524" y="1445220"/>
-                <a:ext cx="10094927" cy="4690468"/>
+                <a:off x="9648000" y="1440000"/>
+                <a:ext cx="1380939" cy="390271"/>
               </a:xfrm>
               <a:prstGeom prst="rect">
                 <a:avLst/>
               </a:prstGeom>
               <a:blipFill>
-                <a:blip r:embed="rId5"/>
+                <a:blip r:embed="rId3"/>
                 <a:stretch>
-                  <a:fillRect l="-1510" t="-1299"/>
-                </a:stretch>
-              </a:blipFill>
-            </p:spPr>
-            <p:txBody>
-              <a:bodyPr/>
-              <a:lstStyle/>
-              <a:p>
-                <a:r>
-                  <a:rPr lang="de-DE">
-                    <a:noFill/>
-                  </a:rPr>
-                  <a:t> </a:t>
-                </a:r>
-              </a:p>
-            </p:txBody>
-          </p:sp>
-        </mc:Fallback>
-      </mc:AlternateContent>
-    </p:spTree>
-    <p:extLst>
-      <p:ext uri="{BB962C8B-B14F-4D97-AF65-F5344CB8AC3E}">
-        <p14:creationId xmlns:p14="http://schemas.microsoft.com/office/powerpoint/2010/main" val="1697238197"/>
-      </p:ext>
-    </p:extLst>
-  </p:cSld>
-  <p:clrMapOvr>
-    <a:masterClrMapping/>
-  </p:clrMapOvr>
-</p:sld>
-</file>
-
-<file path=ppt/slides/slide9.xml><?xml version="1.0" encoding="utf-8"?>
-<p:sld xmlns:a="http://schemas.openxmlformats.org/drawingml/2006/main" xmlns:r="http://schemas.openxmlformats.org/officeDocument/2006/relationships" xmlns:p="http://schemas.openxmlformats.org/presentationml/2006/main">
-  <p:cSld>
-    <p:spTree>
-      <p:nvGrpSpPr>
-        <p:cNvPr id="1" name="">
-          <a:extLst>
-            <a:ext uri="{FF2B5EF4-FFF2-40B4-BE49-F238E27FC236}">
-              <a16:creationId xmlns:a16="http://schemas.microsoft.com/office/drawing/2014/main" id="{3159B8EE-82D0-3471-9F73-A430DFDA853F}"/>
-            </a:ext>
-          </a:extLst>
-        </p:cNvPr>
-        <p:cNvGrpSpPr/>
-        <p:nvPr/>
-      </p:nvGrpSpPr>
-      <p:grpSpPr>
-        <a:xfrm>
-          <a:off x="0" y="0"/>
-          <a:ext cx="0" cy="0"/>
-          <a:chOff x="0" y="0"/>
-          <a:chExt cx="0" cy="0"/>
-        </a:xfrm>
-      </p:grpSpPr>
-      <p:sp>
-        <p:nvSpPr>
-          <p:cNvPr id="2" name="Titel 1">
-            <a:extLst>
-              <a:ext uri="{FF2B5EF4-FFF2-40B4-BE49-F238E27FC236}">
-                <a16:creationId xmlns:a16="http://schemas.microsoft.com/office/drawing/2014/main" id="{0CDCD44A-5346-C7D2-7EF1-CA3C405AF7D8}"/>
-              </a:ext>
-            </a:extLst>
-          </p:cNvPr>
-          <p:cNvSpPr>
-            <a:spLocks noGrp="1"/>
-          </p:cNvSpPr>
-          <p:nvPr>
-            <p:ph type="title"/>
-          </p:nvPr>
-        </p:nvSpPr>
-        <p:spPr/>
-        <p:txBody>
-          <a:bodyPr/>
-          <a:lstStyle/>
-          <a:p>
-            <a:pPr marL="514350" indent="-514350">
-              <a:buFont typeface="+mj-lt"/>
-              <a:buAutoNum type="arabicPeriod" startAt="3"/>
-            </a:pPr>
-            <a:r>
-              <a:rPr lang="de-DE" dirty="0"/>
-              <a:t>Simulink-Modell der Regelstrecke</a:t>
-            </a:r>
-          </a:p>
-        </p:txBody>
-      </p:sp>
-      <p:sp>
-        <p:nvSpPr>
-          <p:cNvPr id="4" name="Fußzeilenplatzhalter 3">
-            <a:extLst>
-              <a:ext uri="{FF2B5EF4-FFF2-40B4-BE49-F238E27FC236}">
-                <a16:creationId xmlns:a16="http://schemas.microsoft.com/office/drawing/2014/main" id="{E403D064-97A4-9F05-9BAB-621447C90BC5}"/>
-              </a:ext>
-            </a:extLst>
-          </p:cNvPr>
-          <p:cNvSpPr>
-            <a:spLocks noGrp="1"/>
-          </p:cNvSpPr>
-          <p:nvPr>
-            <p:ph type="ftr" sz="quarter" idx="11"/>
-          </p:nvPr>
-        </p:nvSpPr>
-        <p:spPr/>
-        <p:txBody>
-          <a:bodyPr/>
-          <a:lstStyle/>
-          <a:p>
-            <a:r>
-              <a:rPr lang="de-DE"/>
-              <a:t>Lennart und Richard Mende, 25EIM-AT, E144 Regelungstheorie, Prof. Dr.-Ing. Hendrik Richter</a:t>
-            </a:r>
-            <a:endParaRPr lang="de-DE" dirty="0"/>
-          </a:p>
-        </p:txBody>
-      </p:sp>
-      <p:sp>
-        <p:nvSpPr>
-          <p:cNvPr id="5" name="Foliennummernplatzhalter 4">
-            <a:extLst>
-              <a:ext uri="{FF2B5EF4-FFF2-40B4-BE49-F238E27FC236}">
-                <a16:creationId xmlns:a16="http://schemas.microsoft.com/office/drawing/2014/main" id="{4FC490BE-981F-10D9-5A44-61FD9B410C35}"/>
-              </a:ext>
-            </a:extLst>
-          </p:cNvPr>
-          <p:cNvSpPr>
-            <a:spLocks noGrp="1"/>
-          </p:cNvSpPr>
-          <p:nvPr>
-            <p:ph type="sldNum" sz="quarter" idx="12"/>
-          </p:nvPr>
-        </p:nvSpPr>
-        <p:spPr/>
-        <p:txBody>
-          <a:bodyPr/>
-          <a:lstStyle/>
-          <a:p>
-            <a:fld id="{5DDB454C-C8BB-450C-A446-EA3D813FE484}" type="slidenum">
-              <a:rPr lang="de-DE" smtClean="0"/>
-              <a:t>9</a:t>
-            </a:fld>
-            <a:endParaRPr lang="de-DE"/>
-          </a:p>
-        </p:txBody>
-      </p:sp>
-      <p:pic>
-        <p:nvPicPr>
-          <p:cNvPr id="7" name="Grafik 6" descr="Ein Bild, das Screenshot, Text enthält.&#10;&#10;KI-generierte Inhalte können fehlerhaft sein.">
-            <a:extLst>
-              <a:ext uri="{FF2B5EF4-FFF2-40B4-BE49-F238E27FC236}">
-                <a16:creationId xmlns:a16="http://schemas.microsoft.com/office/drawing/2014/main" id="{C9B50277-CCDC-10C9-6C2C-712E91A36F1B}"/>
-              </a:ext>
-            </a:extLst>
-          </p:cNvPr>
-          <p:cNvPicPr>
-            <a:picLocks noChangeAspect="1"/>
-          </p:cNvPicPr>
-          <p:nvPr/>
-        </p:nvPicPr>
-        <p:blipFill>
-          <a:blip r:embed="rId2">
-            <a:extLst>
-              <a:ext uri="{28A0092B-C50C-407E-A947-70E740481C1C}">
-                <a14:useLocalDpi xmlns:a14="http://schemas.microsoft.com/office/drawing/2010/main" val="0"/>
-              </a:ext>
-            </a:extLst>
-          </a:blip>
-          <a:stretch>
-            <a:fillRect/>
-          </a:stretch>
-        </p:blipFill>
-        <p:spPr>
-          <a:xfrm>
-            <a:off x="1378799" y="1954800"/>
-            <a:ext cx="7143529" cy="3960000"/>
-          </a:xfrm>
-          <a:prstGeom prst="rect">
-            <a:avLst/>
-          </a:prstGeom>
-        </p:spPr>
-      </p:pic>
-      <mc:AlternateContent xmlns:mc="http://schemas.openxmlformats.org/markup-compatibility/2006" xmlns:a14="http://schemas.microsoft.com/office/drawing/2010/main">
-        <mc:Choice Requires="a14">
-          <p:sp>
-            <p:nvSpPr>
-              <p:cNvPr id="8" name="Textfeld 7">
-                <a:extLst>
-                  <a:ext uri="{FF2B5EF4-FFF2-40B4-BE49-F238E27FC236}">
-                    <a16:creationId xmlns:a16="http://schemas.microsoft.com/office/drawing/2014/main" id="{7887D28C-591A-F09F-A19F-242CDC980E46}"/>
-                  </a:ext>
-                </a:extLst>
-              </p:cNvPr>
-              <p:cNvSpPr txBox="1"/>
-              <p:nvPr/>
-            </p:nvSpPr>
-            <p:spPr>
-              <a:xfrm>
-                <a:off x="8654285" y="4582466"/>
-                <a:ext cx="2158916" cy="461665"/>
-              </a:xfrm>
-              <a:prstGeom prst="rect">
-                <a:avLst/>
-              </a:prstGeom>
-              <a:noFill/>
-              <a:ln>
-                <a:solidFill>
-                  <a:schemeClr val="tx1"/>
-                </a:solidFill>
-              </a:ln>
-            </p:spPr>
-            <p:txBody>
-              <a:bodyPr wrap="square" rtlCol="0">
-                <a:spAutoFit/>
-              </a:bodyPr>
-              <a:lstStyle/>
-              <a:p>
-                <a:pPr/>
-                <a14:m>
-                  <m:oMathPara xmlns:m="http://schemas.openxmlformats.org/officeDocument/2006/math">
-                    <m:oMathParaPr>
-                      <m:jc m:val="centerGroup"/>
-                    </m:oMathParaPr>
-                    <m:oMath xmlns:m="http://schemas.openxmlformats.org/officeDocument/2006/math">
-                      <m:sSub>
-                        <m:sSubPr>
-                          <m:ctrlPr>
-                            <a:rPr lang="de-DE" sz="2400" i="1">
-                              <a:latin typeface="Cambria Math" panose="02040503050406030204" pitchFamily="18" charset="0"/>
-                            </a:rPr>
-                          </m:ctrlPr>
-                        </m:sSubPr>
-                        <m:e>
-                          <m:acc>
-                            <m:accPr>
-                              <m:chr m:val="̅"/>
-                              <m:ctrlPr>
-                                <a:rPr lang="de-DE" sz="2400" i="1">
-                                  <a:latin typeface="Cambria Math" panose="02040503050406030204" pitchFamily="18" charset="0"/>
-                                </a:rPr>
-                              </m:ctrlPr>
-                            </m:accPr>
-                            <m:e>
-                              <m:r>
-                                <a:rPr lang="de-DE" sz="2400" i="1">
-                                  <a:latin typeface="Cambria Math" panose="02040503050406030204" pitchFamily="18" charset="0"/>
-                                </a:rPr>
-                                <m:t>𝐼</m:t>
-                              </m:r>
-                            </m:e>
-                          </m:acc>
-                        </m:e>
-                        <m:sub>
-                          <m:r>
-                            <a:rPr lang="de-DE" sz="2400" b="0" i="1" smtClean="0">
-                              <a:latin typeface="Cambria Math" panose="02040503050406030204" pitchFamily="18" charset="0"/>
-                            </a:rPr>
-                            <m:t>𝐿</m:t>
-                          </m:r>
-                        </m:sub>
-                      </m:sSub>
-                      <m:r>
-                        <a:rPr lang="de-DE" sz="2400" b="0" i="1" smtClean="0">
-                          <a:latin typeface="Cambria Math" panose="02040503050406030204" pitchFamily="18" charset="0"/>
-                        </a:rPr>
-                        <m:t>=</m:t>
-                      </m:r>
-                      <m:sSub>
-                        <m:sSubPr>
-                          <m:ctrlPr>
-                            <a:rPr lang="de-DE" sz="2400" i="1">
-                              <a:latin typeface="Cambria Math" panose="02040503050406030204" pitchFamily="18" charset="0"/>
-                            </a:rPr>
-                          </m:ctrlPr>
-                        </m:sSubPr>
-                        <m:e>
-                          <m:acc>
-                            <m:accPr>
-                              <m:chr m:val="̅"/>
-                              <m:ctrlPr>
-                                <a:rPr lang="de-DE" sz="2400" i="1">
-                                  <a:latin typeface="Cambria Math" panose="02040503050406030204" pitchFamily="18" charset="0"/>
-                                </a:rPr>
-                              </m:ctrlPr>
-                            </m:accPr>
-                            <m:e>
-                              <m:r>
-                                <a:rPr lang="de-DE" sz="2400" i="1">
-                                  <a:latin typeface="Cambria Math" panose="02040503050406030204" pitchFamily="18" charset="0"/>
-                                </a:rPr>
-                                <m:t>𝐼</m:t>
-                              </m:r>
-                            </m:e>
-                          </m:acc>
-                        </m:e>
-                        <m:sub>
-                          <m:r>
-                            <a:rPr lang="de-DE" sz="2400" b="0" i="1" smtClean="0">
-                              <a:latin typeface="Cambria Math" panose="02040503050406030204" pitchFamily="18" charset="0"/>
-                            </a:rPr>
-                            <m:t>0</m:t>
-                          </m:r>
-                        </m:sub>
-                      </m:sSub>
-                      <m:r>
-                        <a:rPr lang="de-DE" sz="2400" b="0" i="1" smtClean="0">
-                          <a:latin typeface="Cambria Math" panose="02040503050406030204" pitchFamily="18" charset="0"/>
-                        </a:rPr>
-                        <m:t>=2 </m:t>
-                      </m:r>
-                      <m:r>
-                        <a:rPr lang="de-DE" sz="2400" b="0" i="1" smtClean="0">
-                          <a:latin typeface="Cambria Math" panose="02040503050406030204" pitchFamily="18" charset="0"/>
-                        </a:rPr>
-                        <m:t>𝑚𝐴</m:t>
-                      </m:r>
-                    </m:oMath>
-                  </m:oMathPara>
-                </a14:m>
-                <a:endParaRPr lang="de-DE" sz="2400" i="1" dirty="0"/>
-              </a:p>
-            </p:txBody>
-          </p:sp>
-        </mc:Choice>
-        <mc:Fallback xmlns="">
-          <p:sp>
-            <p:nvSpPr>
-              <p:cNvPr id="8" name="Textfeld 7">
-                <a:extLst>
-                  <a:ext uri="{FF2B5EF4-FFF2-40B4-BE49-F238E27FC236}">
-                    <a16:creationId xmlns:a16="http://schemas.microsoft.com/office/drawing/2014/main" id="{7887D28C-591A-F09F-A19F-242CDC980E46}"/>
-                  </a:ext>
-                </a:extLst>
-              </p:cNvPr>
-              <p:cNvSpPr txBox="1">
-                <a:spLocks noRot="1" noChangeAspect="1" noMove="1" noResize="1" noEditPoints="1" noAdjustHandles="1" noChangeArrowheads="1" noChangeShapeType="1" noTextEdit="1"/>
-              </p:cNvSpPr>
-              <p:nvPr/>
-            </p:nvSpPr>
-            <p:spPr>
-              <a:xfrm>
-                <a:off x="8654285" y="4582466"/>
-                <a:ext cx="2158916" cy="461665"/>
-              </a:xfrm>
-              <a:prstGeom prst="rect">
-                <a:avLst/>
-              </a:prstGeom>
-              <a:blipFill>
-                <a:blip r:embed="rId4"/>
-                <a:stretch>
-                  <a:fillRect l="-281" b="-2597"/>
+                  <a:fillRect/>
                 </a:stretch>
               </a:blipFill>
               <a:ln>
@@ -17472,428 +16761,10 @@
           </p:sp>
         </mc:Fallback>
       </mc:AlternateContent>
-      <mc:AlternateContent xmlns:mc="http://schemas.openxmlformats.org/markup-compatibility/2006">
-        <mc:Choice xmlns:a14="http://schemas.microsoft.com/office/drawing/2010/main" Requires="a14">
-          <p:sp>
-            <p:nvSpPr>
-              <p:cNvPr id="10" name="Inhaltsplatzhalter 2">
-                <a:extLst>
-                  <a:ext uri="{FF2B5EF4-FFF2-40B4-BE49-F238E27FC236}">
-                    <a16:creationId xmlns:a16="http://schemas.microsoft.com/office/drawing/2014/main" id="{CC8E4A64-E190-54EA-9FE1-384F01AC85F9}"/>
-                  </a:ext>
-                </a:extLst>
-              </p:cNvPr>
-              <p:cNvSpPr txBox="1">
-                <a:spLocks/>
-              </p:cNvSpPr>
-              <p:nvPr/>
-            </p:nvSpPr>
-            <p:spPr>
-              <a:xfrm>
-                <a:off x="1379524" y="1445220"/>
-                <a:ext cx="10094927" cy="4690468"/>
-              </a:xfrm>
-              <a:prstGeom prst="rect">
-                <a:avLst/>
-              </a:prstGeom>
-            </p:spPr>
-            <p:txBody>
-              <a:bodyPr vert="horz" lIns="0" tIns="0" rIns="0" bIns="0" rtlCol="0" anchor="t">
-                <a:noAutofit/>
-              </a:bodyPr>
-              <a:lstStyle>
-                <a:lvl1pPr marL="0" indent="0" algn="l" defTabSz="914400" rtl="0" eaLnBrk="1" latinLnBrk="0" hangingPunct="1">
-                  <a:lnSpc>
-                    <a:spcPct val="107000"/>
-                  </a:lnSpc>
-                  <a:spcBef>
-                    <a:spcPts val="0"/>
-                  </a:spcBef>
-                  <a:buFont typeface="Wingdings" panose="05000000000000000000" pitchFamily="2" charset="2"/>
-                  <a:buChar char="§"/>
-                  <a:defRPr sz="2000" b="0" kern="1200" baseline="0">
-                    <a:solidFill>
-                      <a:schemeClr val="tx1"/>
-                    </a:solidFill>
-                    <a:latin typeface="+mn-lt"/>
-                    <a:ea typeface="+mn-ea"/>
-                    <a:cs typeface="+mn-cs"/>
-                  </a:defRPr>
-                </a:lvl1pPr>
-                <a:lvl2pPr marL="0" indent="0" algn="l" defTabSz="914400" rtl="0" eaLnBrk="1" latinLnBrk="0" hangingPunct="1">
-                  <a:lnSpc>
-                    <a:spcPct val="107000"/>
-                  </a:lnSpc>
-                  <a:spcBef>
-                    <a:spcPts val="0"/>
-                  </a:spcBef>
-                  <a:buFont typeface="Arial" panose="020B0604020202020204" pitchFamily="34" charset="0"/>
-                  <a:buNone/>
-                  <a:defRPr sz="2000" kern="1200">
-                    <a:solidFill>
-                      <a:schemeClr val="tx1"/>
-                    </a:solidFill>
-                    <a:latin typeface="+mn-lt"/>
-                    <a:ea typeface="+mn-ea"/>
-                    <a:cs typeface="+mn-cs"/>
-                  </a:defRPr>
-                </a:lvl2pPr>
-                <a:lvl3pPr marL="180000" indent="-180000" algn="l" defTabSz="914400" rtl="0" eaLnBrk="1" latinLnBrk="0" hangingPunct="1">
-                  <a:lnSpc>
-                    <a:spcPct val="107000"/>
-                  </a:lnSpc>
-                  <a:spcBef>
-                    <a:spcPts val="0"/>
-                  </a:spcBef>
-                  <a:spcAft>
-                    <a:spcPts val="425"/>
-                  </a:spcAft>
-                  <a:buFont typeface="Work Sans" panose="00000500000000000000" pitchFamily="2" charset="0"/>
-                  <a:buChar char="–"/>
-                  <a:defRPr sz="1800" kern="1200">
-                    <a:solidFill>
-                      <a:schemeClr val="tx1"/>
-                    </a:solidFill>
-                    <a:latin typeface="+mn-lt"/>
-                    <a:ea typeface="+mn-ea"/>
-                    <a:cs typeface="+mn-cs"/>
-                  </a:defRPr>
-                </a:lvl3pPr>
-                <a:lvl4pPr marL="360000" indent="-180000" algn="l" defTabSz="914400" rtl="0" eaLnBrk="1" latinLnBrk="0" hangingPunct="1">
-                  <a:lnSpc>
-                    <a:spcPct val="107000"/>
-                  </a:lnSpc>
-                  <a:spcBef>
-                    <a:spcPts val="0"/>
-                  </a:spcBef>
-                  <a:spcAft>
-                    <a:spcPts val="425"/>
-                  </a:spcAft>
-                  <a:buFont typeface="Work Sans" panose="00000500000000000000" pitchFamily="2" charset="0"/>
-                  <a:buChar char="–"/>
-                  <a:defRPr sz="1800" kern="1200">
-                    <a:solidFill>
-                      <a:schemeClr val="tx1"/>
-                    </a:solidFill>
-                    <a:latin typeface="+mn-lt"/>
-                    <a:ea typeface="+mn-ea"/>
-                    <a:cs typeface="+mn-cs"/>
-                  </a:defRPr>
-                </a:lvl4pPr>
-                <a:lvl5pPr marL="540000" indent="-180000" algn="l" defTabSz="914400" rtl="0" eaLnBrk="1" latinLnBrk="0" hangingPunct="1">
-                  <a:lnSpc>
-                    <a:spcPct val="107000"/>
-                  </a:lnSpc>
-                  <a:spcBef>
-                    <a:spcPts val="0"/>
-                  </a:spcBef>
-                  <a:spcAft>
-                    <a:spcPts val="425"/>
-                  </a:spcAft>
-                  <a:buFont typeface="Work Sans" panose="00000500000000000000" pitchFamily="2" charset="0"/>
-                  <a:buChar char="–"/>
-                  <a:defRPr sz="1800" kern="1200">
-                    <a:solidFill>
-                      <a:schemeClr val="tx1"/>
-                    </a:solidFill>
-                    <a:latin typeface="+mn-lt"/>
-                    <a:ea typeface="+mn-ea"/>
-                    <a:cs typeface="+mn-cs"/>
-                  </a:defRPr>
-                </a:lvl5pPr>
-                <a:lvl6pPr marL="2514600" indent="-228600" algn="l" defTabSz="914400" rtl="0" eaLnBrk="1" latinLnBrk="0" hangingPunct="1">
-                  <a:lnSpc>
-                    <a:spcPct val="90000"/>
-                  </a:lnSpc>
-                  <a:spcBef>
-                    <a:spcPts val="500"/>
-                  </a:spcBef>
-                  <a:buFont typeface="Arial" panose="020B0604020202020204" pitchFamily="34" charset="0"/>
-                  <a:buChar char="•"/>
-                  <a:defRPr sz="1800" kern="1200">
-                    <a:solidFill>
-                      <a:schemeClr val="tx1"/>
-                    </a:solidFill>
-                    <a:latin typeface="+mn-lt"/>
-                    <a:ea typeface="+mn-ea"/>
-                    <a:cs typeface="+mn-cs"/>
-                  </a:defRPr>
-                </a:lvl6pPr>
-                <a:lvl7pPr marL="2971800" indent="-228600" algn="l" defTabSz="914400" rtl="0" eaLnBrk="1" latinLnBrk="0" hangingPunct="1">
-                  <a:lnSpc>
-                    <a:spcPct val="90000"/>
-                  </a:lnSpc>
-                  <a:spcBef>
-                    <a:spcPts val="500"/>
-                  </a:spcBef>
-                  <a:buFont typeface="Arial" panose="020B0604020202020204" pitchFamily="34" charset="0"/>
-                  <a:buChar char="•"/>
-                  <a:defRPr sz="1800" kern="1200">
-                    <a:solidFill>
-                      <a:schemeClr val="tx1"/>
-                    </a:solidFill>
-                    <a:latin typeface="+mn-lt"/>
-                    <a:ea typeface="+mn-ea"/>
-                    <a:cs typeface="+mn-cs"/>
-                  </a:defRPr>
-                </a:lvl7pPr>
-                <a:lvl8pPr marL="3429000" indent="-228600" algn="l" defTabSz="914400" rtl="0" eaLnBrk="1" latinLnBrk="0" hangingPunct="1">
-                  <a:lnSpc>
-                    <a:spcPct val="90000"/>
-                  </a:lnSpc>
-                  <a:spcBef>
-                    <a:spcPts val="500"/>
-                  </a:spcBef>
-                  <a:buFont typeface="Arial" panose="020B0604020202020204" pitchFamily="34" charset="0"/>
-                  <a:buChar char="•"/>
-                  <a:defRPr sz="1800" kern="1200">
-                    <a:solidFill>
-                      <a:schemeClr val="tx1"/>
-                    </a:solidFill>
-                    <a:latin typeface="+mn-lt"/>
-                    <a:ea typeface="+mn-ea"/>
-                    <a:cs typeface="+mn-cs"/>
-                  </a:defRPr>
-                </a:lvl8pPr>
-                <a:lvl9pPr marL="3886200" indent="-228600" algn="l" defTabSz="914400" rtl="0" eaLnBrk="1" latinLnBrk="0" hangingPunct="1">
-                  <a:lnSpc>
-                    <a:spcPct val="90000"/>
-                  </a:lnSpc>
-                  <a:spcBef>
-                    <a:spcPts val="500"/>
-                  </a:spcBef>
-                  <a:buFont typeface="Arial" panose="020B0604020202020204" pitchFamily="34" charset="0"/>
-                  <a:buChar char="•"/>
-                  <a:defRPr sz="1800" kern="1200">
-                    <a:solidFill>
-                      <a:schemeClr val="tx1"/>
-                    </a:solidFill>
-                    <a:latin typeface="+mn-lt"/>
-                    <a:ea typeface="+mn-ea"/>
-                    <a:cs typeface="+mn-cs"/>
-                  </a:defRPr>
-                </a:lvl9pPr>
-              </a:lstStyle>
-              <a:p>
-                <a:pPr>
-                  <a:buFont typeface="Wingdings" panose="05000000000000000000" pitchFamily="2" charset="2"/>
-                  <a:buNone/>
-                </a:pPr>
-                <a:r>
-                  <a:rPr lang="de-DE" b="1" dirty="0"/>
-                  <a:t>Zeitlicher Verlauf von </a:t>
-                </a:r>
-                <a14:m>
-                  <m:oMath xmlns:m="http://schemas.openxmlformats.org/officeDocument/2006/math">
-                    <m:sSub>
-                      <m:sSubPr>
-                        <m:ctrlPr>
-                          <a:rPr lang="de-DE" b="1" i="1" smtClean="0">
-                            <a:latin typeface="Cambria Math" panose="02040503050406030204" pitchFamily="18" charset="0"/>
-                          </a:rPr>
-                        </m:ctrlPr>
-                      </m:sSubPr>
-                      <m:e>
-                        <m:r>
-                          <a:rPr lang="de-DE" b="1" i="1" smtClean="0">
-                            <a:latin typeface="Cambria Math" panose="02040503050406030204" pitchFamily="18" charset="0"/>
-                          </a:rPr>
-                          <m:t>𝑰</m:t>
-                        </m:r>
-                      </m:e>
-                      <m:sub>
-                        <m:r>
-                          <a:rPr lang="de-DE" b="1" i="1" smtClean="0">
-                            <a:latin typeface="Cambria Math" panose="02040503050406030204" pitchFamily="18" charset="0"/>
-                          </a:rPr>
-                          <m:t>𝑳</m:t>
-                        </m:r>
-                      </m:sub>
-                    </m:sSub>
-                  </m:oMath>
-                </a14:m>
-                <a:r>
-                  <a:rPr lang="de-DE" b="1" i="1" dirty="0"/>
-                  <a:t> </a:t>
-                </a:r>
-                <a:r>
-                  <a:rPr lang="de-DE" b="1" dirty="0"/>
-                  <a:t>für </a:t>
-                </a:r>
-                <a14:m>
-                  <m:oMath xmlns:m="http://schemas.openxmlformats.org/officeDocument/2006/math">
-                    <m:sSub>
-                      <m:sSubPr>
-                        <m:ctrlPr>
-                          <a:rPr lang="de-DE" b="1" i="1">
-                            <a:latin typeface="Cambria Math" panose="02040503050406030204" pitchFamily="18" charset="0"/>
-                          </a:rPr>
-                        </m:ctrlPr>
-                      </m:sSubPr>
-                      <m:e>
-                        <m:acc>
-                          <m:accPr>
-                            <m:chr m:val="̅"/>
-                            <m:ctrlPr>
-                              <a:rPr lang="de-DE" b="1" i="1">
-                                <a:latin typeface="Cambria Math" panose="02040503050406030204" pitchFamily="18" charset="0"/>
-                              </a:rPr>
-                            </m:ctrlPr>
-                          </m:accPr>
-                          <m:e>
-                            <m:r>
-                              <a:rPr lang="de-DE" b="1" i="1">
-                                <a:latin typeface="Cambria Math" panose="02040503050406030204" pitchFamily="18" charset="0"/>
-                              </a:rPr>
-                              <m:t>𝑰</m:t>
-                            </m:r>
-                          </m:e>
-                        </m:acc>
-                      </m:e>
-                      <m:sub>
-                        <m:r>
-                          <a:rPr lang="de-DE" b="1" i="1">
-                            <a:latin typeface="Cambria Math" panose="02040503050406030204" pitchFamily="18" charset="0"/>
-                          </a:rPr>
-                          <m:t>𝟎</m:t>
-                        </m:r>
-                      </m:sub>
-                    </m:sSub>
-                    <m:r>
-                      <a:rPr lang="de-DE" b="1" i="1" smtClean="0">
-                        <a:latin typeface="Cambria Math" panose="02040503050406030204" pitchFamily="18" charset="0"/>
-                      </a:rPr>
-                      <m:t>=</m:t>
-                    </m:r>
-                    <m:r>
-                      <a:rPr lang="de-DE" b="1" i="1" smtClean="0">
-                        <a:latin typeface="Cambria Math" panose="02040503050406030204" pitchFamily="18" charset="0"/>
-                      </a:rPr>
-                      <m:t>𝟐</m:t>
-                    </m:r>
-                    <m:r>
-                      <a:rPr lang="de-DE" b="1" i="1" smtClean="0">
-                        <a:latin typeface="Cambria Math" panose="02040503050406030204" pitchFamily="18" charset="0"/>
-                      </a:rPr>
-                      <m:t> </m:t>
-                    </m:r>
-                    <m:r>
-                      <a:rPr lang="de-DE" b="1" i="1" smtClean="0">
-                        <a:latin typeface="Cambria Math" panose="02040503050406030204" pitchFamily="18" charset="0"/>
-                      </a:rPr>
-                      <m:t>𝒎𝑨</m:t>
-                    </m:r>
-                    <m:r>
-                      <a:rPr lang="de-DE" b="1" i="1" smtClean="0">
-                        <a:latin typeface="Cambria Math" panose="02040503050406030204" pitchFamily="18" charset="0"/>
-                      </a:rPr>
-                      <m:t> &lt;</m:t>
-                    </m:r>
-                    <m:sSub>
-                      <m:sSubPr>
-                        <m:ctrlPr>
-                          <a:rPr lang="de-DE" b="1" i="1">
-                            <a:latin typeface="Cambria Math" panose="02040503050406030204" pitchFamily="18" charset="0"/>
-                          </a:rPr>
-                        </m:ctrlPr>
-                      </m:sSubPr>
-                      <m:e>
-                        <m:acc>
-                          <m:accPr>
-                            <m:chr m:val="̅"/>
-                            <m:ctrlPr>
-                              <a:rPr lang="de-DE" b="1" i="1">
-                                <a:latin typeface="Cambria Math" panose="02040503050406030204" pitchFamily="18" charset="0"/>
-                              </a:rPr>
-                            </m:ctrlPr>
-                          </m:accPr>
-                          <m:e>
-                            <m:r>
-                              <a:rPr lang="de-DE" b="1" i="1">
-                                <a:latin typeface="Cambria Math" panose="02040503050406030204" pitchFamily="18" charset="0"/>
-                              </a:rPr>
-                              <m:t>𝑰</m:t>
-                            </m:r>
-                          </m:e>
-                        </m:acc>
-                      </m:e>
-                      <m:sub>
-                        <m:r>
-                          <a:rPr lang="de-DE" b="1" i="1">
-                            <a:latin typeface="Cambria Math" panose="02040503050406030204" pitchFamily="18" charset="0"/>
-                          </a:rPr>
-                          <m:t>𝟎</m:t>
-                        </m:r>
-                        <m:r>
-                          <a:rPr lang="de-DE" b="1" i="1">
-                            <a:latin typeface="Cambria Math" panose="02040503050406030204" pitchFamily="18" charset="0"/>
-                          </a:rPr>
-                          <m:t>,</m:t>
-                        </m:r>
-                        <m:r>
-                          <a:rPr lang="de-DE" b="1" i="1">
-                            <a:latin typeface="Cambria Math" panose="02040503050406030204" pitchFamily="18" charset="0"/>
-                          </a:rPr>
-                          <m:t>𝒌𝒓𝒊𝒕</m:t>
-                        </m:r>
-                      </m:sub>
-                    </m:sSub>
-                  </m:oMath>
-                </a14:m>
-                <a:endParaRPr lang="de-DE" b="1" i="1" dirty="0"/>
-              </a:p>
-            </p:txBody>
-          </p:sp>
-        </mc:Choice>
-        <mc:Fallback>
-          <p:sp>
-            <p:nvSpPr>
-              <p:cNvPr id="10" name="Inhaltsplatzhalter 2">
-                <a:extLst>
-                  <a:ext uri="{FF2B5EF4-FFF2-40B4-BE49-F238E27FC236}">
-                    <a16:creationId xmlns:a16="http://schemas.microsoft.com/office/drawing/2014/main" id="{CC8E4A64-E190-54EA-9FE1-384F01AC85F9}"/>
-                  </a:ext>
-                </a:extLst>
-              </p:cNvPr>
-              <p:cNvSpPr txBox="1">
-                <a:spLocks noRot="1" noChangeAspect="1" noMove="1" noResize="1" noEditPoints="1" noAdjustHandles="1" noChangeArrowheads="1" noChangeShapeType="1" noTextEdit="1"/>
-              </p:cNvSpPr>
-              <p:nvPr/>
-            </p:nvSpPr>
-            <p:spPr>
-              <a:xfrm>
-                <a:off x="1379524" y="1445220"/>
-                <a:ext cx="10094927" cy="4690468"/>
-              </a:xfrm>
-              <a:prstGeom prst="rect">
-                <a:avLst/>
-              </a:prstGeom>
-              <a:blipFill>
-                <a:blip r:embed="rId5"/>
-                <a:stretch>
-                  <a:fillRect l="-1510" t="-1299"/>
-                </a:stretch>
-              </a:blipFill>
-            </p:spPr>
-            <p:txBody>
-              <a:bodyPr/>
-              <a:lstStyle/>
-              <a:p>
-                <a:r>
-                  <a:rPr lang="de-DE">
-                    <a:noFill/>
-                  </a:rPr>
-                  <a:t> </a:t>
-                </a:r>
-              </a:p>
-            </p:txBody>
-          </p:sp>
-        </mc:Fallback>
-      </mc:AlternateContent>
     </p:spTree>
     <p:extLst>
       <p:ext uri="{BB962C8B-B14F-4D97-AF65-F5344CB8AC3E}">
-        <p14:creationId xmlns:p14="http://schemas.microsoft.com/office/powerpoint/2010/main" val="412918684"/>
+        <p14:creationId xmlns:p14="http://schemas.microsoft.com/office/powerpoint/2010/main" val="1844874677"/>
       </p:ext>
     </p:extLst>
   </p:cSld>
